--- a/lessons/part_3/production_3.pptx
+++ b/lessons/part_3/production_3.pptx
@@ -1,9 +1,12 @@
 
 <file path=ppt/presentation.xml><?xml version="1.0" encoding="utf-8"?>
-<p:presentation xmlns:a="http://schemas.openxmlformats.org/drawingml/2006/main" xmlns:p="http://schemas.openxmlformats.org/presentationml/2006/main" xmlns:r="http://schemas.openxmlformats.org/officeDocument/2006/relationships" saveSubsetFonts="1">
+<p:presentation xmlns:a="http://schemas.openxmlformats.org/drawingml/2006/main" xmlns:r="http://schemas.openxmlformats.org/officeDocument/2006/relationships" xmlns:p="http://schemas.openxmlformats.org/presentationml/2006/main" showSpecialPlsOnTitleSld="0" saveSubsetFonts="1">
   <p:sldMasterIdLst>
     <p:sldMasterId id="2147484296" r:id="rId1"/>
   </p:sldMasterIdLst>
+  <p:notesMasterIdLst>
+    <p:notesMasterId r:id="rId25"/>
+  </p:notesMasterIdLst>
   <p:sldIdLst>
     <p:sldId id="256" r:id="rId2"/>
     <p:sldId id="257" r:id="rId3"/>
@@ -35,8 +38,8 @@
     <a:defPPr>
       <a:defRPr lang="en-US"/>
     </a:defPPr>
-    <a:lvl1pPr algn="l" defTabSz="457200" eaLnBrk="1" hangingPunct="1" latinLnBrk="0" marL="0" rtl="0">
-      <a:defRPr kern="1200" sz="1800">
+    <a:lvl1pPr marL="0" algn="l" defTabSz="457200" rtl="0" eaLnBrk="1" latinLnBrk="0" hangingPunct="1">
+      <a:defRPr sz="1800" kern="1200">
         <a:solidFill>
           <a:schemeClr val="tx1"/>
         </a:solidFill>
@@ -45,8 +48,8 @@
         <a:cs typeface="+mn-cs"/>
       </a:defRPr>
     </a:lvl1pPr>
-    <a:lvl2pPr algn="l" defTabSz="457200" eaLnBrk="1" hangingPunct="1" latinLnBrk="0" marL="457200" rtl="0">
-      <a:defRPr kern="1200" sz="1800">
+    <a:lvl2pPr marL="457200" algn="l" defTabSz="457200" rtl="0" eaLnBrk="1" latinLnBrk="0" hangingPunct="1">
+      <a:defRPr sz="1800" kern="1200">
         <a:solidFill>
           <a:schemeClr val="tx1"/>
         </a:solidFill>
@@ -55,8 +58,8 @@
         <a:cs typeface="+mn-cs"/>
       </a:defRPr>
     </a:lvl2pPr>
-    <a:lvl3pPr algn="l" defTabSz="457200" eaLnBrk="1" hangingPunct="1" latinLnBrk="0" marL="914400" rtl="0">
-      <a:defRPr kern="1200" sz="1800">
+    <a:lvl3pPr marL="914400" algn="l" defTabSz="457200" rtl="0" eaLnBrk="1" latinLnBrk="0" hangingPunct="1">
+      <a:defRPr sz="1800" kern="1200">
         <a:solidFill>
           <a:schemeClr val="tx1"/>
         </a:solidFill>
@@ -65,8 +68,8 @@
         <a:cs typeface="+mn-cs"/>
       </a:defRPr>
     </a:lvl3pPr>
-    <a:lvl4pPr algn="l" defTabSz="457200" eaLnBrk="1" hangingPunct="1" latinLnBrk="0" marL="1371600" rtl="0">
-      <a:defRPr kern="1200" sz="1800">
+    <a:lvl4pPr marL="1371600" algn="l" defTabSz="457200" rtl="0" eaLnBrk="1" latinLnBrk="0" hangingPunct="1">
+      <a:defRPr sz="1800" kern="1200">
         <a:solidFill>
           <a:schemeClr val="tx1"/>
         </a:solidFill>
@@ -75,8 +78,8 @@
         <a:cs typeface="+mn-cs"/>
       </a:defRPr>
     </a:lvl4pPr>
-    <a:lvl5pPr algn="l" defTabSz="457200" eaLnBrk="1" hangingPunct="1" latinLnBrk="0" marL="1828800" rtl="0">
-      <a:defRPr kern="1200" sz="1800">
+    <a:lvl5pPr marL="1828800" algn="l" defTabSz="457200" rtl="0" eaLnBrk="1" latinLnBrk="0" hangingPunct="1">
+      <a:defRPr sz="1800" kern="1200">
         <a:solidFill>
           <a:schemeClr val="tx1"/>
         </a:solidFill>
@@ -85,8 +88,8 @@
         <a:cs typeface="+mn-cs"/>
       </a:defRPr>
     </a:lvl5pPr>
-    <a:lvl6pPr algn="l" defTabSz="457200" eaLnBrk="1" hangingPunct="1" latinLnBrk="0" marL="2286000" rtl="0">
-      <a:defRPr kern="1200" sz="1800">
+    <a:lvl6pPr marL="2286000" algn="l" defTabSz="457200" rtl="0" eaLnBrk="1" latinLnBrk="0" hangingPunct="1">
+      <a:defRPr sz="1800" kern="1200">
         <a:solidFill>
           <a:schemeClr val="tx1"/>
         </a:solidFill>
@@ -95,8 +98,8 @@
         <a:cs typeface="+mn-cs"/>
       </a:defRPr>
     </a:lvl6pPr>
-    <a:lvl7pPr algn="l" defTabSz="457200" eaLnBrk="1" hangingPunct="1" latinLnBrk="0" marL="2743200" rtl="0">
-      <a:defRPr kern="1200" sz="1800">
+    <a:lvl7pPr marL="2743200" algn="l" defTabSz="457200" rtl="0" eaLnBrk="1" latinLnBrk="0" hangingPunct="1">
+      <a:defRPr sz="1800" kern="1200">
         <a:solidFill>
           <a:schemeClr val="tx1"/>
         </a:solidFill>
@@ -105,8 +108,8 @@
         <a:cs typeface="+mn-cs"/>
       </a:defRPr>
     </a:lvl7pPr>
-    <a:lvl8pPr algn="l" defTabSz="457200" eaLnBrk="1" hangingPunct="1" latinLnBrk="0" marL="3200400" rtl="0">
-      <a:defRPr kern="1200" sz="1800">
+    <a:lvl8pPr marL="3200400" algn="l" defTabSz="457200" rtl="0" eaLnBrk="1" latinLnBrk="0" hangingPunct="1">
+      <a:defRPr sz="1800" kern="1200">
         <a:solidFill>
           <a:schemeClr val="tx1"/>
         </a:solidFill>
@@ -115,8 +118,8 @@
         <a:cs typeface="+mn-cs"/>
       </a:defRPr>
     </a:lvl8pPr>
-    <a:lvl9pPr algn="l" defTabSz="457200" eaLnBrk="1" hangingPunct="1" latinLnBrk="0" marL="3657600" rtl="0">
-      <a:defRPr kern="1200" sz="1800">
+    <a:lvl9pPr marL="3657600" algn="l" defTabSz="457200" rtl="0" eaLnBrk="1" latinLnBrk="0" hangingPunct="1">
+      <a:defRPr sz="1800" kern="1200">
         <a:solidFill>
           <a:schemeClr val="tx1"/>
         </a:solidFill>
@@ -132,6 +135,356 @@
     </p:ext>
   </p:extLst>
 </p:presentation>
+</file>
+
+<file path=ppt/notesMasters/notesMaster1.xml><?xml version="1.0" encoding="utf-8"?>
+<p:notesMaster xmlns:a="http://schemas.openxmlformats.org/drawingml/2006/main" xmlns:r="http://schemas.openxmlformats.org/officeDocument/2006/relationships" xmlns:p="http://schemas.openxmlformats.org/presentationml/2006/main">
+  <p:cSld>
+    <p:bg>
+      <p:bgRef idx="1001">
+        <a:schemeClr val="bg1"/>
+      </p:bgRef>
+    </p:bg>
+    <p:spTree>
+      <p:nvGrpSpPr>
+        <p:cNvPr id="1" name=""/>
+        <p:cNvGrpSpPr/>
+        <p:nvPr/>
+      </p:nvGrpSpPr>
+      <p:grpSpPr>
+        <a:xfrm>
+          <a:off x="0" y="0"/>
+          <a:ext cx="0" cy="0"/>
+          <a:chOff x="0" y="0"/>
+          <a:chExt cx="0" cy="0"/>
+        </a:xfrm>
+      </p:grpSpPr>
+      <p:sp>
+        <p:nvSpPr>
+          <p:cNvPr id="2" name="Header Placeholder 1"/>
+          <p:cNvSpPr>
+            <a:spLocks noGrp="1"/>
+          </p:cNvSpPr>
+          <p:nvPr>
+            <p:ph type="hdr" sz="quarter"/>
+          </p:nvPr>
+        </p:nvSpPr>
+        <p:spPr>
+          <a:xfrm>
+            <a:off x="0" y="0"/>
+            <a:ext cx="2971800" cy="458788"/>
+          </a:xfrm>
+          <a:prstGeom prst="rect">
+            <a:avLst/>
+          </a:prstGeom>
+        </p:spPr>
+        <p:txBody>
+          <a:bodyPr vert="horz" lIns="91440" tIns="45720" rIns="91440" bIns="45720" rtlCol="0"/>
+          <a:lstStyle>
+            <a:lvl1pPr algn="l">
+              <a:defRPr sz="1200"/>
+            </a:lvl1pPr>
+          </a:lstStyle>
+          <a:p>
+            <a:endParaRPr lang="en-CA"/>
+          </a:p>
+        </p:txBody>
+      </p:sp>
+      <p:sp>
+        <p:nvSpPr>
+          <p:cNvPr id="3" name="Date Placeholder 2"/>
+          <p:cNvSpPr>
+            <a:spLocks noGrp="1"/>
+          </p:cNvSpPr>
+          <p:nvPr>
+            <p:ph type="dt" idx="1"/>
+          </p:nvPr>
+        </p:nvSpPr>
+        <p:spPr>
+          <a:xfrm>
+            <a:off x="3884613" y="0"/>
+            <a:ext cx="2971800" cy="458788"/>
+          </a:xfrm>
+          <a:prstGeom prst="rect">
+            <a:avLst/>
+          </a:prstGeom>
+        </p:spPr>
+        <p:txBody>
+          <a:bodyPr vert="horz" lIns="91440" tIns="45720" rIns="91440" bIns="45720" rtlCol="0"/>
+          <a:lstStyle>
+            <a:lvl1pPr algn="r">
+              <a:defRPr sz="1200"/>
+            </a:lvl1pPr>
+          </a:lstStyle>
+          <a:p>
+            <a:fld id="{7B874FDB-6191-4CB1-8DA7-BB424C5B9443}" type="datetimeFigureOut">
+              <a:rPr lang="en-CA" smtClean="0"/>
+              <a:t>2024-02-05</a:t>
+            </a:fld>
+            <a:endParaRPr lang="en-CA"/>
+          </a:p>
+        </p:txBody>
+      </p:sp>
+      <p:sp>
+        <p:nvSpPr>
+          <p:cNvPr id="4" name="Slide Image Placeholder 3"/>
+          <p:cNvSpPr>
+            <a:spLocks noGrp="1" noRot="1" noChangeAspect="1"/>
+          </p:cNvSpPr>
+          <p:nvPr>
+            <p:ph type="sldImg" idx="2"/>
+          </p:nvPr>
+        </p:nvSpPr>
+        <p:spPr>
+          <a:xfrm>
+            <a:off x="685800" y="1143000"/>
+            <a:ext cx="5486400" cy="3086100"/>
+          </a:xfrm>
+          <a:prstGeom prst="rect">
+            <a:avLst/>
+          </a:prstGeom>
+          <a:noFill/>
+          <a:ln w="12700">
+            <a:solidFill>
+              <a:prstClr val="black"/>
+            </a:solidFill>
+          </a:ln>
+        </p:spPr>
+        <p:txBody>
+          <a:bodyPr vert="horz" lIns="91440" tIns="45720" rIns="91440" bIns="45720" rtlCol="0" anchor="ctr"/>
+          <a:lstStyle/>
+          <a:p>
+            <a:endParaRPr lang="en-CA"/>
+          </a:p>
+        </p:txBody>
+      </p:sp>
+      <p:sp>
+        <p:nvSpPr>
+          <p:cNvPr id="5" name="Notes Placeholder 4"/>
+          <p:cNvSpPr>
+            <a:spLocks noGrp="1"/>
+          </p:cNvSpPr>
+          <p:nvPr>
+            <p:ph type="body" sz="quarter" idx="3"/>
+          </p:nvPr>
+        </p:nvSpPr>
+        <p:spPr>
+          <a:xfrm>
+            <a:off x="685800" y="4400550"/>
+            <a:ext cx="5486400" cy="3600450"/>
+          </a:xfrm>
+          <a:prstGeom prst="rect">
+            <a:avLst/>
+          </a:prstGeom>
+        </p:spPr>
+        <p:txBody>
+          <a:bodyPr vert="horz" lIns="91440" tIns="45720" rIns="91440" bIns="45720" rtlCol="0"/>
+          <a:lstStyle/>
+          <a:p>
+            <a:pPr lvl="0"/>
+            <a:r>
+              <a:rPr lang="en-US"/>
+              <a:t>Click to edit Master text styles</a:t>
+            </a:r>
+          </a:p>
+          <a:p>
+            <a:pPr lvl="1"/>
+            <a:r>
+              <a:rPr lang="en-US"/>
+              <a:t>Second level</a:t>
+            </a:r>
+          </a:p>
+          <a:p>
+            <a:pPr lvl="2"/>
+            <a:r>
+              <a:rPr lang="en-US"/>
+              <a:t>Third level</a:t>
+            </a:r>
+          </a:p>
+          <a:p>
+            <a:pPr lvl="3"/>
+            <a:r>
+              <a:rPr lang="en-US"/>
+              <a:t>Fourth level</a:t>
+            </a:r>
+          </a:p>
+          <a:p>
+            <a:pPr lvl="4"/>
+            <a:r>
+              <a:rPr lang="en-US"/>
+              <a:t>Fifth level</a:t>
+            </a:r>
+            <a:endParaRPr lang="en-CA"/>
+          </a:p>
+        </p:txBody>
+      </p:sp>
+      <p:sp>
+        <p:nvSpPr>
+          <p:cNvPr id="6" name="Footer Placeholder 5"/>
+          <p:cNvSpPr>
+            <a:spLocks noGrp="1"/>
+          </p:cNvSpPr>
+          <p:nvPr>
+            <p:ph type="ftr" sz="quarter" idx="4"/>
+          </p:nvPr>
+        </p:nvSpPr>
+        <p:spPr>
+          <a:xfrm>
+            <a:off x="0" y="8685213"/>
+            <a:ext cx="2971800" cy="458787"/>
+          </a:xfrm>
+          <a:prstGeom prst="rect">
+            <a:avLst/>
+          </a:prstGeom>
+        </p:spPr>
+        <p:txBody>
+          <a:bodyPr vert="horz" lIns="91440" tIns="45720" rIns="91440" bIns="45720" rtlCol="0" anchor="b"/>
+          <a:lstStyle>
+            <a:lvl1pPr algn="l">
+              <a:defRPr sz="1200"/>
+            </a:lvl1pPr>
+          </a:lstStyle>
+          <a:p>
+            <a:endParaRPr lang="en-CA"/>
+          </a:p>
+        </p:txBody>
+      </p:sp>
+      <p:sp>
+        <p:nvSpPr>
+          <p:cNvPr id="7" name="Slide Number Placeholder 6"/>
+          <p:cNvSpPr>
+            <a:spLocks noGrp="1"/>
+          </p:cNvSpPr>
+          <p:nvPr>
+            <p:ph type="sldNum" sz="quarter" idx="5"/>
+          </p:nvPr>
+        </p:nvSpPr>
+        <p:spPr>
+          <a:xfrm>
+            <a:off x="3884613" y="8685213"/>
+            <a:ext cx="2971800" cy="458787"/>
+          </a:xfrm>
+          <a:prstGeom prst="rect">
+            <a:avLst/>
+          </a:prstGeom>
+        </p:spPr>
+        <p:txBody>
+          <a:bodyPr vert="horz" lIns="91440" tIns="45720" rIns="91440" bIns="45720" rtlCol="0" anchor="b"/>
+          <a:lstStyle>
+            <a:lvl1pPr algn="r">
+              <a:defRPr sz="1200"/>
+            </a:lvl1pPr>
+          </a:lstStyle>
+          <a:p>
+            <a:fld id="{14132668-828E-4998-82FF-0ECB3A3E6CC4}" type="slidenum">
+              <a:rPr lang="en-CA" smtClean="0"/>
+              <a:t>‹#›</a:t>
+            </a:fld>
+            <a:endParaRPr lang="en-CA"/>
+          </a:p>
+        </p:txBody>
+      </p:sp>
+    </p:spTree>
+    <p:extLst>
+      <p:ext uri="{BB962C8B-B14F-4D97-AF65-F5344CB8AC3E}">
+        <p14:creationId xmlns:p14="http://schemas.microsoft.com/office/powerpoint/2010/main" val="2394017620"/>
+      </p:ext>
+    </p:extLst>
+  </p:cSld>
+  <p:clrMap bg1="lt1" tx1="dk1" bg2="lt2" tx2="dk2" accent1="accent1" accent2="accent2" accent3="accent3" accent4="accent4" accent5="accent5" accent6="accent6" hlink="hlink" folHlink="folHlink"/>
+  <p:notesStyle>
+    <a:lvl1pPr marL="0" algn="l" defTabSz="914400" rtl="0" eaLnBrk="1" latinLnBrk="0" hangingPunct="1">
+      <a:defRPr sz="1200" kern="1200">
+        <a:solidFill>
+          <a:schemeClr val="tx1"/>
+        </a:solidFill>
+        <a:latin typeface="+mn-lt"/>
+        <a:ea typeface="+mn-ea"/>
+        <a:cs typeface="+mn-cs"/>
+      </a:defRPr>
+    </a:lvl1pPr>
+    <a:lvl2pPr marL="457200" algn="l" defTabSz="914400" rtl="0" eaLnBrk="1" latinLnBrk="0" hangingPunct="1">
+      <a:defRPr sz="1200" kern="1200">
+        <a:solidFill>
+          <a:schemeClr val="tx1"/>
+        </a:solidFill>
+        <a:latin typeface="+mn-lt"/>
+        <a:ea typeface="+mn-ea"/>
+        <a:cs typeface="+mn-cs"/>
+      </a:defRPr>
+    </a:lvl2pPr>
+    <a:lvl3pPr marL="914400" algn="l" defTabSz="914400" rtl="0" eaLnBrk="1" latinLnBrk="0" hangingPunct="1">
+      <a:defRPr sz="1200" kern="1200">
+        <a:solidFill>
+          <a:schemeClr val="tx1"/>
+        </a:solidFill>
+        <a:latin typeface="+mn-lt"/>
+        <a:ea typeface="+mn-ea"/>
+        <a:cs typeface="+mn-cs"/>
+      </a:defRPr>
+    </a:lvl3pPr>
+    <a:lvl4pPr marL="1371600" algn="l" defTabSz="914400" rtl="0" eaLnBrk="1" latinLnBrk="0" hangingPunct="1">
+      <a:defRPr sz="1200" kern="1200">
+        <a:solidFill>
+          <a:schemeClr val="tx1"/>
+        </a:solidFill>
+        <a:latin typeface="+mn-lt"/>
+        <a:ea typeface="+mn-ea"/>
+        <a:cs typeface="+mn-cs"/>
+      </a:defRPr>
+    </a:lvl4pPr>
+    <a:lvl5pPr marL="1828800" algn="l" defTabSz="914400" rtl="0" eaLnBrk="1" latinLnBrk="0" hangingPunct="1">
+      <a:defRPr sz="1200" kern="1200">
+        <a:solidFill>
+          <a:schemeClr val="tx1"/>
+        </a:solidFill>
+        <a:latin typeface="+mn-lt"/>
+        <a:ea typeface="+mn-ea"/>
+        <a:cs typeface="+mn-cs"/>
+      </a:defRPr>
+    </a:lvl5pPr>
+    <a:lvl6pPr marL="2286000" algn="l" defTabSz="914400" rtl="0" eaLnBrk="1" latinLnBrk="0" hangingPunct="1">
+      <a:defRPr sz="1200" kern="1200">
+        <a:solidFill>
+          <a:schemeClr val="tx1"/>
+        </a:solidFill>
+        <a:latin typeface="+mn-lt"/>
+        <a:ea typeface="+mn-ea"/>
+        <a:cs typeface="+mn-cs"/>
+      </a:defRPr>
+    </a:lvl6pPr>
+    <a:lvl7pPr marL="2743200" algn="l" defTabSz="914400" rtl="0" eaLnBrk="1" latinLnBrk="0" hangingPunct="1">
+      <a:defRPr sz="1200" kern="1200">
+        <a:solidFill>
+          <a:schemeClr val="tx1"/>
+        </a:solidFill>
+        <a:latin typeface="+mn-lt"/>
+        <a:ea typeface="+mn-ea"/>
+        <a:cs typeface="+mn-cs"/>
+      </a:defRPr>
+    </a:lvl7pPr>
+    <a:lvl8pPr marL="3200400" algn="l" defTabSz="914400" rtl="0" eaLnBrk="1" latinLnBrk="0" hangingPunct="1">
+      <a:defRPr sz="1200" kern="1200">
+        <a:solidFill>
+          <a:schemeClr val="tx1"/>
+        </a:solidFill>
+        <a:latin typeface="+mn-lt"/>
+        <a:ea typeface="+mn-ea"/>
+        <a:cs typeface="+mn-cs"/>
+      </a:defRPr>
+    </a:lvl8pPr>
+    <a:lvl9pPr marL="3657600" algn="l" defTabSz="914400" rtl="0" eaLnBrk="1" latinLnBrk="0" hangingPunct="1">
+      <a:defRPr sz="1200" kern="1200">
+        <a:solidFill>
+          <a:schemeClr val="tx1"/>
+        </a:solidFill>
+        <a:latin typeface="+mn-lt"/>
+        <a:ea typeface="+mn-ea"/>
+        <a:cs typeface="+mn-cs"/>
+      </a:defRPr>
+    </a:lvl9pPr>
+  </p:notesStyle>
+</p:notesMaster>
 </file>
 
 <file path=ppt/slideLayouts/slideLayout1.xml><?xml version="1.0" encoding="utf-8"?>
@@ -330,11 +683,10 @@
             </a:lvl1pPr>
           </a:lstStyle>
           <a:p>
-            <a:fld id="{91E254DF-DAF9-438F-92A9-B044143B9B02}" type="datetimeFigureOut">
-              <a:rPr lang="en-CA" smtClean="0"/>
-              <a:t>2024-02-01</a:t>
-            </a:fld>
-            <a:endParaRPr lang="en-CA"/>
+            <a:r>
+              <a:rPr lang="en-CA"/>
+              <a:t>February 2024</a:t>
+            </a:r>
           </a:p>
         </p:txBody>
       </p:sp>
@@ -363,6 +715,10 @@
             </a:lvl1pPr>
           </a:lstStyle>
           <a:p>
+            <a:r>
+              <a:rPr lang="en-US"/>
+              <a:t>Production 3 - Working with Training Data</a:t>
+            </a:r>
             <a:endParaRPr lang="en-CA"/>
           </a:p>
         </p:txBody>
@@ -520,11 +876,10 @@
           <a:bodyPr/>
           <a:lstStyle/>
           <a:p>
-            <a:fld id="{91E254DF-DAF9-438F-92A9-B044143B9B02}" type="datetimeFigureOut">
-              <a:rPr lang="en-CA" smtClean="0"/>
-              <a:t>2024-02-01</a:t>
-            </a:fld>
-            <a:endParaRPr lang="en-CA"/>
+            <a:r>
+              <a:rPr lang="en-CA"/>
+              <a:t>February 2024</a:t>
+            </a:r>
           </a:p>
         </p:txBody>
       </p:sp>
@@ -543,6 +898,10 @@
           <a:bodyPr/>
           <a:lstStyle/>
           <a:p>
+            <a:r>
+              <a:rPr lang="en-US"/>
+              <a:t>Production 3 - Working with Training Data</a:t>
+            </a:r>
             <a:endParaRPr lang="en-CA"/>
           </a:p>
         </p:txBody>
@@ -700,11 +1059,10 @@
           <a:bodyPr/>
           <a:lstStyle/>
           <a:p>
-            <a:fld id="{91E254DF-DAF9-438F-92A9-B044143B9B02}" type="datetimeFigureOut">
-              <a:rPr lang="en-CA" smtClean="0"/>
-              <a:t>2024-02-01</a:t>
-            </a:fld>
-            <a:endParaRPr lang="en-CA"/>
+            <a:r>
+              <a:rPr lang="en-CA"/>
+              <a:t>February 2024</a:t>
+            </a:r>
           </a:p>
         </p:txBody>
       </p:sp>
@@ -723,6 +1081,10 @@
           <a:bodyPr/>
           <a:lstStyle/>
           <a:p>
+            <a:r>
+              <a:rPr lang="en-US"/>
+              <a:t>Production 3 - Working with Training Data</a:t>
+            </a:r>
             <a:endParaRPr lang="en-CA"/>
           </a:p>
         </p:txBody>
@@ -870,11 +1232,10 @@
           <a:bodyPr/>
           <a:lstStyle/>
           <a:p>
-            <a:fld id="{91E254DF-DAF9-438F-92A9-B044143B9B02}" type="datetimeFigureOut">
-              <a:rPr lang="en-CA" smtClean="0"/>
-              <a:t>2024-02-01</a:t>
-            </a:fld>
-            <a:endParaRPr lang="en-CA"/>
+            <a:r>
+              <a:rPr lang="en-CA"/>
+              <a:t>February 2024</a:t>
+            </a:r>
           </a:p>
         </p:txBody>
       </p:sp>
@@ -893,6 +1254,10 @@
           <a:bodyPr/>
           <a:lstStyle/>
           <a:p>
+            <a:r>
+              <a:rPr lang="en-US"/>
+              <a:t>Production 3 - Working with Training Data</a:t>
+            </a:r>
             <a:endParaRPr lang="en-CA"/>
           </a:p>
         </p:txBody>
@@ -1126,11 +1491,10 @@
           <a:bodyPr/>
           <a:lstStyle/>
           <a:p>
-            <a:fld id="{91E254DF-DAF9-438F-92A9-B044143B9B02}" type="datetimeFigureOut">
-              <a:rPr lang="en-CA" smtClean="0"/>
-              <a:t>2024-02-01</a:t>
-            </a:fld>
-            <a:endParaRPr lang="en-CA"/>
+            <a:r>
+              <a:rPr lang="en-CA"/>
+              <a:t>February 2024</a:t>
+            </a:r>
           </a:p>
         </p:txBody>
       </p:sp>
@@ -1149,6 +1513,10 @@
           <a:bodyPr/>
           <a:lstStyle/>
           <a:p>
+            <a:r>
+              <a:rPr lang="en-US"/>
+              <a:t>Production 3 - Working with Training Data</a:t>
+            </a:r>
             <a:endParaRPr lang="en-CA"/>
           </a:p>
         </p:txBody>
@@ -1414,11 +1782,10 @@
           <a:bodyPr/>
           <a:lstStyle/>
           <a:p>
-            <a:fld id="{91E254DF-DAF9-438F-92A9-B044143B9B02}" type="datetimeFigureOut">
-              <a:rPr lang="en-CA" smtClean="0"/>
-              <a:t>2024-02-01</a:t>
-            </a:fld>
-            <a:endParaRPr lang="en-CA"/>
+            <a:r>
+              <a:rPr lang="en-CA"/>
+              <a:t>February 2024</a:t>
+            </a:r>
           </a:p>
         </p:txBody>
       </p:sp>
@@ -1437,6 +1804,10 @@
           <a:bodyPr/>
           <a:lstStyle/>
           <a:p>
+            <a:r>
+              <a:rPr lang="en-US"/>
+              <a:t>Production 3 - Working with Training Data</a:t>
+            </a:r>
             <a:endParaRPr lang="en-CA"/>
           </a:p>
         </p:txBody>
@@ -1852,11 +2223,10 @@
           <a:bodyPr/>
           <a:lstStyle/>
           <a:p>
-            <a:fld id="{91E254DF-DAF9-438F-92A9-B044143B9B02}" type="datetimeFigureOut">
-              <a:rPr lang="en-CA" smtClean="0"/>
-              <a:t>2024-02-01</a:t>
-            </a:fld>
-            <a:endParaRPr lang="en-CA"/>
+            <a:r>
+              <a:rPr lang="en-CA"/>
+              <a:t>February 2024</a:t>
+            </a:r>
           </a:p>
         </p:txBody>
       </p:sp>
@@ -1875,6 +2245,10 @@
           <a:bodyPr/>
           <a:lstStyle/>
           <a:p>
+            <a:r>
+              <a:rPr lang="en-US"/>
+              <a:t>Production 3 - Working with Training Data</a:t>
+            </a:r>
             <a:endParaRPr lang="en-CA"/>
           </a:p>
         </p:txBody>
@@ -1970,11 +2344,10 @@
           <a:bodyPr/>
           <a:lstStyle/>
           <a:p>
-            <a:fld id="{91E254DF-DAF9-438F-92A9-B044143B9B02}" type="datetimeFigureOut">
-              <a:rPr lang="en-CA" smtClean="0"/>
-              <a:t>2024-02-01</a:t>
-            </a:fld>
-            <a:endParaRPr lang="en-CA"/>
+            <a:r>
+              <a:rPr lang="en-CA"/>
+              <a:t>February 2024</a:t>
+            </a:r>
           </a:p>
         </p:txBody>
       </p:sp>
@@ -1993,6 +2366,10 @@
           <a:bodyPr/>
           <a:lstStyle/>
           <a:p>
+            <a:r>
+              <a:rPr lang="en-US"/>
+              <a:t>Production 3 - Working with Training Data</a:t>
+            </a:r>
             <a:endParaRPr lang="en-CA"/>
           </a:p>
         </p:txBody>
@@ -2065,11 +2442,10 @@
           <a:bodyPr/>
           <a:lstStyle/>
           <a:p>
-            <a:fld id="{91E254DF-DAF9-438F-92A9-B044143B9B02}" type="datetimeFigureOut">
-              <a:rPr lang="en-CA" smtClean="0"/>
-              <a:t>2024-02-01</a:t>
-            </a:fld>
-            <a:endParaRPr lang="en-CA"/>
+            <a:r>
+              <a:rPr lang="en-CA"/>
+              <a:t>February 2024</a:t>
+            </a:r>
           </a:p>
         </p:txBody>
       </p:sp>
@@ -2088,6 +2464,10 @@
           <a:bodyPr/>
           <a:lstStyle/>
           <a:p>
+            <a:r>
+              <a:rPr lang="en-US"/>
+              <a:t>Production 3 - Working with Training Data</a:t>
+            </a:r>
             <a:endParaRPr lang="en-CA"/>
           </a:p>
         </p:txBody>
@@ -2421,11 +2801,10 @@
           <a:bodyPr/>
           <a:lstStyle/>
           <a:p>
-            <a:fld id="{91E254DF-DAF9-438F-92A9-B044143B9B02}" type="datetimeFigureOut">
-              <a:rPr lang="en-CA" smtClean="0"/>
-              <a:t>2024-02-01</a:t>
-            </a:fld>
-            <a:endParaRPr lang="en-CA"/>
+            <a:r>
+              <a:rPr lang="en-CA"/>
+              <a:t>February 2024</a:t>
+            </a:r>
           </a:p>
         </p:txBody>
       </p:sp>
@@ -2444,6 +2823,10 @@
           <a:bodyPr/>
           <a:lstStyle/>
           <a:p>
+            <a:r>
+              <a:rPr lang="en-US"/>
+              <a:t>Production 3 - Working with Training Data</a:t>
+            </a:r>
             <a:endParaRPr lang="en-CA"/>
           </a:p>
         </p:txBody>
@@ -2737,11 +3120,10 @@
             </a:lvl1pPr>
           </a:lstStyle>
           <a:p>
-            <a:fld id="{91E254DF-DAF9-438F-92A9-B044143B9B02}" type="datetimeFigureOut">
-              <a:rPr lang="en-CA" smtClean="0"/>
-              <a:t>2024-02-01</a:t>
-            </a:fld>
-            <a:endParaRPr lang="en-CA"/>
+            <a:r>
+              <a:rPr lang="en-CA"/>
+              <a:t>February 2024</a:t>
+            </a:r>
           </a:p>
         </p:txBody>
       </p:sp>
@@ -2770,6 +3152,10 @@
             </a:lvl1pPr>
           </a:lstStyle>
           <a:p>
+            <a:r>
+              <a:rPr lang="en-US"/>
+              <a:t>Production 3 - Working with Training Data</a:t>
+            </a:r>
             <a:endParaRPr lang="en-CA"/>
           </a:p>
         </p:txBody>
@@ -2821,7 +3207,7 @@
 </file>
 
 <file path=ppt/slideMasters/slideMaster1.xml><?xml version="1.0" encoding="utf-8"?>
-<p:sldMaster xmlns:a="http://schemas.openxmlformats.org/drawingml/2006/main" xmlns:p="http://schemas.openxmlformats.org/presentationml/2006/main" xmlns:r="http://schemas.openxmlformats.org/officeDocument/2006/relationships">
+<p:sldMaster xmlns:a="http://schemas.openxmlformats.org/drawingml/2006/main" xmlns:r="http://schemas.openxmlformats.org/officeDocument/2006/relationships" xmlns:p="http://schemas.openxmlformats.org/presentationml/2006/main">
   <p:cSld>
     <p:bg>
       <p:bgRef idx="1001">
@@ -2862,13 +3248,13 @@
           </a:prstGeom>
         </p:spPr>
         <p:txBody>
-          <a:bodyPr anchor="ctr" bIns="45720" lIns="91440" rIns="91440" rtlCol="0" tIns="45720" vert="horz">
+          <a:bodyPr vert="horz" lIns="91440" tIns="45720" rIns="91440" bIns="45720" rtlCol="0" anchor="ctr">
             <a:normAutofit/>
           </a:bodyPr>
           <a:lstStyle/>
           <a:p>
             <a:r>
-              <a:rPr dirty="0" lang="en-US"/>
+              <a:rPr lang="en-US" dirty="0"/>
               <a:t>Click to edit Master title style</a:t>
             </a:r>
           </a:p>
@@ -2881,7 +3267,7 @@
             <a:spLocks noGrp="1"/>
           </p:cNvSpPr>
           <p:nvPr>
-            <p:ph idx="1" type="body"/>
+            <p:ph type="body" idx="1"/>
           </p:nvPr>
         </p:nvSpPr>
         <p:spPr>
@@ -2894,42 +3280,42 @@
           </a:prstGeom>
         </p:spPr>
         <p:txBody>
-          <a:bodyPr bIns="45720" lIns="91440" rIns="91440" rtlCol="0" tIns="45720" vert="horz">
+          <a:bodyPr vert="horz" lIns="91440" tIns="45720" rIns="91440" bIns="45720" rtlCol="0">
             <a:normAutofit/>
           </a:bodyPr>
           <a:lstStyle/>
           <a:p>
             <a:pPr lvl="0"/>
             <a:r>
-              <a:rPr dirty="0" lang="en-US"/>
+              <a:rPr lang="en-US" dirty="0"/>
               <a:t>Click to edit Master text styles</a:t>
             </a:r>
           </a:p>
           <a:p>
             <a:pPr lvl="1"/>
             <a:r>
-              <a:rPr dirty="0" lang="en-US"/>
+              <a:rPr lang="en-US" dirty="0"/>
               <a:t>Second level</a:t>
             </a:r>
           </a:p>
           <a:p>
             <a:pPr lvl="2"/>
             <a:r>
-              <a:rPr dirty="0" lang="en-US"/>
+              <a:rPr lang="en-US" dirty="0"/>
               <a:t>Third level</a:t>
             </a:r>
           </a:p>
           <a:p>
             <a:pPr lvl="3"/>
             <a:r>
-              <a:rPr dirty="0" lang="en-US"/>
+              <a:rPr lang="en-US" dirty="0"/>
               <a:t>Fourth level</a:t>
             </a:r>
           </a:p>
           <a:p>
             <a:pPr lvl="4"/>
             <a:r>
-              <a:rPr dirty="0" lang="en-US"/>
+              <a:rPr lang="en-US" dirty="0"/>
               <a:t>Fifth level</a:t>
             </a:r>
           </a:p>
@@ -2942,7 +3328,7 @@
             <a:spLocks noGrp="1"/>
           </p:cNvSpPr>
           <p:nvPr>
-            <p:ph idx="2" sz="half" type="dt"/>
+            <p:ph type="dt" sz="half" idx="2"/>
           </p:nvPr>
         </p:nvSpPr>
         <p:spPr>
@@ -2955,7 +3341,7 @@
           </a:prstGeom>
         </p:spPr>
         <p:txBody>
-          <a:bodyPr anchor="ctr" bIns="45720" lIns="91440" rIns="91440" rtlCol="0" tIns="45720" vert="horz"/>
+          <a:bodyPr vert="horz" lIns="91440" tIns="45720" rIns="91440" bIns="45720" rtlCol="0" anchor="ctr"/>
           <a:lstStyle>
             <a:lvl1pPr algn="l">
               <a:defRPr sz="950">
@@ -2968,11 +3354,10 @@
             </a:lvl1pPr>
           </a:lstStyle>
           <a:p>
-            <a:fld id="{91E254DF-DAF9-438F-92A9-B044143B9B02}" type="datetimeFigureOut">
-              <a:rPr lang="en-CA" smtClean="0"/>
-              <a:t>2024-02-01</a:t>
-            </a:fld>
-            <a:endParaRPr lang="en-CA"/>
+            <a:r>
+              <a:rPr lang="en-CA"/>
+              <a:t>February 2024</a:t>
+            </a:r>
           </a:p>
         </p:txBody>
       </p:sp>
@@ -2983,7 +3368,7 @@
             <a:spLocks noGrp="1"/>
           </p:cNvSpPr>
           <p:nvPr>
-            <p:ph idx="3" sz="quarter" type="ftr"/>
+            <p:ph type="ftr" sz="quarter" idx="3"/>
           </p:nvPr>
         </p:nvSpPr>
         <p:spPr>
@@ -2996,10 +3381,10 @@
           </a:prstGeom>
         </p:spPr>
         <p:txBody>
-          <a:bodyPr anchor="ctr" bIns="45720" lIns="91440" rIns="91440" rtlCol="0" tIns="45720" vert="horz"/>
+          <a:bodyPr vert="horz" lIns="91440" tIns="45720" rIns="91440" bIns="45720" rtlCol="0" anchor="ctr"/>
           <a:lstStyle>
             <a:lvl1pPr algn="l">
-              <a:defRPr baseline="0" cap="all" sz="950">
+              <a:defRPr sz="950" cap="all" baseline="0">
                 <a:solidFill>
                   <a:schemeClr val="tx1">
                     <a:alpha val="80000"/>
@@ -3009,6 +3394,10 @@
             </a:lvl1pPr>
           </a:lstStyle>
           <a:p>
+            <a:r>
+              <a:rPr lang="en-US"/>
+              <a:t>Production 3 - Working with Training Data</a:t>
+            </a:r>
             <a:endParaRPr lang="en-CA"/>
           </a:p>
         </p:txBody>
@@ -3020,7 +3409,7 @@
             <a:spLocks noGrp="1"/>
           </p:cNvSpPr>
           <p:nvPr>
-            <p:ph idx="4" sz="quarter" type="sldNum"/>
+            <p:ph type="sldNum" sz="quarter" idx="4"/>
           </p:nvPr>
         </p:nvSpPr>
         <p:spPr>
@@ -3033,10 +3422,10 @@
           </a:prstGeom>
         </p:spPr>
         <p:txBody>
-          <a:bodyPr anchor="b" bIns="45720" lIns="91440" rIns="91440" rtlCol="0" tIns="45720" vert="horz"/>
+          <a:bodyPr vert="horz" lIns="91440" tIns="45720" rIns="91440" bIns="45720" rtlCol="0" anchor="b"/>
           <a:lstStyle>
             <a:lvl1pPr algn="r">
-              <a:defRPr b="0" sz="10300">
+              <a:defRPr sz="10300" b="0">
                 <a:ln>
                   <a:noFill/>
                 </a:ln>
@@ -3065,7 +3454,7 @@
       </p:ext>
     </p:extLst>
   </p:cSld>
-  <p:clrMap accent1="accent1" accent2="accent2" accent3="accent3" accent4="accent4" accent5="accent5" accent6="accent6" bg1="lt1" bg2="lt2" folHlink="folHlink" hlink="hlink" tx1="dk1" tx2="dk2"/>
+  <p:clrMap bg1="lt1" tx1="dk1" bg2="lt2" tx2="dk2" accent1="accent1" accent2="accent2" accent3="accent3" accent4="accent4" accent5="accent5" accent6="accent6" hlink="hlink" folHlink="folHlink"/>
   <p:sldLayoutIdLst>
     <p:sldLayoutId id="2147484297" r:id="rId1"/>
     <p:sldLayoutId id="2147484298" r:id="rId2"/>
@@ -3079,9 +3468,10 @@
     <p:sldLayoutId id="2147484306" r:id="rId10"/>
     <p:sldLayoutId id="2147484307" r:id="rId11"/>
   </p:sldLayoutIdLst>
+  <p:hf hdr="0"/>
   <p:txStyles>
     <p:titleStyle>
-      <a:lvl1pPr algn="l" defTabSz="914400" eaLnBrk="1" hangingPunct="1" latinLnBrk="0" rtl="0">
+      <a:lvl1pPr algn="l" defTabSz="914400" rtl="0" eaLnBrk="1" latinLnBrk="0" hangingPunct="1">
         <a:lnSpc>
           <a:spcPct val="85000"/>
         </a:lnSpc>
@@ -3089,7 +3479,7 @@
           <a:spcPct val="0"/>
         </a:spcBef>
         <a:buNone/>
-        <a:defRPr baseline="0" kern="1200" spc="-120" sz="4000">
+        <a:defRPr sz="4000" kern="1200" spc="-120" baseline="0">
           <a:solidFill>
             <a:schemeClr val="accent1"/>
           </a:solidFill>
@@ -3100,16 +3490,16 @@
       </a:lvl1pPr>
     </p:titleStyle>
     <p:bodyStyle>
-      <a:lvl1pPr algn="l" defTabSz="914400" eaLnBrk="1" hangingPunct="1" indent="-230188" latinLnBrk="0" marL="230188" rtl="0">
+      <a:lvl1pPr marL="230188" indent="-230188" algn="l" defTabSz="914400" rtl="0" eaLnBrk="1" latinLnBrk="0" hangingPunct="1">
         <a:lnSpc>
           <a:spcPct val="114000"/>
         </a:lnSpc>
         <a:spcBef>
           <a:spcPts val="1300"/>
         </a:spcBef>
-        <a:buFont charset="0" panose="020B0604020202020204" pitchFamily="34" typeface="Arial"/>
+        <a:buFont typeface="Arial" panose="020B0604020202020204" pitchFamily="34" charset="0"/>
         <a:buChar char="•"/>
-        <a:defRPr kern="1200" sz="1400">
+        <a:defRPr sz="1400" kern="1200">
           <a:solidFill>
             <a:schemeClr val="tx1">
               <a:lumMod val="85000"/>
@@ -3121,16 +3511,16 @@
           <a:cs typeface="+mn-cs"/>
         </a:defRPr>
       </a:lvl1pPr>
-      <a:lvl2pPr algn="l" defTabSz="914400" eaLnBrk="1" hangingPunct="1" indent="-230188" latinLnBrk="0" marL="346075" rtl="0">
+      <a:lvl2pPr marL="346075" indent="-230188" algn="l" defTabSz="914400" rtl="0" eaLnBrk="1" latinLnBrk="0" hangingPunct="1">
         <a:lnSpc>
           <a:spcPct val="114000"/>
         </a:lnSpc>
         <a:spcBef>
           <a:spcPts val="600"/>
         </a:spcBef>
-        <a:buFont charset="0" panose="02070309020205020404" pitchFamily="49" typeface="Courier New"/>
+        <a:buFont typeface="Courier New" panose="02070309020205020404" pitchFamily="49" charset="0"/>
         <a:buChar char="o"/>
-        <a:defRPr kern="1200" sz="1200">
+        <a:defRPr sz="1200" kern="1200">
           <a:solidFill>
             <a:schemeClr val="tx1">
               <a:lumMod val="85000"/>
@@ -3142,16 +3532,16 @@
           <a:cs typeface="+mn-cs"/>
         </a:defRPr>
       </a:lvl2pPr>
-      <a:lvl3pPr algn="l" defTabSz="914400" eaLnBrk="1" hangingPunct="1" indent="-201613" latinLnBrk="0" marL="547688" rtl="0">
+      <a:lvl3pPr marL="547688" indent="-201613" algn="l" defTabSz="914400" rtl="0" eaLnBrk="1" latinLnBrk="0" hangingPunct="1">
         <a:lnSpc>
           <a:spcPct val="114000"/>
         </a:lnSpc>
         <a:spcBef>
           <a:spcPts val="600"/>
         </a:spcBef>
-        <a:buFont charset="2" panose="05000000000000000000" pitchFamily="2" typeface="Wingdings"/>
+        <a:buFont typeface="Wingdings" panose="05000000000000000000" pitchFamily="2" charset="2"/>
         <a:buChar char="§"/>
-        <a:defRPr i="1" kern="1200" sz="1100">
+        <a:defRPr sz="1100" i="1" kern="1200">
           <a:solidFill>
             <a:schemeClr val="tx1">
               <a:lumMod val="85000"/>
@@ -3163,16 +3553,16 @@
           <a:cs typeface="+mn-cs"/>
         </a:defRPr>
       </a:lvl3pPr>
-      <a:lvl4pPr algn="l" defTabSz="914400" eaLnBrk="1" hangingPunct="1" indent="-138113" latinLnBrk="0" marL="822325" rtl="0">
+      <a:lvl4pPr marL="822325" indent="-138113" algn="l" defTabSz="914400" rtl="0" eaLnBrk="1" latinLnBrk="0" hangingPunct="1">
         <a:lnSpc>
           <a:spcPct val="114000"/>
         </a:lnSpc>
         <a:spcBef>
           <a:spcPts val="600"/>
         </a:spcBef>
-        <a:buFont charset="2" panose="05000000000000000000" pitchFamily="2" typeface="Wingdings"/>
+        <a:buFont typeface="Wingdings" panose="05000000000000000000" pitchFamily="2" charset="2"/>
         <a:buChar char="q"/>
-        <a:defRPr kern="1200" sz="1050">
+        <a:defRPr sz="1050" kern="1200">
           <a:solidFill>
             <a:schemeClr val="tx1">
               <a:lumMod val="85000"/>
@@ -3184,16 +3574,16 @@
           <a:cs typeface="+mn-cs"/>
         </a:defRPr>
       </a:lvl4pPr>
-      <a:lvl5pPr algn="l" defTabSz="914400" eaLnBrk="1" hangingPunct="1" indent="-182563" latinLnBrk="0" marL="1096963" rtl="0">
+      <a:lvl5pPr marL="1096963" indent="-182563" algn="l" defTabSz="914400" rtl="0" eaLnBrk="1" latinLnBrk="0" hangingPunct="1">
         <a:lnSpc>
           <a:spcPct val="114000"/>
         </a:lnSpc>
         <a:spcBef>
           <a:spcPts val="600"/>
         </a:spcBef>
-        <a:buFont charset="2" panose="05000000000000000000" pitchFamily="2" typeface="Wingdings"/>
+        <a:buFont typeface="Wingdings" panose="05000000000000000000" pitchFamily="2" charset="2"/>
         <a:buChar char="v"/>
-        <a:defRPr kern="1200" sz="1000">
+        <a:defRPr sz="1000" kern="1200">
           <a:solidFill>
             <a:schemeClr val="tx1">
               <a:lumMod val="85000"/>
@@ -3205,16 +3595,16 @@
           <a:cs typeface="+mn-cs"/>
         </a:defRPr>
       </a:lvl5pPr>
-      <a:lvl6pPr algn="l" defTabSz="914400" eaLnBrk="1" hangingPunct="1" indent="-228600" latinLnBrk="0" marL="1200000" rtl="0">
+      <a:lvl6pPr marL="1200000" indent="-228600" algn="l" defTabSz="914400" rtl="0" eaLnBrk="1" latinLnBrk="0" hangingPunct="1">
         <a:lnSpc>
           <a:spcPct val="85000"/>
         </a:lnSpc>
         <a:spcBef>
           <a:spcPts val="600"/>
         </a:spcBef>
-        <a:buFont charset="0" pitchFamily="34" typeface="Arial"/>
+        <a:buFont typeface="Arial" pitchFamily="34" charset="0"/>
         <a:buChar char=" "/>
-        <a:defRPr kern="1200" sz="1800">
+        <a:defRPr sz="1800" kern="1200">
           <a:solidFill>
             <a:schemeClr val="tx1">
               <a:lumMod val="85000"/>
@@ -3226,16 +3616,16 @@
           <a:cs typeface="+mn-cs"/>
         </a:defRPr>
       </a:lvl6pPr>
-      <a:lvl7pPr algn="l" defTabSz="914400" eaLnBrk="1" hangingPunct="1" indent="-228600" latinLnBrk="0" marL="1400000" rtl="0">
+      <a:lvl7pPr marL="1400000" indent="-228600" algn="l" defTabSz="914400" rtl="0" eaLnBrk="1" latinLnBrk="0" hangingPunct="1">
         <a:lnSpc>
           <a:spcPct val="85000"/>
         </a:lnSpc>
         <a:spcBef>
           <a:spcPts val="600"/>
         </a:spcBef>
-        <a:buFont charset="0" pitchFamily="34" typeface="Arial"/>
+        <a:buFont typeface="Arial" pitchFamily="34" charset="0"/>
         <a:buChar char=" "/>
-        <a:defRPr kern="1200" sz="1800">
+        <a:defRPr sz="1800" kern="1200">
           <a:solidFill>
             <a:schemeClr val="tx1">
               <a:lumMod val="85000"/>
@@ -3247,16 +3637,16 @@
           <a:cs typeface="+mn-cs"/>
         </a:defRPr>
       </a:lvl7pPr>
-      <a:lvl8pPr algn="l" defTabSz="914400" eaLnBrk="1" hangingPunct="1" indent="-228600" latinLnBrk="0" marL="1600000" rtl="0">
+      <a:lvl8pPr marL="1600000" indent="-228600" algn="l" defTabSz="914400" rtl="0" eaLnBrk="1" latinLnBrk="0" hangingPunct="1">
         <a:lnSpc>
           <a:spcPct val="85000"/>
         </a:lnSpc>
         <a:spcBef>
           <a:spcPts val="600"/>
         </a:spcBef>
-        <a:buFont charset="0" pitchFamily="34" typeface="Arial"/>
+        <a:buFont typeface="Arial" pitchFamily="34" charset="0"/>
         <a:buChar char=" "/>
-        <a:defRPr kern="1200" sz="1800">
+        <a:defRPr sz="1800" kern="1200">
           <a:solidFill>
             <a:schemeClr val="tx1">
               <a:lumMod val="85000"/>
@@ -3268,16 +3658,16 @@
           <a:cs typeface="+mn-cs"/>
         </a:defRPr>
       </a:lvl8pPr>
-      <a:lvl9pPr algn="l" defTabSz="914400" eaLnBrk="1" hangingPunct="1" indent="-228600" latinLnBrk="0" marL="1800000" rtl="0">
+      <a:lvl9pPr marL="1800000" indent="-228600" algn="l" defTabSz="914400" rtl="0" eaLnBrk="1" latinLnBrk="0" hangingPunct="1">
         <a:lnSpc>
           <a:spcPct val="85000"/>
         </a:lnSpc>
         <a:spcBef>
           <a:spcPts val="600"/>
         </a:spcBef>
-        <a:buFont charset="0" pitchFamily="34" typeface="Arial"/>
+        <a:buFont typeface="Arial" pitchFamily="34" charset="0"/>
         <a:buChar char=" "/>
-        <a:defRPr kern="1200" sz="1800">
+        <a:defRPr sz="1800" kern="1200">
           <a:solidFill>
             <a:schemeClr val="tx1">
               <a:lumMod val="85000"/>
@@ -3294,8 +3684,8 @@
       <a:defPPr>
         <a:defRPr lang="en-US"/>
       </a:defPPr>
-      <a:lvl1pPr algn="l" defTabSz="914400" eaLnBrk="1" hangingPunct="1" latinLnBrk="0" marL="0" rtl="0">
-        <a:defRPr kern="1200" sz="1800">
+      <a:lvl1pPr marL="0" algn="l" defTabSz="914400" rtl="0" eaLnBrk="1" latinLnBrk="0" hangingPunct="1">
+        <a:defRPr sz="1800" kern="1200">
           <a:solidFill>
             <a:schemeClr val="tx1"/>
           </a:solidFill>
@@ -3304,8 +3694,8 @@
           <a:cs typeface="+mn-cs"/>
         </a:defRPr>
       </a:lvl1pPr>
-      <a:lvl2pPr algn="l" defTabSz="914400" eaLnBrk="1" hangingPunct="1" latinLnBrk="0" marL="457200" rtl="0">
-        <a:defRPr kern="1200" sz="1800">
+      <a:lvl2pPr marL="457200" algn="l" defTabSz="914400" rtl="0" eaLnBrk="1" latinLnBrk="0" hangingPunct="1">
+        <a:defRPr sz="1800" kern="1200">
           <a:solidFill>
             <a:schemeClr val="tx1"/>
           </a:solidFill>
@@ -3314,8 +3704,8 @@
           <a:cs typeface="+mn-cs"/>
         </a:defRPr>
       </a:lvl2pPr>
-      <a:lvl3pPr algn="l" defTabSz="914400" eaLnBrk="1" hangingPunct="1" latinLnBrk="0" marL="914400" rtl="0">
-        <a:defRPr kern="1200" sz="1800">
+      <a:lvl3pPr marL="914400" algn="l" defTabSz="914400" rtl="0" eaLnBrk="1" latinLnBrk="0" hangingPunct="1">
+        <a:defRPr sz="1800" kern="1200">
           <a:solidFill>
             <a:schemeClr val="tx1"/>
           </a:solidFill>
@@ -3324,8 +3714,8 @@
           <a:cs typeface="+mn-cs"/>
         </a:defRPr>
       </a:lvl3pPr>
-      <a:lvl4pPr algn="l" defTabSz="914400" eaLnBrk="1" hangingPunct="1" latinLnBrk="0" marL="1371600" rtl="0">
-        <a:defRPr kern="1200" sz="1800">
+      <a:lvl4pPr marL="1371600" algn="l" defTabSz="914400" rtl="0" eaLnBrk="1" latinLnBrk="0" hangingPunct="1">
+        <a:defRPr sz="1800" kern="1200">
           <a:solidFill>
             <a:schemeClr val="tx1"/>
           </a:solidFill>
@@ -3334,8 +3724,8 @@
           <a:cs typeface="+mn-cs"/>
         </a:defRPr>
       </a:lvl4pPr>
-      <a:lvl5pPr algn="l" defTabSz="914400" eaLnBrk="1" hangingPunct="1" latinLnBrk="0" marL="1828800" rtl="0">
-        <a:defRPr kern="1200" sz="1800">
+      <a:lvl5pPr marL="1828800" algn="l" defTabSz="914400" rtl="0" eaLnBrk="1" latinLnBrk="0" hangingPunct="1">
+        <a:defRPr sz="1800" kern="1200">
           <a:solidFill>
             <a:schemeClr val="tx1"/>
           </a:solidFill>
@@ -3344,8 +3734,8 @@
           <a:cs typeface="+mn-cs"/>
         </a:defRPr>
       </a:lvl5pPr>
-      <a:lvl6pPr algn="l" defTabSz="914400" eaLnBrk="1" hangingPunct="1" latinLnBrk="0" marL="2286000" rtl="0">
-        <a:defRPr kern="1200" sz="1800">
+      <a:lvl6pPr marL="2286000" algn="l" defTabSz="914400" rtl="0" eaLnBrk="1" latinLnBrk="0" hangingPunct="1">
+        <a:defRPr sz="1800" kern="1200">
           <a:solidFill>
             <a:schemeClr val="tx1"/>
           </a:solidFill>
@@ -3354,8 +3744,8 @@
           <a:cs typeface="+mn-cs"/>
         </a:defRPr>
       </a:lvl6pPr>
-      <a:lvl7pPr algn="l" defTabSz="914400" eaLnBrk="1" hangingPunct="1" latinLnBrk="0" marL="2743200" rtl="0">
-        <a:defRPr kern="1200" sz="1800">
+      <a:lvl7pPr marL="2743200" algn="l" defTabSz="914400" rtl="0" eaLnBrk="1" latinLnBrk="0" hangingPunct="1">
+        <a:defRPr sz="1800" kern="1200">
           <a:solidFill>
             <a:schemeClr val="tx1"/>
           </a:solidFill>
@@ -3364,8 +3754,8 @@
           <a:cs typeface="+mn-cs"/>
         </a:defRPr>
       </a:lvl7pPr>
-      <a:lvl8pPr algn="l" defTabSz="914400" eaLnBrk="1" hangingPunct="1" latinLnBrk="0" marL="3200400" rtl="0">
-        <a:defRPr kern="1200" sz="1800">
+      <a:lvl8pPr marL="3200400" algn="l" defTabSz="914400" rtl="0" eaLnBrk="1" latinLnBrk="0" hangingPunct="1">
+        <a:defRPr sz="1800" kern="1200">
           <a:solidFill>
             <a:schemeClr val="tx1"/>
           </a:solidFill>
@@ -3374,8 +3764,8 @@
           <a:cs typeface="+mn-cs"/>
         </a:defRPr>
       </a:lvl8pPr>
-      <a:lvl9pPr algn="l" defTabSz="914400" eaLnBrk="1" hangingPunct="1" latinLnBrk="0" marL="3657600" rtl="0">
-        <a:defRPr kern="1200" sz="1800">
+      <a:lvl9pPr marL="3657600" algn="l" defTabSz="914400" rtl="0" eaLnBrk="1" latinLnBrk="0" hangingPunct="1">
+        <a:defRPr sz="1800" kern="1200">
           <a:solidFill>
             <a:schemeClr val="tx1"/>
           </a:solidFill>
@@ -3426,12 +3816,11 @@
           <a:bodyPr/>
           <a:lstStyle/>
           <a:p>
-            <a:pPr lvl="0" indent="0" marL="0">
+            <a:pPr marL="0" lvl="0" indent="0">
               <a:buNone/>
             </a:pPr>
             <a:r>
-              <a:rPr/>
-              <a:t>Training</a:t>
+              <a:t>Working with Training Data</a:t>
             </a:r>
           </a:p>
         </p:txBody>
@@ -3443,7 +3832,7 @@
             <a:spLocks noGrp="1"/>
           </p:cNvSpPr>
           <p:nvPr>
-            <p:ph idx="1" type="subTitle"/>
+            <p:ph type="subTitle" idx="1"/>
           </p:nvPr>
         </p:nvSpPr>
         <p:spPr>
@@ -3456,17 +3845,15 @@
           <a:bodyPr/>
           <a:lstStyle/>
           <a:p>
-            <a:pPr lvl="0" indent="0" marL="0">
+            <a:pPr marL="0" lvl="0" indent="0">
               <a:buNone/>
             </a:pPr>
             <a:r>
-              <a:rPr/>
               <a:t>Production</a:t>
             </a:r>
             <a:br/>
             <a:br/>
             <a:r>
-              <a:rPr/>
               <a:t>Jesús Calderón</a:t>
             </a:r>
           </a:p>
@@ -3474,6 +3861,9 @@
       </p:sp>
     </p:spTree>
   </p:cSld>
+  <p:clrMapOvr>
+    <a:masterClrMapping/>
+  </p:clrMapOvr>
 </p:sld>
 </file>
 
@@ -3509,11 +3899,10 @@
           <a:bodyPr/>
           <a:lstStyle/>
           <a:p>
-            <a:pPr lvl="0" indent="0" marL="0">
+            <a:pPr marL="0" lvl="0" indent="0">
               <a:buNone/>
             </a:pPr>
             <a:r>
-              <a:rPr/>
               <a:t>Hand Labels</a:t>
             </a:r>
           </a:p>
@@ -3526,54 +3915,51 @@
             <a:spLocks noGrp="1"/>
           </p:cNvSpPr>
           <p:nvPr>
-            <p:ph idx="1" sz="half"/>
-          </p:nvPr>
-        </p:nvSpPr>
-        <p:spPr/>
-        <p:txBody>
-          <a:bodyPr/>
+            <p:ph sz="half" idx="1"/>
+          </p:nvPr>
+        </p:nvSpPr>
+        <p:spPr/>
+        <p:txBody>
+          <a:bodyPr>
+            <a:normAutofit fontScale="77500" lnSpcReduction="20000"/>
+          </a:bodyPr>
           <a:lstStyle/>
           <a:p>
             <a:pPr lvl="0"/>
             <a:r>
-              <a:rPr/>
-              <a:t>Getting hand-labeled data is difficult.</a:t>
+              <a:t>Getting hand-labelled data takes a lot of work.</a:t>
             </a:r>
             <a:br/>
+            <a:endParaRPr/>
           </a:p>
           <a:p>
             <a:pPr lvl="0"/>
             <a:r>
-              <a:rPr/>
-              <a:t>It is expensive, particularly, if subject matter expertise is required. For instance, compare:</a:t>
+              <a:t>It is expensive, particularly if subject matter expertise is required. For instance, compare:</a:t>
             </a:r>
           </a:p>
           <a:p>
             <a:pPr lvl="1"/>
             <a:r>
-              <a:rPr/>
               <a:t>Hand label a sentiment data set.</a:t>
             </a:r>
           </a:p>
           <a:p>
             <a:pPr lvl="1"/>
             <a:r>
-              <a:rPr/>
               <a:t>Hand label a medical diagnosis data set.</a:t>
             </a:r>
           </a:p>
           <a:p>
             <a:pPr lvl="0"/>
             <a:r>
-              <a:rPr/>
-              <a:t>It may be invasive: hand labelling data requires someone to actually see the data.</a:t>
+              <a:t>It may be invasive: hand labelling data requires someone to see the data.</a:t>
             </a:r>
           </a:p>
           <a:p>
             <a:pPr lvl="0"/>
             <a:r>
-              <a:rPr/>
-              <a:t>Hand labeling is slow.</a:t>
+              <a:t>Hand labelling is slow.</a:t>
             </a:r>
           </a:p>
         </p:txBody>
@@ -3585,45 +3971,132 @@
             <a:spLocks noGrp="1"/>
           </p:cNvSpPr>
           <p:nvPr>
-            <p:ph idx="2" sz="half"/>
-          </p:nvPr>
-        </p:nvSpPr>
-        <p:spPr/>
-        <p:txBody>
-          <a:bodyPr/>
+            <p:ph sz="half" idx="2"/>
+          </p:nvPr>
+        </p:nvSpPr>
+        <p:spPr/>
+        <p:txBody>
+          <a:bodyPr>
+            <a:normAutofit fontScale="77500" lnSpcReduction="20000"/>
+          </a:bodyPr>
           <a:lstStyle/>
           <a:p>
             <a:pPr lvl="0"/>
             <a:r>
-              <a:rPr/>
-              <a:t>Label ambiguity or label multiplicty occurs when there are multiple conflicting labels for a data instance.</a:t>
+              <a:t>Label ambiguity or label multiplicity occurs when multiple conflicting labels exist for a data instance.</a:t>
             </a:r>
           </a:p>
           <a:p>
             <a:pPr lvl="0"/>
             <a:r>
-              <a:rPr/>
-              <a:t>Label multiplicity may occur when labels are input by multiple anotators or data comes from different sources.</a:t>
+              <a:t>Label multiplicity may occur when labels are input by multiple annotators or data comes from different sources.</a:t>
             </a:r>
           </a:p>
           <a:p>
             <a:pPr lvl="0"/>
             <a:r>
-              <a:rPr/>
-              <a:t>Disagreements among anotators are common, particularly as the need for subject matter expertise increases.</a:t>
+              <a:t>Disagreements among annotators are common, particularly as the need for subject matter expertise increases.</a:t>
             </a:r>
           </a:p>
           <a:p>
             <a:pPr lvl="0"/>
             <a:r>
-              <a:rPr/>
-              <a:t>A potential solution is to have clear problem definition and task guidance.</a:t>
-            </a:r>
+              <a:t>A potential solution is to have a clear problem definition and task guidance.</a:t>
+            </a:r>
+          </a:p>
+        </p:txBody>
+      </p:sp>
+      <p:sp>
+        <p:nvSpPr>
+          <p:cNvPr id="5" name="Date Placeholder 4">
+            <a:extLst>
+              <a:ext uri="{FF2B5EF4-FFF2-40B4-BE49-F238E27FC236}">
+                <a16:creationId xmlns:a16="http://schemas.microsoft.com/office/drawing/2014/main" id="{9EDBCBB4-73DF-9D8D-8EDC-A4B2001C7192}"/>
+              </a:ext>
+            </a:extLst>
+          </p:cNvPr>
+          <p:cNvSpPr>
+            <a:spLocks noGrp="1"/>
+          </p:cNvSpPr>
+          <p:nvPr>
+            <p:ph type="dt" sz="half" idx="10"/>
+          </p:nvPr>
+        </p:nvSpPr>
+        <p:spPr/>
+        <p:txBody>
+          <a:bodyPr/>
+          <a:lstStyle/>
+          <a:p>
+            <a:r>
+              <a:rPr lang="en-CA"/>
+              <a:t>February 2024</a:t>
+            </a:r>
+          </a:p>
+        </p:txBody>
+      </p:sp>
+      <p:sp>
+        <p:nvSpPr>
+          <p:cNvPr id="6" name="Footer Placeholder 5">
+            <a:extLst>
+              <a:ext uri="{FF2B5EF4-FFF2-40B4-BE49-F238E27FC236}">
+                <a16:creationId xmlns:a16="http://schemas.microsoft.com/office/drawing/2014/main" id="{BD4BF47A-3D65-157D-3D97-DCB1D487CE6B}"/>
+              </a:ext>
+            </a:extLst>
+          </p:cNvPr>
+          <p:cNvSpPr>
+            <a:spLocks noGrp="1"/>
+          </p:cNvSpPr>
+          <p:nvPr>
+            <p:ph type="ftr" sz="quarter" idx="11"/>
+          </p:nvPr>
+        </p:nvSpPr>
+        <p:spPr/>
+        <p:txBody>
+          <a:bodyPr/>
+          <a:lstStyle/>
+          <a:p>
+            <a:r>
+              <a:rPr lang="en-US"/>
+              <a:t>Production 3 - Working with Training Data</a:t>
+            </a:r>
+            <a:endParaRPr lang="en-CA"/>
+          </a:p>
+        </p:txBody>
+      </p:sp>
+      <p:sp>
+        <p:nvSpPr>
+          <p:cNvPr id="7" name="Slide Number Placeholder 6">
+            <a:extLst>
+              <a:ext uri="{FF2B5EF4-FFF2-40B4-BE49-F238E27FC236}">
+                <a16:creationId xmlns:a16="http://schemas.microsoft.com/office/drawing/2014/main" id="{28E8A0C2-D6A9-55C8-7A61-7CFD31720528}"/>
+              </a:ext>
+            </a:extLst>
+          </p:cNvPr>
+          <p:cNvSpPr>
+            <a:spLocks noGrp="1"/>
+          </p:cNvSpPr>
+          <p:nvPr>
+            <p:ph type="sldNum" sz="quarter" idx="12"/>
+          </p:nvPr>
+        </p:nvSpPr>
+        <p:spPr/>
+        <p:txBody>
+          <a:bodyPr/>
+          <a:lstStyle/>
+          <a:p>
+            <a:fld id="{4F4BDF5D-830C-4829-B676-EE421164B1C8}" type="slidenum">
+              <a:rPr lang="en-CA" smtClean="0"/>
+              <a:t>10</a:t>
+            </a:fld>
+            <a:endParaRPr lang="en-CA"/>
           </a:p>
         </p:txBody>
       </p:sp>
     </p:spTree>
   </p:cSld>
+  <p:clrMapOvr>
+    <a:masterClrMapping/>
+  </p:clrMapOvr>
 </p:sld>
 </file>
 
@@ -3659,11 +4132,10 @@
           <a:bodyPr/>
           <a:lstStyle/>
           <a:p>
-            <a:pPr lvl="0" indent="0" marL="0">
+            <a:pPr marL="0" lvl="0" indent="0">
               <a:buNone/>
             </a:pPr>
             <a:r>
-              <a:rPr/>
               <a:t>Examples of Label Multiplicity</a:t>
             </a:r>
           </a:p>
@@ -3690,9 +4162,27 @@
                 <a:tableStyleId>{5C22544A-7EE6-4342-B048-85BDC9FD1C3A}</a:tableStyleId>
               </a:tblPr>
               <a:tblGrid>
-                <a:gridCol w="3581400"/>
-                <a:gridCol w="3581400"/>
-                <a:gridCol w="3581400"/>
+                <a:gridCol w="3581400">
+                  <a:extLst>
+                    <a:ext uri="{9D8B030D-6E8A-4147-A177-3AD203B41FA5}">
+                      <a16:colId xmlns:a16="http://schemas.microsoft.com/office/drawing/2014/main" val="20000"/>
+                    </a:ext>
+                  </a:extLst>
+                </a:gridCol>
+                <a:gridCol w="3581400">
+                  <a:extLst>
+                    <a:ext uri="{9D8B030D-6E8A-4147-A177-3AD203B41FA5}">
+                      <a16:colId xmlns:a16="http://schemas.microsoft.com/office/drawing/2014/main" val="20001"/>
+                    </a:ext>
+                  </a:extLst>
+                </a:gridCol>
+                <a:gridCol w="3581400">
+                  <a:extLst>
+                    <a:ext uri="{9D8B030D-6E8A-4147-A177-3AD203B41FA5}">
+                      <a16:colId xmlns:a16="http://schemas.microsoft.com/office/drawing/2014/main" val="20002"/>
+                    </a:ext>
+                  </a:extLst>
+                </a:gridCol>
               </a:tblGrid>
               <a:tr h="0">
                 <a:tc>
@@ -3700,11 +4190,10 @@
                     <a:bodyPr/>
                     <a:lstStyle/>
                     <a:p>
-                      <a:pPr lvl="0" indent="0" marL="0">
+                      <a:pPr marL="0" lvl="0" indent="0">
                         <a:buNone/>
                       </a:pPr>
                       <a:r>
-                        <a:rPr/>
                         <a:t>Annotator</a:t>
                       </a:r>
                     </a:p>
@@ -3716,11 +4205,10 @@
                     <a:bodyPr/>
                     <a:lstStyle/>
                     <a:p>
-                      <a:pPr lvl="0" indent="0" marL="0">
+                      <a:pPr marL="0" lvl="0" indent="0">
                         <a:buNone/>
                       </a:pPr>
                       <a:r>
-                        <a:rPr/>
                         <a:t># entities</a:t>
                       </a:r>
                     </a:p>
@@ -3732,17 +4220,21 @@
                     <a:bodyPr/>
                     <a:lstStyle/>
                     <a:p>
-                      <a:pPr lvl="0" indent="0" marL="0">
+                      <a:pPr marL="0" lvl="0" indent="0">
                         <a:buNone/>
                       </a:pPr>
                       <a:r>
-                        <a:rPr/>
                         <a:t>Annotation</a:t>
                       </a:r>
                     </a:p>
                   </a:txBody>
                   <a:tcPr/>
                 </a:tc>
+                <a:extLst>
+                  <a:ext uri="{0D108BD9-81ED-4DB2-BD59-A6C34878D82A}">
+                    <a16:rowId xmlns:a16="http://schemas.microsoft.com/office/drawing/2014/main" val="10000"/>
+                  </a:ext>
+                </a:extLst>
               </a:tr>
               <a:tr h="0">
                 <a:tc>
@@ -3750,46 +4242,51 @@
                     <a:bodyPr/>
                     <a:lstStyle/>
                     <a:p>
-                      <a:pPr lvl="0" indent="0" marL="0">
+                      <a:pPr marL="0" lvl="0" indent="0">
                         <a:buNone/>
                       </a:pPr>
                       <a:r>
-                        <a:rPr/>
                         <a:t>1</a:t>
                       </a:r>
                     </a:p>
                   </a:txBody>
+                  <a:tcPr/>
                 </a:tc>
                 <a:tc>
                   <a:txBody>
                     <a:bodyPr/>
                     <a:lstStyle/>
                     <a:p>
-                      <a:pPr lvl="0" indent="0" marL="0">
+                      <a:pPr marL="0" lvl="0" indent="0">
                         <a:buNone/>
                       </a:pPr>
                       <a:r>
-                        <a:rPr/>
                         <a:t>3</a:t>
                       </a:r>
                     </a:p>
                   </a:txBody>
+                  <a:tcPr/>
                 </a:tc>
                 <a:tc>
                   <a:txBody>
                     <a:bodyPr/>
                     <a:lstStyle/>
                     <a:p>
-                      <a:pPr lvl="0" indent="0" marL="0">
+                      <a:pPr marL="0" lvl="0" indent="0">
                         <a:buNone/>
                       </a:pPr>
                       <a:r>
-                        <a:rPr/>
                         <a:t>[Darth Sidious], known simply as the Emperor, was a [Dark Lord of the Sith] who reigned over the galaxy as [Galactic Emperor of the First Galactic Empire].</a:t>
                       </a:r>
                     </a:p>
                   </a:txBody>
+                  <a:tcPr/>
                 </a:tc>
+                <a:extLst>
+                  <a:ext uri="{0D108BD9-81ED-4DB2-BD59-A6C34878D82A}">
+                    <a16:rowId xmlns:a16="http://schemas.microsoft.com/office/drawing/2014/main" val="10001"/>
+                  </a:ext>
+                </a:extLst>
               </a:tr>
               <a:tr h="0">
                 <a:tc>
@@ -3797,46 +4294,51 @@
                     <a:bodyPr/>
                     <a:lstStyle/>
                     <a:p>
-                      <a:pPr lvl="0" indent="0" marL="0">
+                      <a:pPr marL="0" lvl="0" indent="0">
                         <a:buNone/>
                       </a:pPr>
                       <a:r>
-                        <a:rPr/>
                         <a:t>2</a:t>
                       </a:r>
                     </a:p>
                   </a:txBody>
+                  <a:tcPr/>
                 </a:tc>
                 <a:tc>
                   <a:txBody>
                     <a:bodyPr/>
                     <a:lstStyle/>
                     <a:p>
-                      <a:pPr lvl="0" indent="0" marL="0">
+                      <a:pPr marL="0" lvl="0" indent="0">
                         <a:buNone/>
                       </a:pPr>
                       <a:r>
-                        <a:rPr/>
                         <a:t>6</a:t>
                       </a:r>
                     </a:p>
                   </a:txBody>
+                  <a:tcPr/>
                 </a:tc>
                 <a:tc>
                   <a:txBody>
                     <a:bodyPr/>
                     <a:lstStyle/>
                     <a:p>
-                      <a:pPr lvl="0" indent="0" marL="0">
+                      <a:pPr marL="0" lvl="0" indent="0">
                         <a:buNone/>
                       </a:pPr>
                       <a:r>
-                        <a:rPr/>
                         <a:t>[Darth Sidious], known simply as the [Emperor], was a [Dark Lord] of the [Sith] who reigned over the galaxy as [Galactic Emperor] of the [First Galactic Empire].</a:t>
                       </a:r>
                     </a:p>
                   </a:txBody>
+                  <a:tcPr/>
                 </a:tc>
+                <a:extLst>
+                  <a:ext uri="{0D108BD9-81ED-4DB2-BD59-A6C34878D82A}">
+                    <a16:rowId xmlns:a16="http://schemas.microsoft.com/office/drawing/2014/main" val="10002"/>
+                  </a:ext>
+                </a:extLst>
               </a:tr>
               <a:tr h="0">
                 <a:tc>
@@ -3844,53 +4346,147 @@
                     <a:bodyPr/>
                     <a:lstStyle/>
                     <a:p>
-                      <a:pPr lvl="0" indent="0" marL="0">
+                      <a:pPr marL="0" lvl="0" indent="0">
                         <a:buNone/>
                       </a:pPr>
                       <a:r>
-                        <a:rPr/>
                         <a:t>3</a:t>
                       </a:r>
                     </a:p>
                   </a:txBody>
+                  <a:tcPr/>
                 </a:tc>
                 <a:tc>
                   <a:txBody>
                     <a:bodyPr/>
                     <a:lstStyle/>
                     <a:p>
-                      <a:pPr lvl="0" indent="0" marL="0">
+                      <a:pPr marL="0" lvl="0" indent="0">
                         <a:buNone/>
                       </a:pPr>
                       <a:r>
-                        <a:rPr/>
                         <a:t>4</a:t>
                       </a:r>
                     </a:p>
                   </a:txBody>
+                  <a:tcPr/>
                 </a:tc>
                 <a:tc>
                   <a:txBody>
                     <a:bodyPr/>
                     <a:lstStyle/>
                     <a:p>
-                      <a:pPr lvl="0" indent="0" marL="0">
+                      <a:pPr marL="0" lvl="0" indent="0">
                         <a:buNone/>
                       </a:pPr>
                       <a:r>
-                        <a:rPr/>
                         <a:t>[Darth Sidious], known simply as the [Emperor], was a [Dark Lord of the Sith] who reigned over the galaxy as [Galactic Emperor of the First Galactic Empire].</a:t>
                       </a:r>
                     </a:p>
                   </a:txBody>
+                  <a:tcPr/>
                 </a:tc>
+                <a:extLst>
+                  <a:ext uri="{0D108BD9-81ED-4DB2-BD59-A6C34878D82A}">
+                    <a16:rowId xmlns:a16="http://schemas.microsoft.com/office/drawing/2014/main" val="10003"/>
+                  </a:ext>
+                </a:extLst>
               </a:tr>
             </a:tbl>
           </a:graphicData>
         </a:graphic>
       </p:graphicFrame>
+      <p:sp>
+        <p:nvSpPr>
+          <p:cNvPr id="3" name="Date Placeholder 2">
+            <a:extLst>
+              <a:ext uri="{FF2B5EF4-FFF2-40B4-BE49-F238E27FC236}">
+                <a16:creationId xmlns:a16="http://schemas.microsoft.com/office/drawing/2014/main" id="{02C1A3F8-14F3-A568-C0C9-19661F23F9CF}"/>
+              </a:ext>
+            </a:extLst>
+          </p:cNvPr>
+          <p:cNvSpPr>
+            <a:spLocks noGrp="1"/>
+          </p:cNvSpPr>
+          <p:nvPr>
+            <p:ph type="dt" sz="half" idx="10"/>
+          </p:nvPr>
+        </p:nvSpPr>
+        <p:spPr/>
+        <p:txBody>
+          <a:bodyPr/>
+          <a:lstStyle/>
+          <a:p>
+            <a:r>
+              <a:rPr lang="en-CA"/>
+              <a:t>February 2024</a:t>
+            </a:r>
+          </a:p>
+        </p:txBody>
+      </p:sp>
+      <p:sp>
+        <p:nvSpPr>
+          <p:cNvPr id="4" name="Footer Placeholder 3">
+            <a:extLst>
+              <a:ext uri="{FF2B5EF4-FFF2-40B4-BE49-F238E27FC236}">
+                <a16:creationId xmlns:a16="http://schemas.microsoft.com/office/drawing/2014/main" id="{0F3F6E04-7B73-D48D-416D-428800E767F3}"/>
+              </a:ext>
+            </a:extLst>
+          </p:cNvPr>
+          <p:cNvSpPr>
+            <a:spLocks noGrp="1"/>
+          </p:cNvSpPr>
+          <p:nvPr>
+            <p:ph type="ftr" sz="quarter" idx="11"/>
+          </p:nvPr>
+        </p:nvSpPr>
+        <p:spPr/>
+        <p:txBody>
+          <a:bodyPr/>
+          <a:lstStyle/>
+          <a:p>
+            <a:r>
+              <a:rPr lang="en-US"/>
+              <a:t>Production 3 - Working with Training Data</a:t>
+            </a:r>
+            <a:endParaRPr lang="en-CA"/>
+          </a:p>
+        </p:txBody>
+      </p:sp>
+      <p:sp>
+        <p:nvSpPr>
+          <p:cNvPr id="5" name="Slide Number Placeholder 4">
+            <a:extLst>
+              <a:ext uri="{FF2B5EF4-FFF2-40B4-BE49-F238E27FC236}">
+                <a16:creationId xmlns:a16="http://schemas.microsoft.com/office/drawing/2014/main" id="{B76001D5-05DF-9D4E-EA93-1AD26194917F}"/>
+              </a:ext>
+            </a:extLst>
+          </p:cNvPr>
+          <p:cNvSpPr>
+            <a:spLocks noGrp="1"/>
+          </p:cNvSpPr>
+          <p:nvPr>
+            <p:ph type="sldNum" sz="quarter" idx="12"/>
+          </p:nvPr>
+        </p:nvSpPr>
+        <p:spPr/>
+        <p:txBody>
+          <a:bodyPr/>
+          <a:lstStyle/>
+          <a:p>
+            <a:fld id="{4F4BDF5D-830C-4829-B676-EE421164B1C8}" type="slidenum">
+              <a:rPr lang="en-CA" smtClean="0"/>
+              <a:t>11</a:t>
+            </a:fld>
+            <a:endParaRPr lang="en-CA"/>
+          </a:p>
+        </p:txBody>
+      </p:sp>
     </p:spTree>
   </p:cSld>
+  <p:clrMapOvr>
+    <a:masterClrMapping/>
+  </p:clrMapOvr>
 </p:sld>
 </file>
 
@@ -3926,11 +4522,10 @@
           <a:bodyPr/>
           <a:lstStyle/>
           <a:p>
-            <a:pPr lvl="0" indent="0" marL="0">
+            <a:pPr marL="0" lvl="0" indent="0">
               <a:buNone/>
             </a:pPr>
             <a:r>
-              <a:rPr/>
               <a:t>Natural Labels</a:t>
             </a:r>
           </a:p>
@@ -3943,31 +4538,30 @@
             <a:spLocks noGrp="1"/>
           </p:cNvSpPr>
           <p:nvPr>
-            <p:ph idx="1" sz="half"/>
-          </p:nvPr>
-        </p:nvSpPr>
-        <p:spPr/>
-        <p:txBody>
-          <a:bodyPr/>
+            <p:ph sz="half" idx="1"/>
+          </p:nvPr>
+        </p:nvSpPr>
+        <p:spPr/>
+        <p:txBody>
+          <a:bodyPr>
+            <a:normAutofit fontScale="47500" lnSpcReduction="20000"/>
+          </a:bodyPr>
           <a:lstStyle/>
           <a:p>
             <a:pPr lvl="0"/>
             <a:r>
-              <a:rPr/>
-              <a:t>Natural ground truth labels or natural labels occur when the system can automatically evaluate or partially predictions.</a:t>
+              <a:t>Natural ground truth labels or natural labels occur when the system can automatically evaluate or partially predict.</a:t>
             </a:r>
           </a:p>
           <a:p>
             <a:pPr lvl="0"/>
             <a:r>
-              <a:rPr/>
-              <a:t>Examples: time traveled on a certain route on Google maps, stock return, etc.</a:t>
+              <a:t>Examples: time travelled on a particular route on Google Maps, stock return, etc.</a:t>
             </a:r>
           </a:p>
           <a:p>
             <a:pPr lvl="0"/>
             <a:r>
-              <a:rPr/>
               <a:t>Natural labels are inexpensive to obtain and motivate many ML projects.</a:t>
             </a:r>
           </a:p>
@@ -3980,66 +4574,150 @@
             <a:spLocks noGrp="1"/>
           </p:cNvSpPr>
           <p:nvPr>
-            <p:ph idx="2" sz="half"/>
-          </p:nvPr>
-        </p:nvSpPr>
-        <p:spPr/>
-        <p:txBody>
-          <a:bodyPr/>
+            <p:ph sz="half" idx="2"/>
+          </p:nvPr>
+        </p:nvSpPr>
+        <p:spPr/>
+        <p:txBody>
+          <a:bodyPr>
+            <a:normAutofit fontScale="47500" lnSpcReduction="20000"/>
+          </a:bodyPr>
           <a:lstStyle/>
           <a:p>
             <a:pPr lvl="0"/>
             <a:r>
-              <a:rPr/>
-              <a:t>Recommender systems are the prime example of natural labels: we will knokw if the recommendation was good, if it was acted on.</a:t>
+              <a:t>Recommender systems are the prime example of natural labels: we will know if the recommendation was good, if it was acted on.</a:t>
             </a:r>
           </a:p>
           <a:p>
             <a:pPr lvl="0"/>
             <a:r>
-              <a:rPr/>
-              <a:t>Many tasks can be framed as recommendation tasks, for example, predicting ads’ clickthrough rate can be thought as recommending the best ads.</a:t>
+              <a:t>Many tasks can be framed as recommendation tasks; for example, predicting an ad’s clickthrough rate can be reframed as recommending the best ads.</a:t>
             </a:r>
           </a:p>
           <a:p>
             <a:pPr lvl="0"/>
             <a:r>
-              <a:rPr/>
               <a:t>Natural labels that are inferred from user behaviours like clicks and ratings are known as behavioural labels.</a:t>
             </a:r>
           </a:p>
           <a:p>
             <a:pPr lvl="0"/>
             <a:r>
-              <a:rPr/>
-              <a:t>Baehavioural labels can be:</a:t>
+              <a:t>Behavioural labels can be:</a:t>
             </a:r>
           </a:p>
           <a:p>
             <a:pPr lvl="1"/>
             <a:r>
-              <a:rPr/>
               <a:t>Explicit labels are observed from user behaviour (click, upvote, rating, etc.)</a:t>
             </a:r>
           </a:p>
           <a:p>
             <a:pPr lvl="1"/>
             <a:r>
-              <a:rPr/>
-              <a:t>Implict labels are inferred by non-behaviour, for example, ads that are not clicked.</a:t>
+              <a:t>Implicit labels are inferred by non-behaviour, for example, ads that are not clicked.</a:t>
             </a:r>
           </a:p>
           <a:p>
             <a:pPr lvl="0"/>
             <a:r>
-              <a:rPr/>
-              <a:t>Inferring an implicit label depends on the deedback loop length, which is the time between serving a prediction and the feedback on it is provided.</a:t>
-            </a:r>
+              <a:t>Inferring an implicit label depends on the feedback loop length, which is the time between serving a prediction and the feedback on it provided.</a:t>
+            </a:r>
+          </a:p>
+        </p:txBody>
+      </p:sp>
+      <p:sp>
+        <p:nvSpPr>
+          <p:cNvPr id="5" name="Date Placeholder 4">
+            <a:extLst>
+              <a:ext uri="{FF2B5EF4-FFF2-40B4-BE49-F238E27FC236}">
+                <a16:creationId xmlns:a16="http://schemas.microsoft.com/office/drawing/2014/main" id="{8077387D-3FAC-6348-C1DC-E112C7985DAB}"/>
+              </a:ext>
+            </a:extLst>
+          </p:cNvPr>
+          <p:cNvSpPr>
+            <a:spLocks noGrp="1"/>
+          </p:cNvSpPr>
+          <p:nvPr>
+            <p:ph type="dt" sz="half" idx="10"/>
+          </p:nvPr>
+        </p:nvSpPr>
+        <p:spPr/>
+        <p:txBody>
+          <a:bodyPr/>
+          <a:lstStyle/>
+          <a:p>
+            <a:r>
+              <a:rPr lang="en-CA"/>
+              <a:t>February 2024</a:t>
+            </a:r>
+          </a:p>
+        </p:txBody>
+      </p:sp>
+      <p:sp>
+        <p:nvSpPr>
+          <p:cNvPr id="6" name="Footer Placeholder 5">
+            <a:extLst>
+              <a:ext uri="{FF2B5EF4-FFF2-40B4-BE49-F238E27FC236}">
+                <a16:creationId xmlns:a16="http://schemas.microsoft.com/office/drawing/2014/main" id="{D80205FC-1B6F-D30A-525C-78F50392991F}"/>
+              </a:ext>
+            </a:extLst>
+          </p:cNvPr>
+          <p:cNvSpPr>
+            <a:spLocks noGrp="1"/>
+          </p:cNvSpPr>
+          <p:nvPr>
+            <p:ph type="ftr" sz="quarter" idx="11"/>
+          </p:nvPr>
+        </p:nvSpPr>
+        <p:spPr/>
+        <p:txBody>
+          <a:bodyPr/>
+          <a:lstStyle/>
+          <a:p>
+            <a:r>
+              <a:rPr lang="en-US"/>
+              <a:t>Production 3 - Working with Training Data</a:t>
+            </a:r>
+            <a:endParaRPr lang="en-CA"/>
+          </a:p>
+        </p:txBody>
+      </p:sp>
+      <p:sp>
+        <p:nvSpPr>
+          <p:cNvPr id="7" name="Slide Number Placeholder 6">
+            <a:extLst>
+              <a:ext uri="{FF2B5EF4-FFF2-40B4-BE49-F238E27FC236}">
+                <a16:creationId xmlns:a16="http://schemas.microsoft.com/office/drawing/2014/main" id="{148BDCA9-B97F-B901-72ED-0DB0D285960A}"/>
+              </a:ext>
+            </a:extLst>
+          </p:cNvPr>
+          <p:cNvSpPr>
+            <a:spLocks noGrp="1"/>
+          </p:cNvSpPr>
+          <p:nvPr>
+            <p:ph type="sldNum" sz="quarter" idx="12"/>
+          </p:nvPr>
+        </p:nvSpPr>
+        <p:spPr/>
+        <p:txBody>
+          <a:bodyPr/>
+          <a:lstStyle/>
+          <a:p>
+            <a:fld id="{4F4BDF5D-830C-4829-B676-EE421164B1C8}" type="slidenum">
+              <a:rPr lang="en-CA" smtClean="0"/>
+              <a:t>12</a:t>
+            </a:fld>
+            <a:endParaRPr lang="en-CA"/>
           </a:p>
         </p:txBody>
       </p:sp>
     </p:spTree>
   </p:cSld>
+  <p:clrMapOvr>
+    <a:masterClrMapping/>
+  </p:clrMapOvr>
 </p:sld>
 </file>
 
@@ -4075,11 +4753,10 @@
           <a:bodyPr/>
           <a:lstStyle/>
           <a:p>
-            <a:pPr lvl="0" indent="0" marL="0">
+            <a:pPr marL="0" lvl="0" indent="0">
               <a:buNone/>
             </a:pPr>
             <a:r>
-              <a:rPr/>
               <a:t>Handling the Lack of Labels</a:t>
             </a:r>
           </a:p>
@@ -4106,9 +4783,27 @@
                 <a:tableStyleId>{5C22544A-7EE6-4342-B048-85BDC9FD1C3A}</a:tableStyleId>
               </a:tblPr>
               <a:tblGrid>
-                <a:gridCol w="3581400"/>
-                <a:gridCol w="3581400"/>
-                <a:gridCol w="3581400"/>
+                <a:gridCol w="3581400">
+                  <a:extLst>
+                    <a:ext uri="{9D8B030D-6E8A-4147-A177-3AD203B41FA5}">
+                      <a16:colId xmlns:a16="http://schemas.microsoft.com/office/drawing/2014/main" val="20000"/>
+                    </a:ext>
+                  </a:extLst>
+                </a:gridCol>
+                <a:gridCol w="3581400">
+                  <a:extLst>
+                    <a:ext uri="{9D8B030D-6E8A-4147-A177-3AD203B41FA5}">
+                      <a16:colId xmlns:a16="http://schemas.microsoft.com/office/drawing/2014/main" val="20001"/>
+                    </a:ext>
+                  </a:extLst>
+                </a:gridCol>
+                <a:gridCol w="3581400">
+                  <a:extLst>
+                    <a:ext uri="{9D8B030D-6E8A-4147-A177-3AD203B41FA5}">
+                      <a16:colId xmlns:a16="http://schemas.microsoft.com/office/drawing/2014/main" val="20002"/>
+                    </a:ext>
+                  </a:extLst>
+                </a:gridCol>
               </a:tblGrid>
               <a:tr h="0">
                 <a:tc>
@@ -4116,11 +4811,10 @@
                     <a:bodyPr/>
                     <a:lstStyle/>
                     <a:p>
-                      <a:pPr lvl="0" indent="0" marL="0">
+                      <a:pPr marL="0" lvl="0" indent="0">
                         <a:buNone/>
                       </a:pPr>
                       <a:r>
-                        <a:rPr/>
                         <a:t>Method</a:t>
                       </a:r>
                     </a:p>
@@ -4132,11 +4826,10 @@
                     <a:bodyPr/>
                     <a:lstStyle/>
                     <a:p>
-                      <a:pPr lvl="0" indent="0" marL="0">
+                      <a:pPr marL="0" lvl="0" indent="0">
                         <a:buNone/>
                       </a:pPr>
                       <a:r>
-                        <a:rPr/>
                         <a:t>How</a:t>
                       </a:r>
                     </a:p>
@@ -4148,17 +4841,21 @@
                     <a:bodyPr/>
                     <a:lstStyle/>
                     <a:p>
-                      <a:pPr lvl="0" indent="0" marL="0">
+                      <a:pPr marL="0" lvl="0" indent="0">
                         <a:buNone/>
                       </a:pPr>
                       <a:r>
-                        <a:rPr/>
                         <a:t>Ground truths required?</a:t>
                       </a:r>
                     </a:p>
                   </a:txBody>
                   <a:tcPr/>
                 </a:tc>
+                <a:extLst>
+                  <a:ext uri="{0D108BD9-81ED-4DB2-BD59-A6C34878D82A}">
+                    <a16:rowId xmlns:a16="http://schemas.microsoft.com/office/drawing/2014/main" val="10000"/>
+                  </a:ext>
+                </a:extLst>
               </a:tr>
               <a:tr h="0">
                 <a:tc>
@@ -4166,46 +4863,51 @@
                     <a:bodyPr/>
                     <a:lstStyle/>
                     <a:p>
-                      <a:pPr lvl="0" indent="0" marL="0">
+                      <a:pPr marL="0" lvl="0" indent="0">
                         <a:buNone/>
                       </a:pPr>
                       <a:r>
-                        <a:rPr/>
                         <a:t>Weak supervision</a:t>
                       </a:r>
                     </a:p>
                   </a:txBody>
+                  <a:tcPr/>
                 </a:tc>
                 <a:tc>
                   <a:txBody>
                     <a:bodyPr/>
                     <a:lstStyle/>
                     <a:p>
-                      <a:pPr lvl="0" indent="0" marL="0">
+                      <a:pPr marL="0" lvl="0" indent="0">
                         <a:buNone/>
                       </a:pPr>
                       <a:r>
-                        <a:rPr/>
                         <a:t>Leverages (often noisy) heuristics to generate labels</a:t>
                       </a:r>
                     </a:p>
                   </a:txBody>
+                  <a:tcPr/>
                 </a:tc>
                 <a:tc>
                   <a:txBody>
                     <a:bodyPr/>
                     <a:lstStyle/>
                     <a:p>
-                      <a:pPr lvl="0" indent="0" marL="0">
+                      <a:pPr marL="0" lvl="0" indent="0">
                         <a:buNone/>
                       </a:pPr>
                       <a:r>
-                        <a:rPr/>
                         <a:t>No, but a small number of labels are recommended to guide the development of heuristics</a:t>
                       </a:r>
                     </a:p>
                   </a:txBody>
+                  <a:tcPr/>
                 </a:tc>
+                <a:extLst>
+                  <a:ext uri="{0D108BD9-81ED-4DB2-BD59-A6C34878D82A}">
+                    <a16:rowId xmlns:a16="http://schemas.microsoft.com/office/drawing/2014/main" val="10001"/>
+                  </a:ext>
+                </a:extLst>
               </a:tr>
               <a:tr h="0">
                 <a:tc>
@@ -4213,46 +4915,51 @@
                     <a:bodyPr/>
                     <a:lstStyle/>
                     <a:p>
-                      <a:pPr lvl="0" indent="0" marL="0">
+                      <a:pPr marL="0" lvl="0" indent="0">
                         <a:buNone/>
                       </a:pPr>
                       <a:r>
-                        <a:rPr/>
                         <a:t>Semi- supervision</a:t>
                       </a:r>
                     </a:p>
                   </a:txBody>
+                  <a:tcPr/>
                 </a:tc>
                 <a:tc>
                   <a:txBody>
                     <a:bodyPr/>
                     <a:lstStyle/>
                     <a:p>
-                      <a:pPr lvl="0" indent="0" marL="0">
+                      <a:pPr marL="0" lvl="0" indent="0">
                         <a:buNone/>
                       </a:pPr>
                       <a:r>
-                        <a:rPr/>
                         <a:t>Leverages structural assumptions to generate labels</a:t>
                       </a:r>
                     </a:p>
                   </a:txBody>
+                  <a:tcPr/>
                 </a:tc>
                 <a:tc>
                   <a:txBody>
                     <a:bodyPr/>
                     <a:lstStyle/>
                     <a:p>
-                      <a:pPr lvl="0" indent="0" marL="0">
+                      <a:pPr marL="0" lvl="0" indent="0">
                         <a:buNone/>
                       </a:pPr>
                       <a:r>
-                        <a:rPr/>
                         <a:t>Yes, a small number of initial labels as seeds to generate more labels</a:t>
                       </a:r>
                     </a:p>
                   </a:txBody>
+                  <a:tcPr/>
                 </a:tc>
+                <a:extLst>
+                  <a:ext uri="{0D108BD9-81ED-4DB2-BD59-A6C34878D82A}">
+                    <a16:rowId xmlns:a16="http://schemas.microsoft.com/office/drawing/2014/main" val="10002"/>
+                  </a:ext>
+                </a:extLst>
               </a:tr>
               <a:tr h="0">
                 <a:tc>
@@ -4260,46 +4967,51 @@
                     <a:bodyPr/>
                     <a:lstStyle/>
                     <a:p>
-                      <a:pPr lvl="0" indent="0" marL="0">
+                      <a:pPr marL="0" lvl="0" indent="0">
                         <a:buNone/>
                       </a:pPr>
                       <a:r>
-                        <a:rPr/>
                         <a:t>Transfer learning</a:t>
                       </a:r>
                     </a:p>
                   </a:txBody>
+                  <a:tcPr/>
                 </a:tc>
                 <a:tc>
                   <a:txBody>
                     <a:bodyPr/>
                     <a:lstStyle/>
                     <a:p>
-                      <a:pPr lvl="0" indent="0" marL="0">
+                      <a:pPr marL="0" lvl="0" indent="0">
                         <a:buNone/>
                       </a:pPr>
                       <a:r>
-                        <a:rPr/>
                         <a:t>Leverages models pretrained on another task for your new task</a:t>
                       </a:r>
                     </a:p>
                   </a:txBody>
+                  <a:tcPr/>
                 </a:tc>
                 <a:tc>
                   <a:txBody>
                     <a:bodyPr/>
                     <a:lstStyle/>
                     <a:p>
-                      <a:pPr lvl="0" indent="0" marL="0">
+                      <a:pPr marL="0" lvl="0" indent="0">
                         <a:buNone/>
                       </a:pPr>
                       <a:r>
-                        <a:rPr/>
                         <a:t>No for zero-shot learning. Yes for fine-tuning, though the number of ground truths required is often much smaller than what would be needed if you train the model from scratch</a:t>
                       </a:r>
                     </a:p>
                   </a:txBody>
+                  <a:tcPr/>
                 </a:tc>
+                <a:extLst>
+                  <a:ext uri="{0D108BD9-81ED-4DB2-BD59-A6C34878D82A}">
+                    <a16:rowId xmlns:a16="http://schemas.microsoft.com/office/drawing/2014/main" val="10003"/>
+                  </a:ext>
+                </a:extLst>
               </a:tr>
               <a:tr h="0">
                 <a:tc>
@@ -4307,53 +5019,147 @@
                     <a:bodyPr/>
                     <a:lstStyle/>
                     <a:p>
-                      <a:pPr lvl="0" indent="0" marL="0">
+                      <a:pPr marL="0" lvl="0" indent="0">
                         <a:buNone/>
                       </a:pPr>
                       <a:r>
-                        <a:rPr/>
                         <a:t>Active learning</a:t>
                       </a:r>
                     </a:p>
                   </a:txBody>
+                  <a:tcPr/>
                 </a:tc>
                 <a:tc>
                   <a:txBody>
                     <a:bodyPr/>
                     <a:lstStyle/>
                     <a:p>
-                      <a:pPr lvl="0" indent="0" marL="0">
+                      <a:pPr marL="0" lvl="0" indent="0">
                         <a:buNone/>
                       </a:pPr>
                       <a:r>
-                        <a:rPr/>
                         <a:t>Labels data samples that are most useful to your model</a:t>
                       </a:r>
                     </a:p>
                   </a:txBody>
+                  <a:tcPr/>
                 </a:tc>
                 <a:tc>
                   <a:txBody>
                     <a:bodyPr/>
                     <a:lstStyle/>
                     <a:p>
-                      <a:pPr lvl="0" indent="0" marL="0">
+                      <a:pPr marL="0" lvl="0" indent="0">
                         <a:buNone/>
                       </a:pPr>
                       <a:r>
-                        <a:rPr/>
                         <a:t>Yes</a:t>
                       </a:r>
                     </a:p>
                   </a:txBody>
+                  <a:tcPr/>
                 </a:tc>
+                <a:extLst>
+                  <a:ext uri="{0D108BD9-81ED-4DB2-BD59-A6C34878D82A}">
+                    <a16:rowId xmlns:a16="http://schemas.microsoft.com/office/drawing/2014/main" val="10004"/>
+                  </a:ext>
+                </a:extLst>
               </a:tr>
             </a:tbl>
           </a:graphicData>
         </a:graphic>
       </p:graphicFrame>
+      <p:sp>
+        <p:nvSpPr>
+          <p:cNvPr id="3" name="Date Placeholder 2">
+            <a:extLst>
+              <a:ext uri="{FF2B5EF4-FFF2-40B4-BE49-F238E27FC236}">
+                <a16:creationId xmlns:a16="http://schemas.microsoft.com/office/drawing/2014/main" id="{EE92D0C9-20E6-BC50-C601-38248C12B4CB}"/>
+              </a:ext>
+            </a:extLst>
+          </p:cNvPr>
+          <p:cNvSpPr>
+            <a:spLocks noGrp="1"/>
+          </p:cNvSpPr>
+          <p:nvPr>
+            <p:ph type="dt" sz="half" idx="10"/>
+          </p:nvPr>
+        </p:nvSpPr>
+        <p:spPr/>
+        <p:txBody>
+          <a:bodyPr/>
+          <a:lstStyle/>
+          <a:p>
+            <a:r>
+              <a:rPr lang="en-CA"/>
+              <a:t>February 2024</a:t>
+            </a:r>
+          </a:p>
+        </p:txBody>
+      </p:sp>
+      <p:sp>
+        <p:nvSpPr>
+          <p:cNvPr id="4" name="Footer Placeholder 3">
+            <a:extLst>
+              <a:ext uri="{FF2B5EF4-FFF2-40B4-BE49-F238E27FC236}">
+                <a16:creationId xmlns:a16="http://schemas.microsoft.com/office/drawing/2014/main" id="{42AC1EBE-697C-01CF-0450-6AE499819260}"/>
+              </a:ext>
+            </a:extLst>
+          </p:cNvPr>
+          <p:cNvSpPr>
+            <a:spLocks noGrp="1"/>
+          </p:cNvSpPr>
+          <p:nvPr>
+            <p:ph type="ftr" sz="quarter" idx="11"/>
+          </p:nvPr>
+        </p:nvSpPr>
+        <p:spPr/>
+        <p:txBody>
+          <a:bodyPr/>
+          <a:lstStyle/>
+          <a:p>
+            <a:r>
+              <a:rPr lang="en-US"/>
+              <a:t>Production 3 - Working with Training Data</a:t>
+            </a:r>
+            <a:endParaRPr lang="en-CA"/>
+          </a:p>
+        </p:txBody>
+      </p:sp>
+      <p:sp>
+        <p:nvSpPr>
+          <p:cNvPr id="5" name="Slide Number Placeholder 4">
+            <a:extLst>
+              <a:ext uri="{FF2B5EF4-FFF2-40B4-BE49-F238E27FC236}">
+                <a16:creationId xmlns:a16="http://schemas.microsoft.com/office/drawing/2014/main" id="{8256A261-4EA6-9612-296C-DB734C615ADD}"/>
+              </a:ext>
+            </a:extLst>
+          </p:cNvPr>
+          <p:cNvSpPr>
+            <a:spLocks noGrp="1"/>
+          </p:cNvSpPr>
+          <p:nvPr>
+            <p:ph type="sldNum" sz="quarter" idx="12"/>
+          </p:nvPr>
+        </p:nvSpPr>
+        <p:spPr/>
+        <p:txBody>
+          <a:bodyPr/>
+          <a:lstStyle/>
+          <a:p>
+            <a:fld id="{4F4BDF5D-830C-4829-B676-EE421164B1C8}" type="slidenum">
+              <a:rPr lang="en-CA" smtClean="0"/>
+              <a:t>13</a:t>
+            </a:fld>
+            <a:endParaRPr lang="en-CA"/>
+          </a:p>
+        </p:txBody>
+      </p:sp>
     </p:spTree>
   </p:cSld>
+  <p:clrMapOvr>
+    <a:masterClrMapping/>
+  </p:clrMapOvr>
 </p:sld>
 </file>
 
@@ -4389,11 +5195,10 @@
           <a:bodyPr/>
           <a:lstStyle/>
           <a:p>
-            <a:pPr lvl="0" indent="0" marL="0">
+            <a:pPr marL="0" lvl="0" indent="0">
               <a:buNone/>
             </a:pPr>
             <a:r>
-              <a:rPr/>
               <a:t>Weak Supervision</a:t>
             </a:r>
           </a:p>
@@ -4406,66 +5211,60 @@
             <a:spLocks noGrp="1"/>
           </p:cNvSpPr>
           <p:nvPr>
-            <p:ph idx="1" sz="half"/>
-          </p:nvPr>
-        </p:nvSpPr>
-        <p:spPr/>
-        <p:txBody>
-          <a:bodyPr/>
+            <p:ph sz="half" idx="1"/>
+          </p:nvPr>
+        </p:nvSpPr>
+        <p:spPr/>
+        <p:txBody>
+          <a:bodyPr>
+            <a:normAutofit fontScale="70000" lnSpcReduction="20000"/>
+          </a:bodyPr>
           <a:lstStyle/>
           <a:p>
             <a:pPr lvl="0"/>
             <a:r>
-              <a:rPr/>
-              <a:t>If hand labeling is costly, can we automate it?</a:t>
+              <a:t>If hand labelling is costly, can we automate it?</a:t>
             </a:r>
           </a:p>
           <a:p>
             <a:pPr lvl="0"/>
             <a:r>
-              <a:rPr/>
               <a:t>Weak supervision is built on heuristics that are codified using Labeling Functions (LF):</a:t>
             </a:r>
           </a:p>
           <a:p>
             <a:pPr lvl="1"/>
             <a:r>
-              <a:rPr/>
               <a:t>Keyword heuristic.</a:t>
             </a:r>
           </a:p>
           <a:p>
             <a:pPr lvl="1"/>
             <a:r>
-              <a:rPr/>
               <a:t>Regular expressions.</a:t>
             </a:r>
           </a:p>
           <a:p>
             <a:pPr lvl="1"/>
             <a:r>
-              <a:rPr/>
               <a:t>Database lookup.</a:t>
             </a:r>
           </a:p>
           <a:p>
             <a:pPr lvl="1"/>
             <a:r>
-              <a:rPr/>
               <a:t>Outputs of other models.</a:t>
             </a:r>
           </a:p>
           <a:p>
             <a:pPr lvl="0"/>
             <a:r>
-              <a:rPr/>
               <a:t>LFs are combined, reweighted, and denoised to produce the labels.</a:t>
             </a:r>
           </a:p>
           <a:p>
             <a:pPr lvl="0"/>
             <a:r>
-              <a:rPr/>
               <a:t>In principle, no hand labels are required. In practice, a few may be required to get a sense of the accuracy of LF.</a:t>
             </a:r>
           </a:p>
@@ -4473,7 +5272,7 @@
       </p:sp>
       <p:pic>
         <p:nvPicPr>
-          <p:cNvPr descr="./img/labeling_functions.png" id="0" name="Picture 1"/>
+          <p:cNvPr id="4" name="Picture 1" descr="./img/labeling_functions.png"/>
           <p:cNvPicPr>
             <a:picLocks noGrp="1" noChangeAspect="1"/>
           </p:cNvPicPr>
@@ -4503,7 +5302,7 @@
       </p:pic>
       <p:sp>
         <p:nvSpPr>
-          <p:cNvPr id="1" name="TextBox 3"/>
+          <p:cNvPr id="5" name="TextBox 3"/>
           <p:cNvSpPr txBox="1"/>
           <p:nvPr/>
         </p:nvSpPr>
@@ -4521,18 +5320,106 @@
           <a:bodyPr/>
           <a:lstStyle/>
           <a:p>
-            <a:pPr lvl="0" indent="0" marL="0" algn="ctr">
+            <a:pPr marL="0" lvl="0" indent="0" algn="ctr">
               <a:buNone/>
             </a:pPr>
             <a:r>
-              <a:rPr/>
               <a:t>Combining LF (Huyen, 2022)</a:t>
             </a:r>
+          </a:p>
+        </p:txBody>
+      </p:sp>
+      <p:sp>
+        <p:nvSpPr>
+          <p:cNvPr id="6" name="Date Placeholder 5">
+            <a:extLst>
+              <a:ext uri="{FF2B5EF4-FFF2-40B4-BE49-F238E27FC236}">
+                <a16:creationId xmlns:a16="http://schemas.microsoft.com/office/drawing/2014/main" id="{C76A37E4-5718-CC8A-1EDD-A4CFCCD78E38}"/>
+              </a:ext>
+            </a:extLst>
+          </p:cNvPr>
+          <p:cNvSpPr>
+            <a:spLocks noGrp="1"/>
+          </p:cNvSpPr>
+          <p:nvPr>
+            <p:ph type="dt" sz="half" idx="10"/>
+          </p:nvPr>
+        </p:nvSpPr>
+        <p:spPr/>
+        <p:txBody>
+          <a:bodyPr/>
+          <a:lstStyle/>
+          <a:p>
+            <a:r>
+              <a:rPr lang="en-CA"/>
+              <a:t>February 2024</a:t>
+            </a:r>
+          </a:p>
+        </p:txBody>
+      </p:sp>
+      <p:sp>
+        <p:nvSpPr>
+          <p:cNvPr id="7" name="Footer Placeholder 6">
+            <a:extLst>
+              <a:ext uri="{FF2B5EF4-FFF2-40B4-BE49-F238E27FC236}">
+                <a16:creationId xmlns:a16="http://schemas.microsoft.com/office/drawing/2014/main" id="{7A95004C-D4D0-B904-CE65-2672D4B0BC17}"/>
+              </a:ext>
+            </a:extLst>
+          </p:cNvPr>
+          <p:cNvSpPr>
+            <a:spLocks noGrp="1"/>
+          </p:cNvSpPr>
+          <p:nvPr>
+            <p:ph type="ftr" sz="quarter" idx="11"/>
+          </p:nvPr>
+        </p:nvSpPr>
+        <p:spPr/>
+        <p:txBody>
+          <a:bodyPr/>
+          <a:lstStyle/>
+          <a:p>
+            <a:r>
+              <a:rPr lang="en-US"/>
+              <a:t>Production 3 - Working with Training Data</a:t>
+            </a:r>
+            <a:endParaRPr lang="en-CA"/>
+          </a:p>
+        </p:txBody>
+      </p:sp>
+      <p:sp>
+        <p:nvSpPr>
+          <p:cNvPr id="8" name="Slide Number Placeholder 7">
+            <a:extLst>
+              <a:ext uri="{FF2B5EF4-FFF2-40B4-BE49-F238E27FC236}">
+                <a16:creationId xmlns:a16="http://schemas.microsoft.com/office/drawing/2014/main" id="{BB448C77-039C-E3A9-18CF-CB23182CE237}"/>
+              </a:ext>
+            </a:extLst>
+          </p:cNvPr>
+          <p:cNvSpPr>
+            <a:spLocks noGrp="1"/>
+          </p:cNvSpPr>
+          <p:nvPr>
+            <p:ph type="sldNum" sz="quarter" idx="12"/>
+          </p:nvPr>
+        </p:nvSpPr>
+        <p:spPr/>
+        <p:txBody>
+          <a:bodyPr/>
+          <a:lstStyle/>
+          <a:p>
+            <a:fld id="{4F4BDF5D-830C-4829-B676-EE421164B1C8}" type="slidenum">
+              <a:rPr lang="en-CA" smtClean="0"/>
+              <a:t>14</a:t>
+            </a:fld>
+            <a:endParaRPr lang="en-CA"/>
           </a:p>
         </p:txBody>
       </p:sp>
     </p:spTree>
   </p:cSld>
+  <p:clrMapOvr>
+    <a:masterClrMapping/>
+  </p:clrMapOvr>
 </p:sld>
 </file>
 
@@ -4568,11 +5455,10 @@
           <a:bodyPr/>
           <a:lstStyle/>
           <a:p>
-            <a:pPr lvl="0" indent="0" marL="0">
+            <a:pPr marL="0" lvl="0" indent="0">
               <a:buNone/>
             </a:pPr>
             <a:r>
-              <a:rPr/>
               <a:t>Semi-Supervision</a:t>
             </a:r>
           </a:p>
@@ -4585,53 +5471,49 @@
             <a:spLocks noGrp="1"/>
           </p:cNvSpPr>
           <p:nvPr>
-            <p:ph idx="1" sz="half"/>
-          </p:nvPr>
-        </p:nvSpPr>
-        <p:spPr/>
-        <p:txBody>
-          <a:bodyPr/>
+            <p:ph sz="half" idx="1"/>
+          </p:nvPr>
+        </p:nvSpPr>
+        <p:spPr/>
+        <p:txBody>
+          <a:bodyPr>
+            <a:normAutofit fontScale="77500" lnSpcReduction="20000"/>
+          </a:bodyPr>
           <a:lstStyle/>
           <a:p>
             <a:pPr lvl="0"/>
             <a:r>
-              <a:rPr/>
               <a:t>Leverages structural assumptions to generate new labels based on a small set of initial labels.</a:t>
             </a:r>
           </a:p>
           <a:p>
             <a:pPr lvl="0"/>
             <a:r>
-              <a:rPr/>
               <a:t>Useful when the number of labels is limited.</a:t>
             </a:r>
           </a:p>
           <a:p>
             <a:pPr lvl="0"/>
             <a:r>
-              <a:rPr/>
               <a:t>Approach 1: self-training.</a:t>
             </a:r>
           </a:p>
           <a:p>
             <a:pPr lvl="1"/>
             <a:r>
-              <a:rPr/>
-              <a:t>Train a model on existing set of labeled data.</a:t>
+              <a:t>Train a model on an existing set of labelled data.</a:t>
             </a:r>
           </a:p>
           <a:p>
             <a:pPr lvl="1"/>
             <a:r>
-              <a:rPr/>
-              <a:t>Make predictions for unlabeled samples, keep only the ones with high raw probability scores.4</a:t>
+              <a:t>Make predictions for unlabeled samples; keep only the ones with high raw probability scores.4</a:t>
             </a:r>
           </a:p>
           <a:p>
             <a:pPr lvl="1"/>
             <a:r>
-              <a:rPr/>
-              <a:t>Train a new model on expanded set of labels.</a:t>
+              <a:t>Train a new model on an expanded set of labels.</a:t>
             </a:r>
           </a:p>
         </p:txBody>
@@ -4643,59 +5525,144 @@
             <a:spLocks noGrp="1"/>
           </p:cNvSpPr>
           <p:nvPr>
-            <p:ph idx="2" sz="half"/>
-          </p:nvPr>
-        </p:nvSpPr>
-        <p:spPr/>
-        <p:txBody>
-          <a:bodyPr/>
+            <p:ph sz="half" idx="2"/>
+          </p:nvPr>
+        </p:nvSpPr>
+        <p:spPr/>
+        <p:txBody>
+          <a:bodyPr>
+            <a:normAutofit fontScale="77500" lnSpcReduction="20000"/>
+          </a:bodyPr>
           <a:lstStyle/>
           <a:p>
             <a:pPr lvl="0"/>
             <a:r>
-              <a:rPr/>
               <a:t>Approach 2: similarity.</a:t>
             </a:r>
           </a:p>
           <a:p>
             <a:pPr lvl="1"/>
             <a:r>
-              <a:rPr/>
-              <a:t>Assume that data samples that share similar characteristics, share the same labels.</a:t>
+              <a:t>Assume that data samples that share similar characteristics share the same labels.</a:t>
             </a:r>
           </a:p>
           <a:p>
             <a:pPr lvl="1"/>
             <a:r>
-              <a:rPr/>
               <a:t>Similarity is established by more complex methods (clustering, k-nn, etc.)</a:t>
             </a:r>
           </a:p>
           <a:p>
             <a:pPr lvl="0"/>
             <a:r>
-              <a:rPr/>
               <a:t>Approach 3: perturbation.</a:t>
             </a:r>
           </a:p>
           <a:p>
             <a:pPr lvl="1"/>
             <a:r>
-              <a:rPr/>
-              <a:t>Assume that small perturbations to a sample does not change its label.</a:t>
+              <a:t>Assume that small perturbations to a sample do not change its label.</a:t>
             </a:r>
           </a:p>
           <a:p>
             <a:pPr lvl="1"/>
             <a:r>
-              <a:rPr/>
               <a:t>Apply small perturbations to your training instances to obtain new training instances.</a:t>
             </a:r>
+          </a:p>
+        </p:txBody>
+      </p:sp>
+      <p:sp>
+        <p:nvSpPr>
+          <p:cNvPr id="5" name="Date Placeholder 4">
+            <a:extLst>
+              <a:ext uri="{FF2B5EF4-FFF2-40B4-BE49-F238E27FC236}">
+                <a16:creationId xmlns:a16="http://schemas.microsoft.com/office/drawing/2014/main" id="{92A95D90-F446-3E14-D212-9962A31F665F}"/>
+              </a:ext>
+            </a:extLst>
+          </p:cNvPr>
+          <p:cNvSpPr>
+            <a:spLocks noGrp="1"/>
+          </p:cNvSpPr>
+          <p:nvPr>
+            <p:ph type="dt" sz="half" idx="10"/>
+          </p:nvPr>
+        </p:nvSpPr>
+        <p:spPr/>
+        <p:txBody>
+          <a:bodyPr/>
+          <a:lstStyle/>
+          <a:p>
+            <a:r>
+              <a:rPr lang="en-CA"/>
+              <a:t>February 2024</a:t>
+            </a:r>
+          </a:p>
+        </p:txBody>
+      </p:sp>
+      <p:sp>
+        <p:nvSpPr>
+          <p:cNvPr id="6" name="Footer Placeholder 5">
+            <a:extLst>
+              <a:ext uri="{FF2B5EF4-FFF2-40B4-BE49-F238E27FC236}">
+                <a16:creationId xmlns:a16="http://schemas.microsoft.com/office/drawing/2014/main" id="{636A0A13-7801-B484-CBF9-42E58AD395EE}"/>
+              </a:ext>
+            </a:extLst>
+          </p:cNvPr>
+          <p:cNvSpPr>
+            <a:spLocks noGrp="1"/>
+          </p:cNvSpPr>
+          <p:nvPr>
+            <p:ph type="ftr" sz="quarter" idx="11"/>
+          </p:nvPr>
+        </p:nvSpPr>
+        <p:spPr/>
+        <p:txBody>
+          <a:bodyPr/>
+          <a:lstStyle/>
+          <a:p>
+            <a:r>
+              <a:rPr lang="en-US"/>
+              <a:t>Production 3 - Working with Training Data</a:t>
+            </a:r>
+            <a:endParaRPr lang="en-CA"/>
+          </a:p>
+        </p:txBody>
+      </p:sp>
+      <p:sp>
+        <p:nvSpPr>
+          <p:cNvPr id="7" name="Slide Number Placeholder 6">
+            <a:extLst>
+              <a:ext uri="{FF2B5EF4-FFF2-40B4-BE49-F238E27FC236}">
+                <a16:creationId xmlns:a16="http://schemas.microsoft.com/office/drawing/2014/main" id="{18B54A58-7508-3E7D-A82C-B10C07DC32F8}"/>
+              </a:ext>
+            </a:extLst>
+          </p:cNvPr>
+          <p:cNvSpPr>
+            <a:spLocks noGrp="1"/>
+          </p:cNvSpPr>
+          <p:nvPr>
+            <p:ph type="sldNum" sz="quarter" idx="12"/>
+          </p:nvPr>
+        </p:nvSpPr>
+        <p:spPr/>
+        <p:txBody>
+          <a:bodyPr/>
+          <a:lstStyle/>
+          <a:p>
+            <a:fld id="{4F4BDF5D-830C-4829-B676-EE421164B1C8}" type="slidenum">
+              <a:rPr lang="en-CA" smtClean="0"/>
+              <a:t>15</a:t>
+            </a:fld>
+            <a:endParaRPr lang="en-CA"/>
           </a:p>
         </p:txBody>
       </p:sp>
     </p:spTree>
   </p:cSld>
+  <p:clrMapOvr>
+    <a:masterClrMapping/>
+  </p:clrMapOvr>
 </p:sld>
 </file>
 
@@ -4736,18 +5703,106 @@
           <a:bodyPr/>
           <a:lstStyle/>
           <a:p>
-            <a:pPr lvl="0" indent="0" marL="0">
+            <a:pPr marL="0" lvl="0" indent="0">
               <a:buNone/>
             </a:pPr>
             <a:r>
-              <a:rPr/>
               <a:t>Class Imbalance</a:t>
             </a:r>
+          </a:p>
+        </p:txBody>
+      </p:sp>
+      <p:sp>
+        <p:nvSpPr>
+          <p:cNvPr id="3" name="Date Placeholder 2">
+            <a:extLst>
+              <a:ext uri="{FF2B5EF4-FFF2-40B4-BE49-F238E27FC236}">
+                <a16:creationId xmlns:a16="http://schemas.microsoft.com/office/drawing/2014/main" id="{2135ED78-FB71-9CC8-0C10-990B5009B9C8}"/>
+              </a:ext>
+            </a:extLst>
+          </p:cNvPr>
+          <p:cNvSpPr>
+            <a:spLocks noGrp="1"/>
+          </p:cNvSpPr>
+          <p:nvPr>
+            <p:ph type="dt" sz="half" idx="10"/>
+          </p:nvPr>
+        </p:nvSpPr>
+        <p:spPr/>
+        <p:txBody>
+          <a:bodyPr/>
+          <a:lstStyle/>
+          <a:p>
+            <a:r>
+              <a:rPr lang="en-CA"/>
+              <a:t>February 2024</a:t>
+            </a:r>
+          </a:p>
+        </p:txBody>
+      </p:sp>
+      <p:sp>
+        <p:nvSpPr>
+          <p:cNvPr id="4" name="Footer Placeholder 3">
+            <a:extLst>
+              <a:ext uri="{FF2B5EF4-FFF2-40B4-BE49-F238E27FC236}">
+                <a16:creationId xmlns:a16="http://schemas.microsoft.com/office/drawing/2014/main" id="{9F8D8373-5D42-6978-FC11-32897282EB64}"/>
+              </a:ext>
+            </a:extLst>
+          </p:cNvPr>
+          <p:cNvSpPr>
+            <a:spLocks noGrp="1"/>
+          </p:cNvSpPr>
+          <p:nvPr>
+            <p:ph type="ftr" sz="quarter" idx="11"/>
+          </p:nvPr>
+        </p:nvSpPr>
+        <p:spPr/>
+        <p:txBody>
+          <a:bodyPr/>
+          <a:lstStyle/>
+          <a:p>
+            <a:r>
+              <a:rPr lang="en-US"/>
+              <a:t>Production 3 - Working with Training Data</a:t>
+            </a:r>
+            <a:endParaRPr lang="en-CA"/>
+          </a:p>
+        </p:txBody>
+      </p:sp>
+      <p:sp>
+        <p:nvSpPr>
+          <p:cNvPr id="5" name="Slide Number Placeholder 4">
+            <a:extLst>
+              <a:ext uri="{FF2B5EF4-FFF2-40B4-BE49-F238E27FC236}">
+                <a16:creationId xmlns:a16="http://schemas.microsoft.com/office/drawing/2014/main" id="{3B4C106E-A590-BBB1-DE89-5D27A6F465C6}"/>
+              </a:ext>
+            </a:extLst>
+          </p:cNvPr>
+          <p:cNvSpPr>
+            <a:spLocks noGrp="1"/>
+          </p:cNvSpPr>
+          <p:nvPr>
+            <p:ph type="sldNum" sz="quarter" idx="12"/>
+          </p:nvPr>
+        </p:nvSpPr>
+        <p:spPr/>
+        <p:txBody>
+          <a:bodyPr/>
+          <a:lstStyle/>
+          <a:p>
+            <a:fld id="{4F4BDF5D-830C-4829-B676-EE421164B1C8}" type="slidenum">
+              <a:rPr lang="en-CA" smtClean="0"/>
+              <a:t>16</a:t>
+            </a:fld>
+            <a:endParaRPr lang="en-CA"/>
           </a:p>
         </p:txBody>
       </p:sp>
     </p:spTree>
   </p:cSld>
+  <p:clrMapOvr>
+    <a:masterClrMapping/>
+  </p:clrMapOvr>
 </p:sld>
 </file>
 
@@ -4783,12 +5838,11 @@
           <a:bodyPr/>
           <a:lstStyle/>
           <a:p>
-            <a:pPr lvl="0" indent="0" marL="0">
+            <a:pPr marL="0" lvl="0" indent="0">
               <a:buNone/>
             </a:pPr>
             <a:r>
-              <a:rPr/>
-              <a:t>What is Class Imblanace?</a:t>
+              <a:t>What is Class Imbalance?</a:t>
             </a:r>
           </a:p>
         </p:txBody>
@@ -4805,96 +5859,175 @@
         </p:nvSpPr>
         <p:spPr/>
         <p:txBody>
-          <a:bodyPr/>
+          <a:bodyPr>
+            <a:normAutofit fontScale="92500" lnSpcReduction="10000"/>
+          </a:bodyPr>
           <a:lstStyle/>
           <a:p>
             <a:pPr lvl="0"/>
             <a:r>
-              <a:rPr/>
-              <a:t>Class imbalance occurs when one or more classes have significantly low proportions in the data as compared to other classes.</a:t>
+              <a:t>Class imbalance occurs when one or more classes have significantly lower proportions in the data than other classes.</a:t>
             </a:r>
           </a:p>
           <a:p>
             <a:pPr lvl="0"/>
             <a:r>
-              <a:rPr/>
               <a:t>The majority class dominates, but interest is generally in the minority class (e.g., default, fraud, or market crash).</a:t>
             </a:r>
           </a:p>
           <a:p>
             <a:pPr lvl="0"/>
             <a:r>
-              <a:rPr/>
               <a:t>Models trained on imbalanced data will tend to be under-fitted; they will not be able to classify the minority class successfully.</a:t>
             </a:r>
           </a:p>
           <a:p>
             <a:pPr lvl="0"/>
             <a:r>
-              <a:rPr/>
-              <a:t>ML (particularly, deep learning) works well in situations when the class distribution is balanced, while performance decreases with class imbalance because:</a:t>
+              <a:t>ML (particularly deep learning) works well when the class distribution is balanced. At the same time, performance decreases with class imbalance because:</a:t>
             </a:r>
           </a:p>
           <a:p>
             <a:pPr lvl="1"/>
             <a:r>
-              <a:rPr/>
               <a:t>There is insufficient signal for the model to learn to detect the minority class.</a:t>
             </a:r>
           </a:p>
           <a:p>
             <a:pPr lvl="1"/>
             <a:r>
-              <a:rPr/>
               <a:t>It is easier for a model to find a suboptimal solution by exploiting a simple heuristic instead of learning anything useful about the underlying pattern.</a:t>
             </a:r>
           </a:p>
           <a:p>
             <a:pPr lvl="1"/>
             <a:r>
-              <a:rPr/>
-              <a:t>Asymetric costs of error.</a:t>
+              <a:t>Asymmetric costs of error.</a:t>
             </a:r>
           </a:p>
           <a:p>
             <a:pPr lvl="0"/>
             <a:r>
-              <a:rPr/>
               <a:t>Class imbalance is the norm in many subject domains.</a:t>
             </a:r>
           </a:p>
           <a:p>
             <a:pPr lvl="0"/>
             <a:r>
-              <a:rPr/>
               <a:t>To handle class imbalance:</a:t>
             </a:r>
           </a:p>
           <a:p>
             <a:pPr lvl="1"/>
             <a:r>
-              <a:rPr/>
               <a:t>Choose the right performance metric.</a:t>
             </a:r>
           </a:p>
           <a:p>
             <a:pPr lvl="1"/>
             <a:r>
-              <a:rPr/>
-              <a:t>Data-level methods: change the data distribution to reduce imbalance.</a:t>
+              <a:t>Data-level methods: change the data distribution to reduce the imbalance.</a:t>
             </a:r>
           </a:p>
           <a:p>
             <a:pPr lvl="1"/>
             <a:r>
-              <a:rPr/>
-              <a:t>Algorithm level methods: change learning method to make it more robust to class imbalance.</a:t>
-            </a:r>
+              <a:t>Algorithm level methods: change the learning method to make it more robust to class imbalance.</a:t>
+            </a:r>
+          </a:p>
+        </p:txBody>
+      </p:sp>
+      <p:sp>
+        <p:nvSpPr>
+          <p:cNvPr id="4" name="Date Placeholder 3">
+            <a:extLst>
+              <a:ext uri="{FF2B5EF4-FFF2-40B4-BE49-F238E27FC236}">
+                <a16:creationId xmlns:a16="http://schemas.microsoft.com/office/drawing/2014/main" id="{3B4AB5D3-FB17-F145-43D9-F22C9F4FEB20}"/>
+              </a:ext>
+            </a:extLst>
+          </p:cNvPr>
+          <p:cNvSpPr>
+            <a:spLocks noGrp="1"/>
+          </p:cNvSpPr>
+          <p:nvPr>
+            <p:ph type="dt" sz="half" idx="10"/>
+          </p:nvPr>
+        </p:nvSpPr>
+        <p:spPr/>
+        <p:txBody>
+          <a:bodyPr/>
+          <a:lstStyle/>
+          <a:p>
+            <a:r>
+              <a:rPr lang="en-CA"/>
+              <a:t>February 2024</a:t>
+            </a:r>
+          </a:p>
+        </p:txBody>
+      </p:sp>
+      <p:sp>
+        <p:nvSpPr>
+          <p:cNvPr id="5" name="Footer Placeholder 4">
+            <a:extLst>
+              <a:ext uri="{FF2B5EF4-FFF2-40B4-BE49-F238E27FC236}">
+                <a16:creationId xmlns:a16="http://schemas.microsoft.com/office/drawing/2014/main" id="{508DD255-53EC-8A1B-016A-F5E4112B468C}"/>
+              </a:ext>
+            </a:extLst>
+          </p:cNvPr>
+          <p:cNvSpPr>
+            <a:spLocks noGrp="1"/>
+          </p:cNvSpPr>
+          <p:nvPr>
+            <p:ph type="ftr" sz="quarter" idx="11"/>
+          </p:nvPr>
+        </p:nvSpPr>
+        <p:spPr/>
+        <p:txBody>
+          <a:bodyPr/>
+          <a:lstStyle/>
+          <a:p>
+            <a:r>
+              <a:rPr lang="en-US"/>
+              <a:t>Production 3 - Working with Training Data</a:t>
+            </a:r>
+            <a:endParaRPr lang="en-CA"/>
+          </a:p>
+        </p:txBody>
+      </p:sp>
+      <p:sp>
+        <p:nvSpPr>
+          <p:cNvPr id="6" name="Slide Number Placeholder 5">
+            <a:extLst>
+              <a:ext uri="{FF2B5EF4-FFF2-40B4-BE49-F238E27FC236}">
+                <a16:creationId xmlns:a16="http://schemas.microsoft.com/office/drawing/2014/main" id="{3EFB33B9-7DF6-9723-62D8-549AFB1F4D9E}"/>
+              </a:ext>
+            </a:extLst>
+          </p:cNvPr>
+          <p:cNvSpPr>
+            <a:spLocks noGrp="1"/>
+          </p:cNvSpPr>
+          <p:nvPr>
+            <p:ph type="sldNum" sz="quarter" idx="12"/>
+          </p:nvPr>
+        </p:nvSpPr>
+        <p:spPr/>
+        <p:txBody>
+          <a:bodyPr/>
+          <a:lstStyle/>
+          <a:p>
+            <a:fld id="{4F4BDF5D-830C-4829-B676-EE421164B1C8}" type="slidenum">
+              <a:rPr lang="en-CA" smtClean="0"/>
+              <a:t>17</a:t>
+            </a:fld>
+            <a:endParaRPr lang="en-CA"/>
           </a:p>
         </p:txBody>
       </p:sp>
     </p:spTree>
   </p:cSld>
+  <p:clrMapOvr>
+    <a:masterClrMapping/>
+  </p:clrMapOvr>
 </p:sld>
 </file>
 
@@ -4930,11 +6063,10 @@
           <a:bodyPr/>
           <a:lstStyle/>
           <a:p>
-            <a:pPr lvl="0" indent="0" marL="0">
+            <a:pPr marL="0" lvl="0" indent="0">
               <a:buNone/>
             </a:pPr>
             <a:r>
-              <a:rPr/>
               <a:t>Performance Metrics</a:t>
             </a:r>
           </a:p>
@@ -4942,7 +6074,7 @@
       </p:sp>
       <p:pic>
         <p:nvPicPr>
-          <p:cNvPr descr="./img/confusion_matrix.png" id="0" name="Picture 1"/>
+          <p:cNvPr id="3" name="Picture 1" descr="./img/confusion_matrix.png"/>
           <p:cNvPicPr>
             <a:picLocks noGrp="1" noChangeAspect="1"/>
           </p:cNvPicPr>
@@ -4972,7 +6104,7 @@
       </p:pic>
       <p:pic>
         <p:nvPicPr>
-          <p:cNvPr descr="./img/perf_metrics.png" id="0" name="Picture 1"/>
+          <p:cNvPr id="4" name="Picture 1" descr="./img/perf_metrics.png"/>
           <p:cNvPicPr>
             <a:picLocks noGrp="1" noChangeAspect="1"/>
           </p:cNvPicPr>
@@ -5000,8 +6132,97 @@
           </a:ln>
         </p:spPr>
       </p:pic>
+      <p:sp>
+        <p:nvSpPr>
+          <p:cNvPr id="5" name="Date Placeholder 4">
+            <a:extLst>
+              <a:ext uri="{FF2B5EF4-FFF2-40B4-BE49-F238E27FC236}">
+                <a16:creationId xmlns:a16="http://schemas.microsoft.com/office/drawing/2014/main" id="{BC2BA1CD-DE77-0EDB-427F-CAFB44037B76}"/>
+              </a:ext>
+            </a:extLst>
+          </p:cNvPr>
+          <p:cNvSpPr>
+            <a:spLocks noGrp="1"/>
+          </p:cNvSpPr>
+          <p:nvPr>
+            <p:ph type="dt" sz="half" idx="10"/>
+          </p:nvPr>
+        </p:nvSpPr>
+        <p:spPr/>
+        <p:txBody>
+          <a:bodyPr/>
+          <a:lstStyle/>
+          <a:p>
+            <a:r>
+              <a:rPr lang="en-CA"/>
+              <a:t>February 2024</a:t>
+            </a:r>
+          </a:p>
+        </p:txBody>
+      </p:sp>
+      <p:sp>
+        <p:nvSpPr>
+          <p:cNvPr id="6" name="Footer Placeholder 5">
+            <a:extLst>
+              <a:ext uri="{FF2B5EF4-FFF2-40B4-BE49-F238E27FC236}">
+                <a16:creationId xmlns:a16="http://schemas.microsoft.com/office/drawing/2014/main" id="{DC0AF51A-8C01-B644-F4D3-1505A38A6EB1}"/>
+              </a:ext>
+            </a:extLst>
+          </p:cNvPr>
+          <p:cNvSpPr>
+            <a:spLocks noGrp="1"/>
+          </p:cNvSpPr>
+          <p:nvPr>
+            <p:ph type="ftr" sz="quarter" idx="11"/>
+          </p:nvPr>
+        </p:nvSpPr>
+        <p:spPr/>
+        <p:txBody>
+          <a:bodyPr/>
+          <a:lstStyle/>
+          <a:p>
+            <a:r>
+              <a:rPr lang="en-US"/>
+              <a:t>Production 3 - Working with Training Data</a:t>
+            </a:r>
+            <a:endParaRPr lang="en-CA"/>
+          </a:p>
+        </p:txBody>
+      </p:sp>
+      <p:sp>
+        <p:nvSpPr>
+          <p:cNvPr id="7" name="Slide Number Placeholder 6">
+            <a:extLst>
+              <a:ext uri="{FF2B5EF4-FFF2-40B4-BE49-F238E27FC236}">
+                <a16:creationId xmlns:a16="http://schemas.microsoft.com/office/drawing/2014/main" id="{F0A444E1-B820-6713-630C-B587A258841B}"/>
+              </a:ext>
+            </a:extLst>
+          </p:cNvPr>
+          <p:cNvSpPr>
+            <a:spLocks noGrp="1"/>
+          </p:cNvSpPr>
+          <p:nvPr>
+            <p:ph type="sldNum" sz="quarter" idx="12"/>
+          </p:nvPr>
+        </p:nvSpPr>
+        <p:spPr/>
+        <p:txBody>
+          <a:bodyPr/>
+          <a:lstStyle/>
+          <a:p>
+            <a:fld id="{4F4BDF5D-830C-4829-B676-EE421164B1C8}" type="slidenum">
+              <a:rPr lang="en-CA" smtClean="0"/>
+              <a:t>18</a:t>
+            </a:fld>
+            <a:endParaRPr lang="en-CA"/>
+          </a:p>
+        </p:txBody>
+      </p:sp>
     </p:spTree>
   </p:cSld>
+  <p:clrMapOvr>
+    <a:masterClrMapping/>
+  </p:clrMapOvr>
 </p:sld>
 </file>
 
@@ -5037,11 +6258,10 @@
           <a:bodyPr/>
           <a:lstStyle/>
           <a:p>
-            <a:pPr lvl="0" indent="0" marL="0">
+            <a:pPr marL="0" lvl="0" indent="0">
               <a:buNone/>
             </a:pPr>
             <a:r>
-              <a:rPr/>
               <a:t>Class Probabilities Carry Information</a:t>
             </a:r>
           </a:p>
@@ -5054,45 +6274,42 @@
             <a:spLocks noGrp="1"/>
           </p:cNvSpPr>
           <p:nvPr>
-            <p:ph idx="1" sz="half"/>
-          </p:nvPr>
-        </p:nvSpPr>
-        <p:spPr/>
-        <p:txBody>
-          <a:bodyPr/>
+            <p:ph sz="half" idx="1"/>
+          </p:nvPr>
+        </p:nvSpPr>
+        <p:spPr/>
+        <p:txBody>
+          <a:bodyPr>
+            <a:normAutofit fontScale="55000" lnSpcReduction="20000"/>
+          </a:bodyPr>
           <a:lstStyle/>
           <a:p>
             <a:pPr lvl="0"/>
             <a:r>
-              <a:rPr/>
               <a:t>Class probabilities offer more information about model predictions than the simple class value.</a:t>
             </a:r>
           </a:p>
           <a:p>
             <a:pPr lvl="0"/>
             <a:r>
-              <a:rPr/>
               <a:t>Given class probabilities, one could decide to predict a class by comparing them to a threshold.</a:t>
             </a:r>
           </a:p>
           <a:p>
             <a:pPr lvl="0"/>
             <a:r>
-              <a:rPr/>
               <a:t>A Receiver Operating Characteristic (ROC) curve shows the relationship between the True Positive Rate (TPR) and the False Positive Rate (FPR) for a variety of thresholds.</a:t>
             </a:r>
           </a:p>
           <a:p>
             <a:pPr lvl="0"/>
             <a:r>
-              <a:rPr/>
               <a:t>A greater Area Under the ROC Curve (AUC ROC) indicates a better model: AUC ROC can be interpreted as the probability that the classifier ranks a randomly chosen positive instance above a randomly chosen negative one.</a:t>
             </a:r>
           </a:p>
           <a:p>
             <a:pPr lvl="0"/>
             <a:r>
-              <a:rPr/>
               <a:t>AUC ROC measures the ranking order of a model’s prediction: it is useful when costs are unavailable and class distributions are unknown.</a:t>
             </a:r>
           </a:p>
@@ -5100,7 +6317,7 @@
       </p:sp>
       <p:pic>
         <p:nvPicPr>
-          <p:cNvPr descr="./img/roc_curve_comparison.png" id="0" name="Picture 1"/>
+          <p:cNvPr id="4" name="Picture 1" descr="./img/roc_curve_comparison.png"/>
           <p:cNvPicPr>
             <a:picLocks noGrp="1" noChangeAspect="1"/>
           </p:cNvPicPr>
@@ -5128,8 +6345,97 @@
           </a:ln>
         </p:spPr>
       </p:pic>
+      <p:sp>
+        <p:nvSpPr>
+          <p:cNvPr id="5" name="Date Placeholder 4">
+            <a:extLst>
+              <a:ext uri="{FF2B5EF4-FFF2-40B4-BE49-F238E27FC236}">
+                <a16:creationId xmlns:a16="http://schemas.microsoft.com/office/drawing/2014/main" id="{DCF91F0B-A9AF-E7D1-E61A-0AF78504CEAE}"/>
+              </a:ext>
+            </a:extLst>
+          </p:cNvPr>
+          <p:cNvSpPr>
+            <a:spLocks noGrp="1"/>
+          </p:cNvSpPr>
+          <p:nvPr>
+            <p:ph type="dt" sz="half" idx="10"/>
+          </p:nvPr>
+        </p:nvSpPr>
+        <p:spPr/>
+        <p:txBody>
+          <a:bodyPr/>
+          <a:lstStyle/>
+          <a:p>
+            <a:r>
+              <a:rPr lang="en-CA"/>
+              <a:t>February 2024</a:t>
+            </a:r>
+          </a:p>
+        </p:txBody>
+      </p:sp>
+      <p:sp>
+        <p:nvSpPr>
+          <p:cNvPr id="6" name="Footer Placeholder 5">
+            <a:extLst>
+              <a:ext uri="{FF2B5EF4-FFF2-40B4-BE49-F238E27FC236}">
+                <a16:creationId xmlns:a16="http://schemas.microsoft.com/office/drawing/2014/main" id="{17E8313E-1665-D250-1A85-7C01F2DFD9C5}"/>
+              </a:ext>
+            </a:extLst>
+          </p:cNvPr>
+          <p:cNvSpPr>
+            <a:spLocks noGrp="1"/>
+          </p:cNvSpPr>
+          <p:nvPr>
+            <p:ph type="ftr" sz="quarter" idx="11"/>
+          </p:nvPr>
+        </p:nvSpPr>
+        <p:spPr/>
+        <p:txBody>
+          <a:bodyPr/>
+          <a:lstStyle/>
+          <a:p>
+            <a:r>
+              <a:rPr lang="en-US"/>
+              <a:t>Production 3 - Working with Training Data</a:t>
+            </a:r>
+            <a:endParaRPr lang="en-CA"/>
+          </a:p>
+        </p:txBody>
+      </p:sp>
+      <p:sp>
+        <p:nvSpPr>
+          <p:cNvPr id="7" name="Slide Number Placeholder 6">
+            <a:extLst>
+              <a:ext uri="{FF2B5EF4-FFF2-40B4-BE49-F238E27FC236}">
+                <a16:creationId xmlns:a16="http://schemas.microsoft.com/office/drawing/2014/main" id="{F790F70E-175F-5E01-23EA-AD67DEBF24E5}"/>
+              </a:ext>
+            </a:extLst>
+          </p:cNvPr>
+          <p:cNvSpPr>
+            <a:spLocks noGrp="1"/>
+          </p:cNvSpPr>
+          <p:nvPr>
+            <p:ph type="sldNum" sz="quarter" idx="12"/>
+          </p:nvPr>
+        </p:nvSpPr>
+        <p:spPr/>
+        <p:txBody>
+          <a:bodyPr/>
+          <a:lstStyle/>
+          <a:p>
+            <a:fld id="{4F4BDF5D-830C-4829-B676-EE421164B1C8}" type="slidenum">
+              <a:rPr lang="en-CA" smtClean="0"/>
+              <a:t>19</a:t>
+            </a:fld>
+            <a:endParaRPr lang="en-CA"/>
+          </a:p>
+        </p:txBody>
+      </p:sp>
     </p:spTree>
   </p:cSld>
+  <p:clrMapOvr>
+    <a:masterClrMapping/>
+  </p:clrMapOvr>
 </p:sld>
 </file>
 
@@ -5170,18 +6476,106 @@
           <a:bodyPr/>
           <a:lstStyle/>
           <a:p>
-            <a:pPr lvl="0" indent="0" marL="0">
+            <a:pPr marL="0" lvl="0" indent="0">
               <a:buNone/>
             </a:pPr>
             <a:r>
-              <a:rPr/>
               <a:t>Introduction</a:t>
             </a:r>
+          </a:p>
+        </p:txBody>
+      </p:sp>
+      <p:sp>
+        <p:nvSpPr>
+          <p:cNvPr id="3" name="Date Placeholder 2">
+            <a:extLst>
+              <a:ext uri="{FF2B5EF4-FFF2-40B4-BE49-F238E27FC236}">
+                <a16:creationId xmlns:a16="http://schemas.microsoft.com/office/drawing/2014/main" id="{6F832B4A-326D-4F88-3E65-2081B7FE49F2}"/>
+              </a:ext>
+            </a:extLst>
+          </p:cNvPr>
+          <p:cNvSpPr>
+            <a:spLocks noGrp="1"/>
+          </p:cNvSpPr>
+          <p:nvPr>
+            <p:ph type="dt" sz="half" idx="10"/>
+          </p:nvPr>
+        </p:nvSpPr>
+        <p:spPr/>
+        <p:txBody>
+          <a:bodyPr/>
+          <a:lstStyle/>
+          <a:p>
+            <a:r>
+              <a:rPr lang="en-CA"/>
+              <a:t>February 2024</a:t>
+            </a:r>
+          </a:p>
+        </p:txBody>
+      </p:sp>
+      <p:sp>
+        <p:nvSpPr>
+          <p:cNvPr id="4" name="Footer Placeholder 3">
+            <a:extLst>
+              <a:ext uri="{FF2B5EF4-FFF2-40B4-BE49-F238E27FC236}">
+                <a16:creationId xmlns:a16="http://schemas.microsoft.com/office/drawing/2014/main" id="{6C20EA93-C942-4B8D-E929-AC6D87FB842A}"/>
+              </a:ext>
+            </a:extLst>
+          </p:cNvPr>
+          <p:cNvSpPr>
+            <a:spLocks noGrp="1"/>
+          </p:cNvSpPr>
+          <p:nvPr>
+            <p:ph type="ftr" sz="quarter" idx="11"/>
+          </p:nvPr>
+        </p:nvSpPr>
+        <p:spPr/>
+        <p:txBody>
+          <a:bodyPr/>
+          <a:lstStyle/>
+          <a:p>
+            <a:r>
+              <a:rPr lang="en-US"/>
+              <a:t>Production 3 - Working with Training Data</a:t>
+            </a:r>
+            <a:endParaRPr lang="en-CA"/>
+          </a:p>
+        </p:txBody>
+      </p:sp>
+      <p:sp>
+        <p:nvSpPr>
+          <p:cNvPr id="5" name="Slide Number Placeholder 4">
+            <a:extLst>
+              <a:ext uri="{FF2B5EF4-FFF2-40B4-BE49-F238E27FC236}">
+                <a16:creationId xmlns:a16="http://schemas.microsoft.com/office/drawing/2014/main" id="{A33BA8C6-5CE6-972F-76E7-A68B4439BF06}"/>
+              </a:ext>
+            </a:extLst>
+          </p:cNvPr>
+          <p:cNvSpPr>
+            <a:spLocks noGrp="1"/>
+          </p:cNvSpPr>
+          <p:nvPr>
+            <p:ph type="sldNum" sz="quarter" idx="12"/>
+          </p:nvPr>
+        </p:nvSpPr>
+        <p:spPr/>
+        <p:txBody>
+          <a:bodyPr/>
+          <a:lstStyle/>
+          <a:p>
+            <a:fld id="{4F4BDF5D-830C-4829-B676-EE421164B1C8}" type="slidenum">
+              <a:rPr lang="en-CA" smtClean="0"/>
+              <a:t>2</a:t>
+            </a:fld>
+            <a:endParaRPr lang="en-CA"/>
           </a:p>
         </p:txBody>
       </p:sp>
     </p:spTree>
   </p:cSld>
+  <p:clrMapOvr>
+    <a:masterClrMapping/>
+  </p:clrMapOvr>
 </p:sld>
 </file>
 
@@ -5217,11 +6611,10 @@
           <a:bodyPr/>
           <a:lstStyle/>
           <a:p>
-            <a:pPr lvl="0" indent="0" marL="0">
+            <a:pPr marL="0" lvl="0" indent="0">
               <a:buNone/>
             </a:pPr>
             <a:r>
-              <a:rPr/>
               <a:t>Cross-entropy, Negative Log-Loss, and Log-Likelihood</a:t>
             </a:r>
           </a:p>
@@ -5236,29 +6629,29 @@
                 <a:spLocks noGrp="1"/>
               </p:cNvSpPr>
               <p:nvPr>
-                <p:ph idx="1" sz="half"/>
+                <p:ph sz="half" idx="1"/>
               </p:nvPr>
             </p:nvSpPr>
             <p:spPr/>
             <p:txBody>
-              <a:bodyPr/>
+              <a:bodyPr>
+                <a:normAutofit fontScale="70000" lnSpcReduction="20000"/>
+              </a:bodyPr>
               <a:lstStyle/>
               <a:p>
                 <a:pPr lvl="0"/>
                 <a:r>
-                  <a:rPr/>
                   <a:t>Log loss or cross-entropy loss is a performance metric that quantifies the difference between predicted and actual probabilities.</a:t>
                 </a:r>
               </a:p>
               <a:p>
                 <a:pPr lvl="0"/>
                 <a:r>
-                  <a:rPr/>
                   <a:t>In a two-class setting, it is given by:</a:t>
                 </a:r>
               </a:p>
               <a:p>
-                <a:pPr lvl="0" indent="0" marL="0">
+                <a:pPr marL="0" lvl="0" indent="0">
                   <a:buNone/>
                 </a:pPr>
                 <a14:m>
@@ -5266,226 +6659,296 @@
                     <m:oMathParaPr>
                       <m:jc m:val="center"/>
                     </m:oMathParaPr>
-                    <m:oMath>
+                    <m:oMath xmlns:m="http://schemas.openxmlformats.org/officeDocument/2006/math">
                       <m:r>
-                        <m:t>H</m:t>
+                        <a:rPr>
+                          <a:latin typeface="Cambria Math" panose="02040503050406030204" pitchFamily="18" charset="0"/>
+                        </a:rPr>
+                        <m:t>𝐻</m:t>
                       </m:r>
                       <m:d>
                         <m:dPr>
-                          <m:begChr m:val="("/>
-                          <m:endChr m:val=")"/>
-                          <m:sepChr m:val=""/>
-                          <m:grow/>
+                          <m:ctrlPr>
+                            <a:rPr i="1">
+                              <a:latin typeface="Cambria Math" panose="02040503050406030204" pitchFamily="18" charset="0"/>
+                            </a:rPr>
+                          </m:ctrlPr>
                         </m:dPr>
                         <m:e>
                           <m:r>
-                            <m:t>p</m:t>
+                            <a:rPr>
+                              <a:latin typeface="Cambria Math" panose="02040503050406030204" pitchFamily="18" charset="0"/>
+                            </a:rPr>
+                            <m:t>𝑝</m:t>
                           </m:r>
                           <m:r>
-                            <m:rPr>
-                              <m:sty m:val="p"/>
-                            </m:rPr>
+                            <a:rPr>
+                              <a:latin typeface="Cambria Math" panose="02040503050406030204" pitchFamily="18" charset="0"/>
+                            </a:rPr>
                             <m:t>,</m:t>
                           </m:r>
                           <m:r>
-                            <m:t>q</m:t>
+                            <a:rPr>
+                              <a:latin typeface="Cambria Math" panose="02040503050406030204" pitchFamily="18" charset="0"/>
+                            </a:rPr>
+                            <m:t>𝑞</m:t>
                           </m:r>
                         </m:e>
                       </m:d>
                       <m:r>
-                        <m:rPr>
-                          <m:sty m:val="p"/>
-                        </m:rPr>
-                        <m:t>=</m:t>
-                      </m:r>
-                      <m:r>
-                        <m:rPr>
-                          <m:sty m:val="p"/>
-                        </m:rPr>
-                        <m:t>−</m:t>
+                        <a:rPr>
+                          <a:latin typeface="Cambria Math" panose="02040503050406030204" pitchFamily="18" charset="0"/>
+                        </a:rPr>
+                        <m:t>=−</m:t>
                       </m:r>
                       <m:nary>
                         <m:naryPr>
                           <m:chr m:val="∑"/>
                           <m:limLoc m:val="undOvr"/>
-                          <m:subHide m:val="0"/>
-                          <m:supHide m:val="0"/>
+                          <m:ctrlPr>
+                            <a:rPr i="1">
+                              <a:latin typeface="Cambria Math" panose="02040503050406030204" pitchFamily="18" charset="0"/>
+                            </a:rPr>
+                          </m:ctrlPr>
                         </m:naryPr>
                         <m:sub>
                           <m:r>
-                            <m:t>i</m:t>
+                            <a:rPr>
+                              <a:latin typeface="Cambria Math" panose="02040503050406030204" pitchFamily="18" charset="0"/>
+                            </a:rPr>
+                            <m:t>𝑖</m:t>
                           </m:r>
                           <m:r>
-                            <m:rPr>
-                              <m:sty m:val="p"/>
-                            </m:rPr>
-                            <m:t>=</m:t>
-                          </m:r>
-                          <m:r>
-                            <m:t>1</m:t>
+                            <a:rPr>
+                              <a:latin typeface="Cambria Math" panose="02040503050406030204" pitchFamily="18" charset="0"/>
+                            </a:rPr>
+                            <m:t>=1</m:t>
                           </m:r>
                         </m:sub>
                         <m:sup>
                           <m:r>
-                            <m:t>n</m:t>
+                            <a:rPr>
+                              <a:latin typeface="Cambria Math" panose="02040503050406030204" pitchFamily="18" charset="0"/>
+                            </a:rPr>
+                            <m:t>𝑛</m:t>
                           </m:r>
                         </m:sup>
                         <m:e>
                           <m:d>
                             <m:dPr>
-                              <m:begChr m:val="("/>
-                              <m:endChr m:val=")"/>
-                              <m:sepChr m:val=""/>
-                              <m:grow/>
+                              <m:ctrlPr>
+                                <a:rPr i="1">
+                                  <a:latin typeface="Cambria Math" panose="02040503050406030204" pitchFamily="18" charset="0"/>
+                                </a:rPr>
+                              </m:ctrlPr>
                             </m:dPr>
                             <m:e>
                               <m:sSub>
+                                <m:sSubPr>
+                                  <m:ctrlPr>
+                                    <a:rPr i="1">
+                                      <a:latin typeface="Cambria Math" panose="02040503050406030204" pitchFamily="18" charset="0"/>
+                                    </a:rPr>
+                                  </m:ctrlPr>
+                                </m:sSubPr>
                                 <m:e>
                                   <m:r>
-                                    <m:t>y</m:t>
+                                    <a:rPr>
+                                      <a:latin typeface="Cambria Math" panose="02040503050406030204" pitchFamily="18" charset="0"/>
+                                    </a:rPr>
+                                    <m:t>𝑦</m:t>
                                   </m:r>
                                 </m:e>
                                 <m:sub>
                                   <m:r>
-                                    <m:t>i</m:t>
+                                    <a:rPr>
+                                      <a:latin typeface="Cambria Math" panose="02040503050406030204" pitchFamily="18" charset="0"/>
+                                    </a:rPr>
+                                    <m:t>𝑖</m:t>
                                   </m:r>
                                 </m:sub>
                               </m:sSub>
                               <m:r>
-                                <m:t>l</m:t>
-                              </m:r>
-                              <m:r>
-                                <m:t>o</m:t>
-                              </m:r>
-                              <m:r>
-                                <m:t>g</m:t>
+                                <a:rPr>
+                                  <a:latin typeface="Cambria Math" panose="02040503050406030204" pitchFamily="18" charset="0"/>
+                                </a:rPr>
+                                <m:t>𝑙𝑜𝑔</m:t>
                               </m:r>
                               <m:d>
                                 <m:dPr>
-                                  <m:begChr m:val="("/>
-                                  <m:endChr m:val=")"/>
-                                  <m:sepChr m:val=""/>
-                                  <m:grow/>
+                                  <m:ctrlPr>
+                                    <a:rPr i="1">
+                                      <a:latin typeface="Cambria Math" panose="02040503050406030204" pitchFamily="18" charset="0"/>
+                                    </a:rPr>
+                                  </m:ctrlPr>
                                 </m:dPr>
                                 <m:e>
                                   <m:sSub>
+                                    <m:sSubPr>
+                                      <m:ctrlPr>
+                                        <a:rPr i="1">
+                                          <a:latin typeface="Cambria Math" panose="02040503050406030204" pitchFamily="18" charset="0"/>
+                                        </a:rPr>
+                                      </m:ctrlPr>
+                                    </m:sSubPr>
                                     <m:e>
                                       <m:acc>
                                         <m:accPr>
                                           <m:chr m:val="̂"/>
+                                          <m:ctrlPr>
+                                            <a:rPr i="1">
+                                              <a:latin typeface="Cambria Math" panose="02040503050406030204" pitchFamily="18" charset="0"/>
+                                            </a:rPr>
+                                          </m:ctrlPr>
                                         </m:accPr>
                                         <m:e>
                                           <m:r>
-                                            <m:t>y</m:t>
+                                            <a:rPr>
+                                              <a:latin typeface="Cambria Math" panose="02040503050406030204" pitchFamily="18" charset="0"/>
+                                            </a:rPr>
+                                            <m:t>𝑦</m:t>
                                           </m:r>
                                         </m:e>
                                       </m:acc>
                                     </m:e>
                                     <m:sub>
                                       <m:r>
-                                        <m:t>θ</m:t>
+                                        <a:rPr>
+                                          <a:latin typeface="Cambria Math" panose="02040503050406030204" pitchFamily="18" charset="0"/>
+                                        </a:rPr>
+                                        <m:t>𝜃</m:t>
                                       </m:r>
                                       <m:r>
-                                        <m:rPr>
-                                          <m:sty m:val="p"/>
-                                        </m:rPr>
+                                        <a:rPr>
+                                          <a:latin typeface="Cambria Math" panose="02040503050406030204" pitchFamily="18" charset="0"/>
+                                        </a:rPr>
                                         <m:t>,</m:t>
                                       </m:r>
                                       <m:r>
-                                        <m:t>i</m:t>
+                                        <a:rPr>
+                                          <a:latin typeface="Cambria Math" panose="02040503050406030204" pitchFamily="18" charset="0"/>
+                                        </a:rPr>
+                                        <m:t>𝑖</m:t>
                                       </m:r>
                                     </m:sub>
                                   </m:sSub>
                                 </m:e>
                               </m:d>
                               <m:r>
-                                <m:rPr>
-                                  <m:sty m:val="p"/>
-                                </m:rPr>
+                                <a:rPr>
+                                  <a:latin typeface="Cambria Math" panose="02040503050406030204" pitchFamily="18" charset="0"/>
+                                </a:rPr>
                                 <m:t>+</m:t>
                               </m:r>
                               <m:d>
                                 <m:dPr>
-                                  <m:begChr m:val="("/>
-                                  <m:endChr m:val=")"/>
-                                  <m:sepChr m:val=""/>
-                                  <m:grow/>
+                                  <m:ctrlPr>
+                                    <a:rPr i="1">
+                                      <a:latin typeface="Cambria Math" panose="02040503050406030204" pitchFamily="18" charset="0"/>
+                                    </a:rPr>
+                                  </m:ctrlPr>
                                 </m:dPr>
                                 <m:e>
                                   <m:r>
-                                    <m:t>1</m:t>
-                                  </m:r>
-                                  <m:r>
-                                    <m:rPr>
-                                      <m:sty m:val="p"/>
-                                    </m:rPr>
-                                    <m:t>−</m:t>
+                                    <a:rPr>
+                                      <a:latin typeface="Cambria Math" panose="02040503050406030204" pitchFamily="18" charset="0"/>
+                                    </a:rPr>
+                                    <m:t>1−</m:t>
                                   </m:r>
                                   <m:sSub>
+                                    <m:sSubPr>
+                                      <m:ctrlPr>
+                                        <a:rPr i="1">
+                                          <a:latin typeface="Cambria Math" panose="02040503050406030204" pitchFamily="18" charset="0"/>
+                                        </a:rPr>
+                                      </m:ctrlPr>
+                                    </m:sSubPr>
                                     <m:e>
                                       <m:r>
-                                        <m:t>y</m:t>
+                                        <a:rPr>
+                                          <a:latin typeface="Cambria Math" panose="02040503050406030204" pitchFamily="18" charset="0"/>
+                                        </a:rPr>
+                                        <m:t>𝑦</m:t>
                                       </m:r>
                                     </m:e>
                                     <m:sub>
                                       <m:r>
-                                        <m:t>i</m:t>
+                                        <a:rPr>
+                                          <a:latin typeface="Cambria Math" panose="02040503050406030204" pitchFamily="18" charset="0"/>
+                                        </a:rPr>
+                                        <m:t>𝑖</m:t>
                                       </m:r>
                                     </m:sub>
                                   </m:sSub>
                                 </m:e>
                               </m:d>
                               <m:r>
-                                <m:t>l</m:t>
-                              </m:r>
-                              <m:r>
-                                <m:t>o</m:t>
-                              </m:r>
-                              <m:r>
-                                <m:t>g</m:t>
+                                <a:rPr>
+                                  <a:latin typeface="Cambria Math" panose="02040503050406030204" pitchFamily="18" charset="0"/>
+                                </a:rPr>
+                                <m:t>𝑙𝑜𝑔</m:t>
                               </m:r>
                               <m:d>
                                 <m:dPr>
-                                  <m:begChr m:val="("/>
-                                  <m:endChr m:val=")"/>
-                                  <m:sepChr m:val=""/>
-                                  <m:grow/>
+                                  <m:ctrlPr>
+                                    <a:rPr i="1">
+                                      <a:latin typeface="Cambria Math" panose="02040503050406030204" pitchFamily="18" charset="0"/>
+                                    </a:rPr>
+                                  </m:ctrlPr>
                                 </m:dPr>
                                 <m:e>
                                   <m:r>
-                                    <m:t>1</m:t>
-                                  </m:r>
-                                  <m:r>
-                                    <m:rPr>
-                                      <m:sty m:val="p"/>
-                                    </m:rPr>
-                                    <m:t>−</m:t>
+                                    <a:rPr>
+                                      <a:latin typeface="Cambria Math" panose="02040503050406030204" pitchFamily="18" charset="0"/>
+                                    </a:rPr>
+                                    <m:t>1−</m:t>
                                   </m:r>
                                   <m:sSub>
+                                    <m:sSubPr>
+                                      <m:ctrlPr>
+                                        <a:rPr i="1">
+                                          <a:latin typeface="Cambria Math" panose="02040503050406030204" pitchFamily="18" charset="0"/>
+                                        </a:rPr>
+                                      </m:ctrlPr>
+                                    </m:sSubPr>
                                     <m:e>
                                       <m:acc>
                                         <m:accPr>
                                           <m:chr m:val="̂"/>
+                                          <m:ctrlPr>
+                                            <a:rPr i="1">
+                                              <a:latin typeface="Cambria Math" panose="02040503050406030204" pitchFamily="18" charset="0"/>
+                                            </a:rPr>
+                                          </m:ctrlPr>
                                         </m:accPr>
                                         <m:e>
                                           <m:r>
-                                            <m:t>y</m:t>
+                                            <a:rPr>
+                                              <a:latin typeface="Cambria Math" panose="02040503050406030204" pitchFamily="18" charset="0"/>
+                                            </a:rPr>
+                                            <m:t>𝑦</m:t>
                                           </m:r>
                                         </m:e>
                                       </m:acc>
                                     </m:e>
                                     <m:sub>
                                       <m:r>
-                                        <m:t>θ</m:t>
+                                        <a:rPr>
+                                          <a:latin typeface="Cambria Math" panose="02040503050406030204" pitchFamily="18" charset="0"/>
+                                        </a:rPr>
+                                        <m:t>𝜃</m:t>
                                       </m:r>
                                       <m:r>
-                                        <m:rPr>
-                                          <m:sty m:val="p"/>
-                                        </m:rPr>
+                                        <a:rPr>
+                                          <a:latin typeface="Cambria Math" panose="02040503050406030204" pitchFamily="18" charset="0"/>
+                                        </a:rPr>
                                         <m:t>,</m:t>
                                       </m:r>
                                       <m:r>
-                                        <m:t>i</m:t>
+                                        <a:rPr>
+                                          <a:latin typeface="Cambria Math" panose="02040503050406030204" pitchFamily="18" charset="0"/>
+                                        </a:rPr>
+                                        <m:t>𝑖</m:t>
                                       </m:r>
                                     </m:sub>
                                   </m:sSub>
@@ -5498,19 +6961,52 @@
                     </m:oMath>
                   </m:oMathPara>
                 </a14:m>
+                <a:endParaRPr/>
               </a:p>
               <a:p>
-                <a:pPr lvl="0" indent="0" marL="0">
+                <a:pPr marL="0" lvl="0" indent="0">
                   <a:buNone/>
                 </a:pPr>
                 <a:r>
-                  <a:rPr/>
                   <a:t>+ Formulation is related to maximum likelihood: minimizing negative log-likelihood is the “same” as minimizing log loss.</a:t>
                 </a:r>
               </a:p>
             </p:txBody>
           </p:sp>
         </mc:Choice>
+        <mc:Fallback>
+          <p:sp>
+            <p:nvSpPr>
+              <p:cNvPr id="3" name="Content Placeholder 2"/>
+              <p:cNvSpPr>
+                <a:spLocks noGrp="1" noRot="1" noChangeAspect="1" noMove="1" noResize="1" noEditPoints="1" noAdjustHandles="1" noChangeArrowheads="1" noChangeShapeType="1" noTextEdit="1"/>
+              </p:cNvSpPr>
+              <p:nvPr>
+                <p:ph sz="half" idx="1"/>
+              </p:nvPr>
+            </p:nvSpPr>
+            <p:spPr>
+              <a:blipFill>
+                <a:blip r:embed="rId2"/>
+                <a:stretch>
+                  <a:fillRect l="-784" t="-971"/>
+                </a:stretch>
+              </a:blipFill>
+            </p:spPr>
+            <p:txBody>
+              <a:bodyPr/>
+              <a:lstStyle/>
+              <a:p>
+                <a:r>
+                  <a:rPr lang="en-CA">
+                    <a:noFill/>
+                  </a:rPr>
+                  <a:t> </a:t>
+                </a:r>
+              </a:p>
+            </p:txBody>
+          </p:sp>
+        </mc:Fallback>
       </mc:AlternateContent>
       <p:sp>
         <p:nvSpPr>
@@ -5519,24 +7015,24 @@
             <a:spLocks noGrp="1"/>
           </p:cNvSpPr>
           <p:nvPr>
-            <p:ph idx="2" sz="half"/>
-          </p:nvPr>
-        </p:nvSpPr>
-        <p:spPr/>
-        <p:txBody>
-          <a:bodyPr/>
+            <p:ph sz="half" idx="2"/>
+          </p:nvPr>
+        </p:nvSpPr>
+        <p:spPr/>
+        <p:txBody>
+          <a:bodyPr>
+            <a:normAutofit fontScale="70000" lnSpcReduction="20000"/>
+          </a:bodyPr>
           <a:lstStyle/>
           <a:p>
             <a:pPr lvl="0"/>
             <a:r>
-              <a:rPr/>
               <a:t>Assume the actual value is 1.</a:t>
             </a:r>
           </a:p>
           <a:p>
             <a:pPr lvl="0"/>
             <a:r>
-              <a:rPr/>
               <a:t>If the model is confident and correctly predicted 0.9, then </a:t>
             </a:r>
             <a:r>
@@ -5549,7 +7045,6 @@
           <a:p>
             <a:pPr lvl="0"/>
             <a:r>
-              <a:rPr/>
               <a:t>If the model is unsure and predicted 0.5, then </a:t>
             </a:r>
             <a:r>
@@ -5559,14 +7054,12 @@
               <a:t>Loss = -(1*log(0.5)) = 0.6931</a:t>
             </a:r>
             <a:r>
-              <a:rPr/>
               <a:t>.</a:t>
             </a:r>
           </a:p>
           <a:p>
             <a:pPr lvl="0"/>
             <a:r>
-              <a:rPr/>
               <a:t>If the model is confident but incorrectly predicted 0.1, then </a:t>
             </a:r>
             <a:r>
@@ -5578,8 +7071,97 @@
           </a:p>
         </p:txBody>
       </p:sp>
+      <p:sp>
+        <p:nvSpPr>
+          <p:cNvPr id="5" name="Date Placeholder 4">
+            <a:extLst>
+              <a:ext uri="{FF2B5EF4-FFF2-40B4-BE49-F238E27FC236}">
+                <a16:creationId xmlns:a16="http://schemas.microsoft.com/office/drawing/2014/main" id="{EAF5FC36-E99F-DBB9-1B7A-5C41CFBF6008}"/>
+              </a:ext>
+            </a:extLst>
+          </p:cNvPr>
+          <p:cNvSpPr>
+            <a:spLocks noGrp="1"/>
+          </p:cNvSpPr>
+          <p:nvPr>
+            <p:ph type="dt" sz="half" idx="10"/>
+          </p:nvPr>
+        </p:nvSpPr>
+        <p:spPr/>
+        <p:txBody>
+          <a:bodyPr/>
+          <a:lstStyle/>
+          <a:p>
+            <a:r>
+              <a:rPr lang="en-CA"/>
+              <a:t>February 2024</a:t>
+            </a:r>
+          </a:p>
+        </p:txBody>
+      </p:sp>
+      <p:sp>
+        <p:nvSpPr>
+          <p:cNvPr id="6" name="Footer Placeholder 5">
+            <a:extLst>
+              <a:ext uri="{FF2B5EF4-FFF2-40B4-BE49-F238E27FC236}">
+                <a16:creationId xmlns:a16="http://schemas.microsoft.com/office/drawing/2014/main" id="{DBC5B35B-D1F1-B401-A05B-2FB01388B6C7}"/>
+              </a:ext>
+            </a:extLst>
+          </p:cNvPr>
+          <p:cNvSpPr>
+            <a:spLocks noGrp="1"/>
+          </p:cNvSpPr>
+          <p:nvPr>
+            <p:ph type="ftr" sz="quarter" idx="11"/>
+          </p:nvPr>
+        </p:nvSpPr>
+        <p:spPr/>
+        <p:txBody>
+          <a:bodyPr/>
+          <a:lstStyle/>
+          <a:p>
+            <a:r>
+              <a:rPr lang="en-US"/>
+              <a:t>Production 3 - Working with Training Data</a:t>
+            </a:r>
+            <a:endParaRPr lang="en-CA"/>
+          </a:p>
+        </p:txBody>
+      </p:sp>
+      <p:sp>
+        <p:nvSpPr>
+          <p:cNvPr id="7" name="Slide Number Placeholder 6">
+            <a:extLst>
+              <a:ext uri="{FF2B5EF4-FFF2-40B4-BE49-F238E27FC236}">
+                <a16:creationId xmlns:a16="http://schemas.microsoft.com/office/drawing/2014/main" id="{5FBBAD48-0D9E-646A-8B95-ACA59F1B3AA8}"/>
+              </a:ext>
+            </a:extLst>
+          </p:cNvPr>
+          <p:cNvSpPr>
+            <a:spLocks noGrp="1"/>
+          </p:cNvSpPr>
+          <p:nvPr>
+            <p:ph type="sldNum" sz="quarter" idx="12"/>
+          </p:nvPr>
+        </p:nvSpPr>
+        <p:spPr/>
+        <p:txBody>
+          <a:bodyPr/>
+          <a:lstStyle/>
+          <a:p>
+            <a:fld id="{4F4BDF5D-830C-4829-B676-EE421164B1C8}" type="slidenum">
+              <a:rPr lang="en-CA" smtClean="0"/>
+              <a:t>20</a:t>
+            </a:fld>
+            <a:endParaRPr lang="en-CA"/>
+          </a:p>
+        </p:txBody>
+      </p:sp>
     </p:spTree>
   </p:cSld>
+  <p:clrMapOvr>
+    <a:masterClrMapping/>
+  </p:clrMapOvr>
 </p:sld>
 </file>
 
@@ -5615,11 +7197,10 @@
           <a:bodyPr/>
           <a:lstStyle/>
           <a:p>
-            <a:pPr lvl="0" indent="0" marL="0">
+            <a:pPr marL="0" lvl="0" indent="0">
               <a:buNone/>
             </a:pPr>
             <a:r>
-              <a:rPr/>
               <a:t>Class Weights</a:t>
             </a:r>
           </a:p>
@@ -5632,25 +7213,25 @@
             <a:spLocks noGrp="1"/>
           </p:cNvSpPr>
           <p:nvPr>
-            <p:ph idx="1" sz="half"/>
-          </p:nvPr>
-        </p:nvSpPr>
-        <p:spPr/>
-        <p:txBody>
-          <a:bodyPr/>
+            <p:ph sz="half" idx="1"/>
+          </p:nvPr>
+        </p:nvSpPr>
+        <p:spPr/>
+        <p:txBody>
+          <a:bodyPr>
+            <a:normAutofit lnSpcReduction="10000"/>
+          </a:bodyPr>
           <a:lstStyle/>
           <a:p>
             <a:pPr lvl="0"/>
             <a:r>
-              <a:rPr/>
-              <a:t>Some models can optimize a cost or loss function that differentiates for specific type of errors.</a:t>
+              <a:t>Some models can optimize a cost or loss function that differentiates for specific types of errors.</a:t>
             </a:r>
           </a:p>
           <a:p>
             <a:pPr lvl="0"/>
             <a:r>
-              <a:rPr/>
-              <a:t>In certain cases, one can assume that misclassifying minority events (false negatives) is more costly than incorrectly predicting non-events (false positives).</a:t>
+              <a:t>In some instances, one can assume that misclassifying minority events (false negatives) is more costly than incorrectly predicting non-events (false positives).</a:t>
             </a:r>
           </a:p>
         </p:txBody>
@@ -5664,36 +7245,35 @@
                 <a:spLocks noGrp="1"/>
               </p:cNvSpPr>
               <p:nvPr>
-                <p:ph idx="2" sz="half"/>
+                <p:ph sz="half" idx="2"/>
               </p:nvPr>
             </p:nvSpPr>
             <p:spPr/>
             <p:txBody>
-              <a:bodyPr/>
+              <a:bodyPr>
+                <a:normAutofit lnSpcReduction="10000"/>
+              </a:bodyPr>
               <a:lstStyle/>
               <a:p>
                 <a:pPr lvl="0"/>
                 <a:r>
-                  <a:rPr/>
                   <a:t>Relative cost or class weights can be determined by</a:t>
                 </a:r>
               </a:p>
               <a:p>
                 <a:pPr lvl="1"/>
                 <a:r>
-                  <a:rPr/>
                   <a:t>Consulting a Cost Specialist or Subject Matter Expert</a:t>
                 </a:r>
               </a:p>
               <a:p>
                 <a:pPr lvl="1"/>
                 <a:r>
-                  <a:rPr/>
                   <a:t>Balance function</a:t>
                 </a:r>
               </a:p>
               <a:p>
-                <a:pPr lvl="0" indent="0" marL="0">
+                <a:pPr marL="0" lvl="0" indent="0">
                   <a:buNone/>
                 </a:pPr>
                 <a14:m>
@@ -5701,110 +7281,240 @@
                     <m:oMathParaPr>
                       <m:jc m:val="center"/>
                     </m:oMathParaPr>
-                    <m:oMath>
+                    <m:oMath xmlns:m="http://schemas.openxmlformats.org/officeDocument/2006/math">
                       <m:sSub>
+                        <m:sSubPr>
+                          <m:ctrlPr>
+                            <a:rPr>
+                              <a:latin typeface="Cambria Math" panose="02040503050406030204" pitchFamily="18" charset="0"/>
+                            </a:rPr>
+                          </m:ctrlPr>
+                        </m:sSubPr>
                         <m:e>
                           <m:r>
-                            <m:t>W</m:t>
+                            <a:rPr>
+                              <a:latin typeface="Cambria Math" panose="02040503050406030204" pitchFamily="18" charset="0"/>
+                            </a:rPr>
+                            <m:t>𝑊</m:t>
                           </m:r>
                         </m:e>
                         <m:sub>
                           <m:r>
-                            <m:t>y</m:t>
+                            <a:rPr>
+                              <a:latin typeface="Cambria Math" panose="02040503050406030204" pitchFamily="18" charset="0"/>
+                            </a:rPr>
+                            <m:t>𝑦</m:t>
                           </m:r>
                         </m:sub>
                       </m:sSub>
                       <m:r>
-                        <m:rPr>
-                          <m:sty m:val="p"/>
-                        </m:rPr>
+                        <a:rPr>
+                          <a:latin typeface="Cambria Math" panose="02040503050406030204" pitchFamily="18" charset="0"/>
+                        </a:rPr>
                         <m:t>=</m:t>
                       </m:r>
                       <m:f>
                         <m:fPr>
-                          <m:type m:val="bar"/>
+                          <m:ctrlPr>
+                            <a:rPr i="1">
+                              <a:latin typeface="Cambria Math" panose="02040503050406030204" pitchFamily="18" charset="0"/>
+                            </a:rPr>
+                          </m:ctrlPr>
                         </m:fPr>
                         <m:num>
                           <m:sSub>
+                            <m:sSubPr>
+                              <m:ctrlPr>
+                                <a:rPr i="1">
+                                  <a:latin typeface="Cambria Math" panose="02040503050406030204" pitchFamily="18" charset="0"/>
+                                </a:rPr>
+                              </m:ctrlPr>
+                            </m:sSubPr>
                             <m:e>
                               <m:r>
-                                <m:t>N</m:t>
+                                <a:rPr>
+                                  <a:latin typeface="Cambria Math" panose="02040503050406030204" pitchFamily="18" charset="0"/>
+                                </a:rPr>
+                                <m:t>𝑁</m:t>
                               </m:r>
                             </m:e>
                             <m:sub>
                               <m:r>
-                                <m:t>s</m:t>
-                              </m:r>
-                              <m:r>
-                                <m:t>a</m:t>
-                              </m:r>
-                              <m:r>
-                                <m:t>m</m:t>
-                              </m:r>
-                              <m:r>
-                                <m:t>p</m:t>
-                              </m:r>
-                              <m:r>
-                                <m:t>l</m:t>
-                              </m:r>
-                              <m:r>
-                                <m:t>e</m:t>
-                              </m:r>
-                              <m:r>
-                                <m:t>s</m:t>
+                                <a:rPr>
+                                  <a:latin typeface="Cambria Math" panose="02040503050406030204" pitchFamily="18" charset="0"/>
+                                </a:rPr>
+                                <m:t>𝑠𝑎𝑚𝑝𝑙𝑒𝑠</m:t>
                               </m:r>
                             </m:sub>
                           </m:sSub>
                         </m:num>
                         <m:den>
                           <m:sSub>
+                            <m:sSubPr>
+                              <m:ctrlPr>
+                                <a:rPr i="1">
+                                  <a:latin typeface="Cambria Math" panose="02040503050406030204" pitchFamily="18" charset="0"/>
+                                </a:rPr>
+                              </m:ctrlPr>
+                            </m:sSubPr>
                             <m:e>
                               <m:r>
-                                <m:t>M</m:t>
+                                <a:rPr>
+                                  <a:latin typeface="Cambria Math" panose="02040503050406030204" pitchFamily="18" charset="0"/>
+                                </a:rPr>
+                                <m:t>𝑀</m:t>
                               </m:r>
                             </m:e>
                             <m:sub>
                               <m:r>
-                                <m:t>c</m:t>
-                              </m:r>
-                              <m:r>
-                                <m:t>l</m:t>
-                              </m:r>
-                              <m:r>
-                                <m:t>a</m:t>
-                              </m:r>
-                              <m:r>
-                                <m:t>s</m:t>
-                              </m:r>
-                              <m:r>
-                                <m:t>s</m:t>
-                              </m:r>
-                              <m:r>
-                                <m:t>e</m:t>
-                              </m:r>
-                              <m:r>
-                                <m:t>s</m:t>
+                                <a:rPr>
+                                  <a:latin typeface="Cambria Math" panose="02040503050406030204" pitchFamily="18" charset="0"/>
+                                </a:rPr>
+                                <m:t>𝑐𝑙𝑎𝑠𝑠𝑒𝑠</m:t>
                               </m:r>
                             </m:sub>
                           </m:sSub>
                           <m:r>
-                            <m:t>N</m:t>
-                          </m:r>
-                          <m:r>
-                            <m:t>y</m:t>
+                            <a:rPr>
+                              <a:latin typeface="Cambria Math" panose="02040503050406030204" pitchFamily="18" charset="0"/>
+                            </a:rPr>
+                            <m:t>𝑁𝑦</m:t>
                           </m:r>
                         </m:den>
                       </m:f>
                     </m:oMath>
                   </m:oMathPara>
                 </a14:m>
+                <a:endParaRPr/>
               </a:p>
             </p:txBody>
           </p:sp>
         </mc:Choice>
+        <mc:Fallback>
+          <p:sp>
+            <p:nvSpPr>
+              <p:cNvPr id="4" name="Content Placeholder 3"/>
+              <p:cNvSpPr>
+                <a:spLocks noGrp="1" noRot="1" noChangeAspect="1" noMove="1" noResize="1" noEditPoints="1" noAdjustHandles="1" noChangeArrowheads="1" noChangeShapeType="1" noTextEdit="1"/>
+              </p:cNvSpPr>
+              <p:nvPr>
+                <p:ph sz="half" idx="2"/>
+              </p:nvPr>
+            </p:nvSpPr>
+            <p:spPr>
+              <a:blipFill>
+                <a:blip r:embed="rId2"/>
+                <a:stretch>
+                  <a:fillRect l="-1699" t="-1294"/>
+                </a:stretch>
+              </a:blipFill>
+            </p:spPr>
+            <p:txBody>
+              <a:bodyPr/>
+              <a:lstStyle/>
+              <a:p>
+                <a:r>
+                  <a:rPr lang="en-CA">
+                    <a:noFill/>
+                  </a:rPr>
+                  <a:t> </a:t>
+                </a:r>
+              </a:p>
+            </p:txBody>
+          </p:sp>
+        </mc:Fallback>
       </mc:AlternateContent>
+      <p:sp>
+        <p:nvSpPr>
+          <p:cNvPr id="5" name="Date Placeholder 4">
+            <a:extLst>
+              <a:ext uri="{FF2B5EF4-FFF2-40B4-BE49-F238E27FC236}">
+                <a16:creationId xmlns:a16="http://schemas.microsoft.com/office/drawing/2014/main" id="{E955D5C8-33FF-C3ED-5E3B-C2D0FA994759}"/>
+              </a:ext>
+            </a:extLst>
+          </p:cNvPr>
+          <p:cNvSpPr>
+            <a:spLocks noGrp="1"/>
+          </p:cNvSpPr>
+          <p:nvPr>
+            <p:ph type="dt" sz="half" idx="10"/>
+          </p:nvPr>
+        </p:nvSpPr>
+        <p:spPr/>
+        <p:txBody>
+          <a:bodyPr/>
+          <a:lstStyle/>
+          <a:p>
+            <a:r>
+              <a:rPr lang="en-CA"/>
+              <a:t>February 2024</a:t>
+            </a:r>
+          </a:p>
+        </p:txBody>
+      </p:sp>
+      <p:sp>
+        <p:nvSpPr>
+          <p:cNvPr id="6" name="Footer Placeholder 5">
+            <a:extLst>
+              <a:ext uri="{FF2B5EF4-FFF2-40B4-BE49-F238E27FC236}">
+                <a16:creationId xmlns:a16="http://schemas.microsoft.com/office/drawing/2014/main" id="{23D94DFA-0AB7-C5A4-6351-999AB4339FFD}"/>
+              </a:ext>
+            </a:extLst>
+          </p:cNvPr>
+          <p:cNvSpPr>
+            <a:spLocks noGrp="1"/>
+          </p:cNvSpPr>
+          <p:nvPr>
+            <p:ph type="ftr" sz="quarter" idx="11"/>
+          </p:nvPr>
+        </p:nvSpPr>
+        <p:spPr/>
+        <p:txBody>
+          <a:bodyPr/>
+          <a:lstStyle/>
+          <a:p>
+            <a:r>
+              <a:rPr lang="en-US"/>
+              <a:t>Production 3 - Working with Training Data</a:t>
+            </a:r>
+            <a:endParaRPr lang="en-CA"/>
+          </a:p>
+        </p:txBody>
+      </p:sp>
+      <p:sp>
+        <p:nvSpPr>
+          <p:cNvPr id="7" name="Slide Number Placeholder 6">
+            <a:extLst>
+              <a:ext uri="{FF2B5EF4-FFF2-40B4-BE49-F238E27FC236}">
+                <a16:creationId xmlns:a16="http://schemas.microsoft.com/office/drawing/2014/main" id="{8B12BE37-E3F0-114A-BBF1-63B076B4E265}"/>
+              </a:ext>
+            </a:extLst>
+          </p:cNvPr>
+          <p:cNvSpPr>
+            <a:spLocks noGrp="1"/>
+          </p:cNvSpPr>
+          <p:nvPr>
+            <p:ph type="sldNum" sz="quarter" idx="12"/>
+          </p:nvPr>
+        </p:nvSpPr>
+        <p:spPr/>
+        <p:txBody>
+          <a:bodyPr/>
+          <a:lstStyle/>
+          <a:p>
+            <a:fld id="{4F4BDF5D-830C-4829-B676-EE421164B1C8}" type="slidenum">
+              <a:rPr lang="en-CA" smtClean="0"/>
+              <a:t>21</a:t>
+            </a:fld>
+            <a:endParaRPr lang="en-CA"/>
+          </a:p>
+        </p:txBody>
+      </p:sp>
     </p:spTree>
   </p:cSld>
+  <p:clrMapOvr>
+    <a:masterClrMapping/>
+  </p:clrMapOvr>
 </p:sld>
 </file>
 
@@ -5840,11 +7550,10 @@
           <a:bodyPr/>
           <a:lstStyle/>
           <a:p>
-            <a:pPr lvl="0" indent="0" marL="0">
+            <a:pPr marL="0" lvl="0" indent="0">
               <a:buNone/>
             </a:pPr>
             <a:r>
-              <a:rPr/>
               <a:t>Class Weights and Performance</a:t>
             </a:r>
           </a:p>
@@ -5852,7 +7561,7 @@
       </p:sp>
       <p:pic>
         <p:nvPicPr>
-          <p:cNvPr descr="./img/performance_class_weights.png" id="0" name="Picture 1"/>
+          <p:cNvPr id="3" name="Picture 1" descr="./img/performance_class_weights.png"/>
           <p:cNvPicPr>
             <a:picLocks noGrp="1" noChangeAspect="1"/>
           </p:cNvPicPr>
@@ -5887,7 +7596,7 @@
             <a:spLocks noGrp="1"/>
           </p:cNvSpPr>
           <p:nvPr>
-            <p:ph idx="2" sz="half"/>
+            <p:ph sz="half" idx="2"/>
           </p:nvPr>
         </p:nvSpPr>
         <p:spPr/>
@@ -5897,21 +7606,108 @@
           <a:p>
             <a:pPr lvl="0"/>
             <a:r>
-              <a:rPr/>
-              <a:t>Class weights (unequal costs) can affect model parameters and potentially affect model performance.</a:t>
+              <a:t>Class weights (unequal costs) can affect model parameters and performance.</a:t>
             </a:r>
           </a:p>
           <a:p>
             <a:pPr lvl="0"/>
             <a:r>
-              <a:rPr/>
               <a:t>Not every model will be equally affected by class weight strategies.</a:t>
             </a:r>
+          </a:p>
+        </p:txBody>
+      </p:sp>
+      <p:sp>
+        <p:nvSpPr>
+          <p:cNvPr id="5" name="Date Placeholder 4">
+            <a:extLst>
+              <a:ext uri="{FF2B5EF4-FFF2-40B4-BE49-F238E27FC236}">
+                <a16:creationId xmlns:a16="http://schemas.microsoft.com/office/drawing/2014/main" id="{B290DB46-3766-33E1-8D4E-BA4C74860838}"/>
+              </a:ext>
+            </a:extLst>
+          </p:cNvPr>
+          <p:cNvSpPr>
+            <a:spLocks noGrp="1"/>
+          </p:cNvSpPr>
+          <p:nvPr>
+            <p:ph type="dt" sz="half" idx="10"/>
+          </p:nvPr>
+        </p:nvSpPr>
+        <p:spPr/>
+        <p:txBody>
+          <a:bodyPr/>
+          <a:lstStyle/>
+          <a:p>
+            <a:r>
+              <a:rPr lang="en-CA"/>
+              <a:t>February 2024</a:t>
+            </a:r>
+          </a:p>
+        </p:txBody>
+      </p:sp>
+      <p:sp>
+        <p:nvSpPr>
+          <p:cNvPr id="6" name="Footer Placeholder 5">
+            <a:extLst>
+              <a:ext uri="{FF2B5EF4-FFF2-40B4-BE49-F238E27FC236}">
+                <a16:creationId xmlns:a16="http://schemas.microsoft.com/office/drawing/2014/main" id="{F466AC8D-81C2-8F98-8060-60418AB85F26}"/>
+              </a:ext>
+            </a:extLst>
+          </p:cNvPr>
+          <p:cNvSpPr>
+            <a:spLocks noGrp="1"/>
+          </p:cNvSpPr>
+          <p:nvPr>
+            <p:ph type="ftr" sz="quarter" idx="11"/>
+          </p:nvPr>
+        </p:nvSpPr>
+        <p:spPr/>
+        <p:txBody>
+          <a:bodyPr/>
+          <a:lstStyle/>
+          <a:p>
+            <a:r>
+              <a:rPr lang="en-US"/>
+              <a:t>Production 3 - Working with Training Data</a:t>
+            </a:r>
+            <a:endParaRPr lang="en-CA"/>
+          </a:p>
+        </p:txBody>
+      </p:sp>
+      <p:sp>
+        <p:nvSpPr>
+          <p:cNvPr id="7" name="Slide Number Placeholder 6">
+            <a:extLst>
+              <a:ext uri="{FF2B5EF4-FFF2-40B4-BE49-F238E27FC236}">
+                <a16:creationId xmlns:a16="http://schemas.microsoft.com/office/drawing/2014/main" id="{93C9542B-0B14-3613-C75F-388CD2E26A79}"/>
+              </a:ext>
+            </a:extLst>
+          </p:cNvPr>
+          <p:cNvSpPr>
+            <a:spLocks noGrp="1"/>
+          </p:cNvSpPr>
+          <p:nvPr>
+            <p:ph type="sldNum" sz="quarter" idx="12"/>
+          </p:nvPr>
+        </p:nvSpPr>
+        <p:spPr/>
+        <p:txBody>
+          <a:bodyPr/>
+          <a:lstStyle/>
+          <a:p>
+            <a:fld id="{4F4BDF5D-830C-4829-B676-EE421164B1C8}" type="slidenum">
+              <a:rPr lang="en-CA" smtClean="0"/>
+              <a:t>22</a:t>
+            </a:fld>
+            <a:endParaRPr lang="en-CA"/>
           </a:p>
         </p:txBody>
       </p:sp>
     </p:spTree>
   </p:cSld>
+  <p:clrMapOvr>
+    <a:masterClrMapping/>
+  </p:clrMapOvr>
 </p:sld>
 </file>
 
@@ -5947,11 +7743,10 @@
           <a:bodyPr/>
           <a:lstStyle/>
           <a:p>
-            <a:pPr lvl="0" indent="0" marL="0">
+            <a:pPr marL="0" lvl="0" indent="0">
               <a:buNone/>
             </a:pPr>
             <a:r>
-              <a:rPr/>
               <a:t>SMOTE</a:t>
             </a:r>
           </a:p>
@@ -5964,45 +7759,42 @@
             <a:spLocks noGrp="1"/>
           </p:cNvSpPr>
           <p:nvPr>
-            <p:ph idx="1" sz="half"/>
-          </p:nvPr>
-        </p:nvSpPr>
-        <p:spPr/>
-        <p:txBody>
-          <a:bodyPr/>
+            <p:ph sz="half" idx="1"/>
+          </p:nvPr>
+        </p:nvSpPr>
+        <p:spPr/>
+        <p:txBody>
+          <a:bodyPr>
+            <a:normAutofit fontScale="77500" lnSpcReduction="20000"/>
+          </a:bodyPr>
           <a:lstStyle/>
           <a:p>
             <a:pPr lvl="0"/>
             <a:r>
-              <a:rPr/>
               <a:t>SMOTE: Synthetic Minority Oversampling TEchnique</a:t>
             </a:r>
           </a:p>
           <a:p>
             <a:pPr lvl="1"/>
             <a:r>
-              <a:rPr/>
               <a:t>Creates new instances based on random linear combinations of existing cases.</a:t>
             </a:r>
           </a:p>
           <a:p>
             <a:pPr lvl="0"/>
             <a:r>
-              <a:rPr/>
               <a:t>ADASYN: Adaptive Synthetic Sampling Method</a:t>
             </a:r>
           </a:p>
           <a:p>
             <a:pPr lvl="1"/>
             <a:r>
-              <a:rPr/>
               <a:t>Similar to SMOTE, but new instances are generated based on density.</a:t>
             </a:r>
           </a:p>
           <a:p>
             <a:pPr lvl="0"/>
             <a:r>
-              <a:rPr/>
               <a:t>With the availability of conformal prediction and advanced ML methods, synthetic oversampling is challenging to justify.</a:t>
             </a:r>
           </a:p>
@@ -6010,7 +7802,7 @@
       </p:sp>
       <p:pic>
         <p:nvPicPr>
-          <p:cNvPr descr="./img/smote2.png" id="0" name="Picture 1"/>
+          <p:cNvPr id="4" name="Picture 1" descr="./img/smote2.png"/>
           <p:cNvPicPr>
             <a:picLocks noGrp="1" noChangeAspect="1"/>
           </p:cNvPicPr>
@@ -6040,7 +7832,7 @@
       </p:pic>
       <p:sp>
         <p:nvSpPr>
-          <p:cNvPr id="1" name="TextBox 3"/>
+          <p:cNvPr id="5" name="TextBox 3"/>
           <p:cNvSpPr txBox="1"/>
           <p:nvPr/>
         </p:nvSpPr>
@@ -6058,11 +7850,10 @@
           <a:bodyPr/>
           <a:lstStyle/>
           <a:p>
-            <a:pPr lvl="0" indent="0" marL="0" algn="ctr">
+            <a:pPr marL="0" lvl="0" indent="0" algn="ctr">
               <a:buNone/>
             </a:pPr>
             <a:r>
-              <a:rPr/>
               <a:t>(</a:t>
             </a:r>
             <a:r>
@@ -6074,8 +7865,97 @@
           </a:p>
         </p:txBody>
       </p:sp>
+      <p:sp>
+        <p:nvSpPr>
+          <p:cNvPr id="6" name="Date Placeholder 5">
+            <a:extLst>
+              <a:ext uri="{FF2B5EF4-FFF2-40B4-BE49-F238E27FC236}">
+                <a16:creationId xmlns:a16="http://schemas.microsoft.com/office/drawing/2014/main" id="{46334A6E-3785-BEDE-965A-B912DAE499C8}"/>
+              </a:ext>
+            </a:extLst>
+          </p:cNvPr>
+          <p:cNvSpPr>
+            <a:spLocks noGrp="1"/>
+          </p:cNvSpPr>
+          <p:nvPr>
+            <p:ph type="dt" sz="half" idx="10"/>
+          </p:nvPr>
+        </p:nvSpPr>
+        <p:spPr/>
+        <p:txBody>
+          <a:bodyPr/>
+          <a:lstStyle/>
+          <a:p>
+            <a:r>
+              <a:rPr lang="en-CA"/>
+              <a:t>February 2024</a:t>
+            </a:r>
+          </a:p>
+        </p:txBody>
+      </p:sp>
+      <p:sp>
+        <p:nvSpPr>
+          <p:cNvPr id="7" name="Footer Placeholder 6">
+            <a:extLst>
+              <a:ext uri="{FF2B5EF4-FFF2-40B4-BE49-F238E27FC236}">
+                <a16:creationId xmlns:a16="http://schemas.microsoft.com/office/drawing/2014/main" id="{C03F0561-1DF4-94F5-F20F-353D519AB56D}"/>
+              </a:ext>
+            </a:extLst>
+          </p:cNvPr>
+          <p:cNvSpPr>
+            <a:spLocks noGrp="1"/>
+          </p:cNvSpPr>
+          <p:nvPr>
+            <p:ph type="ftr" sz="quarter" idx="11"/>
+          </p:nvPr>
+        </p:nvSpPr>
+        <p:spPr/>
+        <p:txBody>
+          <a:bodyPr/>
+          <a:lstStyle/>
+          <a:p>
+            <a:r>
+              <a:rPr lang="en-US"/>
+              <a:t>Production 3 - Working with Training Data</a:t>
+            </a:r>
+            <a:endParaRPr lang="en-CA"/>
+          </a:p>
+        </p:txBody>
+      </p:sp>
+      <p:sp>
+        <p:nvSpPr>
+          <p:cNvPr id="8" name="Slide Number Placeholder 7">
+            <a:extLst>
+              <a:ext uri="{FF2B5EF4-FFF2-40B4-BE49-F238E27FC236}">
+                <a16:creationId xmlns:a16="http://schemas.microsoft.com/office/drawing/2014/main" id="{85582855-AF69-2A16-0D40-71951ED2B1D3}"/>
+              </a:ext>
+            </a:extLst>
+          </p:cNvPr>
+          <p:cNvSpPr>
+            <a:spLocks noGrp="1"/>
+          </p:cNvSpPr>
+          <p:nvPr>
+            <p:ph type="sldNum" sz="quarter" idx="12"/>
+          </p:nvPr>
+        </p:nvSpPr>
+        <p:spPr/>
+        <p:txBody>
+          <a:bodyPr/>
+          <a:lstStyle/>
+          <a:p>
+            <a:fld id="{4F4BDF5D-830C-4829-B676-EE421164B1C8}" type="slidenum">
+              <a:rPr lang="en-CA" smtClean="0"/>
+              <a:t>23</a:t>
+            </a:fld>
+            <a:endParaRPr lang="en-CA"/>
+          </a:p>
+        </p:txBody>
+      </p:sp>
     </p:spTree>
   </p:cSld>
+  <p:clrMapOvr>
+    <a:masterClrMapping/>
+  </p:clrMapOvr>
 </p:sld>
 </file>
 
@@ -6111,11 +7991,10 @@
           <a:bodyPr/>
           <a:lstStyle/>
           <a:p>
-            <a:pPr lvl="0" indent="0" marL="0">
+            <a:pPr marL="0" lvl="0" indent="0">
               <a:buNone/>
             </a:pPr>
             <a:r>
-              <a:rPr/>
               <a:t>Agenda</a:t>
             </a:r>
           </a:p>
@@ -6136,7 +8015,7 @@
           <a:bodyPr/>
           <a:lstStyle/>
           <a:p>
-            <a:pPr lvl="0" indent="0" marL="0">
+            <a:pPr marL="0" lvl="0" indent="0">
               <a:buNone/>
             </a:pPr>
             <a:r>
@@ -6147,33 +8026,29 @@
           <a:p>
             <a:pPr lvl="0"/>
             <a:r>
-              <a:rPr/>
               <a:t>Sampling</a:t>
             </a:r>
           </a:p>
           <a:p>
             <a:pPr lvl="0"/>
             <a:r>
-              <a:rPr/>
               <a:t>Labeling</a:t>
             </a:r>
           </a:p>
           <a:p>
             <a:pPr lvl="0"/>
             <a:r>
-              <a:rPr/>
               <a:t>Class Imbalance</a:t>
             </a:r>
           </a:p>
           <a:p>
             <a:pPr lvl="0"/>
             <a:r>
-              <a:rPr/>
               <a:t>Data Augmentation</a:t>
             </a:r>
           </a:p>
           <a:p>
-            <a:pPr lvl="0" indent="0" marL="0">
+            <a:pPr marL="0" lvl="0" indent="0">
               <a:buNone/>
             </a:pPr>
             <a:r>
@@ -6184,28 +8059,114 @@
           <a:p>
             <a:pPr lvl="0"/>
             <a:r>
-              <a:rPr/>
               <a:t>Implement different types of sampling</a:t>
             </a:r>
           </a:p>
           <a:p>
             <a:pPr lvl="0"/>
             <a:r>
-              <a:rPr/>
               <a:t>Some recoding exercise using sci-kit learn</a:t>
             </a:r>
           </a:p>
           <a:p>
             <a:pPr lvl="0"/>
             <a:r>
-              <a:rPr/>
               <a:t>Conformal prediction?</a:t>
             </a:r>
+          </a:p>
+        </p:txBody>
+      </p:sp>
+      <p:sp>
+        <p:nvSpPr>
+          <p:cNvPr id="4" name="Date Placeholder 3">
+            <a:extLst>
+              <a:ext uri="{FF2B5EF4-FFF2-40B4-BE49-F238E27FC236}">
+                <a16:creationId xmlns:a16="http://schemas.microsoft.com/office/drawing/2014/main" id="{F0A67E09-130F-A292-5B39-49B8EC297583}"/>
+              </a:ext>
+            </a:extLst>
+          </p:cNvPr>
+          <p:cNvSpPr>
+            <a:spLocks noGrp="1"/>
+          </p:cNvSpPr>
+          <p:nvPr>
+            <p:ph type="dt" sz="half" idx="10"/>
+          </p:nvPr>
+        </p:nvSpPr>
+        <p:spPr/>
+        <p:txBody>
+          <a:bodyPr/>
+          <a:lstStyle/>
+          <a:p>
+            <a:r>
+              <a:rPr lang="en-CA"/>
+              <a:t>February 2024</a:t>
+            </a:r>
+          </a:p>
+        </p:txBody>
+      </p:sp>
+      <p:sp>
+        <p:nvSpPr>
+          <p:cNvPr id="5" name="Footer Placeholder 4">
+            <a:extLst>
+              <a:ext uri="{FF2B5EF4-FFF2-40B4-BE49-F238E27FC236}">
+                <a16:creationId xmlns:a16="http://schemas.microsoft.com/office/drawing/2014/main" id="{58F2F121-A5E0-575E-C0B8-EE58F4CFD319}"/>
+              </a:ext>
+            </a:extLst>
+          </p:cNvPr>
+          <p:cNvSpPr>
+            <a:spLocks noGrp="1"/>
+          </p:cNvSpPr>
+          <p:nvPr>
+            <p:ph type="ftr" sz="quarter" idx="11"/>
+          </p:nvPr>
+        </p:nvSpPr>
+        <p:spPr/>
+        <p:txBody>
+          <a:bodyPr/>
+          <a:lstStyle/>
+          <a:p>
+            <a:r>
+              <a:rPr lang="en-US"/>
+              <a:t>Production 3 - Working with Training Data</a:t>
+            </a:r>
+            <a:endParaRPr lang="en-CA"/>
+          </a:p>
+        </p:txBody>
+      </p:sp>
+      <p:sp>
+        <p:nvSpPr>
+          <p:cNvPr id="6" name="Slide Number Placeholder 5">
+            <a:extLst>
+              <a:ext uri="{FF2B5EF4-FFF2-40B4-BE49-F238E27FC236}">
+                <a16:creationId xmlns:a16="http://schemas.microsoft.com/office/drawing/2014/main" id="{248F4B73-C05D-1A8B-3E4D-9A4F03AF49A1}"/>
+              </a:ext>
+            </a:extLst>
+          </p:cNvPr>
+          <p:cNvSpPr>
+            <a:spLocks noGrp="1"/>
+          </p:cNvSpPr>
+          <p:nvPr>
+            <p:ph type="sldNum" sz="quarter" idx="12"/>
+          </p:nvPr>
+        </p:nvSpPr>
+        <p:spPr/>
+        <p:txBody>
+          <a:bodyPr/>
+          <a:lstStyle/>
+          <a:p>
+            <a:fld id="{4F4BDF5D-830C-4829-B676-EE421164B1C8}" type="slidenum">
+              <a:rPr lang="en-CA" smtClean="0"/>
+              <a:t>3</a:t>
+            </a:fld>
+            <a:endParaRPr lang="en-CA"/>
           </a:p>
         </p:txBody>
       </p:sp>
     </p:spTree>
   </p:cSld>
+  <p:clrMapOvr>
+    <a:masterClrMapping/>
+  </p:clrMapOvr>
 </p:sld>
 </file>
 
@@ -6246,18 +8207,106 @@
           <a:bodyPr/>
           <a:lstStyle/>
           <a:p>
-            <a:pPr lvl="0" indent="0" marL="0">
+            <a:pPr marL="0" lvl="0" indent="0">
               <a:buNone/>
             </a:pPr>
             <a:r>
-              <a:rPr/>
               <a:t>Sampling</a:t>
             </a:r>
+          </a:p>
+        </p:txBody>
+      </p:sp>
+      <p:sp>
+        <p:nvSpPr>
+          <p:cNvPr id="3" name="Date Placeholder 2">
+            <a:extLst>
+              <a:ext uri="{FF2B5EF4-FFF2-40B4-BE49-F238E27FC236}">
+                <a16:creationId xmlns:a16="http://schemas.microsoft.com/office/drawing/2014/main" id="{57A1391E-51F7-C3F6-6771-2F03FE7BFEC3}"/>
+              </a:ext>
+            </a:extLst>
+          </p:cNvPr>
+          <p:cNvSpPr>
+            <a:spLocks noGrp="1"/>
+          </p:cNvSpPr>
+          <p:nvPr>
+            <p:ph type="dt" sz="half" idx="10"/>
+          </p:nvPr>
+        </p:nvSpPr>
+        <p:spPr/>
+        <p:txBody>
+          <a:bodyPr/>
+          <a:lstStyle/>
+          <a:p>
+            <a:r>
+              <a:rPr lang="en-CA"/>
+              <a:t>February 2024</a:t>
+            </a:r>
+          </a:p>
+        </p:txBody>
+      </p:sp>
+      <p:sp>
+        <p:nvSpPr>
+          <p:cNvPr id="4" name="Footer Placeholder 3">
+            <a:extLst>
+              <a:ext uri="{FF2B5EF4-FFF2-40B4-BE49-F238E27FC236}">
+                <a16:creationId xmlns:a16="http://schemas.microsoft.com/office/drawing/2014/main" id="{F3DAC352-5010-08CC-816B-E778C6D27F90}"/>
+              </a:ext>
+            </a:extLst>
+          </p:cNvPr>
+          <p:cNvSpPr>
+            <a:spLocks noGrp="1"/>
+          </p:cNvSpPr>
+          <p:nvPr>
+            <p:ph type="ftr" sz="quarter" idx="11"/>
+          </p:nvPr>
+        </p:nvSpPr>
+        <p:spPr/>
+        <p:txBody>
+          <a:bodyPr/>
+          <a:lstStyle/>
+          <a:p>
+            <a:r>
+              <a:rPr lang="en-US"/>
+              <a:t>Production 3 - Working with Training Data</a:t>
+            </a:r>
+            <a:endParaRPr lang="en-CA"/>
+          </a:p>
+        </p:txBody>
+      </p:sp>
+      <p:sp>
+        <p:nvSpPr>
+          <p:cNvPr id="5" name="Slide Number Placeholder 4">
+            <a:extLst>
+              <a:ext uri="{FF2B5EF4-FFF2-40B4-BE49-F238E27FC236}">
+                <a16:creationId xmlns:a16="http://schemas.microsoft.com/office/drawing/2014/main" id="{0655924E-DB73-137C-3DA2-3305D3DC5995}"/>
+              </a:ext>
+            </a:extLst>
+          </p:cNvPr>
+          <p:cNvSpPr>
+            <a:spLocks noGrp="1"/>
+          </p:cNvSpPr>
+          <p:nvPr>
+            <p:ph type="sldNum" sz="quarter" idx="12"/>
+          </p:nvPr>
+        </p:nvSpPr>
+        <p:spPr/>
+        <p:txBody>
+          <a:bodyPr/>
+          <a:lstStyle/>
+          <a:p>
+            <a:fld id="{4F4BDF5D-830C-4829-B676-EE421164B1C8}" type="slidenum">
+              <a:rPr lang="en-CA" smtClean="0"/>
+              <a:t>4</a:t>
+            </a:fld>
+            <a:endParaRPr lang="en-CA"/>
           </a:p>
         </p:txBody>
       </p:sp>
     </p:spTree>
   </p:cSld>
+  <p:clrMapOvr>
+    <a:masterClrMapping/>
+  </p:clrMapOvr>
 </p:sld>
 </file>
 
@@ -6293,11 +8342,10 @@
           <a:bodyPr/>
           <a:lstStyle/>
           <a:p>
-            <a:pPr lvl="0" indent="0" marL="0">
+            <a:pPr marL="0" lvl="0" indent="0">
               <a:buNone/>
             </a:pPr>
             <a:r>
-              <a:rPr/>
               <a:t>Why Sample?</a:t>
             </a:r>
           </a:p>
@@ -6310,45 +8358,42 @@
             <a:spLocks noGrp="1"/>
           </p:cNvSpPr>
           <p:nvPr>
-            <p:ph idx="1" sz="half"/>
-          </p:nvPr>
-        </p:nvSpPr>
-        <p:spPr/>
-        <p:txBody>
-          <a:bodyPr/>
+            <p:ph sz="half" idx="1"/>
+          </p:nvPr>
+        </p:nvSpPr>
+        <p:spPr/>
+        <p:txBody>
+          <a:bodyPr>
+            <a:normAutofit fontScale="92500" lnSpcReduction="20000"/>
+          </a:bodyPr>
           <a:lstStyle/>
           <a:p>
             <a:pPr lvl="0"/>
             <a:r>
-              <a:rPr/>
               <a:t>Sampling is embedded across the ML lifecycle: data exploration, train/validation/test split, etc.</a:t>
             </a:r>
           </a:p>
           <a:p>
             <a:pPr lvl="0"/>
             <a:r>
-              <a:rPr/>
               <a:t>Sometimes, sampling is necessary:</a:t>
             </a:r>
           </a:p>
           <a:p>
             <a:pPr lvl="1"/>
             <a:r>
-              <a:rPr/>
-              <a:t>We do not have access to all possible data in the real world.</a:t>
+              <a:t>We cannot access all possible data in the real world.</a:t>
             </a:r>
           </a:p>
           <a:p>
             <a:pPr lvl="1"/>
             <a:r>
-              <a:rPr/>
-              <a:t>It is unfeasible, costly, or otherwise impractical to use all data.</a:t>
+              <a:t>Using all data is unfeasible, costly, or otherwise impractical.</a:t>
             </a:r>
           </a:p>
           <a:p>
             <a:pPr lvl="1"/>
             <a:r>
-              <a:rPr/>
               <a:t>Accomplish a task faster and cheaper: experiment with a new model, explore data, etc.</a:t>
             </a:r>
           </a:p>
@@ -6361,40 +8406,128 @@
             <a:spLocks noGrp="1"/>
           </p:cNvSpPr>
           <p:nvPr>
-            <p:ph idx="2" sz="half"/>
-          </p:nvPr>
-        </p:nvSpPr>
-        <p:spPr/>
-        <p:txBody>
-          <a:bodyPr/>
-          <a:lstStyle/>
-          <a:p>
-            <a:pPr lvl="0" indent="0" marL="0">
+            <p:ph sz="half" idx="2"/>
+          </p:nvPr>
+        </p:nvSpPr>
+        <p:spPr/>
+        <p:txBody>
+          <a:bodyPr>
+            <a:normAutofit fontScale="92500" lnSpcReduction="20000"/>
+          </a:bodyPr>
+          <a:lstStyle/>
+          <a:p>
+            <a:pPr marL="0" lvl="0" indent="0">
               <a:buNone/>
             </a:pPr>
             <a:r>
-              <a:rPr/>
               <a:t>There are two families of sampling:</a:t>
             </a:r>
           </a:p>
           <a:p>
             <a:pPr lvl="0"/>
             <a:r>
-              <a:rPr/>
               <a:t>Nonprobability sampling.</a:t>
             </a:r>
           </a:p>
           <a:p>
             <a:pPr lvl="0"/>
             <a:r>
-              <a:rPr/>
               <a:t>Random sampling.</a:t>
             </a:r>
+          </a:p>
+        </p:txBody>
+      </p:sp>
+      <p:sp>
+        <p:nvSpPr>
+          <p:cNvPr id="5" name="Date Placeholder 4">
+            <a:extLst>
+              <a:ext uri="{FF2B5EF4-FFF2-40B4-BE49-F238E27FC236}">
+                <a16:creationId xmlns:a16="http://schemas.microsoft.com/office/drawing/2014/main" id="{0BA76498-1BD8-3143-C2D8-B2A29C71585E}"/>
+              </a:ext>
+            </a:extLst>
+          </p:cNvPr>
+          <p:cNvSpPr>
+            <a:spLocks noGrp="1"/>
+          </p:cNvSpPr>
+          <p:nvPr>
+            <p:ph type="dt" sz="half" idx="10"/>
+          </p:nvPr>
+        </p:nvSpPr>
+        <p:spPr/>
+        <p:txBody>
+          <a:bodyPr/>
+          <a:lstStyle/>
+          <a:p>
+            <a:r>
+              <a:rPr lang="en-CA"/>
+              <a:t>February 2024</a:t>
+            </a:r>
+          </a:p>
+        </p:txBody>
+      </p:sp>
+      <p:sp>
+        <p:nvSpPr>
+          <p:cNvPr id="6" name="Footer Placeholder 5">
+            <a:extLst>
+              <a:ext uri="{FF2B5EF4-FFF2-40B4-BE49-F238E27FC236}">
+                <a16:creationId xmlns:a16="http://schemas.microsoft.com/office/drawing/2014/main" id="{7CC3B097-E691-99D2-2B4E-F8140DAB547B}"/>
+              </a:ext>
+            </a:extLst>
+          </p:cNvPr>
+          <p:cNvSpPr>
+            <a:spLocks noGrp="1"/>
+          </p:cNvSpPr>
+          <p:nvPr>
+            <p:ph type="ftr" sz="quarter" idx="11"/>
+          </p:nvPr>
+        </p:nvSpPr>
+        <p:spPr/>
+        <p:txBody>
+          <a:bodyPr/>
+          <a:lstStyle/>
+          <a:p>
+            <a:r>
+              <a:rPr lang="en-US"/>
+              <a:t>Production 3 - Working with Training Data</a:t>
+            </a:r>
+            <a:endParaRPr lang="en-CA"/>
+          </a:p>
+        </p:txBody>
+      </p:sp>
+      <p:sp>
+        <p:nvSpPr>
+          <p:cNvPr id="7" name="Slide Number Placeholder 6">
+            <a:extLst>
+              <a:ext uri="{FF2B5EF4-FFF2-40B4-BE49-F238E27FC236}">
+                <a16:creationId xmlns:a16="http://schemas.microsoft.com/office/drawing/2014/main" id="{0EB61C36-0096-6E84-7F91-6E32925B8C0F}"/>
+              </a:ext>
+            </a:extLst>
+          </p:cNvPr>
+          <p:cNvSpPr>
+            <a:spLocks noGrp="1"/>
+          </p:cNvSpPr>
+          <p:nvPr>
+            <p:ph type="sldNum" sz="quarter" idx="12"/>
+          </p:nvPr>
+        </p:nvSpPr>
+        <p:spPr/>
+        <p:txBody>
+          <a:bodyPr/>
+          <a:lstStyle/>
+          <a:p>
+            <a:fld id="{4F4BDF5D-830C-4829-B676-EE421164B1C8}" type="slidenum">
+              <a:rPr lang="en-CA" smtClean="0"/>
+              <a:t>5</a:t>
+            </a:fld>
+            <a:endParaRPr lang="en-CA"/>
           </a:p>
         </p:txBody>
       </p:sp>
     </p:spTree>
   </p:cSld>
+  <p:clrMapOvr>
+    <a:masterClrMapping/>
+  </p:clrMapOvr>
 </p:sld>
 </file>
 
@@ -6430,11 +8563,10 @@
           <a:bodyPr/>
           <a:lstStyle/>
           <a:p>
-            <a:pPr lvl="0" indent="0" marL="0">
+            <a:pPr marL="0" lvl="0" indent="0">
               <a:buNone/>
             </a:pPr>
             <a:r>
-              <a:rPr/>
               <a:t>Nonprobability Sampling</a:t>
             </a:r>
           </a:p>
@@ -6447,66 +8579,60 @@
             <a:spLocks noGrp="1"/>
           </p:cNvSpPr>
           <p:nvPr>
-            <p:ph idx="1" sz="half"/>
-          </p:nvPr>
-        </p:nvSpPr>
-        <p:spPr/>
-        <p:txBody>
-          <a:bodyPr/>
+            <p:ph sz="half" idx="1"/>
+          </p:nvPr>
+        </p:nvSpPr>
+        <p:spPr/>
+        <p:txBody>
+          <a:bodyPr>
+            <a:normAutofit fontScale="70000" lnSpcReduction="20000"/>
+          </a:bodyPr>
           <a:lstStyle/>
           <a:p>
             <a:pPr lvl="0"/>
             <a:r>
-              <a:rPr/>
-              <a:t>Generally, it is a bad idea to select data to train ML methods using this family of sampling methods, but some of them are popular.</a:t>
+              <a:t>Generally, selecting data to train ML methods using this family of sampling methods is a bad idea, but some of them are popular.</a:t>
             </a:r>
           </a:p>
           <a:p>
             <a:pPr lvl="0"/>
             <a:r>
-              <a:rPr/>
               <a:t>Convenience sampling</a:t>
             </a:r>
           </a:p>
           <a:p>
             <a:pPr lvl="1"/>
             <a:r>
-              <a:rPr/>
               <a:t>Select data based on their availability.</a:t>
             </a:r>
           </a:p>
           <a:p>
             <a:pPr lvl="1"/>
             <a:r>
-              <a:rPr/>
-              <a:t>Popular and conveninet: fast, inexpensive, practical.</a:t>
+              <a:t>Popular and convenient: fast, inexpensive, practical.</a:t>
             </a:r>
           </a:p>
           <a:p>
             <a:pPr lvl="1"/>
             <a:r>
-              <a:rPr/>
               <a:t>Not scientific and does not offer guarantees.</a:t>
             </a:r>
           </a:p>
           <a:p>
             <a:pPr lvl="0"/>
             <a:r>
-              <a:rPr/>
               <a:t>Snowball sampling</a:t>
             </a:r>
           </a:p>
           <a:p>
             <a:pPr lvl="1"/>
             <a:r>
-              <a:rPr/>
               <a:t>Future samples are selected based on existing samples.</a:t>
             </a:r>
           </a:p>
           <a:p>
             <a:pPr lvl="1"/>
             <a:r>
-              <a:rPr/>
               <a:t>Sampling in social media (or other) networks: select a base sample of accounts, then expand the sample by adding the accounts they follow, and so on.</a:t>
             </a:r>
           </a:p>
@@ -6519,59 +8645,144 @@
             <a:spLocks noGrp="1"/>
           </p:cNvSpPr>
           <p:nvPr>
-            <p:ph idx="2" sz="half"/>
-          </p:nvPr>
-        </p:nvSpPr>
-        <p:spPr/>
-        <p:txBody>
-          <a:bodyPr/>
+            <p:ph sz="half" idx="2"/>
+          </p:nvPr>
+        </p:nvSpPr>
+        <p:spPr/>
+        <p:txBody>
+          <a:bodyPr>
+            <a:normAutofit fontScale="70000" lnSpcReduction="20000"/>
+          </a:bodyPr>
           <a:lstStyle/>
           <a:p>
             <a:pPr lvl="0"/>
             <a:r>
-              <a:rPr/>
               <a:t>Judgement sampling</a:t>
             </a:r>
           </a:p>
           <a:p>
             <a:pPr lvl="1"/>
             <a:r>
-              <a:rPr/>
               <a:t>Experts decide what samples to include.</a:t>
             </a:r>
           </a:p>
           <a:p>
             <a:pPr lvl="1"/>
             <a:r>
-              <a:rPr/>
-              <a:t>A.K.A.: risk-based, SME, subjective, etc.</a:t>
+              <a:t>AKA: risk-based, SME, subjective, etc.</a:t>
             </a:r>
           </a:p>
           <a:p>
             <a:pPr lvl="0"/>
             <a:r>
-              <a:rPr/>
               <a:t>Quota sampling</a:t>
             </a:r>
           </a:p>
           <a:p>
             <a:pPr lvl="1"/>
             <a:r>
-              <a:rPr/>
               <a:t>Select samples based on predefined and heuristic quotas.</a:t>
             </a:r>
           </a:p>
           <a:p>
             <a:pPr lvl="1"/>
             <a:r>
-              <a:rPr/>
-              <a:t>Example: select 100 responses from all age groups, without considering the proportional representation of age groups.</a:t>
-            </a:r>
+              <a:t>Example: select 100 responses from all age groups without considering the proportional representation of age groups.</a:t>
+            </a:r>
+          </a:p>
+        </p:txBody>
+      </p:sp>
+      <p:sp>
+        <p:nvSpPr>
+          <p:cNvPr id="5" name="Date Placeholder 4">
+            <a:extLst>
+              <a:ext uri="{FF2B5EF4-FFF2-40B4-BE49-F238E27FC236}">
+                <a16:creationId xmlns:a16="http://schemas.microsoft.com/office/drawing/2014/main" id="{568E1D22-0799-AD31-DEFD-009A21E052F2}"/>
+              </a:ext>
+            </a:extLst>
+          </p:cNvPr>
+          <p:cNvSpPr>
+            <a:spLocks noGrp="1"/>
+          </p:cNvSpPr>
+          <p:nvPr>
+            <p:ph type="dt" sz="half" idx="10"/>
+          </p:nvPr>
+        </p:nvSpPr>
+        <p:spPr/>
+        <p:txBody>
+          <a:bodyPr/>
+          <a:lstStyle/>
+          <a:p>
+            <a:r>
+              <a:rPr lang="en-CA"/>
+              <a:t>February 2024</a:t>
+            </a:r>
+          </a:p>
+        </p:txBody>
+      </p:sp>
+      <p:sp>
+        <p:nvSpPr>
+          <p:cNvPr id="6" name="Footer Placeholder 5">
+            <a:extLst>
+              <a:ext uri="{FF2B5EF4-FFF2-40B4-BE49-F238E27FC236}">
+                <a16:creationId xmlns:a16="http://schemas.microsoft.com/office/drawing/2014/main" id="{283229F0-BE5B-EFB4-5FA2-07F291E50F42}"/>
+              </a:ext>
+            </a:extLst>
+          </p:cNvPr>
+          <p:cNvSpPr>
+            <a:spLocks noGrp="1"/>
+          </p:cNvSpPr>
+          <p:nvPr>
+            <p:ph type="ftr" sz="quarter" idx="11"/>
+          </p:nvPr>
+        </p:nvSpPr>
+        <p:spPr/>
+        <p:txBody>
+          <a:bodyPr/>
+          <a:lstStyle/>
+          <a:p>
+            <a:r>
+              <a:rPr lang="en-US"/>
+              <a:t>Production 3 - Working with Training Data</a:t>
+            </a:r>
+            <a:endParaRPr lang="en-CA"/>
+          </a:p>
+        </p:txBody>
+      </p:sp>
+      <p:sp>
+        <p:nvSpPr>
+          <p:cNvPr id="7" name="Slide Number Placeholder 6">
+            <a:extLst>
+              <a:ext uri="{FF2B5EF4-FFF2-40B4-BE49-F238E27FC236}">
+                <a16:creationId xmlns:a16="http://schemas.microsoft.com/office/drawing/2014/main" id="{68810833-6111-BDA5-4597-903991544627}"/>
+              </a:ext>
+            </a:extLst>
+          </p:cNvPr>
+          <p:cNvSpPr>
+            <a:spLocks noGrp="1"/>
+          </p:cNvSpPr>
+          <p:nvPr>
+            <p:ph type="sldNum" sz="quarter" idx="12"/>
+          </p:nvPr>
+        </p:nvSpPr>
+        <p:spPr/>
+        <p:txBody>
+          <a:bodyPr/>
+          <a:lstStyle/>
+          <a:p>
+            <a:fld id="{4F4BDF5D-830C-4829-B676-EE421164B1C8}" type="slidenum">
+              <a:rPr lang="en-CA" smtClean="0"/>
+              <a:t>6</a:t>
+            </a:fld>
+            <a:endParaRPr lang="en-CA"/>
           </a:p>
         </p:txBody>
       </p:sp>
     </p:spTree>
   </p:cSld>
+  <p:clrMapOvr>
+    <a:masterClrMapping/>
+  </p:clrMapOvr>
 </p:sld>
 </file>
 
@@ -6607,11 +8818,10 @@
           <a:bodyPr/>
           <a:lstStyle/>
           <a:p>
-            <a:pPr lvl="0" indent="0" marL="0">
+            <a:pPr marL="0" lvl="0" indent="0">
               <a:buNone/>
             </a:pPr>
             <a:r>
-              <a:rPr/>
               <a:t>Random Sampling</a:t>
             </a:r>
           </a:p>
@@ -6624,59 +8834,54 @@
             <a:spLocks noGrp="1"/>
           </p:cNvSpPr>
           <p:nvPr>
-            <p:ph idx="1" sz="half"/>
-          </p:nvPr>
-        </p:nvSpPr>
-        <p:spPr/>
-        <p:txBody>
-          <a:bodyPr/>
+            <p:ph sz="half" idx="1"/>
+          </p:nvPr>
+        </p:nvSpPr>
+        <p:spPr/>
+        <p:txBody>
+          <a:bodyPr>
+            <a:normAutofit fontScale="55000" lnSpcReduction="20000"/>
+          </a:bodyPr>
           <a:lstStyle/>
           <a:p>
             <a:pPr lvl="0"/>
             <a:r>
-              <a:rPr/>
               <a:t>Simple Random Sampling</a:t>
             </a:r>
           </a:p>
           <a:p>
             <a:pPr lvl="1"/>
             <a:r>
-              <a:rPr/>
               <a:t>All potential samples in the population have equal probabilities of being selected.</a:t>
             </a:r>
           </a:p>
           <a:p>
             <a:pPr lvl="1"/>
             <a:r>
-              <a:rPr/>
               <a:t>Advantage: Easy to implement.</a:t>
             </a:r>
           </a:p>
           <a:p>
             <a:pPr lvl="1"/>
             <a:r>
-              <a:rPr/>
-              <a:t>Disadvantage: Rare or infrequent categories of data may not appear in the selection: if a class appears in 0.01% of the data and we randomly select 1% of the population, we may not get representation of this minority class.</a:t>
+              <a:t>Disadvantage: Rare categories of data may not appear in the selection: if a class appears in 0.01% of the data and we randomly select 1% of the population, we may not get a representation of this minority class.</a:t>
             </a:r>
           </a:p>
           <a:p>
             <a:pPr lvl="0"/>
             <a:r>
-              <a:rPr/>
               <a:t>Stratified Sampling</a:t>
             </a:r>
           </a:p>
           <a:p>
             <a:pPr lvl="1"/>
             <a:r>
-              <a:rPr/>
               <a:t>First, divide the population into groups we care about, then sample from each group separately.</a:t>
             </a:r>
           </a:p>
           <a:p>
             <a:pPr lvl="1"/>
             <a:r>
-              <a:rPr/>
               <a:t>Each group is called a </a:t>
             </a:r>
             <a:r>
@@ -6684,7 +8889,6 @@
               <a:t>stratum</a:t>
             </a:r>
             <a:r>
-              <a:rPr/>
               <a:t> and this method is called </a:t>
             </a:r>
             <a:r>
@@ -6692,29 +8896,25 @@
               <a:t>stratified sampling</a:t>
             </a:r>
             <a:r>
-              <a:rPr/>
               <a:t>.</a:t>
             </a:r>
           </a:p>
           <a:p>
             <a:pPr lvl="1"/>
             <a:r>
-              <a:rPr/>
               <a:t>Advantage: the distribution of groups in the population is reflected in the sample.</a:t>
             </a:r>
           </a:p>
           <a:p>
             <a:pPr lvl="1"/>
             <a:r>
-              <a:rPr/>
               <a:t>Particularly important for selecting training, validation, and test sets.</a:t>
             </a:r>
           </a:p>
           <a:p>
             <a:pPr lvl="1"/>
             <a:r>
-              <a:rPr/>
-              <a:t>This method is not always possible (multilabel cases, for example).</a:t>
+              <a:t>This method is only sometimes possible (multilabel cases, for example, may not be treated).</a:t>
             </a:r>
           </a:p>
         </p:txBody>
@@ -6726,66 +8926,150 @@
             <a:spLocks noGrp="1"/>
           </p:cNvSpPr>
           <p:nvPr>
-            <p:ph idx="2" sz="half"/>
-          </p:nvPr>
-        </p:nvSpPr>
-        <p:spPr/>
-        <p:txBody>
-          <a:bodyPr/>
+            <p:ph sz="half" idx="2"/>
+          </p:nvPr>
+        </p:nvSpPr>
+        <p:spPr/>
+        <p:txBody>
+          <a:bodyPr>
+            <a:normAutofit fontScale="55000" lnSpcReduction="20000"/>
+          </a:bodyPr>
           <a:lstStyle/>
           <a:p>
             <a:pPr lvl="0"/>
             <a:r>
-              <a:rPr/>
               <a:t>Weighted Sampling</a:t>
             </a:r>
           </a:p>
           <a:p>
             <a:pPr lvl="1"/>
             <a:r>
-              <a:rPr/>
-              <a:t>Each sample is given a weight, which determines the probability of it being selected.</a:t>
+              <a:t>Each sample is given a weight, determining the probability of being selected.</a:t>
             </a:r>
           </a:p>
           <a:p>
             <a:pPr lvl="1"/>
             <a:r>
-              <a:rPr/>
-              <a:t>This method allows us to leverage domain exertise.</a:t>
+              <a:t>This method allows us to leverage domain expertise.</a:t>
             </a:r>
           </a:p>
           <a:p>
             <a:pPr lvl="1"/>
             <a:r>
-              <a:rPr/>
               <a:t>Can be used to adjust samples that are coming from a different distribution than the original data:</a:t>
             </a:r>
           </a:p>
           <a:p>
             <a:pPr lvl="2"/>
             <a:r>
-              <a:rPr/>
               <a:t>Assume the data contains 25% red samples and 75% blue samples.</a:t>
             </a:r>
           </a:p>
           <a:p>
             <a:pPr lvl="2"/>
             <a:r>
-              <a:rPr/>
-              <a:t>We know that the actual distribution is closer to 50% red and 50% blue.</a:t>
+              <a:t>We know the actual distribution is closer to 50% red and 50% blue.</a:t>
             </a:r>
           </a:p>
           <a:p>
             <a:pPr lvl="2"/>
             <a:r>
-              <a:rPr/>
               <a:t>We can apply red weights that are three times higher than blue weights.</a:t>
             </a:r>
+          </a:p>
+        </p:txBody>
+      </p:sp>
+      <p:sp>
+        <p:nvSpPr>
+          <p:cNvPr id="5" name="Date Placeholder 4">
+            <a:extLst>
+              <a:ext uri="{FF2B5EF4-FFF2-40B4-BE49-F238E27FC236}">
+                <a16:creationId xmlns:a16="http://schemas.microsoft.com/office/drawing/2014/main" id="{4400FFF4-0560-DBF0-69E9-31BFF97764B9}"/>
+              </a:ext>
+            </a:extLst>
+          </p:cNvPr>
+          <p:cNvSpPr>
+            <a:spLocks noGrp="1"/>
+          </p:cNvSpPr>
+          <p:nvPr>
+            <p:ph type="dt" sz="half" idx="10"/>
+          </p:nvPr>
+        </p:nvSpPr>
+        <p:spPr/>
+        <p:txBody>
+          <a:bodyPr/>
+          <a:lstStyle/>
+          <a:p>
+            <a:r>
+              <a:rPr lang="en-CA"/>
+              <a:t>February 2024</a:t>
+            </a:r>
+          </a:p>
+        </p:txBody>
+      </p:sp>
+      <p:sp>
+        <p:nvSpPr>
+          <p:cNvPr id="6" name="Footer Placeholder 5">
+            <a:extLst>
+              <a:ext uri="{FF2B5EF4-FFF2-40B4-BE49-F238E27FC236}">
+                <a16:creationId xmlns:a16="http://schemas.microsoft.com/office/drawing/2014/main" id="{1EB7AE23-E5A6-ACE9-D579-24A7A8169796}"/>
+              </a:ext>
+            </a:extLst>
+          </p:cNvPr>
+          <p:cNvSpPr>
+            <a:spLocks noGrp="1"/>
+          </p:cNvSpPr>
+          <p:nvPr>
+            <p:ph type="ftr" sz="quarter" idx="11"/>
+          </p:nvPr>
+        </p:nvSpPr>
+        <p:spPr/>
+        <p:txBody>
+          <a:bodyPr/>
+          <a:lstStyle/>
+          <a:p>
+            <a:r>
+              <a:rPr lang="en-US"/>
+              <a:t>Production 3 - Working with Training Data</a:t>
+            </a:r>
+            <a:endParaRPr lang="en-CA"/>
+          </a:p>
+        </p:txBody>
+      </p:sp>
+      <p:sp>
+        <p:nvSpPr>
+          <p:cNvPr id="7" name="Slide Number Placeholder 6">
+            <a:extLst>
+              <a:ext uri="{FF2B5EF4-FFF2-40B4-BE49-F238E27FC236}">
+                <a16:creationId xmlns:a16="http://schemas.microsoft.com/office/drawing/2014/main" id="{814126AE-3F7D-B254-0663-78D1ED72710B}"/>
+              </a:ext>
+            </a:extLst>
+          </p:cNvPr>
+          <p:cNvSpPr>
+            <a:spLocks noGrp="1"/>
+          </p:cNvSpPr>
+          <p:nvPr>
+            <p:ph type="sldNum" sz="quarter" idx="12"/>
+          </p:nvPr>
+        </p:nvSpPr>
+        <p:spPr/>
+        <p:txBody>
+          <a:bodyPr/>
+          <a:lstStyle/>
+          <a:p>
+            <a:fld id="{4F4BDF5D-830C-4829-B676-EE421164B1C8}" type="slidenum">
+              <a:rPr lang="en-CA" smtClean="0"/>
+              <a:t>7</a:t>
+            </a:fld>
+            <a:endParaRPr lang="en-CA"/>
           </a:p>
         </p:txBody>
       </p:sp>
     </p:spTree>
   </p:cSld>
+  <p:clrMapOvr>
+    <a:masterClrMapping/>
+  </p:clrMapOvr>
 </p:sld>
 </file>
 
@@ -6821,11 +9105,10 @@
           <a:bodyPr/>
           <a:lstStyle/>
           <a:p>
-            <a:pPr lvl="0" indent="0" marL="0">
+            <a:pPr marL="0" lvl="0" indent="0">
               <a:buNone/>
             </a:pPr>
             <a:r>
-              <a:rPr/>
               <a:t>Reservoir Sampling</a:t>
             </a:r>
           </a:p>
@@ -6838,80 +9121,72 @@
             <a:spLocks noGrp="1"/>
           </p:cNvSpPr>
           <p:nvPr>
-            <p:ph idx="1" sz="half"/>
-          </p:nvPr>
-        </p:nvSpPr>
-        <p:spPr/>
-        <p:txBody>
-          <a:bodyPr/>
+            <p:ph sz="half" idx="1"/>
+          </p:nvPr>
+        </p:nvSpPr>
+        <p:spPr/>
+        <p:txBody>
+          <a:bodyPr>
+            <a:normAutofit fontScale="47500" lnSpcReduction="20000"/>
+          </a:bodyPr>
           <a:lstStyle/>
           <a:p>
             <a:pPr lvl="0"/>
             <a:r>
-              <a:rPr/>
               <a:t>Useful for streaming data where the concept of “universe” is difficult to implement.</a:t>
             </a:r>
           </a:p>
           <a:p>
             <a:pPr lvl="0"/>
             <a:r>
-              <a:rPr/>
               <a:t>Motivation: we want samples from a Tweeter feed with equal probability.</a:t>
             </a:r>
           </a:p>
           <a:p>
             <a:pPr lvl="0"/>
             <a:r>
-              <a:rPr/>
               <a:t>Objectives:</a:t>
             </a:r>
           </a:p>
           <a:p>
             <a:pPr lvl="1"/>
             <a:r>
-              <a:rPr/>
               <a:t>Every tweet has an equal probability of being selected.</a:t>
             </a:r>
           </a:p>
           <a:p>
             <a:pPr lvl="1"/>
             <a:r>
-              <a:rPr/>
-              <a:t>You can stop the algorithm at any time and the tweets are sample with the correct probability.</a:t>
+              <a:t>You can stop the algorithm at any time, and the tweets are sampled with the correct probability.</a:t>
             </a:r>
           </a:p>
           <a:p>
             <a:pPr lvl="0"/>
             <a:r>
-              <a:rPr/>
               <a:t>Reservoir sampling:</a:t>
             </a:r>
           </a:p>
           <a:p>
             <a:pPr lvl="1"/>
             <a:r>
-              <a:rPr/>
               <a:t>Put the first k elements into the reservoir.</a:t>
             </a:r>
           </a:p>
           <a:p>
             <a:pPr lvl="1"/>
             <a:r>
-              <a:rPr/>
               <a:t>For each incoming nth element, generate a random number i such that 1 ≤ i ≤ n.</a:t>
             </a:r>
           </a:p>
           <a:p>
             <a:pPr lvl="1"/>
             <a:r>
-              <a:rPr/>
               <a:t>If 1 ≤ i ≤ k: replace the ith element in the reservoir with the nth element. Else, do nothing.</a:t>
             </a:r>
           </a:p>
           <a:p>
             <a:pPr lvl="0"/>
             <a:r>
-              <a:rPr/>
               <a:t>Each incoming nth element has a k/n probability of being in the reservoir.</a:t>
             </a:r>
           </a:p>
@@ -6919,7 +9194,7 @@
       </p:sp>
       <p:pic>
         <p:nvPicPr>
-          <p:cNvPr descr="./img/reservoir.png" id="0" name="Picture 1"/>
+          <p:cNvPr id="4" name="Picture 1" descr="./img/reservoir.png"/>
           <p:cNvPicPr>
             <a:picLocks noGrp="1" noChangeAspect="1"/>
           </p:cNvPicPr>
@@ -6949,7 +9224,7 @@
       </p:pic>
       <p:sp>
         <p:nvSpPr>
-          <p:cNvPr id="1" name="TextBox 3"/>
+          <p:cNvPr id="5" name="TextBox 3"/>
           <p:cNvSpPr txBox="1"/>
           <p:nvPr/>
         </p:nvSpPr>
@@ -6967,18 +9242,106 @@
           <a:bodyPr/>
           <a:lstStyle/>
           <a:p>
-            <a:pPr lvl="0" indent="0" marL="0" algn="ctr">
+            <a:pPr marL="0" lvl="0" indent="0" algn="ctr">
               <a:buNone/>
             </a:pPr>
             <a:r>
-              <a:rPr/>
               <a:t>Reservoir Sampling (Huyen, 2021)</a:t>
             </a:r>
+          </a:p>
+        </p:txBody>
+      </p:sp>
+      <p:sp>
+        <p:nvSpPr>
+          <p:cNvPr id="6" name="Date Placeholder 5">
+            <a:extLst>
+              <a:ext uri="{FF2B5EF4-FFF2-40B4-BE49-F238E27FC236}">
+                <a16:creationId xmlns:a16="http://schemas.microsoft.com/office/drawing/2014/main" id="{C270599A-8089-7848-597D-00C593FABFEE}"/>
+              </a:ext>
+            </a:extLst>
+          </p:cNvPr>
+          <p:cNvSpPr>
+            <a:spLocks noGrp="1"/>
+          </p:cNvSpPr>
+          <p:nvPr>
+            <p:ph type="dt" sz="half" idx="10"/>
+          </p:nvPr>
+        </p:nvSpPr>
+        <p:spPr/>
+        <p:txBody>
+          <a:bodyPr/>
+          <a:lstStyle/>
+          <a:p>
+            <a:r>
+              <a:rPr lang="en-CA"/>
+              <a:t>February 2024</a:t>
+            </a:r>
+          </a:p>
+        </p:txBody>
+      </p:sp>
+      <p:sp>
+        <p:nvSpPr>
+          <p:cNvPr id="7" name="Footer Placeholder 6">
+            <a:extLst>
+              <a:ext uri="{FF2B5EF4-FFF2-40B4-BE49-F238E27FC236}">
+                <a16:creationId xmlns:a16="http://schemas.microsoft.com/office/drawing/2014/main" id="{E26301DA-84F4-B637-1F72-BE257F6E263A}"/>
+              </a:ext>
+            </a:extLst>
+          </p:cNvPr>
+          <p:cNvSpPr>
+            <a:spLocks noGrp="1"/>
+          </p:cNvSpPr>
+          <p:nvPr>
+            <p:ph type="ftr" sz="quarter" idx="11"/>
+          </p:nvPr>
+        </p:nvSpPr>
+        <p:spPr/>
+        <p:txBody>
+          <a:bodyPr/>
+          <a:lstStyle/>
+          <a:p>
+            <a:r>
+              <a:rPr lang="en-US"/>
+              <a:t>Production 3 - Working with Training Data</a:t>
+            </a:r>
+            <a:endParaRPr lang="en-CA"/>
+          </a:p>
+        </p:txBody>
+      </p:sp>
+      <p:sp>
+        <p:nvSpPr>
+          <p:cNvPr id="8" name="Slide Number Placeholder 7">
+            <a:extLst>
+              <a:ext uri="{FF2B5EF4-FFF2-40B4-BE49-F238E27FC236}">
+                <a16:creationId xmlns:a16="http://schemas.microsoft.com/office/drawing/2014/main" id="{76F74F8C-8420-139C-E3D8-CA2B320D9EE5}"/>
+              </a:ext>
+            </a:extLst>
+          </p:cNvPr>
+          <p:cNvSpPr>
+            <a:spLocks noGrp="1"/>
+          </p:cNvSpPr>
+          <p:nvPr>
+            <p:ph type="sldNum" sz="quarter" idx="12"/>
+          </p:nvPr>
+        </p:nvSpPr>
+        <p:spPr/>
+        <p:txBody>
+          <a:bodyPr/>
+          <a:lstStyle/>
+          <a:p>
+            <a:fld id="{4F4BDF5D-830C-4829-B676-EE421164B1C8}" type="slidenum">
+              <a:rPr lang="en-CA" smtClean="0"/>
+              <a:t>8</a:t>
+            </a:fld>
+            <a:endParaRPr lang="en-CA"/>
           </a:p>
         </p:txBody>
       </p:sp>
     </p:spTree>
   </p:cSld>
+  <p:clrMapOvr>
+    <a:masterClrMapping/>
+  </p:clrMapOvr>
 </p:sld>
 </file>
 
@@ -7019,18 +9382,106 @@
           <a:bodyPr/>
           <a:lstStyle/>
           <a:p>
-            <a:pPr lvl="0" indent="0" marL="0">
+            <a:pPr marL="0" lvl="0" indent="0">
               <a:buNone/>
             </a:pPr>
             <a:r>
-              <a:rPr/>
               <a:t>Labeling</a:t>
             </a:r>
+          </a:p>
+        </p:txBody>
+      </p:sp>
+      <p:sp>
+        <p:nvSpPr>
+          <p:cNvPr id="3" name="Date Placeholder 2">
+            <a:extLst>
+              <a:ext uri="{FF2B5EF4-FFF2-40B4-BE49-F238E27FC236}">
+                <a16:creationId xmlns:a16="http://schemas.microsoft.com/office/drawing/2014/main" id="{A586B58C-5DAF-BF7C-EB7E-92366E8AF878}"/>
+              </a:ext>
+            </a:extLst>
+          </p:cNvPr>
+          <p:cNvSpPr>
+            <a:spLocks noGrp="1"/>
+          </p:cNvSpPr>
+          <p:nvPr>
+            <p:ph type="dt" sz="half" idx="10"/>
+          </p:nvPr>
+        </p:nvSpPr>
+        <p:spPr/>
+        <p:txBody>
+          <a:bodyPr/>
+          <a:lstStyle/>
+          <a:p>
+            <a:r>
+              <a:rPr lang="en-CA"/>
+              <a:t>February 2024</a:t>
+            </a:r>
+          </a:p>
+        </p:txBody>
+      </p:sp>
+      <p:sp>
+        <p:nvSpPr>
+          <p:cNvPr id="4" name="Footer Placeholder 3">
+            <a:extLst>
+              <a:ext uri="{FF2B5EF4-FFF2-40B4-BE49-F238E27FC236}">
+                <a16:creationId xmlns:a16="http://schemas.microsoft.com/office/drawing/2014/main" id="{0E1D0EB9-06E1-5698-5D6B-0897EC157D85}"/>
+              </a:ext>
+            </a:extLst>
+          </p:cNvPr>
+          <p:cNvSpPr>
+            <a:spLocks noGrp="1"/>
+          </p:cNvSpPr>
+          <p:nvPr>
+            <p:ph type="ftr" sz="quarter" idx="11"/>
+          </p:nvPr>
+        </p:nvSpPr>
+        <p:spPr/>
+        <p:txBody>
+          <a:bodyPr/>
+          <a:lstStyle/>
+          <a:p>
+            <a:r>
+              <a:rPr lang="en-US"/>
+              <a:t>Production 3 - Working with Training Data</a:t>
+            </a:r>
+            <a:endParaRPr lang="en-CA"/>
+          </a:p>
+        </p:txBody>
+      </p:sp>
+      <p:sp>
+        <p:nvSpPr>
+          <p:cNvPr id="5" name="Slide Number Placeholder 4">
+            <a:extLst>
+              <a:ext uri="{FF2B5EF4-FFF2-40B4-BE49-F238E27FC236}">
+                <a16:creationId xmlns:a16="http://schemas.microsoft.com/office/drawing/2014/main" id="{D5CA9CB5-FE64-0072-179B-9F2DD852DF9F}"/>
+              </a:ext>
+            </a:extLst>
+          </p:cNvPr>
+          <p:cNvSpPr>
+            <a:spLocks noGrp="1"/>
+          </p:cNvSpPr>
+          <p:nvPr>
+            <p:ph type="sldNum" sz="quarter" idx="12"/>
+          </p:nvPr>
+        </p:nvSpPr>
+        <p:spPr/>
+        <p:txBody>
+          <a:bodyPr/>
+          <a:lstStyle/>
+          <a:p>
+            <a:fld id="{4F4BDF5D-830C-4829-B676-EE421164B1C8}" type="slidenum">
+              <a:rPr lang="en-CA" smtClean="0"/>
+              <a:t>9</a:t>
+            </a:fld>
+            <a:endParaRPr lang="en-CA"/>
           </a:p>
         </p:txBody>
       </p:sp>
     </p:spTree>
   </p:cSld>
+  <p:clrMapOvr>
+    <a:masterClrMapping/>
+  </p:clrMapOvr>
 </p:sld>
 </file>
 
@@ -7288,7 +9739,7 @@
         <a:srgbClr val="E7E6E6"/>
       </a:lt2>
       <a:accent1>
-        <a:srgbClr val="5B9BD5"/>
+        <a:srgbClr val="4472C4"/>
       </a:accent1>
       <a:accent2>
         <a:srgbClr val="ED7D31"/>
@@ -7300,7 +9751,7 @@
         <a:srgbClr val="FFC000"/>
       </a:accent4>
       <a:accent5>
-        <a:srgbClr val="4472C4"/>
+        <a:srgbClr val="5B9BD5"/>
       </a:accent5>
       <a:accent6>
         <a:srgbClr val="70AD47"/>
@@ -7317,9 +9768,9 @@
         <a:latin typeface="Calibri Light" panose="020F0302020204030204"/>
         <a:ea typeface=""/>
         <a:cs typeface=""/>
-        <a:font script="Jpan" typeface="ＭＳ Ｐゴシック"/>
+        <a:font script="Jpan" typeface="游ゴシック Light"/>
         <a:font script="Hang" typeface="맑은 고딕"/>
-        <a:font script="Hans" typeface="宋体"/>
+        <a:font script="Hans" typeface="等线 Light"/>
         <a:font script="Hant" typeface="新細明體"/>
         <a:font script="Arab" typeface="Times New Roman"/>
         <a:font script="Hebr" typeface="Times New Roman"/>
@@ -7347,14 +9798,31 @@
         <a:font script="Viet" typeface="Times New Roman"/>
         <a:font script="Uigh" typeface="Microsoft Uighur"/>
         <a:font script="Geor" typeface="Sylfaen"/>
+        <a:font script="Armn" typeface="Arial"/>
+        <a:font script="Bugi" typeface="Leelawadee UI"/>
+        <a:font script="Bopo" typeface="Microsoft JhengHei"/>
+        <a:font script="Java" typeface="Javanese Text"/>
+        <a:font script="Lisu" typeface="Segoe UI"/>
+        <a:font script="Mymr" typeface="Myanmar Text"/>
+        <a:font script="Nkoo" typeface="Ebrima"/>
+        <a:font script="Olck" typeface="Nirmala UI"/>
+        <a:font script="Osma" typeface="Ebrima"/>
+        <a:font script="Phag" typeface="Phagspa"/>
+        <a:font script="Syrn" typeface="Estrangelo Edessa"/>
+        <a:font script="Syrj" typeface="Estrangelo Edessa"/>
+        <a:font script="Syre" typeface="Estrangelo Edessa"/>
+        <a:font script="Sora" typeface="Nirmala UI"/>
+        <a:font script="Tale" typeface="Microsoft Tai Le"/>
+        <a:font script="Talu" typeface="Microsoft New Tai Lue"/>
+        <a:font script="Tfng" typeface="Ebrima"/>
       </a:majorFont>
       <a:minorFont>
         <a:latin typeface="Calibri" panose="020F0502020204030204"/>
         <a:ea typeface=""/>
         <a:cs typeface=""/>
-        <a:font script="Jpan" typeface="ＭＳ Ｐゴシック"/>
+        <a:font script="Jpan" typeface="游ゴシック"/>
         <a:font script="Hang" typeface="맑은 고딕"/>
-        <a:font script="Hans" typeface="宋体"/>
+        <a:font script="Hans" typeface="等线"/>
         <a:font script="Hant" typeface="新細明體"/>
         <a:font script="Arab" typeface="Arial"/>
         <a:font script="Hebr" typeface="Arial"/>
@@ -7382,6 +9850,23 @@
         <a:font script="Viet" typeface="Arial"/>
         <a:font script="Uigh" typeface="Microsoft Uighur"/>
         <a:font script="Geor" typeface="Sylfaen"/>
+        <a:font script="Armn" typeface="Arial"/>
+        <a:font script="Bugi" typeface="Leelawadee UI"/>
+        <a:font script="Bopo" typeface="Microsoft JhengHei"/>
+        <a:font script="Java" typeface="Javanese Text"/>
+        <a:font script="Lisu" typeface="Segoe UI"/>
+        <a:font script="Mymr" typeface="Myanmar Text"/>
+        <a:font script="Nkoo" typeface="Ebrima"/>
+        <a:font script="Olck" typeface="Nirmala UI"/>
+        <a:font script="Osma" typeface="Ebrima"/>
+        <a:font script="Phag" typeface="Phagspa"/>
+        <a:font script="Syrn" typeface="Estrangelo Edessa"/>
+        <a:font script="Syrj" typeface="Estrangelo Edessa"/>
+        <a:font script="Syre" typeface="Estrangelo Edessa"/>
+        <a:font script="Sora" typeface="Nirmala UI"/>
+        <a:font script="Tale" typeface="Microsoft Tai Le"/>
+        <a:font script="Talu" typeface="Microsoft New Tai Lue"/>
+        <a:font script="Tfng" typeface="Ebrima"/>
       </a:minorFont>
     </a:fontScheme>
     <a:fmtScheme name="Office">

--- a/lessons/part_3/production_3.pptx
+++ b/lessons/part_3/production_3.pptx
@@ -5,7 +5,7 @@
     <p:sldMasterId id="2147484296" r:id="rId1"/>
   </p:sldMasterIdLst>
   <p:notesMasterIdLst>
-    <p:notesMasterId r:id="rId25"/>
+    <p:notesMasterId r:id="rId26"/>
   </p:notesMasterIdLst>
   <p:sldIdLst>
     <p:sldId id="256" r:id="rId2"/>
@@ -31,6 +31,7 @@
     <p:sldId id="276" r:id="rId22"/>
     <p:sldId id="277" r:id="rId23"/>
     <p:sldId id="278" r:id="rId24"/>
+    <p:sldId id="279" r:id="rId25"/>
   </p:sldIdLst>
   <p:sldSz cx="12192000" cy="6858000"/>
   <p:notesSz cx="6858000" cy="9144000"/>
@@ -217,9 +218,9 @@
             </a:lvl1pPr>
           </a:lstStyle>
           <a:p>
-            <a:fld id="{7B874FDB-6191-4CB1-8DA7-BB424C5B9443}" type="datetimeFigureOut">
+            <a:fld id="{52EF1B29-FB69-4EE7-80E4-D3C8FBDCD09D}" type="datetimeFigureOut">
               <a:rPr lang="en-CA" smtClean="0"/>
-              <a:t>2024-02-05</a:t>
+              <a:t>2024-02-08</a:t>
             </a:fld>
             <a:endParaRPr lang="en-CA"/>
           </a:p>
@@ -376,7 +377,7 @@
             </a:lvl1pPr>
           </a:lstStyle>
           <a:p>
-            <a:fld id="{14132668-828E-4998-82FF-0ECB3A3E6CC4}" type="slidenum">
+            <a:fld id="{D6AA3BB4-D729-479C-ACEE-0530E9F63A9A}" type="slidenum">
               <a:rPr lang="en-CA" smtClean="0"/>
               <a:t>‹#›</a:t>
             </a:fld>
@@ -387,7 +388,7 @@
     </p:spTree>
     <p:extLst>
       <p:ext uri="{BB962C8B-B14F-4D97-AF65-F5344CB8AC3E}">
-        <p14:creationId xmlns:p14="http://schemas.microsoft.com/office/powerpoint/2010/main" val="2394017620"/>
+        <p14:creationId xmlns:p14="http://schemas.microsoft.com/office/powerpoint/2010/main" val="966174140"/>
       </p:ext>
     </p:extLst>
   </p:cSld>
@@ -684,9 +685,10 @@
           </a:lstStyle>
           <a:p>
             <a:r>
-              <a:rPr lang="en-CA"/>
-              <a:t>February 2024</a:t>
-            </a:r>
+              <a:rPr lang="en-US"/>
+              <a:t>Februrary 2024</a:t>
+            </a:r>
+            <a:endParaRPr lang="en-CA"/>
           </a:p>
         </p:txBody>
       </p:sp>
@@ -877,9 +879,10 @@
           <a:lstStyle/>
           <a:p>
             <a:r>
-              <a:rPr lang="en-CA"/>
-              <a:t>February 2024</a:t>
-            </a:r>
+              <a:rPr lang="en-US"/>
+              <a:t>Februrary 2024</a:t>
+            </a:r>
+            <a:endParaRPr lang="en-CA"/>
           </a:p>
         </p:txBody>
       </p:sp>
@@ -1060,9 +1063,10 @@
           <a:lstStyle/>
           <a:p>
             <a:r>
-              <a:rPr lang="en-CA"/>
-              <a:t>February 2024</a:t>
-            </a:r>
+              <a:rPr lang="en-US"/>
+              <a:t>Februrary 2024</a:t>
+            </a:r>
+            <a:endParaRPr lang="en-CA"/>
           </a:p>
         </p:txBody>
       </p:sp>
@@ -1233,9 +1237,10 @@
           <a:lstStyle/>
           <a:p>
             <a:r>
-              <a:rPr lang="en-CA"/>
-              <a:t>February 2024</a:t>
-            </a:r>
+              <a:rPr lang="en-US"/>
+              <a:t>Februrary 2024</a:t>
+            </a:r>
+            <a:endParaRPr lang="en-CA"/>
           </a:p>
         </p:txBody>
       </p:sp>
@@ -1492,9 +1497,10 @@
           <a:lstStyle/>
           <a:p>
             <a:r>
-              <a:rPr lang="en-CA"/>
-              <a:t>February 2024</a:t>
-            </a:r>
+              <a:rPr lang="en-US"/>
+              <a:t>Februrary 2024</a:t>
+            </a:r>
+            <a:endParaRPr lang="en-CA"/>
           </a:p>
         </p:txBody>
       </p:sp>
@@ -1783,9 +1789,10 @@
           <a:lstStyle/>
           <a:p>
             <a:r>
-              <a:rPr lang="en-CA"/>
-              <a:t>February 2024</a:t>
-            </a:r>
+              <a:rPr lang="en-US"/>
+              <a:t>Februrary 2024</a:t>
+            </a:r>
+            <a:endParaRPr lang="en-CA"/>
           </a:p>
         </p:txBody>
       </p:sp>
@@ -2224,9 +2231,10 @@
           <a:lstStyle/>
           <a:p>
             <a:r>
-              <a:rPr lang="en-CA"/>
-              <a:t>February 2024</a:t>
-            </a:r>
+              <a:rPr lang="en-US"/>
+              <a:t>Februrary 2024</a:t>
+            </a:r>
+            <a:endParaRPr lang="en-CA"/>
           </a:p>
         </p:txBody>
       </p:sp>
@@ -2345,9 +2353,10 @@
           <a:lstStyle/>
           <a:p>
             <a:r>
-              <a:rPr lang="en-CA"/>
-              <a:t>February 2024</a:t>
-            </a:r>
+              <a:rPr lang="en-US"/>
+              <a:t>Februrary 2024</a:t>
+            </a:r>
+            <a:endParaRPr lang="en-CA"/>
           </a:p>
         </p:txBody>
       </p:sp>
@@ -2443,9 +2452,10 @@
           <a:lstStyle/>
           <a:p>
             <a:r>
-              <a:rPr lang="en-CA"/>
-              <a:t>February 2024</a:t>
-            </a:r>
+              <a:rPr lang="en-US"/>
+              <a:t>Februrary 2024</a:t>
+            </a:r>
+            <a:endParaRPr lang="en-CA"/>
           </a:p>
         </p:txBody>
       </p:sp>
@@ -2802,9 +2812,10 @@
           <a:lstStyle/>
           <a:p>
             <a:r>
-              <a:rPr lang="en-CA"/>
-              <a:t>February 2024</a:t>
-            </a:r>
+              <a:rPr lang="en-US"/>
+              <a:t>Februrary 2024</a:t>
+            </a:r>
+            <a:endParaRPr lang="en-CA"/>
           </a:p>
         </p:txBody>
       </p:sp>
@@ -3121,9 +3132,10 @@
           </a:lstStyle>
           <a:p>
             <a:r>
-              <a:rPr lang="en-CA"/>
-              <a:t>February 2024</a:t>
-            </a:r>
+              <a:rPr lang="en-US"/>
+              <a:t>Februrary 2024</a:t>
+            </a:r>
+            <a:endParaRPr lang="en-CA"/>
           </a:p>
         </p:txBody>
       </p:sp>
@@ -3355,9 +3367,10 @@
           </a:lstStyle>
           <a:p>
             <a:r>
-              <a:rPr lang="en-CA"/>
-              <a:t>February 2024</a:t>
-            </a:r>
+              <a:rPr lang="en-US"/>
+              <a:t>Februrary 2024</a:t>
+            </a:r>
+            <a:endParaRPr lang="en-CA"/>
           </a:p>
         </p:txBody>
       </p:sp>
@@ -3894,7 +3907,12 @@
             <p:ph type="title"/>
           </p:nvPr>
         </p:nvSpPr>
-        <p:spPr/>
+        <p:spPr>
+          <a:xfrm>
+            <a:off x="603504" y="767419"/>
+            <a:ext cx="10780776" cy="3355848"/>
+          </a:xfrm>
+        </p:spPr>
         <p:txBody>
           <a:bodyPr/>
           <a:lstStyle/>
@@ -3903,115 +3921,17 @@
               <a:buNone/>
             </a:pPr>
             <a:r>
-              <a:t>Hand Labels</a:t>
-            </a:r>
-          </a:p>
-        </p:txBody>
-      </p:sp>
-      <p:sp>
-        <p:nvSpPr>
-          <p:cNvPr id="3" name="Content Placeholder 2"/>
-          <p:cNvSpPr>
-            <a:spLocks noGrp="1"/>
-          </p:cNvSpPr>
-          <p:nvPr>
-            <p:ph sz="half" idx="1"/>
-          </p:nvPr>
-        </p:nvSpPr>
-        <p:spPr/>
-        <p:txBody>
-          <a:bodyPr>
-            <a:normAutofit fontScale="77500" lnSpcReduction="20000"/>
-          </a:bodyPr>
-          <a:lstStyle/>
-          <a:p>
-            <a:pPr lvl="0"/>
-            <a:r>
-              <a:t>Getting hand-labelled data takes a lot of work.</a:t>
-            </a:r>
-            <a:br/>
-            <a:endParaRPr/>
-          </a:p>
-          <a:p>
-            <a:pPr lvl="0"/>
-            <a:r>
-              <a:t>It is expensive, particularly if subject matter expertise is required. For instance, compare:</a:t>
-            </a:r>
-          </a:p>
-          <a:p>
-            <a:pPr lvl="1"/>
-            <a:r>
-              <a:t>Hand label a sentiment data set.</a:t>
-            </a:r>
-          </a:p>
-          <a:p>
-            <a:pPr lvl="1"/>
-            <a:r>
-              <a:t>Hand label a medical diagnosis data set.</a:t>
-            </a:r>
-          </a:p>
-          <a:p>
-            <a:pPr lvl="0"/>
-            <a:r>
-              <a:t>It may be invasive: hand labelling data requires someone to see the data.</a:t>
-            </a:r>
-          </a:p>
-          <a:p>
-            <a:pPr lvl="0"/>
-            <a:r>
-              <a:t>Hand labelling is slow.</a:t>
-            </a:r>
-          </a:p>
-        </p:txBody>
-      </p:sp>
-      <p:sp>
-        <p:nvSpPr>
-          <p:cNvPr id="4" name="Content Placeholder 3"/>
-          <p:cNvSpPr>
-            <a:spLocks noGrp="1"/>
-          </p:cNvSpPr>
-          <p:nvPr>
-            <p:ph sz="half" idx="2"/>
-          </p:nvPr>
-        </p:nvSpPr>
-        <p:spPr/>
-        <p:txBody>
-          <a:bodyPr>
-            <a:normAutofit fontScale="77500" lnSpcReduction="20000"/>
-          </a:bodyPr>
-          <a:lstStyle/>
-          <a:p>
-            <a:pPr lvl="0"/>
-            <a:r>
-              <a:t>Label ambiguity or label multiplicity occurs when multiple conflicting labels exist for a data instance.</a:t>
-            </a:r>
-          </a:p>
-          <a:p>
-            <a:pPr lvl="0"/>
-            <a:r>
-              <a:t>Label multiplicity may occur when labels are input by multiple annotators or data comes from different sources.</a:t>
-            </a:r>
-          </a:p>
-          <a:p>
-            <a:pPr lvl="0"/>
-            <a:r>
-              <a:t>Disagreements among annotators are common, particularly as the need for subject matter expertise increases.</a:t>
-            </a:r>
-          </a:p>
-          <a:p>
-            <a:pPr lvl="0"/>
-            <a:r>
-              <a:t>A potential solution is to have a clear problem definition and task guidance.</a:t>
-            </a:r>
-          </a:p>
-        </p:txBody>
-      </p:sp>
-      <p:sp>
-        <p:nvSpPr>
-          <p:cNvPr id="5" name="Date Placeholder 4">
+              <a:t>Labeling</a:t>
+            </a:r>
+          </a:p>
+        </p:txBody>
+      </p:sp>
+      <p:sp>
+        <p:nvSpPr>
+          <p:cNvPr id="3" name="Date Placeholder 2">
             <a:extLst>
               <a:ext uri="{FF2B5EF4-FFF2-40B4-BE49-F238E27FC236}">
-                <a16:creationId xmlns:a16="http://schemas.microsoft.com/office/drawing/2014/main" id="{9EDBCBB4-73DF-9D8D-8EDC-A4B2001C7192}"/>
+                <a16:creationId xmlns:a16="http://schemas.microsoft.com/office/drawing/2014/main" id="{759CD190-7639-86F9-4A01-4CDC7796F25F}"/>
               </a:ext>
             </a:extLst>
           </p:cNvPr>
@@ -4028,18 +3948,19 @@
           <a:lstStyle/>
           <a:p>
             <a:r>
-              <a:rPr lang="en-CA"/>
-              <a:t>February 2024</a:t>
-            </a:r>
-          </a:p>
-        </p:txBody>
-      </p:sp>
-      <p:sp>
-        <p:nvSpPr>
-          <p:cNvPr id="6" name="Footer Placeholder 5">
+              <a:rPr lang="en-US"/>
+              <a:t>Februrary 2024</a:t>
+            </a:r>
+            <a:endParaRPr lang="en-CA"/>
+          </a:p>
+        </p:txBody>
+      </p:sp>
+      <p:sp>
+        <p:nvSpPr>
+          <p:cNvPr id="4" name="Footer Placeholder 3">
             <a:extLst>
               <a:ext uri="{FF2B5EF4-FFF2-40B4-BE49-F238E27FC236}">
-                <a16:creationId xmlns:a16="http://schemas.microsoft.com/office/drawing/2014/main" id="{BD4BF47A-3D65-157D-3D97-DCB1D487CE6B}"/>
+                <a16:creationId xmlns:a16="http://schemas.microsoft.com/office/drawing/2014/main" id="{9533E825-5242-38A1-1BD0-29C8591416B9}"/>
               </a:ext>
             </a:extLst>
           </p:cNvPr>
@@ -4065,10 +3986,10 @@
       </p:sp>
       <p:sp>
         <p:nvSpPr>
-          <p:cNvPr id="7" name="Slide Number Placeholder 6">
+          <p:cNvPr id="5" name="Slide Number Placeholder 4">
             <a:extLst>
               <a:ext uri="{FF2B5EF4-FFF2-40B4-BE49-F238E27FC236}">
-                <a16:creationId xmlns:a16="http://schemas.microsoft.com/office/drawing/2014/main" id="{28E8A0C2-D6A9-55C8-7A61-7CFD31720528}"/>
+                <a16:creationId xmlns:a16="http://schemas.microsoft.com/office/drawing/2014/main" id="{25316A9C-C899-9991-028F-4B20A885422D}"/>
               </a:ext>
             </a:extLst>
           </p:cNvPr>
@@ -4136,6 +4057,240 @@
               <a:buNone/>
             </a:pPr>
             <a:r>
+              <a:t>Hand Labels</a:t>
+            </a:r>
+          </a:p>
+        </p:txBody>
+      </p:sp>
+      <p:sp>
+        <p:nvSpPr>
+          <p:cNvPr id="3" name="Content Placeholder 2"/>
+          <p:cNvSpPr>
+            <a:spLocks noGrp="1"/>
+          </p:cNvSpPr>
+          <p:nvPr>
+            <p:ph sz="half" idx="1"/>
+          </p:nvPr>
+        </p:nvSpPr>
+        <p:spPr/>
+        <p:txBody>
+          <a:bodyPr>
+            <a:normAutofit fontScale="77500" lnSpcReduction="20000"/>
+          </a:bodyPr>
+          <a:lstStyle/>
+          <a:p>
+            <a:pPr lvl="0"/>
+            <a:r>
+              <a:t>Getting hand-labelled data takes a lot of work.</a:t>
+            </a:r>
+            <a:br/>
+            <a:endParaRPr/>
+          </a:p>
+          <a:p>
+            <a:pPr lvl="0"/>
+            <a:r>
+              <a:t>It is expensive, particularly if subject matter expertise is required. For instance, compare:</a:t>
+            </a:r>
+          </a:p>
+          <a:p>
+            <a:pPr lvl="1"/>
+            <a:r>
+              <a:t>Hand label a sentiment data set.</a:t>
+            </a:r>
+          </a:p>
+          <a:p>
+            <a:pPr lvl="1"/>
+            <a:r>
+              <a:t>Hand label a medical diagnosis data set.</a:t>
+            </a:r>
+          </a:p>
+          <a:p>
+            <a:pPr lvl="0"/>
+            <a:r>
+              <a:t>It may be invasive: hand labelling data requires someone to see the data.</a:t>
+            </a:r>
+          </a:p>
+          <a:p>
+            <a:pPr lvl="0"/>
+            <a:r>
+              <a:t>Hand labelling is slow.</a:t>
+            </a:r>
+          </a:p>
+        </p:txBody>
+      </p:sp>
+      <p:sp>
+        <p:nvSpPr>
+          <p:cNvPr id="4" name="Content Placeholder 3"/>
+          <p:cNvSpPr>
+            <a:spLocks noGrp="1"/>
+          </p:cNvSpPr>
+          <p:nvPr>
+            <p:ph sz="half" idx="2"/>
+          </p:nvPr>
+        </p:nvSpPr>
+        <p:spPr/>
+        <p:txBody>
+          <a:bodyPr>
+            <a:normAutofit fontScale="77500" lnSpcReduction="20000"/>
+          </a:bodyPr>
+          <a:lstStyle/>
+          <a:p>
+            <a:pPr lvl="0"/>
+            <a:r>
+              <a:t>Label ambiguity or label multiplicity occurs when multiple conflicting labels exist for a data instance.</a:t>
+            </a:r>
+          </a:p>
+          <a:p>
+            <a:pPr lvl="0"/>
+            <a:r>
+              <a:t>Label multiplicity may occur when labels are input by multiple annotators or data comes from different sources.</a:t>
+            </a:r>
+          </a:p>
+          <a:p>
+            <a:pPr lvl="0"/>
+            <a:r>
+              <a:t>Disagreements among annotators are common, particularly as the need for subject matter expertise increases.</a:t>
+            </a:r>
+          </a:p>
+          <a:p>
+            <a:pPr lvl="0"/>
+            <a:r>
+              <a:t>A potential solution is to have a clear problem definition and task guidance.</a:t>
+            </a:r>
+          </a:p>
+        </p:txBody>
+      </p:sp>
+      <p:sp>
+        <p:nvSpPr>
+          <p:cNvPr id="5" name="Date Placeholder 4">
+            <a:extLst>
+              <a:ext uri="{FF2B5EF4-FFF2-40B4-BE49-F238E27FC236}">
+                <a16:creationId xmlns:a16="http://schemas.microsoft.com/office/drawing/2014/main" id="{DB5B244A-FC2B-6974-E7B5-1DDC102A222C}"/>
+              </a:ext>
+            </a:extLst>
+          </p:cNvPr>
+          <p:cNvSpPr>
+            <a:spLocks noGrp="1"/>
+          </p:cNvSpPr>
+          <p:nvPr>
+            <p:ph type="dt" sz="half" idx="10"/>
+          </p:nvPr>
+        </p:nvSpPr>
+        <p:spPr/>
+        <p:txBody>
+          <a:bodyPr/>
+          <a:lstStyle/>
+          <a:p>
+            <a:r>
+              <a:rPr lang="en-US"/>
+              <a:t>Februrary 2024</a:t>
+            </a:r>
+            <a:endParaRPr lang="en-CA"/>
+          </a:p>
+        </p:txBody>
+      </p:sp>
+      <p:sp>
+        <p:nvSpPr>
+          <p:cNvPr id="6" name="Footer Placeholder 5">
+            <a:extLst>
+              <a:ext uri="{FF2B5EF4-FFF2-40B4-BE49-F238E27FC236}">
+                <a16:creationId xmlns:a16="http://schemas.microsoft.com/office/drawing/2014/main" id="{135F224A-E891-8434-A82F-57681EF073F8}"/>
+              </a:ext>
+            </a:extLst>
+          </p:cNvPr>
+          <p:cNvSpPr>
+            <a:spLocks noGrp="1"/>
+          </p:cNvSpPr>
+          <p:nvPr>
+            <p:ph type="ftr" sz="quarter" idx="11"/>
+          </p:nvPr>
+        </p:nvSpPr>
+        <p:spPr/>
+        <p:txBody>
+          <a:bodyPr/>
+          <a:lstStyle/>
+          <a:p>
+            <a:r>
+              <a:rPr lang="en-US"/>
+              <a:t>Production 3 - Working with Training Data</a:t>
+            </a:r>
+            <a:endParaRPr lang="en-CA"/>
+          </a:p>
+        </p:txBody>
+      </p:sp>
+      <p:sp>
+        <p:nvSpPr>
+          <p:cNvPr id="7" name="Slide Number Placeholder 6">
+            <a:extLst>
+              <a:ext uri="{FF2B5EF4-FFF2-40B4-BE49-F238E27FC236}">
+                <a16:creationId xmlns:a16="http://schemas.microsoft.com/office/drawing/2014/main" id="{5CA44D4D-2926-D997-FDD1-B5D906085C90}"/>
+              </a:ext>
+            </a:extLst>
+          </p:cNvPr>
+          <p:cNvSpPr>
+            <a:spLocks noGrp="1"/>
+          </p:cNvSpPr>
+          <p:nvPr>
+            <p:ph type="sldNum" sz="quarter" idx="12"/>
+          </p:nvPr>
+        </p:nvSpPr>
+        <p:spPr/>
+        <p:txBody>
+          <a:bodyPr/>
+          <a:lstStyle/>
+          <a:p>
+            <a:fld id="{4F4BDF5D-830C-4829-B676-EE421164B1C8}" type="slidenum">
+              <a:rPr lang="en-CA" smtClean="0"/>
+              <a:t>11</a:t>
+            </a:fld>
+            <a:endParaRPr lang="en-CA"/>
+          </a:p>
+        </p:txBody>
+      </p:sp>
+    </p:spTree>
+  </p:cSld>
+  <p:clrMapOvr>
+    <a:masterClrMapping/>
+  </p:clrMapOvr>
+</p:sld>
+</file>
+
+<file path=ppt/slides/slide12.xml><?xml version="1.0" encoding="utf-8"?>
+<p:sld xmlns:a="http://schemas.openxmlformats.org/drawingml/2006/main" xmlns:r="http://schemas.openxmlformats.org/officeDocument/2006/relationships" xmlns:p="http://schemas.openxmlformats.org/presentationml/2006/main">
+  <p:cSld>
+    <p:spTree>
+      <p:nvGrpSpPr>
+        <p:cNvPr id="1" name=""/>
+        <p:cNvGrpSpPr/>
+        <p:nvPr/>
+      </p:nvGrpSpPr>
+      <p:grpSpPr>
+        <a:xfrm>
+          <a:off x="0" y="0"/>
+          <a:ext cx="0" cy="0"/>
+          <a:chOff x="0" y="0"/>
+          <a:chExt cx="0" cy="0"/>
+        </a:xfrm>
+      </p:grpSpPr>
+      <p:sp>
+        <p:nvSpPr>
+          <p:cNvPr id="2" name="Title 1"/>
+          <p:cNvSpPr>
+            <a:spLocks noGrp="1"/>
+          </p:cNvSpPr>
+          <p:nvPr>
+            <p:ph type="title"/>
+          </p:nvPr>
+        </p:nvSpPr>
+        <p:spPr/>
+        <p:txBody>
+          <a:bodyPr/>
+          <a:lstStyle/>
+          <a:p>
+            <a:pPr marL="0" lvl="0" indent="0">
+              <a:buNone/>
+            </a:pPr>
+            <a:r>
               <a:t>Examples of Label Multiplicity</a:t>
             </a:r>
           </a:p>
@@ -4149,11 +4304,16 @@
           </p:cNvGraphicFramePr>
           <p:nvPr>
             <p:ph idx="1"/>
+            <p:extLst>
+              <p:ext uri="{D42A27DB-BD31-4B8C-83A1-F6EECF244321}">
+                <p14:modId xmlns:p14="http://schemas.microsoft.com/office/powerpoint/2010/main" val="3796482183"/>
+              </p:ext>
+            </p:extLst>
           </p:nvPr>
         </p:nvGraphicFramePr>
         <p:xfrm>
           <a:off x="673100" y="2006600"/>
-          <a:ext cx="10744200" cy="3759200"/>
+          <a:ext cx="10744200" cy="2286000"/>
         </p:xfrm>
         <a:graphic>
           <a:graphicData uri="http://schemas.openxmlformats.org/drawingml/2006/table">
@@ -4162,21 +4322,21 @@
                 <a:tableStyleId>{5C22544A-7EE6-4342-B048-85BDC9FD1C3A}</a:tableStyleId>
               </a:tblPr>
               <a:tblGrid>
-                <a:gridCol w="3581400">
+                <a:gridCol w="1203325">
                   <a:extLst>
                     <a:ext uri="{9D8B030D-6E8A-4147-A177-3AD203B41FA5}">
                       <a16:colId xmlns:a16="http://schemas.microsoft.com/office/drawing/2014/main" val="20000"/>
                     </a:ext>
                   </a:extLst>
                 </a:gridCol>
-                <a:gridCol w="3581400">
+                <a:gridCol w="1390650">
                   <a:extLst>
                     <a:ext uri="{9D8B030D-6E8A-4147-A177-3AD203B41FA5}">
                       <a16:colId xmlns:a16="http://schemas.microsoft.com/office/drawing/2014/main" val="20001"/>
                     </a:ext>
                   </a:extLst>
                 </a:gridCol>
-                <a:gridCol w="3581400">
+                <a:gridCol w="8150225">
                   <a:extLst>
                     <a:ext uri="{9D8B030D-6E8A-4147-A177-3AD203B41FA5}">
                       <a16:colId xmlns:a16="http://schemas.microsoft.com/office/drawing/2014/main" val="20002"/>
@@ -4276,6 +4436,7 @@
                         <a:buNone/>
                       </a:pPr>
                       <a:r>
+                        <a:rPr dirty="0"/>
                         <a:t>[Darth Sidious], known simply as the Emperor, was a [Dark Lord of the Sith] who reigned over the galaxy as [Galactic Emperor of the First Galactic Empire].</a:t>
                       </a:r>
                     </a:p>
@@ -4313,6 +4474,7 @@
                         <a:buNone/>
                       </a:pPr>
                       <a:r>
+                        <a:rPr dirty="0"/>
                         <a:t>6</a:t>
                       </a:r>
                     </a:p>
@@ -4380,6 +4542,7 @@
                         <a:buNone/>
                       </a:pPr>
                       <a:r>
+                        <a:rPr dirty="0"/>
                         <a:t>[Darth Sidious], known simply as the [Emperor], was a [Dark Lord of the Sith] who reigned over the galaxy as [Galactic Emperor of the First Galactic Empire].</a:t>
                       </a:r>
                     </a:p>
@@ -4401,7 +4564,7 @@
           <p:cNvPr id="3" name="Date Placeholder 2">
             <a:extLst>
               <a:ext uri="{FF2B5EF4-FFF2-40B4-BE49-F238E27FC236}">
-                <a16:creationId xmlns:a16="http://schemas.microsoft.com/office/drawing/2014/main" id="{02C1A3F8-14F3-A568-C0C9-19661F23F9CF}"/>
+                <a16:creationId xmlns:a16="http://schemas.microsoft.com/office/drawing/2014/main" id="{15795D54-2D41-A5E1-C8D9-201376DCCC29}"/>
               </a:ext>
             </a:extLst>
           </p:cNvPr>
@@ -4418,9 +4581,10 @@
           <a:lstStyle/>
           <a:p>
             <a:r>
-              <a:rPr lang="en-CA"/>
-              <a:t>February 2024</a:t>
-            </a:r>
+              <a:rPr lang="en-US"/>
+              <a:t>Februrary 2024</a:t>
+            </a:r>
+            <a:endParaRPr lang="en-CA"/>
           </a:p>
         </p:txBody>
       </p:sp>
@@ -4429,7 +4593,7 @@
           <p:cNvPr id="4" name="Footer Placeholder 3">
             <a:extLst>
               <a:ext uri="{FF2B5EF4-FFF2-40B4-BE49-F238E27FC236}">
-                <a16:creationId xmlns:a16="http://schemas.microsoft.com/office/drawing/2014/main" id="{0F3F6E04-7B73-D48D-416D-428800E767F3}"/>
+                <a16:creationId xmlns:a16="http://schemas.microsoft.com/office/drawing/2014/main" id="{D0BC382F-94C1-86E2-9792-A679F0C310D6}"/>
               </a:ext>
             </a:extLst>
           </p:cNvPr>
@@ -4458,238 +4622,7 @@
           <p:cNvPr id="5" name="Slide Number Placeholder 4">
             <a:extLst>
               <a:ext uri="{FF2B5EF4-FFF2-40B4-BE49-F238E27FC236}">
-                <a16:creationId xmlns:a16="http://schemas.microsoft.com/office/drawing/2014/main" id="{B76001D5-05DF-9D4E-EA93-1AD26194917F}"/>
-              </a:ext>
-            </a:extLst>
-          </p:cNvPr>
-          <p:cNvSpPr>
-            <a:spLocks noGrp="1"/>
-          </p:cNvSpPr>
-          <p:nvPr>
-            <p:ph type="sldNum" sz="quarter" idx="12"/>
-          </p:nvPr>
-        </p:nvSpPr>
-        <p:spPr/>
-        <p:txBody>
-          <a:bodyPr/>
-          <a:lstStyle/>
-          <a:p>
-            <a:fld id="{4F4BDF5D-830C-4829-B676-EE421164B1C8}" type="slidenum">
-              <a:rPr lang="en-CA" smtClean="0"/>
-              <a:t>11</a:t>
-            </a:fld>
-            <a:endParaRPr lang="en-CA"/>
-          </a:p>
-        </p:txBody>
-      </p:sp>
-    </p:spTree>
-  </p:cSld>
-  <p:clrMapOvr>
-    <a:masterClrMapping/>
-  </p:clrMapOvr>
-</p:sld>
-</file>
-
-<file path=ppt/slides/slide12.xml><?xml version="1.0" encoding="utf-8"?>
-<p:sld xmlns:a="http://schemas.openxmlformats.org/drawingml/2006/main" xmlns:r="http://schemas.openxmlformats.org/officeDocument/2006/relationships" xmlns:p="http://schemas.openxmlformats.org/presentationml/2006/main">
-  <p:cSld>
-    <p:spTree>
-      <p:nvGrpSpPr>
-        <p:cNvPr id="1" name=""/>
-        <p:cNvGrpSpPr/>
-        <p:nvPr/>
-      </p:nvGrpSpPr>
-      <p:grpSpPr>
-        <a:xfrm>
-          <a:off x="0" y="0"/>
-          <a:ext cx="0" cy="0"/>
-          <a:chOff x="0" y="0"/>
-          <a:chExt cx="0" cy="0"/>
-        </a:xfrm>
-      </p:grpSpPr>
-      <p:sp>
-        <p:nvSpPr>
-          <p:cNvPr id="2" name="Title 1"/>
-          <p:cNvSpPr>
-            <a:spLocks noGrp="1"/>
-          </p:cNvSpPr>
-          <p:nvPr>
-            <p:ph type="title"/>
-          </p:nvPr>
-        </p:nvSpPr>
-        <p:spPr/>
-        <p:txBody>
-          <a:bodyPr/>
-          <a:lstStyle/>
-          <a:p>
-            <a:pPr marL="0" lvl="0" indent="0">
-              <a:buNone/>
-            </a:pPr>
-            <a:r>
-              <a:t>Natural Labels</a:t>
-            </a:r>
-          </a:p>
-        </p:txBody>
-      </p:sp>
-      <p:sp>
-        <p:nvSpPr>
-          <p:cNvPr id="3" name="Content Placeholder 2"/>
-          <p:cNvSpPr>
-            <a:spLocks noGrp="1"/>
-          </p:cNvSpPr>
-          <p:nvPr>
-            <p:ph sz="half" idx="1"/>
-          </p:nvPr>
-        </p:nvSpPr>
-        <p:spPr/>
-        <p:txBody>
-          <a:bodyPr>
-            <a:normAutofit fontScale="47500" lnSpcReduction="20000"/>
-          </a:bodyPr>
-          <a:lstStyle/>
-          <a:p>
-            <a:pPr lvl="0"/>
-            <a:r>
-              <a:t>Natural ground truth labels or natural labels occur when the system can automatically evaluate or partially predict.</a:t>
-            </a:r>
-          </a:p>
-          <a:p>
-            <a:pPr lvl="0"/>
-            <a:r>
-              <a:t>Examples: time travelled on a particular route on Google Maps, stock return, etc.</a:t>
-            </a:r>
-          </a:p>
-          <a:p>
-            <a:pPr lvl="0"/>
-            <a:r>
-              <a:t>Natural labels are inexpensive to obtain and motivate many ML projects.</a:t>
-            </a:r>
-          </a:p>
-        </p:txBody>
-      </p:sp>
-      <p:sp>
-        <p:nvSpPr>
-          <p:cNvPr id="4" name="Content Placeholder 3"/>
-          <p:cNvSpPr>
-            <a:spLocks noGrp="1"/>
-          </p:cNvSpPr>
-          <p:nvPr>
-            <p:ph sz="half" idx="2"/>
-          </p:nvPr>
-        </p:nvSpPr>
-        <p:spPr/>
-        <p:txBody>
-          <a:bodyPr>
-            <a:normAutofit fontScale="47500" lnSpcReduction="20000"/>
-          </a:bodyPr>
-          <a:lstStyle/>
-          <a:p>
-            <a:pPr lvl="0"/>
-            <a:r>
-              <a:t>Recommender systems are the prime example of natural labels: we will know if the recommendation was good, if it was acted on.</a:t>
-            </a:r>
-          </a:p>
-          <a:p>
-            <a:pPr lvl="0"/>
-            <a:r>
-              <a:t>Many tasks can be framed as recommendation tasks; for example, predicting an ad’s clickthrough rate can be reframed as recommending the best ads.</a:t>
-            </a:r>
-          </a:p>
-          <a:p>
-            <a:pPr lvl="0"/>
-            <a:r>
-              <a:t>Natural labels that are inferred from user behaviours like clicks and ratings are known as behavioural labels.</a:t>
-            </a:r>
-          </a:p>
-          <a:p>
-            <a:pPr lvl="0"/>
-            <a:r>
-              <a:t>Behavioural labels can be:</a:t>
-            </a:r>
-          </a:p>
-          <a:p>
-            <a:pPr lvl="1"/>
-            <a:r>
-              <a:t>Explicit labels are observed from user behaviour (click, upvote, rating, etc.)</a:t>
-            </a:r>
-          </a:p>
-          <a:p>
-            <a:pPr lvl="1"/>
-            <a:r>
-              <a:t>Implicit labels are inferred by non-behaviour, for example, ads that are not clicked.</a:t>
-            </a:r>
-          </a:p>
-          <a:p>
-            <a:pPr lvl="0"/>
-            <a:r>
-              <a:t>Inferring an implicit label depends on the feedback loop length, which is the time between serving a prediction and the feedback on it provided.</a:t>
-            </a:r>
-          </a:p>
-        </p:txBody>
-      </p:sp>
-      <p:sp>
-        <p:nvSpPr>
-          <p:cNvPr id="5" name="Date Placeholder 4">
-            <a:extLst>
-              <a:ext uri="{FF2B5EF4-FFF2-40B4-BE49-F238E27FC236}">
-                <a16:creationId xmlns:a16="http://schemas.microsoft.com/office/drawing/2014/main" id="{8077387D-3FAC-6348-C1DC-E112C7985DAB}"/>
-              </a:ext>
-            </a:extLst>
-          </p:cNvPr>
-          <p:cNvSpPr>
-            <a:spLocks noGrp="1"/>
-          </p:cNvSpPr>
-          <p:nvPr>
-            <p:ph type="dt" sz="half" idx="10"/>
-          </p:nvPr>
-        </p:nvSpPr>
-        <p:spPr/>
-        <p:txBody>
-          <a:bodyPr/>
-          <a:lstStyle/>
-          <a:p>
-            <a:r>
-              <a:rPr lang="en-CA"/>
-              <a:t>February 2024</a:t>
-            </a:r>
-          </a:p>
-        </p:txBody>
-      </p:sp>
-      <p:sp>
-        <p:nvSpPr>
-          <p:cNvPr id="6" name="Footer Placeholder 5">
-            <a:extLst>
-              <a:ext uri="{FF2B5EF4-FFF2-40B4-BE49-F238E27FC236}">
-                <a16:creationId xmlns:a16="http://schemas.microsoft.com/office/drawing/2014/main" id="{D80205FC-1B6F-D30A-525C-78F50392991F}"/>
-              </a:ext>
-            </a:extLst>
-          </p:cNvPr>
-          <p:cNvSpPr>
-            <a:spLocks noGrp="1"/>
-          </p:cNvSpPr>
-          <p:nvPr>
-            <p:ph type="ftr" sz="quarter" idx="11"/>
-          </p:nvPr>
-        </p:nvSpPr>
-        <p:spPr/>
-        <p:txBody>
-          <a:bodyPr/>
-          <a:lstStyle/>
-          <a:p>
-            <a:r>
-              <a:rPr lang="en-US"/>
-              <a:t>Production 3 - Working with Training Data</a:t>
-            </a:r>
-            <a:endParaRPr lang="en-CA"/>
-          </a:p>
-        </p:txBody>
-      </p:sp>
-      <p:sp>
-        <p:nvSpPr>
-          <p:cNvPr id="7" name="Slide Number Placeholder 6">
-            <a:extLst>
-              <a:ext uri="{FF2B5EF4-FFF2-40B4-BE49-F238E27FC236}">
-                <a16:creationId xmlns:a16="http://schemas.microsoft.com/office/drawing/2014/main" id="{148BDCA9-B97F-B901-72ED-0DB0D285960A}"/>
+                <a16:creationId xmlns:a16="http://schemas.microsoft.com/office/drawing/2014/main" id="{566F9552-1562-9310-28A7-C928A701E9F8}"/>
               </a:ext>
             </a:extLst>
           </p:cNvPr>
@@ -4757,6 +4690,238 @@
               <a:buNone/>
             </a:pPr>
             <a:r>
+              <a:t>Natural Labels</a:t>
+            </a:r>
+          </a:p>
+        </p:txBody>
+      </p:sp>
+      <p:sp>
+        <p:nvSpPr>
+          <p:cNvPr id="3" name="Content Placeholder 2"/>
+          <p:cNvSpPr>
+            <a:spLocks noGrp="1"/>
+          </p:cNvSpPr>
+          <p:nvPr>
+            <p:ph sz="half" idx="1"/>
+          </p:nvPr>
+        </p:nvSpPr>
+        <p:spPr/>
+        <p:txBody>
+          <a:bodyPr>
+            <a:normAutofit fontScale="47500" lnSpcReduction="20000"/>
+          </a:bodyPr>
+          <a:lstStyle/>
+          <a:p>
+            <a:pPr lvl="0"/>
+            <a:r>
+              <a:t>Natural ground truth labels or natural labels occur when the system can automatically evaluate or partially predict.</a:t>
+            </a:r>
+          </a:p>
+          <a:p>
+            <a:pPr lvl="0"/>
+            <a:r>
+              <a:t>Examples: time travelled on a particular route on Google Maps, stock return, etc.</a:t>
+            </a:r>
+          </a:p>
+          <a:p>
+            <a:pPr lvl="0"/>
+            <a:r>
+              <a:t>Natural labels are inexpensive to obtain and motivate many ML projects.</a:t>
+            </a:r>
+          </a:p>
+        </p:txBody>
+      </p:sp>
+      <p:sp>
+        <p:nvSpPr>
+          <p:cNvPr id="4" name="Content Placeholder 3"/>
+          <p:cNvSpPr>
+            <a:spLocks noGrp="1"/>
+          </p:cNvSpPr>
+          <p:nvPr>
+            <p:ph sz="half" idx="2"/>
+          </p:nvPr>
+        </p:nvSpPr>
+        <p:spPr/>
+        <p:txBody>
+          <a:bodyPr>
+            <a:normAutofit fontScale="47500" lnSpcReduction="20000"/>
+          </a:bodyPr>
+          <a:lstStyle/>
+          <a:p>
+            <a:pPr lvl="0"/>
+            <a:r>
+              <a:t>Recommender systems are the prime example of natural labels: we will know if the recommendation was good, if it was acted on.</a:t>
+            </a:r>
+          </a:p>
+          <a:p>
+            <a:pPr lvl="0"/>
+            <a:r>
+              <a:t>Many tasks can be framed as recommendation tasks; for example, predicting an ad’s clickthrough rate can be reframed as recommending the best ads.</a:t>
+            </a:r>
+          </a:p>
+          <a:p>
+            <a:pPr lvl="0"/>
+            <a:r>
+              <a:t>Natural labels that are inferred from user behaviours like clicks and ratings are known as behavioural labels.</a:t>
+            </a:r>
+          </a:p>
+          <a:p>
+            <a:pPr lvl="0"/>
+            <a:r>
+              <a:t>Behavioural labels can be:</a:t>
+            </a:r>
+          </a:p>
+          <a:p>
+            <a:pPr lvl="1"/>
+            <a:r>
+              <a:t>Explicit labels are observed from user behaviour (click, upvote, rating, etc.)</a:t>
+            </a:r>
+          </a:p>
+          <a:p>
+            <a:pPr lvl="1"/>
+            <a:r>
+              <a:t>Implicit labels are inferred by non-behaviour, for example, ads that are not clicked.</a:t>
+            </a:r>
+          </a:p>
+          <a:p>
+            <a:pPr lvl="0"/>
+            <a:r>
+              <a:t>Inferring an implicit label depends on the feedback loop length, which is the time between serving a prediction and the feedback on it provided.</a:t>
+            </a:r>
+          </a:p>
+        </p:txBody>
+      </p:sp>
+      <p:sp>
+        <p:nvSpPr>
+          <p:cNvPr id="5" name="Date Placeholder 4">
+            <a:extLst>
+              <a:ext uri="{FF2B5EF4-FFF2-40B4-BE49-F238E27FC236}">
+                <a16:creationId xmlns:a16="http://schemas.microsoft.com/office/drawing/2014/main" id="{62E0733C-7378-9CE1-7A94-F691A562B74A}"/>
+              </a:ext>
+            </a:extLst>
+          </p:cNvPr>
+          <p:cNvSpPr>
+            <a:spLocks noGrp="1"/>
+          </p:cNvSpPr>
+          <p:nvPr>
+            <p:ph type="dt" sz="half" idx="10"/>
+          </p:nvPr>
+        </p:nvSpPr>
+        <p:spPr/>
+        <p:txBody>
+          <a:bodyPr/>
+          <a:lstStyle/>
+          <a:p>
+            <a:r>
+              <a:rPr lang="en-US"/>
+              <a:t>Februrary 2024</a:t>
+            </a:r>
+            <a:endParaRPr lang="en-CA"/>
+          </a:p>
+        </p:txBody>
+      </p:sp>
+      <p:sp>
+        <p:nvSpPr>
+          <p:cNvPr id="6" name="Footer Placeholder 5">
+            <a:extLst>
+              <a:ext uri="{FF2B5EF4-FFF2-40B4-BE49-F238E27FC236}">
+                <a16:creationId xmlns:a16="http://schemas.microsoft.com/office/drawing/2014/main" id="{45597353-FB7F-6173-4599-2C4F660E8FD9}"/>
+              </a:ext>
+            </a:extLst>
+          </p:cNvPr>
+          <p:cNvSpPr>
+            <a:spLocks noGrp="1"/>
+          </p:cNvSpPr>
+          <p:nvPr>
+            <p:ph type="ftr" sz="quarter" idx="11"/>
+          </p:nvPr>
+        </p:nvSpPr>
+        <p:spPr/>
+        <p:txBody>
+          <a:bodyPr/>
+          <a:lstStyle/>
+          <a:p>
+            <a:r>
+              <a:rPr lang="en-US"/>
+              <a:t>Production 3 - Working with Training Data</a:t>
+            </a:r>
+            <a:endParaRPr lang="en-CA"/>
+          </a:p>
+        </p:txBody>
+      </p:sp>
+      <p:sp>
+        <p:nvSpPr>
+          <p:cNvPr id="7" name="Slide Number Placeholder 6">
+            <a:extLst>
+              <a:ext uri="{FF2B5EF4-FFF2-40B4-BE49-F238E27FC236}">
+                <a16:creationId xmlns:a16="http://schemas.microsoft.com/office/drawing/2014/main" id="{486F73F3-1434-BF78-0CC6-50099BF7EF31}"/>
+              </a:ext>
+            </a:extLst>
+          </p:cNvPr>
+          <p:cNvSpPr>
+            <a:spLocks noGrp="1"/>
+          </p:cNvSpPr>
+          <p:nvPr>
+            <p:ph type="sldNum" sz="quarter" idx="12"/>
+          </p:nvPr>
+        </p:nvSpPr>
+        <p:spPr/>
+        <p:txBody>
+          <a:bodyPr/>
+          <a:lstStyle/>
+          <a:p>
+            <a:fld id="{4F4BDF5D-830C-4829-B676-EE421164B1C8}" type="slidenum">
+              <a:rPr lang="en-CA" smtClean="0"/>
+              <a:t>13</a:t>
+            </a:fld>
+            <a:endParaRPr lang="en-CA"/>
+          </a:p>
+        </p:txBody>
+      </p:sp>
+    </p:spTree>
+  </p:cSld>
+  <p:clrMapOvr>
+    <a:masterClrMapping/>
+  </p:clrMapOvr>
+</p:sld>
+</file>
+
+<file path=ppt/slides/slide14.xml><?xml version="1.0" encoding="utf-8"?>
+<p:sld xmlns:a="http://schemas.openxmlformats.org/drawingml/2006/main" xmlns:r="http://schemas.openxmlformats.org/officeDocument/2006/relationships" xmlns:p="http://schemas.openxmlformats.org/presentationml/2006/main">
+  <p:cSld>
+    <p:spTree>
+      <p:nvGrpSpPr>
+        <p:cNvPr id="1" name=""/>
+        <p:cNvGrpSpPr/>
+        <p:nvPr/>
+      </p:nvGrpSpPr>
+      <p:grpSpPr>
+        <a:xfrm>
+          <a:off x="0" y="0"/>
+          <a:ext cx="0" cy="0"/>
+          <a:chOff x="0" y="0"/>
+          <a:chExt cx="0" cy="0"/>
+        </a:xfrm>
+      </p:grpSpPr>
+      <p:sp>
+        <p:nvSpPr>
+          <p:cNvPr id="2" name="Title 1"/>
+          <p:cNvSpPr>
+            <a:spLocks noGrp="1"/>
+          </p:cNvSpPr>
+          <p:nvPr>
+            <p:ph type="title"/>
+          </p:nvPr>
+        </p:nvSpPr>
+        <p:spPr/>
+        <p:txBody>
+          <a:bodyPr/>
+          <a:lstStyle/>
+          <a:p>
+            <a:pPr marL="0" lvl="0" indent="0">
+              <a:buNone/>
+            </a:pPr>
+            <a:r>
               <a:t>Handling the Lack of Labels</a:t>
             </a:r>
           </a:p>
@@ -4770,11 +4935,16 @@
           </p:cNvGraphicFramePr>
           <p:nvPr>
             <p:ph idx="1"/>
+            <p:extLst>
+              <p:ext uri="{D42A27DB-BD31-4B8C-83A1-F6EECF244321}">
+                <p14:modId xmlns:p14="http://schemas.microsoft.com/office/powerpoint/2010/main" val="1689003696"/>
+              </p:ext>
+            </p:extLst>
           </p:nvPr>
         </p:nvGraphicFramePr>
         <p:xfrm>
-          <a:off x="673100" y="2006600"/>
-          <a:ext cx="10744200" cy="3759200"/>
+          <a:off x="673100" y="2016125"/>
+          <a:ext cx="10744200" cy="4297680"/>
         </p:xfrm>
         <a:graphic>
           <a:graphicData uri="http://schemas.openxmlformats.org/drawingml/2006/table">
@@ -4805,7 +4975,7 @@
                   </a:extLst>
                 </a:gridCol>
               </a:tblGrid>
-              <a:tr h="0">
+              <a:tr h="268591">
                 <a:tc>
                   <a:txBody>
                     <a:bodyPr/>
@@ -4857,7 +5027,7 @@
                   </a:ext>
                 </a:extLst>
               </a:tr>
-              <a:tr h="0">
+              <a:tr h="671479">
                 <a:tc>
                   <a:txBody>
                     <a:bodyPr/>
@@ -4909,7 +5079,7 @@
                   </a:ext>
                 </a:extLst>
               </a:tr>
-              <a:tr h="0">
+              <a:tr h="470035">
                 <a:tc>
                   <a:txBody>
                     <a:bodyPr/>
@@ -4961,7 +5131,7 @@
                   </a:ext>
                 </a:extLst>
               </a:tr>
-              <a:tr h="0">
+              <a:tr h="1275810">
                 <a:tc>
                   <a:txBody>
                     <a:bodyPr/>
@@ -5001,6 +5171,7 @@
                         <a:buNone/>
                       </a:pPr>
                       <a:r>
+                        <a:rPr dirty="0"/>
                         <a:t>No for zero-shot learning. Yes for fine-tuning, though the number of ground truths required is often much smaller than what would be needed if you train the model from scratch</a:t>
                       </a:r>
                     </a:p>
@@ -5013,7 +5184,7 @@
                   </a:ext>
                 </a:extLst>
               </a:tr>
-              <a:tr h="0">
+              <a:tr h="470035">
                 <a:tc>
                   <a:txBody>
                     <a:bodyPr/>
@@ -5053,6 +5224,7 @@
                         <a:buNone/>
                       </a:pPr>
                       <a:r>
+                        <a:rPr dirty="0"/>
                         <a:t>Yes</a:t>
                       </a:r>
                     </a:p>
@@ -5074,7 +5246,7 @@
           <p:cNvPr id="3" name="Date Placeholder 2">
             <a:extLst>
               <a:ext uri="{FF2B5EF4-FFF2-40B4-BE49-F238E27FC236}">
-                <a16:creationId xmlns:a16="http://schemas.microsoft.com/office/drawing/2014/main" id="{EE92D0C9-20E6-BC50-C601-38248C12B4CB}"/>
+                <a16:creationId xmlns:a16="http://schemas.microsoft.com/office/drawing/2014/main" id="{8C3AA6F2-A396-0858-D1C3-8F69A2755B0A}"/>
               </a:ext>
             </a:extLst>
           </p:cNvPr>
@@ -5091,9 +5263,10 @@
           <a:lstStyle/>
           <a:p>
             <a:r>
-              <a:rPr lang="en-CA"/>
-              <a:t>February 2024</a:t>
-            </a:r>
+              <a:rPr lang="en-US"/>
+              <a:t>Februrary 2024</a:t>
+            </a:r>
+            <a:endParaRPr lang="en-CA"/>
           </a:p>
         </p:txBody>
       </p:sp>
@@ -5102,7 +5275,7 @@
           <p:cNvPr id="4" name="Footer Placeholder 3">
             <a:extLst>
               <a:ext uri="{FF2B5EF4-FFF2-40B4-BE49-F238E27FC236}">
-                <a16:creationId xmlns:a16="http://schemas.microsoft.com/office/drawing/2014/main" id="{42AC1EBE-697C-01CF-0450-6AE499819260}"/>
+                <a16:creationId xmlns:a16="http://schemas.microsoft.com/office/drawing/2014/main" id="{BC37F507-B166-630B-EE3C-1E12A04ED73F}"/>
               </a:ext>
             </a:extLst>
           </p:cNvPr>
@@ -5131,7 +5304,7 @@
           <p:cNvPr id="5" name="Slide Number Placeholder 4">
             <a:extLst>
               <a:ext uri="{FF2B5EF4-FFF2-40B4-BE49-F238E27FC236}">
-                <a16:creationId xmlns:a16="http://schemas.microsoft.com/office/drawing/2014/main" id="{8256A261-4EA6-9612-296C-DB734C615ADD}"/>
+                <a16:creationId xmlns:a16="http://schemas.microsoft.com/office/drawing/2014/main" id="{161F9DE5-2D77-889C-9ED1-B9FC924B02A3}"/>
               </a:ext>
             </a:extLst>
           </p:cNvPr>
@@ -5149,7 +5322,7 @@
           <a:p>
             <a:fld id="{4F4BDF5D-830C-4829-B676-EE421164B1C8}" type="slidenum">
               <a:rPr lang="en-CA" smtClean="0"/>
-              <a:t>13</a:t>
+              <a:t>14</a:t>
             </a:fld>
             <a:endParaRPr lang="en-CA"/>
           </a:p>
@@ -5163,7 +5336,7 @@
 </p:sld>
 </file>
 
-<file path=ppt/slides/slide14.xml><?xml version="1.0" encoding="utf-8"?>
+<file path=ppt/slides/slide15.xml><?xml version="1.0" encoding="utf-8"?>
 <p:sld xmlns:a="http://schemas.openxmlformats.org/drawingml/2006/main" xmlns:r="http://schemas.openxmlformats.org/officeDocument/2006/relationships" xmlns:p="http://schemas.openxmlformats.org/presentationml/2006/main">
   <p:cSld>
     <p:spTree>
@@ -5334,7 +5507,7 @@
           <p:cNvPr id="6" name="Date Placeholder 5">
             <a:extLst>
               <a:ext uri="{FF2B5EF4-FFF2-40B4-BE49-F238E27FC236}">
-                <a16:creationId xmlns:a16="http://schemas.microsoft.com/office/drawing/2014/main" id="{C76A37E4-5718-CC8A-1EDD-A4CFCCD78E38}"/>
+                <a16:creationId xmlns:a16="http://schemas.microsoft.com/office/drawing/2014/main" id="{ED828932-EFFB-9579-CB28-6ACA9BC5A5E0}"/>
               </a:ext>
             </a:extLst>
           </p:cNvPr>
@@ -5351,9 +5524,10 @@
           <a:lstStyle/>
           <a:p>
             <a:r>
-              <a:rPr lang="en-CA"/>
-              <a:t>February 2024</a:t>
-            </a:r>
+              <a:rPr lang="en-US"/>
+              <a:t>Februrary 2024</a:t>
+            </a:r>
+            <a:endParaRPr lang="en-CA"/>
           </a:p>
         </p:txBody>
       </p:sp>
@@ -5362,7 +5536,7 @@
           <p:cNvPr id="7" name="Footer Placeholder 6">
             <a:extLst>
               <a:ext uri="{FF2B5EF4-FFF2-40B4-BE49-F238E27FC236}">
-                <a16:creationId xmlns:a16="http://schemas.microsoft.com/office/drawing/2014/main" id="{7A95004C-D4D0-B904-CE65-2672D4B0BC17}"/>
+                <a16:creationId xmlns:a16="http://schemas.microsoft.com/office/drawing/2014/main" id="{6FFA8DD4-AB7E-A2F3-3322-510336AC0BC4}"/>
               </a:ext>
             </a:extLst>
           </p:cNvPr>
@@ -5391,250 +5565,7 @@
           <p:cNvPr id="8" name="Slide Number Placeholder 7">
             <a:extLst>
               <a:ext uri="{FF2B5EF4-FFF2-40B4-BE49-F238E27FC236}">
-                <a16:creationId xmlns:a16="http://schemas.microsoft.com/office/drawing/2014/main" id="{BB448C77-039C-E3A9-18CF-CB23182CE237}"/>
-              </a:ext>
-            </a:extLst>
-          </p:cNvPr>
-          <p:cNvSpPr>
-            <a:spLocks noGrp="1"/>
-          </p:cNvSpPr>
-          <p:nvPr>
-            <p:ph type="sldNum" sz="quarter" idx="12"/>
-          </p:nvPr>
-        </p:nvSpPr>
-        <p:spPr/>
-        <p:txBody>
-          <a:bodyPr/>
-          <a:lstStyle/>
-          <a:p>
-            <a:fld id="{4F4BDF5D-830C-4829-B676-EE421164B1C8}" type="slidenum">
-              <a:rPr lang="en-CA" smtClean="0"/>
-              <a:t>14</a:t>
-            </a:fld>
-            <a:endParaRPr lang="en-CA"/>
-          </a:p>
-        </p:txBody>
-      </p:sp>
-    </p:spTree>
-  </p:cSld>
-  <p:clrMapOvr>
-    <a:masterClrMapping/>
-  </p:clrMapOvr>
-</p:sld>
-</file>
-
-<file path=ppt/slides/slide15.xml><?xml version="1.0" encoding="utf-8"?>
-<p:sld xmlns:a="http://schemas.openxmlformats.org/drawingml/2006/main" xmlns:r="http://schemas.openxmlformats.org/officeDocument/2006/relationships" xmlns:p="http://schemas.openxmlformats.org/presentationml/2006/main">
-  <p:cSld>
-    <p:spTree>
-      <p:nvGrpSpPr>
-        <p:cNvPr id="1" name=""/>
-        <p:cNvGrpSpPr/>
-        <p:nvPr/>
-      </p:nvGrpSpPr>
-      <p:grpSpPr>
-        <a:xfrm>
-          <a:off x="0" y="0"/>
-          <a:ext cx="0" cy="0"/>
-          <a:chOff x="0" y="0"/>
-          <a:chExt cx="0" cy="0"/>
-        </a:xfrm>
-      </p:grpSpPr>
-      <p:sp>
-        <p:nvSpPr>
-          <p:cNvPr id="2" name="Title 1"/>
-          <p:cNvSpPr>
-            <a:spLocks noGrp="1"/>
-          </p:cNvSpPr>
-          <p:nvPr>
-            <p:ph type="title"/>
-          </p:nvPr>
-        </p:nvSpPr>
-        <p:spPr/>
-        <p:txBody>
-          <a:bodyPr/>
-          <a:lstStyle/>
-          <a:p>
-            <a:pPr marL="0" lvl="0" indent="0">
-              <a:buNone/>
-            </a:pPr>
-            <a:r>
-              <a:t>Semi-Supervision</a:t>
-            </a:r>
-          </a:p>
-        </p:txBody>
-      </p:sp>
-      <p:sp>
-        <p:nvSpPr>
-          <p:cNvPr id="3" name="Content Placeholder 2"/>
-          <p:cNvSpPr>
-            <a:spLocks noGrp="1"/>
-          </p:cNvSpPr>
-          <p:nvPr>
-            <p:ph sz="half" idx="1"/>
-          </p:nvPr>
-        </p:nvSpPr>
-        <p:spPr/>
-        <p:txBody>
-          <a:bodyPr>
-            <a:normAutofit fontScale="77500" lnSpcReduction="20000"/>
-          </a:bodyPr>
-          <a:lstStyle/>
-          <a:p>
-            <a:pPr lvl="0"/>
-            <a:r>
-              <a:t>Leverages structural assumptions to generate new labels based on a small set of initial labels.</a:t>
-            </a:r>
-          </a:p>
-          <a:p>
-            <a:pPr lvl="0"/>
-            <a:r>
-              <a:t>Useful when the number of labels is limited.</a:t>
-            </a:r>
-          </a:p>
-          <a:p>
-            <a:pPr lvl="0"/>
-            <a:r>
-              <a:t>Approach 1: self-training.</a:t>
-            </a:r>
-          </a:p>
-          <a:p>
-            <a:pPr lvl="1"/>
-            <a:r>
-              <a:t>Train a model on an existing set of labelled data.</a:t>
-            </a:r>
-          </a:p>
-          <a:p>
-            <a:pPr lvl="1"/>
-            <a:r>
-              <a:t>Make predictions for unlabeled samples; keep only the ones with high raw probability scores.4</a:t>
-            </a:r>
-          </a:p>
-          <a:p>
-            <a:pPr lvl="1"/>
-            <a:r>
-              <a:t>Train a new model on an expanded set of labels.</a:t>
-            </a:r>
-          </a:p>
-        </p:txBody>
-      </p:sp>
-      <p:sp>
-        <p:nvSpPr>
-          <p:cNvPr id="4" name="Content Placeholder 3"/>
-          <p:cNvSpPr>
-            <a:spLocks noGrp="1"/>
-          </p:cNvSpPr>
-          <p:nvPr>
-            <p:ph sz="half" idx="2"/>
-          </p:nvPr>
-        </p:nvSpPr>
-        <p:spPr/>
-        <p:txBody>
-          <a:bodyPr>
-            <a:normAutofit fontScale="77500" lnSpcReduction="20000"/>
-          </a:bodyPr>
-          <a:lstStyle/>
-          <a:p>
-            <a:pPr lvl="0"/>
-            <a:r>
-              <a:t>Approach 2: similarity.</a:t>
-            </a:r>
-          </a:p>
-          <a:p>
-            <a:pPr lvl="1"/>
-            <a:r>
-              <a:t>Assume that data samples that share similar characteristics share the same labels.</a:t>
-            </a:r>
-          </a:p>
-          <a:p>
-            <a:pPr lvl="1"/>
-            <a:r>
-              <a:t>Similarity is established by more complex methods (clustering, k-nn, etc.)</a:t>
-            </a:r>
-          </a:p>
-          <a:p>
-            <a:pPr lvl="0"/>
-            <a:r>
-              <a:t>Approach 3: perturbation.</a:t>
-            </a:r>
-          </a:p>
-          <a:p>
-            <a:pPr lvl="1"/>
-            <a:r>
-              <a:t>Assume that small perturbations to a sample do not change its label.</a:t>
-            </a:r>
-          </a:p>
-          <a:p>
-            <a:pPr lvl="1"/>
-            <a:r>
-              <a:t>Apply small perturbations to your training instances to obtain new training instances.</a:t>
-            </a:r>
-          </a:p>
-        </p:txBody>
-      </p:sp>
-      <p:sp>
-        <p:nvSpPr>
-          <p:cNvPr id="5" name="Date Placeholder 4">
-            <a:extLst>
-              <a:ext uri="{FF2B5EF4-FFF2-40B4-BE49-F238E27FC236}">
-                <a16:creationId xmlns:a16="http://schemas.microsoft.com/office/drawing/2014/main" id="{92A95D90-F446-3E14-D212-9962A31F665F}"/>
-              </a:ext>
-            </a:extLst>
-          </p:cNvPr>
-          <p:cNvSpPr>
-            <a:spLocks noGrp="1"/>
-          </p:cNvSpPr>
-          <p:nvPr>
-            <p:ph type="dt" sz="half" idx="10"/>
-          </p:nvPr>
-        </p:nvSpPr>
-        <p:spPr/>
-        <p:txBody>
-          <a:bodyPr/>
-          <a:lstStyle/>
-          <a:p>
-            <a:r>
-              <a:rPr lang="en-CA"/>
-              <a:t>February 2024</a:t>
-            </a:r>
-          </a:p>
-        </p:txBody>
-      </p:sp>
-      <p:sp>
-        <p:nvSpPr>
-          <p:cNvPr id="6" name="Footer Placeholder 5">
-            <a:extLst>
-              <a:ext uri="{FF2B5EF4-FFF2-40B4-BE49-F238E27FC236}">
-                <a16:creationId xmlns:a16="http://schemas.microsoft.com/office/drawing/2014/main" id="{636A0A13-7801-B484-CBF9-42E58AD395EE}"/>
-              </a:ext>
-            </a:extLst>
-          </p:cNvPr>
-          <p:cNvSpPr>
-            <a:spLocks noGrp="1"/>
-          </p:cNvSpPr>
-          <p:nvPr>
-            <p:ph type="ftr" sz="quarter" idx="11"/>
-          </p:nvPr>
-        </p:nvSpPr>
-        <p:spPr/>
-        <p:txBody>
-          <a:bodyPr/>
-          <a:lstStyle/>
-          <a:p>
-            <a:r>
-              <a:rPr lang="en-US"/>
-              <a:t>Production 3 - Working with Training Data</a:t>
-            </a:r>
-            <a:endParaRPr lang="en-CA"/>
-          </a:p>
-        </p:txBody>
-      </p:sp>
-      <p:sp>
-        <p:nvSpPr>
-          <p:cNvPr id="7" name="Slide Number Placeholder 6">
-            <a:extLst>
-              <a:ext uri="{FF2B5EF4-FFF2-40B4-BE49-F238E27FC236}">
-                <a16:creationId xmlns:a16="http://schemas.microsoft.com/office/drawing/2014/main" id="{18B54A58-7508-3E7D-A82C-B10C07DC32F8}"/>
+                <a16:creationId xmlns:a16="http://schemas.microsoft.com/office/drawing/2014/main" id="{A2FFE1EB-B81A-58BF-66EB-3FB9BD83F0FD}"/>
               </a:ext>
             </a:extLst>
           </p:cNvPr>
@@ -5693,12 +5624,7 @@
             <p:ph type="title"/>
           </p:nvPr>
         </p:nvSpPr>
-        <p:spPr>
-          <a:xfrm>
-            <a:off x="603504" y="767419"/>
-            <a:ext cx="10780776" cy="3355848"/>
-          </a:xfrm>
-        </p:spPr>
+        <p:spPr/>
         <p:txBody>
           <a:bodyPr/>
           <a:lstStyle/>
@@ -5707,17 +5633,125 @@
               <a:buNone/>
             </a:pPr>
             <a:r>
-              <a:t>Class Imbalance</a:t>
-            </a:r>
-          </a:p>
-        </p:txBody>
-      </p:sp>
-      <p:sp>
-        <p:nvSpPr>
-          <p:cNvPr id="3" name="Date Placeholder 2">
+              <a:t>Semi-Supervision</a:t>
+            </a:r>
+          </a:p>
+        </p:txBody>
+      </p:sp>
+      <p:sp>
+        <p:nvSpPr>
+          <p:cNvPr id="3" name="Content Placeholder 2"/>
+          <p:cNvSpPr>
+            <a:spLocks noGrp="1"/>
+          </p:cNvSpPr>
+          <p:nvPr>
+            <p:ph sz="half" idx="1"/>
+          </p:nvPr>
+        </p:nvSpPr>
+        <p:spPr/>
+        <p:txBody>
+          <a:bodyPr>
+            <a:normAutofit fontScale="77500" lnSpcReduction="20000"/>
+          </a:bodyPr>
+          <a:lstStyle/>
+          <a:p>
+            <a:pPr lvl="0"/>
+            <a:r>
+              <a:t>Leverages structural assumptions to generate new labels based on a small set of initial labels.</a:t>
+            </a:r>
+          </a:p>
+          <a:p>
+            <a:pPr lvl="0"/>
+            <a:r>
+              <a:t>Useful when the number of labels is limited.</a:t>
+            </a:r>
+          </a:p>
+          <a:p>
+            <a:pPr lvl="0"/>
+            <a:r>
+              <a:t>Approach 1: self-training.</a:t>
+            </a:r>
+          </a:p>
+          <a:p>
+            <a:pPr lvl="1"/>
+            <a:r>
+              <a:t>Train a model on an existing set of labelled data.</a:t>
+            </a:r>
+          </a:p>
+          <a:p>
+            <a:pPr lvl="1"/>
+            <a:r>
+              <a:t>Make predictions for unlabeled samples; keep only the ones with high raw probability scores.4</a:t>
+            </a:r>
+          </a:p>
+          <a:p>
+            <a:pPr lvl="1"/>
+            <a:r>
+              <a:t>Train a new model on an expanded set of labels.</a:t>
+            </a:r>
+          </a:p>
+        </p:txBody>
+      </p:sp>
+      <p:sp>
+        <p:nvSpPr>
+          <p:cNvPr id="4" name="Content Placeholder 3"/>
+          <p:cNvSpPr>
+            <a:spLocks noGrp="1"/>
+          </p:cNvSpPr>
+          <p:nvPr>
+            <p:ph sz="half" idx="2"/>
+          </p:nvPr>
+        </p:nvSpPr>
+        <p:spPr/>
+        <p:txBody>
+          <a:bodyPr>
+            <a:normAutofit fontScale="77500" lnSpcReduction="20000"/>
+          </a:bodyPr>
+          <a:lstStyle/>
+          <a:p>
+            <a:pPr lvl="0"/>
+            <a:r>
+              <a:t>Approach 2: similarity.</a:t>
+            </a:r>
+          </a:p>
+          <a:p>
+            <a:pPr lvl="1"/>
+            <a:r>
+              <a:t>Assume that data samples that share similar characteristics share the same labels.</a:t>
+            </a:r>
+          </a:p>
+          <a:p>
+            <a:pPr lvl="1"/>
+            <a:r>
+              <a:t>Similarity is established by more complex methods (clustering, k-nn, etc.)</a:t>
+            </a:r>
+          </a:p>
+          <a:p>
+            <a:pPr lvl="0"/>
+            <a:r>
+              <a:t>Approach 3: perturbation.</a:t>
+            </a:r>
+          </a:p>
+          <a:p>
+            <a:pPr lvl="1"/>
+            <a:r>
+              <a:t>Assume that small perturbations to a sample do not change its label.</a:t>
+            </a:r>
+          </a:p>
+          <a:p>
+            <a:pPr lvl="1"/>
+            <a:r>
+              <a:t>Apply small perturbations to your training instances to obtain new training instances.</a:t>
+            </a:r>
+          </a:p>
+        </p:txBody>
+      </p:sp>
+      <p:sp>
+        <p:nvSpPr>
+          <p:cNvPr id="5" name="Date Placeholder 4">
             <a:extLst>
               <a:ext uri="{FF2B5EF4-FFF2-40B4-BE49-F238E27FC236}">
-                <a16:creationId xmlns:a16="http://schemas.microsoft.com/office/drawing/2014/main" id="{2135ED78-FB71-9CC8-0C10-990B5009B9C8}"/>
+                <a16:creationId xmlns:a16="http://schemas.microsoft.com/office/drawing/2014/main" id="{E1D5C558-6841-1B34-31BB-FCD7A9AD7D17}"/>
               </a:ext>
             </a:extLst>
           </p:cNvPr>
@@ -5734,18 +5768,19 @@
           <a:lstStyle/>
           <a:p>
             <a:r>
-              <a:rPr lang="en-CA"/>
-              <a:t>February 2024</a:t>
-            </a:r>
-          </a:p>
-        </p:txBody>
-      </p:sp>
-      <p:sp>
-        <p:nvSpPr>
-          <p:cNvPr id="4" name="Footer Placeholder 3">
+              <a:rPr lang="en-US"/>
+              <a:t>Februrary 2024</a:t>
+            </a:r>
+            <a:endParaRPr lang="en-CA"/>
+          </a:p>
+        </p:txBody>
+      </p:sp>
+      <p:sp>
+        <p:nvSpPr>
+          <p:cNvPr id="6" name="Footer Placeholder 5">
             <a:extLst>
               <a:ext uri="{FF2B5EF4-FFF2-40B4-BE49-F238E27FC236}">
-                <a16:creationId xmlns:a16="http://schemas.microsoft.com/office/drawing/2014/main" id="{9F8D8373-5D42-6978-FC11-32897282EB64}"/>
+                <a16:creationId xmlns:a16="http://schemas.microsoft.com/office/drawing/2014/main" id="{DADC41A2-803D-D11F-7EA8-A345A56B7710}"/>
               </a:ext>
             </a:extLst>
           </p:cNvPr>
@@ -5771,10 +5806,10 @@
       </p:sp>
       <p:sp>
         <p:nvSpPr>
-          <p:cNvPr id="5" name="Slide Number Placeholder 4">
+          <p:cNvPr id="7" name="Slide Number Placeholder 6">
             <a:extLst>
               <a:ext uri="{FF2B5EF4-FFF2-40B4-BE49-F238E27FC236}">
-                <a16:creationId xmlns:a16="http://schemas.microsoft.com/office/drawing/2014/main" id="{3B4C106E-A590-BBB1-DE89-5D27A6F465C6}"/>
+                <a16:creationId xmlns:a16="http://schemas.microsoft.com/office/drawing/2014/main" id="{76892A2A-8603-5699-A0BE-15380D6138FE}"/>
               </a:ext>
             </a:extLst>
           </p:cNvPr>
@@ -5833,7 +5868,12 @@
             <p:ph type="title"/>
           </p:nvPr>
         </p:nvSpPr>
-        <p:spPr/>
+        <p:spPr>
+          <a:xfrm>
+            <a:off x="603504" y="767419"/>
+            <a:ext cx="10780776" cy="3355848"/>
+          </a:xfrm>
+        </p:spPr>
         <p:txBody>
           <a:bodyPr/>
           <a:lstStyle/>
@@ -5842,107 +5882,17 @@
               <a:buNone/>
             </a:pPr>
             <a:r>
-              <a:t>What is Class Imbalance?</a:t>
-            </a:r>
-          </a:p>
-        </p:txBody>
-      </p:sp>
-      <p:sp>
-        <p:nvSpPr>
-          <p:cNvPr id="3" name="Content Placeholder 2"/>
-          <p:cNvSpPr>
-            <a:spLocks noGrp="1"/>
-          </p:cNvSpPr>
-          <p:nvPr>
-            <p:ph idx="1"/>
-          </p:nvPr>
-        </p:nvSpPr>
-        <p:spPr/>
-        <p:txBody>
-          <a:bodyPr>
-            <a:normAutofit fontScale="92500" lnSpcReduction="10000"/>
-          </a:bodyPr>
-          <a:lstStyle/>
-          <a:p>
-            <a:pPr lvl="0"/>
-            <a:r>
-              <a:t>Class imbalance occurs when one or more classes have significantly lower proportions in the data than other classes.</a:t>
-            </a:r>
-          </a:p>
-          <a:p>
-            <a:pPr lvl="0"/>
-            <a:r>
-              <a:t>The majority class dominates, but interest is generally in the minority class (e.g., default, fraud, or market crash).</a:t>
-            </a:r>
-          </a:p>
-          <a:p>
-            <a:pPr lvl="0"/>
-            <a:r>
-              <a:t>Models trained on imbalanced data will tend to be under-fitted; they will not be able to classify the minority class successfully.</a:t>
-            </a:r>
-          </a:p>
-          <a:p>
-            <a:pPr lvl="0"/>
-            <a:r>
-              <a:t>ML (particularly deep learning) works well when the class distribution is balanced. At the same time, performance decreases with class imbalance because:</a:t>
-            </a:r>
-          </a:p>
-          <a:p>
-            <a:pPr lvl="1"/>
-            <a:r>
-              <a:t>There is insufficient signal for the model to learn to detect the minority class.</a:t>
-            </a:r>
-          </a:p>
-          <a:p>
-            <a:pPr lvl="1"/>
-            <a:r>
-              <a:t>It is easier for a model to find a suboptimal solution by exploiting a simple heuristic instead of learning anything useful about the underlying pattern.</a:t>
-            </a:r>
-          </a:p>
-          <a:p>
-            <a:pPr lvl="1"/>
-            <a:r>
-              <a:t>Asymmetric costs of error.</a:t>
-            </a:r>
-          </a:p>
-          <a:p>
-            <a:pPr lvl="0"/>
-            <a:r>
-              <a:t>Class imbalance is the norm in many subject domains.</a:t>
-            </a:r>
-          </a:p>
-          <a:p>
-            <a:pPr lvl="0"/>
-            <a:r>
-              <a:t>To handle class imbalance:</a:t>
-            </a:r>
-          </a:p>
-          <a:p>
-            <a:pPr lvl="1"/>
-            <a:r>
-              <a:t>Choose the right performance metric.</a:t>
-            </a:r>
-          </a:p>
-          <a:p>
-            <a:pPr lvl="1"/>
-            <a:r>
-              <a:t>Data-level methods: change the data distribution to reduce the imbalance.</a:t>
-            </a:r>
-          </a:p>
-          <a:p>
-            <a:pPr lvl="1"/>
-            <a:r>
-              <a:t>Algorithm level methods: change the learning method to make it more robust to class imbalance.</a:t>
-            </a:r>
-          </a:p>
-        </p:txBody>
-      </p:sp>
-      <p:sp>
-        <p:nvSpPr>
-          <p:cNvPr id="4" name="Date Placeholder 3">
+              <a:t>Class Imbalance</a:t>
+            </a:r>
+          </a:p>
+        </p:txBody>
+      </p:sp>
+      <p:sp>
+        <p:nvSpPr>
+          <p:cNvPr id="3" name="Date Placeholder 2">
             <a:extLst>
               <a:ext uri="{FF2B5EF4-FFF2-40B4-BE49-F238E27FC236}">
-                <a16:creationId xmlns:a16="http://schemas.microsoft.com/office/drawing/2014/main" id="{3B4AB5D3-FB17-F145-43D9-F22C9F4FEB20}"/>
+                <a16:creationId xmlns:a16="http://schemas.microsoft.com/office/drawing/2014/main" id="{E763B640-4B9C-C42F-F739-94D79C7D4BAA}"/>
               </a:ext>
             </a:extLst>
           </p:cNvPr>
@@ -5959,18 +5909,19 @@
           <a:lstStyle/>
           <a:p>
             <a:r>
-              <a:rPr lang="en-CA"/>
-              <a:t>February 2024</a:t>
-            </a:r>
-          </a:p>
-        </p:txBody>
-      </p:sp>
-      <p:sp>
-        <p:nvSpPr>
-          <p:cNvPr id="5" name="Footer Placeholder 4">
+              <a:rPr lang="en-US"/>
+              <a:t>Februrary 2024</a:t>
+            </a:r>
+            <a:endParaRPr lang="en-CA"/>
+          </a:p>
+        </p:txBody>
+      </p:sp>
+      <p:sp>
+        <p:nvSpPr>
+          <p:cNvPr id="4" name="Footer Placeholder 3">
             <a:extLst>
               <a:ext uri="{FF2B5EF4-FFF2-40B4-BE49-F238E27FC236}">
-                <a16:creationId xmlns:a16="http://schemas.microsoft.com/office/drawing/2014/main" id="{508DD255-53EC-8A1B-016A-F5E4112B468C}"/>
+                <a16:creationId xmlns:a16="http://schemas.microsoft.com/office/drawing/2014/main" id="{78CDAFB0-9013-D3D6-1CC0-9477C3ACD214}"/>
               </a:ext>
             </a:extLst>
           </p:cNvPr>
@@ -5996,10 +5947,10 @@
       </p:sp>
       <p:sp>
         <p:nvSpPr>
-          <p:cNvPr id="6" name="Slide Number Placeholder 5">
+          <p:cNvPr id="5" name="Slide Number Placeholder 4">
             <a:extLst>
               <a:ext uri="{FF2B5EF4-FFF2-40B4-BE49-F238E27FC236}">
-                <a16:creationId xmlns:a16="http://schemas.microsoft.com/office/drawing/2014/main" id="{3EFB33B9-7DF6-9723-62D8-549AFB1F4D9E}"/>
+                <a16:creationId xmlns:a16="http://schemas.microsoft.com/office/drawing/2014/main" id="{2B19B7F4-CBFE-DF99-3195-6CD0972F087F}"/>
               </a:ext>
             </a:extLst>
           </p:cNvPr>
@@ -6032,6 +5983,232 @@
 </file>
 
 <file path=ppt/slides/slide18.xml><?xml version="1.0" encoding="utf-8"?>
+<p:sld xmlns:a="http://schemas.openxmlformats.org/drawingml/2006/main" xmlns:r="http://schemas.openxmlformats.org/officeDocument/2006/relationships" xmlns:p="http://schemas.openxmlformats.org/presentationml/2006/main">
+  <p:cSld>
+    <p:spTree>
+      <p:nvGrpSpPr>
+        <p:cNvPr id="1" name=""/>
+        <p:cNvGrpSpPr/>
+        <p:nvPr/>
+      </p:nvGrpSpPr>
+      <p:grpSpPr>
+        <a:xfrm>
+          <a:off x="0" y="0"/>
+          <a:ext cx="0" cy="0"/>
+          <a:chOff x="0" y="0"/>
+          <a:chExt cx="0" cy="0"/>
+        </a:xfrm>
+      </p:grpSpPr>
+      <p:sp>
+        <p:nvSpPr>
+          <p:cNvPr id="2" name="Title 1"/>
+          <p:cNvSpPr>
+            <a:spLocks noGrp="1"/>
+          </p:cNvSpPr>
+          <p:nvPr>
+            <p:ph type="title"/>
+          </p:nvPr>
+        </p:nvSpPr>
+        <p:spPr/>
+        <p:txBody>
+          <a:bodyPr/>
+          <a:lstStyle/>
+          <a:p>
+            <a:pPr marL="0" lvl="0" indent="0">
+              <a:buNone/>
+            </a:pPr>
+            <a:r>
+              <a:t>What is Class Imbalance?</a:t>
+            </a:r>
+          </a:p>
+        </p:txBody>
+      </p:sp>
+      <p:sp>
+        <p:nvSpPr>
+          <p:cNvPr id="3" name="Content Placeholder 2"/>
+          <p:cNvSpPr>
+            <a:spLocks noGrp="1"/>
+          </p:cNvSpPr>
+          <p:nvPr>
+            <p:ph idx="1"/>
+          </p:nvPr>
+        </p:nvSpPr>
+        <p:spPr/>
+        <p:txBody>
+          <a:bodyPr>
+            <a:normAutofit fontScale="92500" lnSpcReduction="10000"/>
+          </a:bodyPr>
+          <a:lstStyle/>
+          <a:p>
+            <a:pPr lvl="0"/>
+            <a:r>
+              <a:t>Class imbalance occurs when one or more classes have significantly lower proportions in the data than other classes.</a:t>
+            </a:r>
+          </a:p>
+          <a:p>
+            <a:pPr lvl="0"/>
+            <a:r>
+              <a:t>The majority class dominates, but interest is generally in the minority class (e.g., default, fraud, or market crash).</a:t>
+            </a:r>
+          </a:p>
+          <a:p>
+            <a:pPr lvl="0"/>
+            <a:r>
+              <a:t>Models trained on imbalanced data will tend to be under-fitted; they will not be able to classify the minority class successfully.</a:t>
+            </a:r>
+          </a:p>
+          <a:p>
+            <a:pPr lvl="0"/>
+            <a:r>
+              <a:t>ML (particularly deep learning) works well when the class distribution is balanced. At the same time, performance decreases with class imbalance because:</a:t>
+            </a:r>
+          </a:p>
+          <a:p>
+            <a:pPr lvl="1"/>
+            <a:r>
+              <a:t>There is insufficient signal for the model to learn to detect the minority class.</a:t>
+            </a:r>
+          </a:p>
+          <a:p>
+            <a:pPr lvl="1"/>
+            <a:r>
+              <a:t>It is easier for a model to find a suboptimal solution by exploiting a simple heuristic instead of learning anything useful about the underlying pattern.</a:t>
+            </a:r>
+          </a:p>
+          <a:p>
+            <a:pPr lvl="1"/>
+            <a:r>
+              <a:t>Asymmetric costs of error.</a:t>
+            </a:r>
+          </a:p>
+          <a:p>
+            <a:pPr lvl="0"/>
+            <a:r>
+              <a:t>Class imbalance is the norm in many subject domains.</a:t>
+            </a:r>
+          </a:p>
+          <a:p>
+            <a:pPr lvl="0"/>
+            <a:r>
+              <a:t>To handle class imbalance:</a:t>
+            </a:r>
+          </a:p>
+          <a:p>
+            <a:pPr lvl="1"/>
+            <a:r>
+              <a:t>Choose the right performance metric.</a:t>
+            </a:r>
+          </a:p>
+          <a:p>
+            <a:pPr lvl="1"/>
+            <a:r>
+              <a:t>Data-level methods: change the data distribution to reduce the imbalance.</a:t>
+            </a:r>
+          </a:p>
+          <a:p>
+            <a:pPr lvl="1"/>
+            <a:r>
+              <a:t>Algorithm level methods: change the learning method to make it more robust to class imbalance.</a:t>
+            </a:r>
+          </a:p>
+        </p:txBody>
+      </p:sp>
+      <p:sp>
+        <p:nvSpPr>
+          <p:cNvPr id="4" name="Date Placeholder 3">
+            <a:extLst>
+              <a:ext uri="{FF2B5EF4-FFF2-40B4-BE49-F238E27FC236}">
+                <a16:creationId xmlns:a16="http://schemas.microsoft.com/office/drawing/2014/main" id="{1A83B90B-6FF4-698C-0955-06B7DA325FBE}"/>
+              </a:ext>
+            </a:extLst>
+          </p:cNvPr>
+          <p:cNvSpPr>
+            <a:spLocks noGrp="1"/>
+          </p:cNvSpPr>
+          <p:nvPr>
+            <p:ph type="dt" sz="half" idx="10"/>
+          </p:nvPr>
+        </p:nvSpPr>
+        <p:spPr/>
+        <p:txBody>
+          <a:bodyPr/>
+          <a:lstStyle/>
+          <a:p>
+            <a:r>
+              <a:rPr lang="en-US"/>
+              <a:t>Februrary 2024</a:t>
+            </a:r>
+            <a:endParaRPr lang="en-CA"/>
+          </a:p>
+        </p:txBody>
+      </p:sp>
+      <p:sp>
+        <p:nvSpPr>
+          <p:cNvPr id="5" name="Footer Placeholder 4">
+            <a:extLst>
+              <a:ext uri="{FF2B5EF4-FFF2-40B4-BE49-F238E27FC236}">
+                <a16:creationId xmlns:a16="http://schemas.microsoft.com/office/drawing/2014/main" id="{F53346B2-4AFC-213F-4C49-ACF89DF83F14}"/>
+              </a:ext>
+            </a:extLst>
+          </p:cNvPr>
+          <p:cNvSpPr>
+            <a:spLocks noGrp="1"/>
+          </p:cNvSpPr>
+          <p:nvPr>
+            <p:ph type="ftr" sz="quarter" idx="11"/>
+          </p:nvPr>
+        </p:nvSpPr>
+        <p:spPr/>
+        <p:txBody>
+          <a:bodyPr/>
+          <a:lstStyle/>
+          <a:p>
+            <a:r>
+              <a:rPr lang="en-US"/>
+              <a:t>Production 3 - Working with Training Data</a:t>
+            </a:r>
+            <a:endParaRPr lang="en-CA"/>
+          </a:p>
+        </p:txBody>
+      </p:sp>
+      <p:sp>
+        <p:nvSpPr>
+          <p:cNvPr id="6" name="Slide Number Placeholder 5">
+            <a:extLst>
+              <a:ext uri="{FF2B5EF4-FFF2-40B4-BE49-F238E27FC236}">
+                <a16:creationId xmlns:a16="http://schemas.microsoft.com/office/drawing/2014/main" id="{A0F6E722-A988-4E01-59CD-6A836E33612C}"/>
+              </a:ext>
+            </a:extLst>
+          </p:cNvPr>
+          <p:cNvSpPr>
+            <a:spLocks noGrp="1"/>
+          </p:cNvSpPr>
+          <p:nvPr>
+            <p:ph type="sldNum" sz="quarter" idx="12"/>
+          </p:nvPr>
+        </p:nvSpPr>
+        <p:spPr/>
+        <p:txBody>
+          <a:bodyPr/>
+          <a:lstStyle/>
+          <a:p>
+            <a:fld id="{4F4BDF5D-830C-4829-B676-EE421164B1C8}" type="slidenum">
+              <a:rPr lang="en-CA" smtClean="0"/>
+              <a:t>18</a:t>
+            </a:fld>
+            <a:endParaRPr lang="en-CA"/>
+          </a:p>
+        </p:txBody>
+      </p:sp>
+    </p:spTree>
+  </p:cSld>
+  <p:clrMapOvr>
+    <a:masterClrMapping/>
+  </p:clrMapOvr>
+</p:sld>
+</file>
+
+<file path=ppt/slides/slide19.xml><?xml version="1.0" encoding="utf-8"?>
 <p:sld xmlns:a="http://schemas.openxmlformats.org/drawingml/2006/main" xmlns:r="http://schemas.openxmlformats.org/officeDocument/2006/relationships" xmlns:p="http://schemas.openxmlformats.org/presentationml/2006/main">
   <p:cSld>
     <p:spTree>
@@ -6137,7 +6314,7 @@
           <p:cNvPr id="5" name="Date Placeholder 4">
             <a:extLst>
               <a:ext uri="{FF2B5EF4-FFF2-40B4-BE49-F238E27FC236}">
-                <a16:creationId xmlns:a16="http://schemas.microsoft.com/office/drawing/2014/main" id="{BC2BA1CD-DE77-0EDB-427F-CAFB44037B76}"/>
+                <a16:creationId xmlns:a16="http://schemas.microsoft.com/office/drawing/2014/main" id="{92101A93-413E-1CA4-1DBB-8642DE0A3370}"/>
               </a:ext>
             </a:extLst>
           </p:cNvPr>
@@ -6154,9 +6331,10 @@
           <a:lstStyle/>
           <a:p>
             <a:r>
-              <a:rPr lang="en-CA"/>
-              <a:t>February 2024</a:t>
-            </a:r>
+              <a:rPr lang="en-US"/>
+              <a:t>Februrary 2024</a:t>
+            </a:r>
+            <a:endParaRPr lang="en-CA"/>
           </a:p>
         </p:txBody>
       </p:sp>
@@ -6165,7 +6343,7 @@
           <p:cNvPr id="6" name="Footer Placeholder 5">
             <a:extLst>
               <a:ext uri="{FF2B5EF4-FFF2-40B4-BE49-F238E27FC236}">
-                <a16:creationId xmlns:a16="http://schemas.microsoft.com/office/drawing/2014/main" id="{DC0AF51A-8C01-B644-F4D3-1505A38A6EB1}"/>
+                <a16:creationId xmlns:a16="http://schemas.microsoft.com/office/drawing/2014/main" id="{007108F5-8907-648A-1724-C09458F250D5}"/>
               </a:ext>
             </a:extLst>
           </p:cNvPr>
@@ -6194,7 +6372,7 @@
           <p:cNvPr id="7" name="Slide Number Placeholder 6">
             <a:extLst>
               <a:ext uri="{FF2B5EF4-FFF2-40B4-BE49-F238E27FC236}">
-                <a16:creationId xmlns:a16="http://schemas.microsoft.com/office/drawing/2014/main" id="{F0A444E1-B820-6713-630C-B587A258841B}"/>
+                <a16:creationId xmlns:a16="http://schemas.microsoft.com/office/drawing/2014/main" id="{D7E6931D-D35C-27A1-ED39-A6FE86F86C60}"/>
               </a:ext>
             </a:extLst>
           </p:cNvPr>
@@ -6212,7 +6390,7 @@
           <a:p>
             <a:fld id="{4F4BDF5D-830C-4829-B676-EE421164B1C8}" type="slidenum">
               <a:rPr lang="en-CA" smtClean="0"/>
-              <a:t>18</a:t>
+              <a:t>19</a:t>
             </a:fld>
             <a:endParaRPr lang="en-CA"/>
           </a:p>
@@ -6226,7 +6404,148 @@
 </p:sld>
 </file>
 
-<file path=ppt/slides/slide19.xml><?xml version="1.0" encoding="utf-8"?>
+<file path=ppt/slides/slide2.xml><?xml version="1.0" encoding="utf-8"?>
+<p:sld xmlns:a="http://schemas.openxmlformats.org/drawingml/2006/main" xmlns:r="http://schemas.openxmlformats.org/officeDocument/2006/relationships" xmlns:p="http://schemas.openxmlformats.org/presentationml/2006/main">
+  <p:cSld>
+    <p:spTree>
+      <p:nvGrpSpPr>
+        <p:cNvPr id="1" name=""/>
+        <p:cNvGrpSpPr/>
+        <p:nvPr/>
+      </p:nvGrpSpPr>
+      <p:grpSpPr>
+        <a:xfrm>
+          <a:off x="0" y="0"/>
+          <a:ext cx="0" cy="0"/>
+          <a:chOff x="0" y="0"/>
+          <a:chExt cx="0" cy="0"/>
+        </a:xfrm>
+      </p:grpSpPr>
+      <p:sp>
+        <p:nvSpPr>
+          <p:cNvPr id="2" name="Title 1"/>
+          <p:cNvSpPr>
+            <a:spLocks noGrp="1"/>
+          </p:cNvSpPr>
+          <p:nvPr>
+            <p:ph type="title"/>
+          </p:nvPr>
+        </p:nvSpPr>
+        <p:spPr>
+          <a:xfrm>
+            <a:off x="603504" y="767419"/>
+            <a:ext cx="10780776" cy="3355848"/>
+          </a:xfrm>
+        </p:spPr>
+        <p:txBody>
+          <a:bodyPr/>
+          <a:lstStyle/>
+          <a:p>
+            <a:pPr marL="0" lvl="0" indent="0">
+              <a:buNone/>
+            </a:pPr>
+            <a:r>
+              <a:t>Introduction</a:t>
+            </a:r>
+          </a:p>
+        </p:txBody>
+      </p:sp>
+      <p:sp>
+        <p:nvSpPr>
+          <p:cNvPr id="3" name="Date Placeholder 2">
+            <a:extLst>
+              <a:ext uri="{FF2B5EF4-FFF2-40B4-BE49-F238E27FC236}">
+                <a16:creationId xmlns:a16="http://schemas.microsoft.com/office/drawing/2014/main" id="{0164D8E1-C7FF-4805-0861-4861408E0EC4}"/>
+              </a:ext>
+            </a:extLst>
+          </p:cNvPr>
+          <p:cNvSpPr>
+            <a:spLocks noGrp="1"/>
+          </p:cNvSpPr>
+          <p:nvPr>
+            <p:ph type="dt" sz="half" idx="10"/>
+          </p:nvPr>
+        </p:nvSpPr>
+        <p:spPr/>
+        <p:txBody>
+          <a:bodyPr/>
+          <a:lstStyle/>
+          <a:p>
+            <a:r>
+              <a:rPr lang="en-US"/>
+              <a:t>Februrary 2024</a:t>
+            </a:r>
+            <a:endParaRPr lang="en-CA"/>
+          </a:p>
+        </p:txBody>
+      </p:sp>
+      <p:sp>
+        <p:nvSpPr>
+          <p:cNvPr id="4" name="Footer Placeholder 3">
+            <a:extLst>
+              <a:ext uri="{FF2B5EF4-FFF2-40B4-BE49-F238E27FC236}">
+                <a16:creationId xmlns:a16="http://schemas.microsoft.com/office/drawing/2014/main" id="{266C4277-48EC-BF0C-74B9-C93544D4FB1D}"/>
+              </a:ext>
+            </a:extLst>
+          </p:cNvPr>
+          <p:cNvSpPr>
+            <a:spLocks noGrp="1"/>
+          </p:cNvSpPr>
+          <p:nvPr>
+            <p:ph type="ftr" sz="quarter" idx="11"/>
+          </p:nvPr>
+        </p:nvSpPr>
+        <p:spPr/>
+        <p:txBody>
+          <a:bodyPr/>
+          <a:lstStyle/>
+          <a:p>
+            <a:r>
+              <a:rPr lang="en-US"/>
+              <a:t>Production 3 - Working with Training Data</a:t>
+            </a:r>
+            <a:endParaRPr lang="en-CA"/>
+          </a:p>
+        </p:txBody>
+      </p:sp>
+      <p:sp>
+        <p:nvSpPr>
+          <p:cNvPr id="5" name="Slide Number Placeholder 4">
+            <a:extLst>
+              <a:ext uri="{FF2B5EF4-FFF2-40B4-BE49-F238E27FC236}">
+                <a16:creationId xmlns:a16="http://schemas.microsoft.com/office/drawing/2014/main" id="{17AB1CE6-8E47-9FF5-E296-5AF714007AE7}"/>
+              </a:ext>
+            </a:extLst>
+          </p:cNvPr>
+          <p:cNvSpPr>
+            <a:spLocks noGrp="1"/>
+          </p:cNvSpPr>
+          <p:nvPr>
+            <p:ph type="sldNum" sz="quarter" idx="12"/>
+          </p:nvPr>
+        </p:nvSpPr>
+        <p:spPr/>
+        <p:txBody>
+          <a:bodyPr/>
+          <a:lstStyle/>
+          <a:p>
+            <a:fld id="{4F4BDF5D-830C-4829-B676-EE421164B1C8}" type="slidenum">
+              <a:rPr lang="en-CA" smtClean="0"/>
+              <a:t>2</a:t>
+            </a:fld>
+            <a:endParaRPr lang="en-CA"/>
+          </a:p>
+        </p:txBody>
+      </p:sp>
+    </p:spTree>
+  </p:cSld>
+  <p:clrMapOvr>
+    <a:masterClrMapping/>
+  </p:clrMapOvr>
+</p:sld>
+</file>
+
+<file path=ppt/slides/slide20.xml><?xml version="1.0" encoding="utf-8"?>
 <p:sld xmlns:a="http://schemas.openxmlformats.org/drawingml/2006/main" xmlns:r="http://schemas.openxmlformats.org/officeDocument/2006/relationships" xmlns:p="http://schemas.openxmlformats.org/presentationml/2006/main">
   <p:cSld>
     <p:spTree>
@@ -6350,7 +6669,7 @@
           <p:cNvPr id="5" name="Date Placeholder 4">
             <a:extLst>
               <a:ext uri="{FF2B5EF4-FFF2-40B4-BE49-F238E27FC236}">
-                <a16:creationId xmlns:a16="http://schemas.microsoft.com/office/drawing/2014/main" id="{DCF91F0B-A9AF-E7D1-E61A-0AF78504CEAE}"/>
+                <a16:creationId xmlns:a16="http://schemas.microsoft.com/office/drawing/2014/main" id="{D40FB4FE-FD41-6B96-7F93-3972407DB444}"/>
               </a:ext>
             </a:extLst>
           </p:cNvPr>
@@ -6367,9 +6686,10 @@
           <a:lstStyle/>
           <a:p>
             <a:r>
-              <a:rPr lang="en-CA"/>
-              <a:t>February 2024</a:t>
-            </a:r>
+              <a:rPr lang="en-US"/>
+              <a:t>Februrary 2024</a:t>
+            </a:r>
+            <a:endParaRPr lang="en-CA"/>
           </a:p>
         </p:txBody>
       </p:sp>
@@ -6378,7 +6698,7 @@
           <p:cNvPr id="6" name="Footer Placeholder 5">
             <a:extLst>
               <a:ext uri="{FF2B5EF4-FFF2-40B4-BE49-F238E27FC236}">
-                <a16:creationId xmlns:a16="http://schemas.microsoft.com/office/drawing/2014/main" id="{17E8313E-1665-D250-1A85-7C01F2DFD9C5}"/>
+                <a16:creationId xmlns:a16="http://schemas.microsoft.com/office/drawing/2014/main" id="{17DA0F86-3CD6-8813-3EBC-814AF94EDC8B}"/>
               </a:ext>
             </a:extLst>
           </p:cNvPr>
@@ -6407,7 +6727,7 @@
           <p:cNvPr id="7" name="Slide Number Placeholder 6">
             <a:extLst>
               <a:ext uri="{FF2B5EF4-FFF2-40B4-BE49-F238E27FC236}">
-                <a16:creationId xmlns:a16="http://schemas.microsoft.com/office/drawing/2014/main" id="{F790F70E-175F-5E01-23EA-AD67DEBF24E5}"/>
+                <a16:creationId xmlns:a16="http://schemas.microsoft.com/office/drawing/2014/main" id="{78219A92-3B52-6A32-8047-D40EABDE08FC}"/>
               </a:ext>
             </a:extLst>
           </p:cNvPr>
@@ -6425,7 +6745,7 @@
           <a:p>
             <a:fld id="{4F4BDF5D-830C-4829-B676-EE421164B1C8}" type="slidenum">
               <a:rPr lang="en-CA" smtClean="0"/>
-              <a:t>19</a:t>
+              <a:t>20</a:t>
             </a:fld>
             <a:endParaRPr lang="en-CA"/>
           </a:p>
@@ -6439,7 +6759,7 @@
 </p:sld>
 </file>
 
-<file path=ppt/slides/slide2.xml><?xml version="1.0" encoding="utf-8"?>
+<file path=ppt/slides/slide21.xml><?xml version="1.0" encoding="utf-8"?>
 <p:sld xmlns:a="http://schemas.openxmlformats.org/drawingml/2006/main" xmlns:r="http://schemas.openxmlformats.org/officeDocument/2006/relationships" xmlns:p="http://schemas.openxmlformats.org/presentationml/2006/main">
   <p:cSld>
     <p:spTree>
@@ -6466,12 +6786,7 @@
             <p:ph type="title"/>
           </p:nvPr>
         </p:nvSpPr>
-        <p:spPr>
-          <a:xfrm>
-            <a:off x="603504" y="767419"/>
-            <a:ext cx="10780776" cy="3355848"/>
-          </a:xfrm>
-        </p:spPr>
+        <p:spPr/>
         <p:txBody>
           <a:bodyPr/>
           <a:lstStyle/>
@@ -6480,148 +6795,13 @@
               <a:buNone/>
             </a:pPr>
             <a:r>
-              <a:t>Introduction</a:t>
-            </a:r>
-          </a:p>
-        </p:txBody>
-      </p:sp>
-      <p:sp>
-        <p:nvSpPr>
-          <p:cNvPr id="3" name="Date Placeholder 2">
-            <a:extLst>
-              <a:ext uri="{FF2B5EF4-FFF2-40B4-BE49-F238E27FC236}">
-                <a16:creationId xmlns:a16="http://schemas.microsoft.com/office/drawing/2014/main" id="{6F832B4A-326D-4F88-3E65-2081B7FE49F2}"/>
-              </a:ext>
-            </a:extLst>
-          </p:cNvPr>
-          <p:cNvSpPr>
-            <a:spLocks noGrp="1"/>
-          </p:cNvSpPr>
-          <p:nvPr>
-            <p:ph type="dt" sz="half" idx="10"/>
-          </p:nvPr>
-        </p:nvSpPr>
-        <p:spPr/>
-        <p:txBody>
-          <a:bodyPr/>
-          <a:lstStyle/>
-          <a:p>
-            <a:r>
-              <a:rPr lang="en-CA"/>
-              <a:t>February 2024</a:t>
-            </a:r>
-          </a:p>
-        </p:txBody>
-      </p:sp>
-      <p:sp>
-        <p:nvSpPr>
-          <p:cNvPr id="4" name="Footer Placeholder 3">
-            <a:extLst>
-              <a:ext uri="{FF2B5EF4-FFF2-40B4-BE49-F238E27FC236}">
-                <a16:creationId xmlns:a16="http://schemas.microsoft.com/office/drawing/2014/main" id="{6C20EA93-C942-4B8D-E929-AC6D87FB842A}"/>
-              </a:ext>
-            </a:extLst>
-          </p:cNvPr>
-          <p:cNvSpPr>
-            <a:spLocks noGrp="1"/>
-          </p:cNvSpPr>
-          <p:nvPr>
-            <p:ph type="ftr" sz="quarter" idx="11"/>
-          </p:nvPr>
-        </p:nvSpPr>
-        <p:spPr/>
-        <p:txBody>
-          <a:bodyPr/>
-          <a:lstStyle/>
-          <a:p>
-            <a:r>
-              <a:rPr lang="en-US"/>
-              <a:t>Production 3 - Working with Training Data</a:t>
-            </a:r>
-            <a:endParaRPr lang="en-CA"/>
-          </a:p>
-        </p:txBody>
-      </p:sp>
-      <p:sp>
-        <p:nvSpPr>
-          <p:cNvPr id="5" name="Slide Number Placeholder 4">
-            <a:extLst>
-              <a:ext uri="{FF2B5EF4-FFF2-40B4-BE49-F238E27FC236}">
-                <a16:creationId xmlns:a16="http://schemas.microsoft.com/office/drawing/2014/main" id="{A33BA8C6-5CE6-972F-76E7-A68B4439BF06}"/>
-              </a:ext>
-            </a:extLst>
-          </p:cNvPr>
-          <p:cNvSpPr>
-            <a:spLocks noGrp="1"/>
-          </p:cNvSpPr>
-          <p:nvPr>
-            <p:ph type="sldNum" sz="quarter" idx="12"/>
-          </p:nvPr>
-        </p:nvSpPr>
-        <p:spPr/>
-        <p:txBody>
-          <a:bodyPr/>
-          <a:lstStyle/>
-          <a:p>
-            <a:fld id="{4F4BDF5D-830C-4829-B676-EE421164B1C8}" type="slidenum">
-              <a:rPr lang="en-CA" smtClean="0"/>
-              <a:t>2</a:t>
-            </a:fld>
-            <a:endParaRPr lang="en-CA"/>
-          </a:p>
-        </p:txBody>
-      </p:sp>
-    </p:spTree>
-  </p:cSld>
-  <p:clrMapOvr>
-    <a:masterClrMapping/>
-  </p:clrMapOvr>
-</p:sld>
-</file>
-
-<file path=ppt/slides/slide20.xml><?xml version="1.0" encoding="utf-8"?>
-<p:sld xmlns:a="http://schemas.openxmlformats.org/drawingml/2006/main" xmlns:r="http://schemas.openxmlformats.org/officeDocument/2006/relationships" xmlns:p="http://schemas.openxmlformats.org/presentationml/2006/main">
-  <p:cSld>
-    <p:spTree>
-      <p:nvGrpSpPr>
-        <p:cNvPr id="1" name=""/>
-        <p:cNvGrpSpPr/>
-        <p:nvPr/>
-      </p:nvGrpSpPr>
-      <p:grpSpPr>
-        <a:xfrm>
-          <a:off x="0" y="0"/>
-          <a:ext cx="0" cy="0"/>
-          <a:chOff x="0" y="0"/>
-          <a:chExt cx="0" cy="0"/>
-        </a:xfrm>
-      </p:grpSpPr>
-      <p:sp>
-        <p:nvSpPr>
-          <p:cNvPr id="2" name="Title 1"/>
-          <p:cNvSpPr>
-            <a:spLocks noGrp="1"/>
-          </p:cNvSpPr>
-          <p:nvPr>
-            <p:ph type="title"/>
-          </p:nvPr>
-        </p:nvSpPr>
-        <p:spPr/>
-        <p:txBody>
-          <a:bodyPr/>
-          <a:lstStyle/>
-          <a:p>
-            <a:pPr marL="0" lvl="0" indent="0">
-              <a:buNone/>
-            </a:pPr>
-            <a:r>
               <a:t>Cross-entropy, Negative Log-Loss, and Log-Likelihood</a:t>
             </a:r>
           </a:p>
         </p:txBody>
       </p:sp>
-      <mc:AlternateContent xmlns:mc="http://schemas.openxmlformats.org/markup-compatibility/2006">
-        <mc:Choice xmlns:a14="http://schemas.microsoft.com/office/drawing/2010/main" Requires="a14">
+      <mc:AlternateContent xmlns:mc="http://schemas.openxmlformats.org/markup-compatibility/2006" xmlns:a14="http://schemas.microsoft.com/office/drawing/2010/main">
+        <mc:Choice Requires="a14">
           <p:sp>
             <p:nvSpPr>
               <p:cNvPr id="3" name="Content Placeholder 2"/>
@@ -6974,7 +7154,7 @@
             </p:txBody>
           </p:sp>
         </mc:Choice>
-        <mc:Fallback>
+        <mc:Fallback xmlns="">
           <p:sp>
             <p:nvSpPr>
               <p:cNvPr id="3" name="Content Placeholder 2"/>
@@ -7076,7 +7256,7 @@
           <p:cNvPr id="5" name="Date Placeholder 4">
             <a:extLst>
               <a:ext uri="{FF2B5EF4-FFF2-40B4-BE49-F238E27FC236}">
-                <a16:creationId xmlns:a16="http://schemas.microsoft.com/office/drawing/2014/main" id="{EAF5FC36-E99F-DBB9-1B7A-5C41CFBF6008}"/>
+                <a16:creationId xmlns:a16="http://schemas.microsoft.com/office/drawing/2014/main" id="{6CA29888-A630-3224-DDAA-5BBCD9979715}"/>
               </a:ext>
             </a:extLst>
           </p:cNvPr>
@@ -7093,9 +7273,10 @@
           <a:lstStyle/>
           <a:p>
             <a:r>
-              <a:rPr lang="en-CA"/>
-              <a:t>February 2024</a:t>
-            </a:r>
+              <a:rPr lang="en-US"/>
+              <a:t>Februrary 2024</a:t>
+            </a:r>
+            <a:endParaRPr lang="en-CA"/>
           </a:p>
         </p:txBody>
       </p:sp>
@@ -7104,7 +7285,7 @@
           <p:cNvPr id="6" name="Footer Placeholder 5">
             <a:extLst>
               <a:ext uri="{FF2B5EF4-FFF2-40B4-BE49-F238E27FC236}">
-                <a16:creationId xmlns:a16="http://schemas.microsoft.com/office/drawing/2014/main" id="{DBC5B35B-D1F1-B401-A05B-2FB01388B6C7}"/>
+                <a16:creationId xmlns:a16="http://schemas.microsoft.com/office/drawing/2014/main" id="{B8102A81-0DB1-35FA-0F31-58AA77B7FC86}"/>
               </a:ext>
             </a:extLst>
           </p:cNvPr>
@@ -7133,7 +7314,7 @@
           <p:cNvPr id="7" name="Slide Number Placeholder 6">
             <a:extLst>
               <a:ext uri="{FF2B5EF4-FFF2-40B4-BE49-F238E27FC236}">
-                <a16:creationId xmlns:a16="http://schemas.microsoft.com/office/drawing/2014/main" id="{5FBBAD48-0D9E-646A-8B95-ACA59F1B3AA8}"/>
+                <a16:creationId xmlns:a16="http://schemas.microsoft.com/office/drawing/2014/main" id="{DE37AA3B-0E6C-1EE6-51CA-F184A13B3209}"/>
               </a:ext>
             </a:extLst>
           </p:cNvPr>
@@ -7151,7 +7332,7 @@
           <a:p>
             <a:fld id="{4F4BDF5D-830C-4829-B676-EE421164B1C8}" type="slidenum">
               <a:rPr lang="en-CA" smtClean="0"/>
-              <a:t>20</a:t>
+              <a:t>21</a:t>
             </a:fld>
             <a:endParaRPr lang="en-CA"/>
           </a:p>
@@ -7165,7 +7346,7 @@
 </p:sld>
 </file>
 
-<file path=ppt/slides/slide21.xml><?xml version="1.0" encoding="utf-8"?>
+<file path=ppt/slides/slide22.xml><?xml version="1.0" encoding="utf-8"?>
 <p:sld xmlns:a="http://schemas.openxmlformats.org/drawingml/2006/main" xmlns:r="http://schemas.openxmlformats.org/officeDocument/2006/relationships" xmlns:p="http://schemas.openxmlformats.org/presentationml/2006/main">
   <p:cSld>
     <p:spTree>
@@ -7236,8 +7417,8 @@
           </a:p>
         </p:txBody>
       </p:sp>
-      <mc:AlternateContent xmlns:mc="http://schemas.openxmlformats.org/markup-compatibility/2006">
-        <mc:Choice xmlns:a14="http://schemas.microsoft.com/office/drawing/2010/main" Requires="a14">
+      <mc:AlternateContent xmlns:mc="http://schemas.openxmlformats.org/markup-compatibility/2006" xmlns:a14="http://schemas.microsoft.com/office/drawing/2010/main">
+        <mc:Choice Requires="a14">
           <p:sp>
             <p:nvSpPr>
               <p:cNvPr id="4" name="Content Placeholder 3"/>
@@ -7285,7 +7466,7 @@
                       <m:sSub>
                         <m:sSubPr>
                           <m:ctrlPr>
-                            <a:rPr>
+                            <a:rPr i="1">
                               <a:latin typeface="Cambria Math" panose="02040503050406030204" pitchFamily="18" charset="0"/>
                             </a:rPr>
                           </m:ctrlPr>
@@ -7390,7 +7571,7 @@
             </p:txBody>
           </p:sp>
         </mc:Choice>
-        <mc:Fallback>
+        <mc:Fallback xmlns="">
           <p:sp>
             <p:nvSpPr>
               <p:cNvPr id="4" name="Content Placeholder 3"/>
@@ -7429,7 +7610,7 @@
           <p:cNvPr id="5" name="Date Placeholder 4">
             <a:extLst>
               <a:ext uri="{FF2B5EF4-FFF2-40B4-BE49-F238E27FC236}">
-                <a16:creationId xmlns:a16="http://schemas.microsoft.com/office/drawing/2014/main" id="{E955D5C8-33FF-C3ED-5E3B-C2D0FA994759}"/>
+                <a16:creationId xmlns:a16="http://schemas.microsoft.com/office/drawing/2014/main" id="{0D149738-20FE-1A6A-CEBE-86F26DA5B80A}"/>
               </a:ext>
             </a:extLst>
           </p:cNvPr>
@@ -7446,9 +7627,10 @@
           <a:lstStyle/>
           <a:p>
             <a:r>
-              <a:rPr lang="en-CA"/>
-              <a:t>February 2024</a:t>
-            </a:r>
+              <a:rPr lang="en-US"/>
+              <a:t>Februrary 2024</a:t>
+            </a:r>
+            <a:endParaRPr lang="en-CA"/>
           </a:p>
         </p:txBody>
       </p:sp>
@@ -7457,7 +7639,7 @@
           <p:cNvPr id="6" name="Footer Placeholder 5">
             <a:extLst>
               <a:ext uri="{FF2B5EF4-FFF2-40B4-BE49-F238E27FC236}">
-                <a16:creationId xmlns:a16="http://schemas.microsoft.com/office/drawing/2014/main" id="{23D94DFA-0AB7-C5A4-6351-999AB4339FFD}"/>
+                <a16:creationId xmlns:a16="http://schemas.microsoft.com/office/drawing/2014/main" id="{A22D83E3-9554-9A8F-097A-31E41F00AAEA}"/>
               </a:ext>
             </a:extLst>
           </p:cNvPr>
@@ -7486,7 +7668,7 @@
           <p:cNvPr id="7" name="Slide Number Placeholder 6">
             <a:extLst>
               <a:ext uri="{FF2B5EF4-FFF2-40B4-BE49-F238E27FC236}">
-                <a16:creationId xmlns:a16="http://schemas.microsoft.com/office/drawing/2014/main" id="{8B12BE37-E3F0-114A-BBF1-63B076B4E265}"/>
+                <a16:creationId xmlns:a16="http://schemas.microsoft.com/office/drawing/2014/main" id="{CEFB976F-7DCC-6202-46DF-D02E54DA5929}"/>
               </a:ext>
             </a:extLst>
           </p:cNvPr>
@@ -7504,7 +7686,7 @@
           <a:p>
             <a:fld id="{4F4BDF5D-830C-4829-B676-EE421164B1C8}" type="slidenum">
               <a:rPr lang="en-CA" smtClean="0"/>
-              <a:t>21</a:t>
+              <a:t>22</a:t>
             </a:fld>
             <a:endParaRPr lang="en-CA"/>
           </a:p>
@@ -7518,7 +7700,7 @@
 </p:sld>
 </file>
 
-<file path=ppt/slides/slide22.xml><?xml version="1.0" encoding="utf-8"?>
+<file path=ppt/slides/slide23.xml><?xml version="1.0" encoding="utf-8"?>
 <p:sld xmlns:a="http://schemas.openxmlformats.org/drawingml/2006/main" xmlns:r="http://schemas.openxmlformats.org/officeDocument/2006/relationships" xmlns:p="http://schemas.openxmlformats.org/presentationml/2006/main">
   <p:cSld>
     <p:spTree>
@@ -7622,7 +7804,7 @@
           <p:cNvPr id="5" name="Date Placeholder 4">
             <a:extLst>
               <a:ext uri="{FF2B5EF4-FFF2-40B4-BE49-F238E27FC236}">
-                <a16:creationId xmlns:a16="http://schemas.microsoft.com/office/drawing/2014/main" id="{B290DB46-3766-33E1-8D4E-BA4C74860838}"/>
+                <a16:creationId xmlns:a16="http://schemas.microsoft.com/office/drawing/2014/main" id="{B66A0CD2-8AED-6BD7-32F5-8543E0DFAFD8}"/>
               </a:ext>
             </a:extLst>
           </p:cNvPr>
@@ -7639,9 +7821,10 @@
           <a:lstStyle/>
           <a:p>
             <a:r>
-              <a:rPr lang="en-CA"/>
-              <a:t>February 2024</a:t>
-            </a:r>
+              <a:rPr lang="en-US"/>
+              <a:t>Februrary 2024</a:t>
+            </a:r>
+            <a:endParaRPr lang="en-CA"/>
           </a:p>
         </p:txBody>
       </p:sp>
@@ -7650,7 +7833,7 @@
           <p:cNvPr id="6" name="Footer Placeholder 5">
             <a:extLst>
               <a:ext uri="{FF2B5EF4-FFF2-40B4-BE49-F238E27FC236}">
-                <a16:creationId xmlns:a16="http://schemas.microsoft.com/office/drawing/2014/main" id="{F466AC8D-81C2-8F98-8060-60418AB85F26}"/>
+                <a16:creationId xmlns:a16="http://schemas.microsoft.com/office/drawing/2014/main" id="{7FCE8834-15EB-3C39-AE1B-F5F7004B8360}"/>
               </a:ext>
             </a:extLst>
           </p:cNvPr>
@@ -7679,7 +7862,7 @@
           <p:cNvPr id="7" name="Slide Number Placeholder 6">
             <a:extLst>
               <a:ext uri="{FF2B5EF4-FFF2-40B4-BE49-F238E27FC236}">
-                <a16:creationId xmlns:a16="http://schemas.microsoft.com/office/drawing/2014/main" id="{93C9542B-0B14-3613-C75F-388CD2E26A79}"/>
+                <a16:creationId xmlns:a16="http://schemas.microsoft.com/office/drawing/2014/main" id="{2B951723-A5AF-8D3F-6F63-83C42EEFDD67}"/>
               </a:ext>
             </a:extLst>
           </p:cNvPr>
@@ -7697,7 +7880,7 @@
           <a:p>
             <a:fld id="{4F4BDF5D-830C-4829-B676-EE421164B1C8}" type="slidenum">
               <a:rPr lang="en-CA" smtClean="0"/>
-              <a:t>22</a:t>
+              <a:t>23</a:t>
             </a:fld>
             <a:endParaRPr lang="en-CA"/>
           </a:p>
@@ -7711,7 +7894,7 @@
 </p:sld>
 </file>
 
-<file path=ppt/slides/slide23.xml><?xml version="1.0" encoding="utf-8"?>
+<file path=ppt/slides/slide24.xml><?xml version="1.0" encoding="utf-8"?>
 <p:sld xmlns:a="http://schemas.openxmlformats.org/drawingml/2006/main" xmlns:r="http://schemas.openxmlformats.org/officeDocument/2006/relationships" xmlns:p="http://schemas.openxmlformats.org/presentationml/2006/main">
   <p:cSld>
     <p:spTree>
@@ -7862,6 +8045,15 @@
               </a:rPr>
               <a:t>Source</a:t>
             </a:r>
+            <a:r>
+              <a:rPr lang="en-US">
+                <a:hlinkClick r:id="rId3"/>
+              </a:rPr>
+              <a:t>)</a:t>
+            </a:r>
+            <a:endParaRPr>
+              <a:hlinkClick r:id="rId3"/>
+            </a:endParaRPr>
           </a:p>
         </p:txBody>
       </p:sp>
@@ -7870,7 +8062,7 @@
           <p:cNvPr id="6" name="Date Placeholder 5">
             <a:extLst>
               <a:ext uri="{FF2B5EF4-FFF2-40B4-BE49-F238E27FC236}">
-                <a16:creationId xmlns:a16="http://schemas.microsoft.com/office/drawing/2014/main" id="{46334A6E-3785-BEDE-965A-B912DAE499C8}"/>
+                <a16:creationId xmlns:a16="http://schemas.microsoft.com/office/drawing/2014/main" id="{E3203FB3-838B-A004-3BBC-2F7BEE9B8C79}"/>
               </a:ext>
             </a:extLst>
           </p:cNvPr>
@@ -7887,9 +8079,10 @@
           <a:lstStyle/>
           <a:p>
             <a:r>
-              <a:rPr lang="en-CA"/>
-              <a:t>February 2024</a:t>
-            </a:r>
+              <a:rPr lang="en-US"/>
+              <a:t>Februrary 2024</a:t>
+            </a:r>
+            <a:endParaRPr lang="en-CA"/>
           </a:p>
         </p:txBody>
       </p:sp>
@@ -7898,7 +8091,7 @@
           <p:cNvPr id="7" name="Footer Placeholder 6">
             <a:extLst>
               <a:ext uri="{FF2B5EF4-FFF2-40B4-BE49-F238E27FC236}">
-                <a16:creationId xmlns:a16="http://schemas.microsoft.com/office/drawing/2014/main" id="{C03F0561-1DF4-94F5-F20F-353D519AB56D}"/>
+                <a16:creationId xmlns:a16="http://schemas.microsoft.com/office/drawing/2014/main" id="{AF042CB5-0284-62C8-5556-1CA14160C615}"/>
               </a:ext>
             </a:extLst>
           </p:cNvPr>
@@ -7927,7 +8120,7 @@
           <p:cNvPr id="8" name="Slide Number Placeholder 7">
             <a:extLst>
               <a:ext uri="{FF2B5EF4-FFF2-40B4-BE49-F238E27FC236}">
-                <a16:creationId xmlns:a16="http://schemas.microsoft.com/office/drawing/2014/main" id="{85582855-AF69-2A16-0D40-71951ED2B1D3}"/>
+                <a16:creationId xmlns:a16="http://schemas.microsoft.com/office/drawing/2014/main" id="{26ED60A7-6042-833D-B3A2-7177E15B4543}"/>
               </a:ext>
             </a:extLst>
           </p:cNvPr>
@@ -7945,7 +8138,7 @@
           <a:p>
             <a:fld id="{4F4BDF5D-830C-4829-B676-EE421164B1C8}" type="slidenum">
               <a:rPr lang="en-CA" smtClean="0"/>
-              <a:t>23</a:t>
+              <a:t>24</a:t>
             </a:fld>
             <a:endParaRPr lang="en-CA"/>
           </a:p>
@@ -8007,7 +8200,7 @@
             <a:spLocks noGrp="1"/>
           </p:cNvSpPr>
           <p:nvPr>
-            <p:ph idx="1"/>
+            <p:ph sz="half" idx="1"/>
           </p:nvPr>
         </p:nvSpPr>
         <p:spPr/>
@@ -8047,41 +8240,63 @@
               <a:t>Data Augmentation</a:t>
             </a:r>
           </a:p>
+        </p:txBody>
+      </p:sp>
+      <p:sp>
+        <p:nvSpPr>
+          <p:cNvPr id="4" name="Content Placeholder 3"/>
+          <p:cNvSpPr>
+            <a:spLocks noGrp="1"/>
+          </p:cNvSpPr>
+          <p:nvPr>
+            <p:ph sz="half" idx="2"/>
+          </p:nvPr>
+        </p:nvSpPr>
+        <p:spPr/>
+        <p:txBody>
+          <a:bodyPr/>
+          <a:lstStyle/>
           <a:p>
             <a:pPr marL="0" lvl="0" indent="0">
               <a:buNone/>
             </a:pPr>
             <a:r>
               <a:rPr b="1"/>
-              <a:t>Assignment: Setting Up a Code Repository</a:t>
+              <a:t>3.2 A Training Pipeline</a:t>
             </a:r>
           </a:p>
           <a:p>
             <a:pPr lvl="0"/>
             <a:r>
-              <a:t>Implement different types of sampling</a:t>
+              <a:t>Sampling in Python.</a:t>
             </a:r>
           </a:p>
           <a:p>
             <a:pPr lvl="0"/>
             <a:r>
-              <a:t>Some recoding exercise using sci-kit learn</a:t>
+              <a:t>An initial training pipeline.</a:t>
             </a:r>
           </a:p>
           <a:p>
             <a:pPr lvl="0"/>
             <a:r>
-              <a:t>Conformal prediction?</a:t>
-            </a:r>
-          </a:p>
-        </p:txBody>
-      </p:sp>
-      <p:sp>
-        <p:nvSpPr>
-          <p:cNvPr id="4" name="Date Placeholder 3">
+              <a:t>Modularizing the training pipeline.</a:t>
+            </a:r>
+          </a:p>
+          <a:p>
+            <a:pPr lvl="0"/>
+            <a:r>
+              <a:t>Decoupling settings, parameters, data, code, and results.</a:t>
+            </a:r>
+          </a:p>
+        </p:txBody>
+      </p:sp>
+      <p:sp>
+        <p:nvSpPr>
+          <p:cNvPr id="5" name="Date Placeholder 4">
             <a:extLst>
               <a:ext uri="{FF2B5EF4-FFF2-40B4-BE49-F238E27FC236}">
-                <a16:creationId xmlns:a16="http://schemas.microsoft.com/office/drawing/2014/main" id="{F0A67E09-130F-A292-5B39-49B8EC297583}"/>
+                <a16:creationId xmlns:a16="http://schemas.microsoft.com/office/drawing/2014/main" id="{A4085F6F-F809-12EA-BCB1-A9A33168E193}"/>
               </a:ext>
             </a:extLst>
           </p:cNvPr>
@@ -8098,18 +8313,19 @@
           <a:lstStyle/>
           <a:p>
             <a:r>
-              <a:rPr lang="en-CA"/>
-              <a:t>February 2024</a:t>
-            </a:r>
-          </a:p>
-        </p:txBody>
-      </p:sp>
-      <p:sp>
-        <p:nvSpPr>
-          <p:cNvPr id="5" name="Footer Placeholder 4">
+              <a:rPr lang="en-US"/>
+              <a:t>Februrary 2024</a:t>
+            </a:r>
+            <a:endParaRPr lang="en-CA"/>
+          </a:p>
+        </p:txBody>
+      </p:sp>
+      <p:sp>
+        <p:nvSpPr>
+          <p:cNvPr id="6" name="Footer Placeholder 5">
             <a:extLst>
               <a:ext uri="{FF2B5EF4-FFF2-40B4-BE49-F238E27FC236}">
-                <a16:creationId xmlns:a16="http://schemas.microsoft.com/office/drawing/2014/main" id="{58F2F121-A5E0-575E-C0B8-EE58F4CFD319}"/>
+                <a16:creationId xmlns:a16="http://schemas.microsoft.com/office/drawing/2014/main" id="{D84600EF-6C76-9ED7-6759-0CA7DFF89370}"/>
               </a:ext>
             </a:extLst>
           </p:cNvPr>
@@ -8135,10 +8351,10 @@
       </p:sp>
       <p:sp>
         <p:nvSpPr>
-          <p:cNvPr id="6" name="Slide Number Placeholder 5">
+          <p:cNvPr id="7" name="Slide Number Placeholder 6">
             <a:extLst>
               <a:ext uri="{FF2B5EF4-FFF2-40B4-BE49-F238E27FC236}">
-                <a16:creationId xmlns:a16="http://schemas.microsoft.com/office/drawing/2014/main" id="{248F4B73-C05D-1A8B-3E4D-9A4F03AF49A1}"/>
+                <a16:creationId xmlns:a16="http://schemas.microsoft.com/office/drawing/2014/main" id="{8191CC5E-2D39-8412-C0EE-91609D82287F}"/>
               </a:ext>
             </a:extLst>
           </p:cNvPr>
@@ -8197,12 +8413,7 @@
             <p:ph type="title"/>
           </p:nvPr>
         </p:nvSpPr>
-        <p:spPr>
-          <a:xfrm>
-            <a:off x="603504" y="767419"/>
-            <a:ext cx="10780776" cy="3355848"/>
-          </a:xfrm>
-        </p:spPr>
+        <p:spPr/>
         <p:txBody>
           <a:bodyPr/>
           <a:lstStyle/>
@@ -8211,17 +8422,89 @@
               <a:buNone/>
             </a:pPr>
             <a:r>
-              <a:t>Sampling</a:t>
-            </a:r>
-          </a:p>
-        </p:txBody>
-      </p:sp>
-      <p:sp>
-        <p:nvSpPr>
-          <p:cNvPr id="3" name="Date Placeholder 2">
+              <a:t>About These Notes</a:t>
+            </a:r>
+          </a:p>
+        </p:txBody>
+      </p:sp>
+      <p:sp>
+        <p:nvSpPr>
+          <p:cNvPr id="3" name="Content Placeholder 2"/>
+          <p:cNvSpPr>
+            <a:spLocks noGrp="1"/>
+          </p:cNvSpPr>
+          <p:nvPr>
+            <p:ph sz="half" idx="1"/>
+          </p:nvPr>
+        </p:nvSpPr>
+        <p:spPr/>
+        <p:txBody>
+          <a:bodyPr/>
+          <a:lstStyle/>
+          <a:p>
+            <a:pPr marL="0" lvl="0" indent="0">
+              <a:buNone/>
+            </a:pPr>
+            <a:r>
+              <a:t>These notes are based on Chapter 4 of </a:t>
+            </a:r>
+            <a:r>
+              <a:rPr i="1">
+                <a:hlinkClick r:id="rId2"/>
+              </a:rPr>
+              <a:t>Designing Machine Learning Systems</a:t>
+            </a:r>
+            <a:r>
+              <a:t>, by </a:t>
+            </a:r>
+            <a:r>
+              <a:rPr>
+                <a:hlinkClick r:id="rId3"/>
+              </a:rPr>
+              <a:t>Chip Huyen</a:t>
+            </a:r>
+            <a:r>
+              <a:t>.</a:t>
+            </a:r>
+          </a:p>
+        </p:txBody>
+      </p:sp>
+      <p:pic>
+        <p:nvPicPr>
+          <p:cNvPr id="4" name="Picture 1" descr="../img/book_cover.png"/>
+          <p:cNvPicPr>
+            <a:picLocks noGrp="1" noChangeAspect="1"/>
+          </p:cNvPicPr>
+          <p:nvPr/>
+        </p:nvPicPr>
+        <p:blipFill>
+          <a:blip r:embed="rId4"/>
+          <a:stretch>
+            <a:fillRect/>
+          </a:stretch>
+        </p:blipFill>
+        <p:spPr bwMode="auto">
+          <a:xfrm>
+            <a:off x="6007100" y="499533"/>
+            <a:ext cx="4660900" cy="5858934"/>
+          </a:xfrm>
+          <a:prstGeom prst="rect">
+            <a:avLst/>
+          </a:prstGeom>
+          <a:noFill/>
+          <a:ln w="9525">
+            <a:noFill/>
+            <a:headEnd/>
+            <a:tailEnd/>
+          </a:ln>
+        </p:spPr>
+      </p:pic>
+      <p:sp>
+        <p:nvSpPr>
+          <p:cNvPr id="5" name="Date Placeholder 4">
             <a:extLst>
               <a:ext uri="{FF2B5EF4-FFF2-40B4-BE49-F238E27FC236}">
-                <a16:creationId xmlns:a16="http://schemas.microsoft.com/office/drawing/2014/main" id="{57A1391E-51F7-C3F6-6771-2F03FE7BFEC3}"/>
+                <a16:creationId xmlns:a16="http://schemas.microsoft.com/office/drawing/2014/main" id="{DCE54F8A-D5B1-68EB-7075-62FE8692F138}"/>
               </a:ext>
             </a:extLst>
           </p:cNvPr>
@@ -8238,18 +8521,19 @@
           <a:lstStyle/>
           <a:p>
             <a:r>
-              <a:rPr lang="en-CA"/>
-              <a:t>February 2024</a:t>
-            </a:r>
-          </a:p>
-        </p:txBody>
-      </p:sp>
-      <p:sp>
-        <p:nvSpPr>
-          <p:cNvPr id="4" name="Footer Placeholder 3">
+              <a:rPr lang="en-US"/>
+              <a:t>Februrary 2024</a:t>
+            </a:r>
+            <a:endParaRPr lang="en-CA"/>
+          </a:p>
+        </p:txBody>
+      </p:sp>
+      <p:sp>
+        <p:nvSpPr>
+          <p:cNvPr id="6" name="Footer Placeholder 5">
             <a:extLst>
               <a:ext uri="{FF2B5EF4-FFF2-40B4-BE49-F238E27FC236}">
-                <a16:creationId xmlns:a16="http://schemas.microsoft.com/office/drawing/2014/main" id="{F3DAC352-5010-08CC-816B-E778C6D27F90}"/>
+                <a16:creationId xmlns:a16="http://schemas.microsoft.com/office/drawing/2014/main" id="{BD094E3F-6218-8B02-7D10-64AB0294AC41}"/>
               </a:ext>
             </a:extLst>
           </p:cNvPr>
@@ -8275,10 +8559,10 @@
       </p:sp>
       <p:sp>
         <p:nvSpPr>
-          <p:cNvPr id="5" name="Slide Number Placeholder 4">
+          <p:cNvPr id="7" name="Slide Number Placeholder 6">
             <a:extLst>
               <a:ext uri="{FF2B5EF4-FFF2-40B4-BE49-F238E27FC236}">
-                <a16:creationId xmlns:a16="http://schemas.microsoft.com/office/drawing/2014/main" id="{0655924E-DB73-137C-3DA2-3305D3DC5995}"/>
+                <a16:creationId xmlns:a16="http://schemas.microsoft.com/office/drawing/2014/main" id="{6F4E6002-11B4-C196-1A22-B7E53C58AC04}"/>
               </a:ext>
             </a:extLst>
           </p:cNvPr>
@@ -8337,7 +8621,12 @@
             <p:ph type="title"/>
           </p:nvPr>
         </p:nvSpPr>
-        <p:spPr/>
+        <p:spPr>
+          <a:xfrm>
+            <a:off x="603504" y="767419"/>
+            <a:ext cx="10780776" cy="3355848"/>
+          </a:xfrm>
+        </p:spPr>
         <p:txBody>
           <a:bodyPr/>
           <a:lstStyle/>
@@ -8346,103 +8635,17 @@
               <a:buNone/>
             </a:pPr>
             <a:r>
-              <a:t>Why Sample?</a:t>
-            </a:r>
-          </a:p>
-        </p:txBody>
-      </p:sp>
-      <p:sp>
-        <p:nvSpPr>
-          <p:cNvPr id="3" name="Content Placeholder 2"/>
-          <p:cNvSpPr>
-            <a:spLocks noGrp="1"/>
-          </p:cNvSpPr>
-          <p:nvPr>
-            <p:ph sz="half" idx="1"/>
-          </p:nvPr>
-        </p:nvSpPr>
-        <p:spPr/>
-        <p:txBody>
-          <a:bodyPr>
-            <a:normAutofit fontScale="92500" lnSpcReduction="20000"/>
-          </a:bodyPr>
-          <a:lstStyle/>
-          <a:p>
-            <a:pPr lvl="0"/>
-            <a:r>
-              <a:t>Sampling is embedded across the ML lifecycle: data exploration, train/validation/test split, etc.</a:t>
-            </a:r>
-          </a:p>
-          <a:p>
-            <a:pPr lvl="0"/>
-            <a:r>
-              <a:t>Sometimes, sampling is necessary:</a:t>
-            </a:r>
-          </a:p>
-          <a:p>
-            <a:pPr lvl="1"/>
-            <a:r>
-              <a:t>We cannot access all possible data in the real world.</a:t>
-            </a:r>
-          </a:p>
-          <a:p>
-            <a:pPr lvl="1"/>
-            <a:r>
-              <a:t>Using all data is unfeasible, costly, or otherwise impractical.</a:t>
-            </a:r>
-          </a:p>
-          <a:p>
-            <a:pPr lvl="1"/>
-            <a:r>
-              <a:t>Accomplish a task faster and cheaper: experiment with a new model, explore data, etc.</a:t>
-            </a:r>
-          </a:p>
-        </p:txBody>
-      </p:sp>
-      <p:sp>
-        <p:nvSpPr>
-          <p:cNvPr id="4" name="Content Placeholder 3"/>
-          <p:cNvSpPr>
-            <a:spLocks noGrp="1"/>
-          </p:cNvSpPr>
-          <p:nvPr>
-            <p:ph sz="half" idx="2"/>
-          </p:nvPr>
-        </p:nvSpPr>
-        <p:spPr/>
-        <p:txBody>
-          <a:bodyPr>
-            <a:normAutofit fontScale="92500" lnSpcReduction="20000"/>
-          </a:bodyPr>
-          <a:lstStyle/>
-          <a:p>
-            <a:pPr marL="0" lvl="0" indent="0">
-              <a:buNone/>
-            </a:pPr>
-            <a:r>
-              <a:t>There are two families of sampling:</a:t>
-            </a:r>
-          </a:p>
-          <a:p>
-            <a:pPr lvl="0"/>
-            <a:r>
-              <a:t>Nonprobability sampling.</a:t>
-            </a:r>
-          </a:p>
-          <a:p>
-            <a:pPr lvl="0"/>
-            <a:r>
-              <a:t>Random sampling.</a:t>
-            </a:r>
-          </a:p>
-        </p:txBody>
-      </p:sp>
-      <p:sp>
-        <p:nvSpPr>
-          <p:cNvPr id="5" name="Date Placeholder 4">
+              <a:t>Sampling</a:t>
+            </a:r>
+          </a:p>
+        </p:txBody>
+      </p:sp>
+      <p:sp>
+        <p:nvSpPr>
+          <p:cNvPr id="3" name="Date Placeholder 2">
             <a:extLst>
               <a:ext uri="{FF2B5EF4-FFF2-40B4-BE49-F238E27FC236}">
-                <a16:creationId xmlns:a16="http://schemas.microsoft.com/office/drawing/2014/main" id="{0BA76498-1BD8-3143-C2D8-B2A29C71585E}"/>
+                <a16:creationId xmlns:a16="http://schemas.microsoft.com/office/drawing/2014/main" id="{7548A3E1-BB29-D70D-38ED-9922804B1320}"/>
               </a:ext>
             </a:extLst>
           </p:cNvPr>
@@ -8459,18 +8662,19 @@
           <a:lstStyle/>
           <a:p>
             <a:r>
-              <a:rPr lang="en-CA"/>
-              <a:t>February 2024</a:t>
-            </a:r>
-          </a:p>
-        </p:txBody>
-      </p:sp>
-      <p:sp>
-        <p:nvSpPr>
-          <p:cNvPr id="6" name="Footer Placeholder 5">
+              <a:rPr lang="en-US"/>
+              <a:t>Februrary 2024</a:t>
+            </a:r>
+            <a:endParaRPr lang="en-CA"/>
+          </a:p>
+        </p:txBody>
+      </p:sp>
+      <p:sp>
+        <p:nvSpPr>
+          <p:cNvPr id="4" name="Footer Placeholder 3">
             <a:extLst>
               <a:ext uri="{FF2B5EF4-FFF2-40B4-BE49-F238E27FC236}">
-                <a16:creationId xmlns:a16="http://schemas.microsoft.com/office/drawing/2014/main" id="{7CC3B097-E691-99D2-2B4E-F8140DAB547B}"/>
+                <a16:creationId xmlns:a16="http://schemas.microsoft.com/office/drawing/2014/main" id="{D5D832E4-E2DD-71DD-FB65-F802D8D37B75}"/>
               </a:ext>
             </a:extLst>
           </p:cNvPr>
@@ -8496,10 +8700,10 @@
       </p:sp>
       <p:sp>
         <p:nvSpPr>
-          <p:cNvPr id="7" name="Slide Number Placeholder 6">
+          <p:cNvPr id="5" name="Slide Number Placeholder 4">
             <a:extLst>
               <a:ext uri="{FF2B5EF4-FFF2-40B4-BE49-F238E27FC236}">
-                <a16:creationId xmlns:a16="http://schemas.microsoft.com/office/drawing/2014/main" id="{0EB61C36-0096-6E84-7F91-6E32925B8C0F}"/>
+                <a16:creationId xmlns:a16="http://schemas.microsoft.com/office/drawing/2014/main" id="{E1C1AE94-9C7C-BE18-CC42-CFE59D9AF38F}"/>
               </a:ext>
             </a:extLst>
           </p:cNvPr>
@@ -8567,7 +8771,7 @@
               <a:buNone/>
             </a:pPr>
             <a:r>
-              <a:t>Nonprobability Sampling</a:t>
+              <a:t>Why Sample?</a:t>
             </a:r>
           </a:p>
         </p:txBody>
@@ -8585,109 +8789,75 @@
         <p:spPr/>
         <p:txBody>
           <a:bodyPr>
-            <a:normAutofit fontScale="70000" lnSpcReduction="20000"/>
+            <a:normAutofit fontScale="92500" lnSpcReduction="20000"/>
           </a:bodyPr>
           <a:lstStyle/>
           <a:p>
             <a:pPr lvl="0"/>
             <a:r>
-              <a:t>Generally, selecting data to train ML methods using this family of sampling methods is a bad idea, but some of them are popular.</a:t>
+              <a:t>Sampling is embedded across the ML lifecycle: data exploration, train/validation/test split, etc.</a:t>
             </a:r>
           </a:p>
           <a:p>
             <a:pPr lvl="0"/>
             <a:r>
-              <a:t>Convenience sampling</a:t>
+              <a:t>Sometimes, sampling is necessary:</a:t>
             </a:r>
           </a:p>
           <a:p>
             <a:pPr lvl="1"/>
             <a:r>
-              <a:t>Select data based on their availability.</a:t>
+              <a:t>We cannot access all possible data in the real world.</a:t>
             </a:r>
           </a:p>
           <a:p>
             <a:pPr lvl="1"/>
             <a:r>
-              <a:t>Popular and convenient: fast, inexpensive, practical.</a:t>
+              <a:t>Using all data is unfeasible, costly, or otherwise impractical.</a:t>
             </a:r>
           </a:p>
           <a:p>
             <a:pPr lvl="1"/>
             <a:r>
-              <a:t>Not scientific and does not offer guarantees.</a:t>
+              <a:t>Accomplish a task faster and cheaper: experiment with a new model, explore data, etc.</a:t>
+            </a:r>
+          </a:p>
+        </p:txBody>
+      </p:sp>
+      <p:sp>
+        <p:nvSpPr>
+          <p:cNvPr id="4" name="Content Placeholder 3"/>
+          <p:cNvSpPr>
+            <a:spLocks noGrp="1"/>
+          </p:cNvSpPr>
+          <p:nvPr>
+            <p:ph sz="half" idx="2"/>
+          </p:nvPr>
+        </p:nvSpPr>
+        <p:spPr/>
+        <p:txBody>
+          <a:bodyPr>
+            <a:normAutofit fontScale="92500" lnSpcReduction="20000"/>
+          </a:bodyPr>
+          <a:lstStyle/>
+          <a:p>
+            <a:pPr marL="0" lvl="0" indent="0">
+              <a:buNone/>
+            </a:pPr>
+            <a:r>
+              <a:t>There are two families of sampling:</a:t>
             </a:r>
           </a:p>
           <a:p>
             <a:pPr lvl="0"/>
             <a:r>
-              <a:t>Snowball sampling</a:t>
-            </a:r>
-          </a:p>
-          <a:p>
-            <a:pPr lvl="1"/>
-            <a:r>
-              <a:t>Future samples are selected based on existing samples.</a:t>
-            </a:r>
-          </a:p>
-          <a:p>
-            <a:pPr lvl="1"/>
-            <a:r>
-              <a:t>Sampling in social media (or other) networks: select a base sample of accounts, then expand the sample by adding the accounts they follow, and so on.</a:t>
-            </a:r>
-          </a:p>
-        </p:txBody>
-      </p:sp>
-      <p:sp>
-        <p:nvSpPr>
-          <p:cNvPr id="4" name="Content Placeholder 3"/>
-          <p:cNvSpPr>
-            <a:spLocks noGrp="1"/>
-          </p:cNvSpPr>
-          <p:nvPr>
-            <p:ph sz="half" idx="2"/>
-          </p:nvPr>
-        </p:nvSpPr>
-        <p:spPr/>
-        <p:txBody>
-          <a:bodyPr>
-            <a:normAutofit fontScale="70000" lnSpcReduction="20000"/>
-          </a:bodyPr>
-          <a:lstStyle/>
+              <a:t>Nonprobability sampling.</a:t>
+            </a:r>
+          </a:p>
           <a:p>
             <a:pPr lvl="0"/>
             <a:r>
-              <a:t>Judgement sampling</a:t>
-            </a:r>
-          </a:p>
-          <a:p>
-            <a:pPr lvl="1"/>
-            <a:r>
-              <a:t>Experts decide what samples to include.</a:t>
-            </a:r>
-          </a:p>
-          <a:p>
-            <a:pPr lvl="1"/>
-            <a:r>
-              <a:t>AKA: risk-based, SME, subjective, etc.</a:t>
-            </a:r>
-          </a:p>
-          <a:p>
-            <a:pPr lvl="0"/>
-            <a:r>
-              <a:t>Quota sampling</a:t>
-            </a:r>
-          </a:p>
-          <a:p>
-            <a:pPr lvl="1"/>
-            <a:r>
-              <a:t>Select samples based on predefined and heuristic quotas.</a:t>
-            </a:r>
-          </a:p>
-          <a:p>
-            <a:pPr lvl="1"/>
-            <a:r>
-              <a:t>Example: select 100 responses from all age groups without considering the proportional representation of age groups.</a:t>
+              <a:t>Random sampling.</a:t>
             </a:r>
           </a:p>
         </p:txBody>
@@ -8697,7 +8867,7 @@
           <p:cNvPr id="5" name="Date Placeholder 4">
             <a:extLst>
               <a:ext uri="{FF2B5EF4-FFF2-40B4-BE49-F238E27FC236}">
-                <a16:creationId xmlns:a16="http://schemas.microsoft.com/office/drawing/2014/main" id="{568E1D22-0799-AD31-DEFD-009A21E052F2}"/>
+                <a16:creationId xmlns:a16="http://schemas.microsoft.com/office/drawing/2014/main" id="{2F41606D-AD88-2516-D7F4-26B5955487EC}"/>
               </a:ext>
             </a:extLst>
           </p:cNvPr>
@@ -8714,9 +8884,10 @@
           <a:lstStyle/>
           <a:p>
             <a:r>
-              <a:rPr lang="en-CA"/>
-              <a:t>February 2024</a:t>
-            </a:r>
+              <a:rPr lang="en-US"/>
+              <a:t>Februrary 2024</a:t>
+            </a:r>
+            <a:endParaRPr lang="en-CA"/>
           </a:p>
         </p:txBody>
       </p:sp>
@@ -8725,7 +8896,7 @@
           <p:cNvPr id="6" name="Footer Placeholder 5">
             <a:extLst>
               <a:ext uri="{FF2B5EF4-FFF2-40B4-BE49-F238E27FC236}">
-                <a16:creationId xmlns:a16="http://schemas.microsoft.com/office/drawing/2014/main" id="{283229F0-BE5B-EFB4-5FA2-07F291E50F42}"/>
+                <a16:creationId xmlns:a16="http://schemas.microsoft.com/office/drawing/2014/main" id="{C6200C05-9474-0D3E-15BE-6EA4EE3E3603}"/>
               </a:ext>
             </a:extLst>
           </p:cNvPr>
@@ -8754,7 +8925,7 @@
           <p:cNvPr id="7" name="Slide Number Placeholder 6">
             <a:extLst>
               <a:ext uri="{FF2B5EF4-FFF2-40B4-BE49-F238E27FC236}">
-                <a16:creationId xmlns:a16="http://schemas.microsoft.com/office/drawing/2014/main" id="{68810833-6111-BDA5-4597-903991544627}"/>
+                <a16:creationId xmlns:a16="http://schemas.microsoft.com/office/drawing/2014/main" id="{39435DB7-5CCD-1862-FA43-D455DD56B976}"/>
               </a:ext>
             </a:extLst>
           </p:cNvPr>
@@ -8822,7 +8993,7 @@
               <a:buNone/>
             </a:pPr>
             <a:r>
-              <a:t>Random Sampling</a:t>
+              <a:t>Nonprobability Sampling</a:t>
             </a:r>
           </a:p>
         </p:txBody>
@@ -8840,141 +9011,109 @@
         <p:spPr/>
         <p:txBody>
           <a:bodyPr>
-            <a:normAutofit fontScale="55000" lnSpcReduction="20000"/>
+            <a:normAutofit fontScale="70000" lnSpcReduction="20000"/>
           </a:bodyPr>
           <a:lstStyle/>
           <a:p>
             <a:pPr lvl="0"/>
             <a:r>
-              <a:t>Simple Random Sampling</a:t>
+              <a:t>Generally, selecting data to train ML methods using this family of sampling methods is a bad idea, but some of them are popular.</a:t>
+            </a:r>
+          </a:p>
+          <a:p>
+            <a:pPr lvl="0"/>
+            <a:r>
+              <a:t>Convenience sampling</a:t>
             </a:r>
           </a:p>
           <a:p>
             <a:pPr lvl="1"/>
             <a:r>
-              <a:t>All potential samples in the population have equal probabilities of being selected.</a:t>
+              <a:t>Select data based on their availability.</a:t>
             </a:r>
           </a:p>
           <a:p>
             <a:pPr lvl="1"/>
             <a:r>
-              <a:t>Advantage: Easy to implement.</a:t>
+              <a:t>Popular and convenient: fast, inexpensive, practical.</a:t>
             </a:r>
           </a:p>
           <a:p>
             <a:pPr lvl="1"/>
             <a:r>
-              <a:t>Disadvantage: Rare categories of data may not appear in the selection: if a class appears in 0.01% of the data and we randomly select 1% of the population, we may not get a representation of this minority class.</a:t>
+              <a:t>Not scientific and does not offer guarantees.</a:t>
             </a:r>
           </a:p>
           <a:p>
             <a:pPr lvl="0"/>
             <a:r>
-              <a:t>Stratified Sampling</a:t>
+              <a:t>Snowball sampling</a:t>
             </a:r>
           </a:p>
           <a:p>
             <a:pPr lvl="1"/>
             <a:r>
-              <a:t>First, divide the population into groups we care about, then sample from each group separately.</a:t>
+              <a:t>Future samples are selected based on existing samples.</a:t>
             </a:r>
           </a:p>
           <a:p>
             <a:pPr lvl="1"/>
             <a:r>
-              <a:t>Each group is called a </a:t>
-            </a:r>
-            <a:r>
-              <a:rPr i="1"/>
-              <a:t>stratum</a:t>
-            </a:r>
-            <a:r>
-              <a:t> and this method is called </a:t>
-            </a:r>
-            <a:r>
-              <a:rPr i="1"/>
-              <a:t>stratified sampling</a:t>
-            </a:r>
-            <a:r>
-              <a:t>.</a:t>
+              <a:t>Sampling in social media (or other) networks: select a base sample of accounts, then expand the sample by adding the accounts they follow, and so on.</a:t>
+            </a:r>
+          </a:p>
+        </p:txBody>
+      </p:sp>
+      <p:sp>
+        <p:nvSpPr>
+          <p:cNvPr id="4" name="Content Placeholder 3"/>
+          <p:cNvSpPr>
+            <a:spLocks noGrp="1"/>
+          </p:cNvSpPr>
+          <p:nvPr>
+            <p:ph sz="half" idx="2"/>
+          </p:nvPr>
+        </p:nvSpPr>
+        <p:spPr/>
+        <p:txBody>
+          <a:bodyPr>
+            <a:normAutofit fontScale="70000" lnSpcReduction="20000"/>
+          </a:bodyPr>
+          <a:lstStyle/>
+          <a:p>
+            <a:pPr lvl="0"/>
+            <a:r>
+              <a:t>Judgement sampling</a:t>
             </a:r>
           </a:p>
           <a:p>
             <a:pPr lvl="1"/>
             <a:r>
-              <a:t>Advantage: the distribution of groups in the population is reflected in the sample.</a:t>
+              <a:t>Experts decide what samples to include.</a:t>
             </a:r>
           </a:p>
           <a:p>
             <a:pPr lvl="1"/>
             <a:r>
-              <a:t>Particularly important for selecting training, validation, and test sets.</a:t>
+              <a:t>AKA: risk-based, SME, subjective, etc.</a:t>
+            </a:r>
+          </a:p>
+          <a:p>
+            <a:pPr lvl="0"/>
+            <a:r>
+              <a:t>Quota sampling</a:t>
             </a:r>
           </a:p>
           <a:p>
             <a:pPr lvl="1"/>
             <a:r>
-              <a:t>This method is only sometimes possible (multilabel cases, for example, may not be treated).</a:t>
-            </a:r>
-          </a:p>
-        </p:txBody>
-      </p:sp>
-      <p:sp>
-        <p:nvSpPr>
-          <p:cNvPr id="4" name="Content Placeholder 3"/>
-          <p:cNvSpPr>
-            <a:spLocks noGrp="1"/>
-          </p:cNvSpPr>
-          <p:nvPr>
-            <p:ph sz="half" idx="2"/>
-          </p:nvPr>
-        </p:nvSpPr>
-        <p:spPr/>
-        <p:txBody>
-          <a:bodyPr>
-            <a:normAutofit fontScale="55000" lnSpcReduction="20000"/>
-          </a:bodyPr>
-          <a:lstStyle/>
-          <a:p>
-            <a:pPr lvl="0"/>
-            <a:r>
-              <a:t>Weighted Sampling</a:t>
+              <a:t>Select samples based on predefined and heuristic quotas.</a:t>
             </a:r>
           </a:p>
           <a:p>
             <a:pPr lvl="1"/>
             <a:r>
-              <a:t>Each sample is given a weight, determining the probability of being selected.</a:t>
-            </a:r>
-          </a:p>
-          <a:p>
-            <a:pPr lvl="1"/>
-            <a:r>
-              <a:t>This method allows us to leverage domain expertise.</a:t>
-            </a:r>
-          </a:p>
-          <a:p>
-            <a:pPr lvl="1"/>
-            <a:r>
-              <a:t>Can be used to adjust samples that are coming from a different distribution than the original data:</a:t>
-            </a:r>
-          </a:p>
-          <a:p>
-            <a:pPr lvl="2"/>
-            <a:r>
-              <a:t>Assume the data contains 25% red samples and 75% blue samples.</a:t>
-            </a:r>
-          </a:p>
-          <a:p>
-            <a:pPr lvl="2"/>
-            <a:r>
-              <a:t>We know the actual distribution is closer to 50% red and 50% blue.</a:t>
-            </a:r>
-          </a:p>
-          <a:p>
-            <a:pPr lvl="2"/>
-            <a:r>
-              <a:t>We can apply red weights that are three times higher than blue weights.</a:t>
+              <a:t>Example: select 100 responses from all age groups without considering the proportional representation of age groups.</a:t>
             </a:r>
           </a:p>
         </p:txBody>
@@ -8984,7 +9123,7 @@
           <p:cNvPr id="5" name="Date Placeholder 4">
             <a:extLst>
               <a:ext uri="{FF2B5EF4-FFF2-40B4-BE49-F238E27FC236}">
-                <a16:creationId xmlns:a16="http://schemas.microsoft.com/office/drawing/2014/main" id="{4400FFF4-0560-DBF0-69E9-31BFF97764B9}"/>
+                <a16:creationId xmlns:a16="http://schemas.microsoft.com/office/drawing/2014/main" id="{6B8DD68A-D62C-4BAA-08EF-17314E74C475}"/>
               </a:ext>
             </a:extLst>
           </p:cNvPr>
@@ -9001,9 +9140,10 @@
           <a:lstStyle/>
           <a:p>
             <a:r>
-              <a:rPr lang="en-CA"/>
-              <a:t>February 2024</a:t>
-            </a:r>
+              <a:rPr lang="en-US"/>
+              <a:t>Februrary 2024</a:t>
+            </a:r>
+            <a:endParaRPr lang="en-CA"/>
           </a:p>
         </p:txBody>
       </p:sp>
@@ -9012,7 +9152,7 @@
           <p:cNvPr id="6" name="Footer Placeholder 5">
             <a:extLst>
               <a:ext uri="{FF2B5EF4-FFF2-40B4-BE49-F238E27FC236}">
-                <a16:creationId xmlns:a16="http://schemas.microsoft.com/office/drawing/2014/main" id="{1EB7AE23-E5A6-ACE9-D579-24A7A8169796}"/>
+                <a16:creationId xmlns:a16="http://schemas.microsoft.com/office/drawing/2014/main" id="{DD642030-FE0F-6D67-257C-2F769EB801A4}"/>
               </a:ext>
             </a:extLst>
           </p:cNvPr>
@@ -9041,7 +9181,7 @@
           <p:cNvPr id="7" name="Slide Number Placeholder 6">
             <a:extLst>
               <a:ext uri="{FF2B5EF4-FFF2-40B4-BE49-F238E27FC236}">
-                <a16:creationId xmlns:a16="http://schemas.microsoft.com/office/drawing/2014/main" id="{814126AE-3F7D-B254-0663-78D1ED72710B}"/>
+                <a16:creationId xmlns:a16="http://schemas.microsoft.com/office/drawing/2014/main" id="{B2A97FBB-356D-1F87-09BA-7047E026200F}"/>
               </a:ext>
             </a:extLst>
           </p:cNvPr>
@@ -9074,6 +9214,294 @@
 </file>
 
 <file path=ppt/slides/slide8.xml><?xml version="1.0" encoding="utf-8"?>
+<p:sld xmlns:a="http://schemas.openxmlformats.org/drawingml/2006/main" xmlns:r="http://schemas.openxmlformats.org/officeDocument/2006/relationships" xmlns:p="http://schemas.openxmlformats.org/presentationml/2006/main">
+  <p:cSld>
+    <p:spTree>
+      <p:nvGrpSpPr>
+        <p:cNvPr id="1" name=""/>
+        <p:cNvGrpSpPr/>
+        <p:nvPr/>
+      </p:nvGrpSpPr>
+      <p:grpSpPr>
+        <a:xfrm>
+          <a:off x="0" y="0"/>
+          <a:ext cx="0" cy="0"/>
+          <a:chOff x="0" y="0"/>
+          <a:chExt cx="0" cy="0"/>
+        </a:xfrm>
+      </p:grpSpPr>
+      <p:sp>
+        <p:nvSpPr>
+          <p:cNvPr id="2" name="Title 1"/>
+          <p:cNvSpPr>
+            <a:spLocks noGrp="1"/>
+          </p:cNvSpPr>
+          <p:nvPr>
+            <p:ph type="title"/>
+          </p:nvPr>
+        </p:nvSpPr>
+        <p:spPr/>
+        <p:txBody>
+          <a:bodyPr/>
+          <a:lstStyle/>
+          <a:p>
+            <a:pPr marL="0" lvl="0" indent="0">
+              <a:buNone/>
+            </a:pPr>
+            <a:r>
+              <a:t>Random Sampling</a:t>
+            </a:r>
+          </a:p>
+        </p:txBody>
+      </p:sp>
+      <p:sp>
+        <p:nvSpPr>
+          <p:cNvPr id="3" name="Content Placeholder 2"/>
+          <p:cNvSpPr>
+            <a:spLocks noGrp="1"/>
+          </p:cNvSpPr>
+          <p:nvPr>
+            <p:ph sz="half" idx="1"/>
+          </p:nvPr>
+        </p:nvSpPr>
+        <p:spPr/>
+        <p:txBody>
+          <a:bodyPr>
+            <a:normAutofit fontScale="55000" lnSpcReduction="20000"/>
+          </a:bodyPr>
+          <a:lstStyle/>
+          <a:p>
+            <a:pPr lvl="0"/>
+            <a:r>
+              <a:t>Simple Random Sampling</a:t>
+            </a:r>
+          </a:p>
+          <a:p>
+            <a:pPr lvl="1"/>
+            <a:r>
+              <a:t>All potential samples in the population have equal probabilities of being selected.</a:t>
+            </a:r>
+          </a:p>
+          <a:p>
+            <a:pPr lvl="1"/>
+            <a:r>
+              <a:t>Advantage: Easy to implement.</a:t>
+            </a:r>
+          </a:p>
+          <a:p>
+            <a:pPr lvl="1"/>
+            <a:r>
+              <a:t>Disadvantage: Rare categories of data may not appear in the selection: if a class appears in 0.01% of the data and we randomly select 1% of the population, we may not get a representation of this minority class.</a:t>
+            </a:r>
+          </a:p>
+          <a:p>
+            <a:pPr lvl="0"/>
+            <a:r>
+              <a:t>Stratified Sampling</a:t>
+            </a:r>
+          </a:p>
+          <a:p>
+            <a:pPr lvl="1"/>
+            <a:r>
+              <a:t>First, divide the population into groups we care about, then sample from each group separately.</a:t>
+            </a:r>
+          </a:p>
+          <a:p>
+            <a:pPr lvl="1"/>
+            <a:r>
+              <a:t>Each group is called a </a:t>
+            </a:r>
+            <a:r>
+              <a:rPr i="1"/>
+              <a:t>stratum</a:t>
+            </a:r>
+            <a:r>
+              <a:t> and this method is called </a:t>
+            </a:r>
+            <a:r>
+              <a:rPr i="1"/>
+              <a:t>stratified sampling</a:t>
+            </a:r>
+            <a:r>
+              <a:t>.</a:t>
+            </a:r>
+          </a:p>
+          <a:p>
+            <a:pPr lvl="1"/>
+            <a:r>
+              <a:t>Advantage: the distribution of groups in the population is reflected in the sample.</a:t>
+            </a:r>
+          </a:p>
+          <a:p>
+            <a:pPr lvl="1"/>
+            <a:r>
+              <a:t>Particularly important for selecting training, validation, and test sets.</a:t>
+            </a:r>
+          </a:p>
+          <a:p>
+            <a:pPr lvl="1"/>
+            <a:r>
+              <a:t>This method is only sometimes possible (multilabel cases, for example, may not be treated).</a:t>
+            </a:r>
+          </a:p>
+        </p:txBody>
+      </p:sp>
+      <p:sp>
+        <p:nvSpPr>
+          <p:cNvPr id="4" name="Content Placeholder 3"/>
+          <p:cNvSpPr>
+            <a:spLocks noGrp="1"/>
+          </p:cNvSpPr>
+          <p:nvPr>
+            <p:ph sz="half" idx="2"/>
+          </p:nvPr>
+        </p:nvSpPr>
+        <p:spPr/>
+        <p:txBody>
+          <a:bodyPr>
+            <a:normAutofit fontScale="55000" lnSpcReduction="20000"/>
+          </a:bodyPr>
+          <a:lstStyle/>
+          <a:p>
+            <a:pPr lvl="0"/>
+            <a:r>
+              <a:t>Weighted Sampling</a:t>
+            </a:r>
+          </a:p>
+          <a:p>
+            <a:pPr lvl="1"/>
+            <a:r>
+              <a:t>Each sample is given a weight, determining the probability of being selected.</a:t>
+            </a:r>
+          </a:p>
+          <a:p>
+            <a:pPr lvl="1"/>
+            <a:r>
+              <a:t>This method allows us to leverage domain expertise.</a:t>
+            </a:r>
+          </a:p>
+          <a:p>
+            <a:pPr lvl="1"/>
+            <a:r>
+              <a:t>Can be used to adjust samples that are coming from a different distribution than the original data:</a:t>
+            </a:r>
+          </a:p>
+          <a:p>
+            <a:pPr lvl="2"/>
+            <a:r>
+              <a:t>Assume the data contains 25% red samples and 75% blue samples.</a:t>
+            </a:r>
+          </a:p>
+          <a:p>
+            <a:pPr lvl="2"/>
+            <a:r>
+              <a:t>We know the actual distribution is closer to 50% red and 50% blue.</a:t>
+            </a:r>
+          </a:p>
+          <a:p>
+            <a:pPr lvl="2"/>
+            <a:r>
+              <a:t>We can apply red weights that are three times higher than blue weights.</a:t>
+            </a:r>
+          </a:p>
+        </p:txBody>
+      </p:sp>
+      <p:sp>
+        <p:nvSpPr>
+          <p:cNvPr id="5" name="Date Placeholder 4">
+            <a:extLst>
+              <a:ext uri="{FF2B5EF4-FFF2-40B4-BE49-F238E27FC236}">
+                <a16:creationId xmlns:a16="http://schemas.microsoft.com/office/drawing/2014/main" id="{3A74733B-64DA-EE09-346D-BE9FDFE4F2D7}"/>
+              </a:ext>
+            </a:extLst>
+          </p:cNvPr>
+          <p:cNvSpPr>
+            <a:spLocks noGrp="1"/>
+          </p:cNvSpPr>
+          <p:nvPr>
+            <p:ph type="dt" sz="half" idx="10"/>
+          </p:nvPr>
+        </p:nvSpPr>
+        <p:spPr/>
+        <p:txBody>
+          <a:bodyPr/>
+          <a:lstStyle/>
+          <a:p>
+            <a:r>
+              <a:rPr lang="en-US"/>
+              <a:t>Februrary 2024</a:t>
+            </a:r>
+            <a:endParaRPr lang="en-CA"/>
+          </a:p>
+        </p:txBody>
+      </p:sp>
+      <p:sp>
+        <p:nvSpPr>
+          <p:cNvPr id="6" name="Footer Placeholder 5">
+            <a:extLst>
+              <a:ext uri="{FF2B5EF4-FFF2-40B4-BE49-F238E27FC236}">
+                <a16:creationId xmlns:a16="http://schemas.microsoft.com/office/drawing/2014/main" id="{4D965046-EB9E-CF02-C1EB-83EDD4854346}"/>
+              </a:ext>
+            </a:extLst>
+          </p:cNvPr>
+          <p:cNvSpPr>
+            <a:spLocks noGrp="1"/>
+          </p:cNvSpPr>
+          <p:nvPr>
+            <p:ph type="ftr" sz="quarter" idx="11"/>
+          </p:nvPr>
+        </p:nvSpPr>
+        <p:spPr/>
+        <p:txBody>
+          <a:bodyPr/>
+          <a:lstStyle/>
+          <a:p>
+            <a:r>
+              <a:rPr lang="en-US"/>
+              <a:t>Production 3 - Working with Training Data</a:t>
+            </a:r>
+            <a:endParaRPr lang="en-CA"/>
+          </a:p>
+        </p:txBody>
+      </p:sp>
+      <p:sp>
+        <p:nvSpPr>
+          <p:cNvPr id="7" name="Slide Number Placeholder 6">
+            <a:extLst>
+              <a:ext uri="{FF2B5EF4-FFF2-40B4-BE49-F238E27FC236}">
+                <a16:creationId xmlns:a16="http://schemas.microsoft.com/office/drawing/2014/main" id="{8151EFD0-2D19-9C5A-8226-C214D9FEA6A5}"/>
+              </a:ext>
+            </a:extLst>
+          </p:cNvPr>
+          <p:cNvSpPr>
+            <a:spLocks noGrp="1"/>
+          </p:cNvSpPr>
+          <p:nvPr>
+            <p:ph type="sldNum" sz="quarter" idx="12"/>
+          </p:nvPr>
+        </p:nvSpPr>
+        <p:spPr/>
+        <p:txBody>
+          <a:bodyPr/>
+          <a:lstStyle/>
+          <a:p>
+            <a:fld id="{4F4BDF5D-830C-4829-B676-EE421164B1C8}" type="slidenum">
+              <a:rPr lang="en-CA" smtClean="0"/>
+              <a:t>8</a:t>
+            </a:fld>
+            <a:endParaRPr lang="en-CA"/>
+          </a:p>
+        </p:txBody>
+      </p:sp>
+    </p:spTree>
+  </p:cSld>
+  <p:clrMapOvr>
+    <a:masterClrMapping/>
+  </p:clrMapOvr>
+</p:sld>
+</file>
+
+<file path=ppt/slides/slide9.xml><?xml version="1.0" encoding="utf-8"?>
 <p:sld xmlns:a="http://schemas.openxmlformats.org/drawingml/2006/main" xmlns:r="http://schemas.openxmlformats.org/officeDocument/2006/relationships" xmlns:p="http://schemas.openxmlformats.org/presentationml/2006/main">
   <p:cSld>
     <p:spTree>
@@ -9256,7 +9684,7 @@
           <p:cNvPr id="6" name="Date Placeholder 5">
             <a:extLst>
               <a:ext uri="{FF2B5EF4-FFF2-40B4-BE49-F238E27FC236}">
-                <a16:creationId xmlns:a16="http://schemas.microsoft.com/office/drawing/2014/main" id="{C270599A-8089-7848-597D-00C593FABFEE}"/>
+                <a16:creationId xmlns:a16="http://schemas.microsoft.com/office/drawing/2014/main" id="{86C9EC70-566E-DDEA-A274-4D95ECF5ABF1}"/>
               </a:ext>
             </a:extLst>
           </p:cNvPr>
@@ -9273,9 +9701,10 @@
           <a:lstStyle/>
           <a:p>
             <a:r>
-              <a:rPr lang="en-CA"/>
-              <a:t>February 2024</a:t>
-            </a:r>
+              <a:rPr lang="en-US"/>
+              <a:t>Februrary 2024</a:t>
+            </a:r>
+            <a:endParaRPr lang="en-CA"/>
           </a:p>
         </p:txBody>
       </p:sp>
@@ -9284,7 +9713,7 @@
           <p:cNvPr id="7" name="Footer Placeholder 6">
             <a:extLst>
               <a:ext uri="{FF2B5EF4-FFF2-40B4-BE49-F238E27FC236}">
-                <a16:creationId xmlns:a16="http://schemas.microsoft.com/office/drawing/2014/main" id="{E26301DA-84F4-B637-1F72-BE257F6E263A}"/>
+                <a16:creationId xmlns:a16="http://schemas.microsoft.com/office/drawing/2014/main" id="{9885134E-4599-8BC7-B7CE-38134F898965}"/>
               </a:ext>
             </a:extLst>
           </p:cNvPr>
@@ -9313,147 +9742,7 @@
           <p:cNvPr id="8" name="Slide Number Placeholder 7">
             <a:extLst>
               <a:ext uri="{FF2B5EF4-FFF2-40B4-BE49-F238E27FC236}">
-                <a16:creationId xmlns:a16="http://schemas.microsoft.com/office/drawing/2014/main" id="{76F74F8C-8420-139C-E3D8-CA2B320D9EE5}"/>
-              </a:ext>
-            </a:extLst>
-          </p:cNvPr>
-          <p:cNvSpPr>
-            <a:spLocks noGrp="1"/>
-          </p:cNvSpPr>
-          <p:nvPr>
-            <p:ph type="sldNum" sz="quarter" idx="12"/>
-          </p:nvPr>
-        </p:nvSpPr>
-        <p:spPr/>
-        <p:txBody>
-          <a:bodyPr/>
-          <a:lstStyle/>
-          <a:p>
-            <a:fld id="{4F4BDF5D-830C-4829-B676-EE421164B1C8}" type="slidenum">
-              <a:rPr lang="en-CA" smtClean="0"/>
-              <a:t>8</a:t>
-            </a:fld>
-            <a:endParaRPr lang="en-CA"/>
-          </a:p>
-        </p:txBody>
-      </p:sp>
-    </p:spTree>
-  </p:cSld>
-  <p:clrMapOvr>
-    <a:masterClrMapping/>
-  </p:clrMapOvr>
-</p:sld>
-</file>
-
-<file path=ppt/slides/slide9.xml><?xml version="1.0" encoding="utf-8"?>
-<p:sld xmlns:a="http://schemas.openxmlformats.org/drawingml/2006/main" xmlns:r="http://schemas.openxmlformats.org/officeDocument/2006/relationships" xmlns:p="http://schemas.openxmlformats.org/presentationml/2006/main">
-  <p:cSld>
-    <p:spTree>
-      <p:nvGrpSpPr>
-        <p:cNvPr id="1" name=""/>
-        <p:cNvGrpSpPr/>
-        <p:nvPr/>
-      </p:nvGrpSpPr>
-      <p:grpSpPr>
-        <a:xfrm>
-          <a:off x="0" y="0"/>
-          <a:ext cx="0" cy="0"/>
-          <a:chOff x="0" y="0"/>
-          <a:chExt cx="0" cy="0"/>
-        </a:xfrm>
-      </p:grpSpPr>
-      <p:sp>
-        <p:nvSpPr>
-          <p:cNvPr id="2" name="Title 1"/>
-          <p:cNvSpPr>
-            <a:spLocks noGrp="1"/>
-          </p:cNvSpPr>
-          <p:nvPr>
-            <p:ph type="title"/>
-          </p:nvPr>
-        </p:nvSpPr>
-        <p:spPr>
-          <a:xfrm>
-            <a:off x="603504" y="767419"/>
-            <a:ext cx="10780776" cy="3355848"/>
-          </a:xfrm>
-        </p:spPr>
-        <p:txBody>
-          <a:bodyPr/>
-          <a:lstStyle/>
-          <a:p>
-            <a:pPr marL="0" lvl="0" indent="0">
-              <a:buNone/>
-            </a:pPr>
-            <a:r>
-              <a:t>Labeling</a:t>
-            </a:r>
-          </a:p>
-        </p:txBody>
-      </p:sp>
-      <p:sp>
-        <p:nvSpPr>
-          <p:cNvPr id="3" name="Date Placeholder 2">
-            <a:extLst>
-              <a:ext uri="{FF2B5EF4-FFF2-40B4-BE49-F238E27FC236}">
-                <a16:creationId xmlns:a16="http://schemas.microsoft.com/office/drawing/2014/main" id="{A586B58C-5DAF-BF7C-EB7E-92366E8AF878}"/>
-              </a:ext>
-            </a:extLst>
-          </p:cNvPr>
-          <p:cNvSpPr>
-            <a:spLocks noGrp="1"/>
-          </p:cNvSpPr>
-          <p:nvPr>
-            <p:ph type="dt" sz="half" idx="10"/>
-          </p:nvPr>
-        </p:nvSpPr>
-        <p:spPr/>
-        <p:txBody>
-          <a:bodyPr/>
-          <a:lstStyle/>
-          <a:p>
-            <a:r>
-              <a:rPr lang="en-CA"/>
-              <a:t>February 2024</a:t>
-            </a:r>
-          </a:p>
-        </p:txBody>
-      </p:sp>
-      <p:sp>
-        <p:nvSpPr>
-          <p:cNvPr id="4" name="Footer Placeholder 3">
-            <a:extLst>
-              <a:ext uri="{FF2B5EF4-FFF2-40B4-BE49-F238E27FC236}">
-                <a16:creationId xmlns:a16="http://schemas.microsoft.com/office/drawing/2014/main" id="{0E1D0EB9-06E1-5698-5D6B-0897EC157D85}"/>
-              </a:ext>
-            </a:extLst>
-          </p:cNvPr>
-          <p:cNvSpPr>
-            <a:spLocks noGrp="1"/>
-          </p:cNvSpPr>
-          <p:nvPr>
-            <p:ph type="ftr" sz="quarter" idx="11"/>
-          </p:nvPr>
-        </p:nvSpPr>
-        <p:spPr/>
-        <p:txBody>
-          <a:bodyPr/>
-          <a:lstStyle/>
-          <a:p>
-            <a:r>
-              <a:rPr lang="en-US"/>
-              <a:t>Production 3 - Working with Training Data</a:t>
-            </a:r>
-            <a:endParaRPr lang="en-CA"/>
-          </a:p>
-        </p:txBody>
-      </p:sp>
-      <p:sp>
-        <p:nvSpPr>
-          <p:cNvPr id="5" name="Slide Number Placeholder 4">
-            <a:extLst>
-              <a:ext uri="{FF2B5EF4-FFF2-40B4-BE49-F238E27FC236}">
-                <a16:creationId xmlns:a16="http://schemas.microsoft.com/office/drawing/2014/main" id="{D5CA9CB5-FE64-0072-179B-9F2DD852DF9F}"/>
+                <a16:creationId xmlns:a16="http://schemas.microsoft.com/office/drawing/2014/main" id="{7930390C-1DC7-9BF6-1ACB-0B0613540AEF}"/>
               </a:ext>
             </a:extLst>
           </p:cNvPr>
